--- a/CYBER360-8.3-Inheritance.pptx
+++ b/CYBER360-8.3-Inheritance.pptx
@@ -3,20 +3,20 @@
 <p:presentation xmlns:a="http://schemas.openxmlformats.org/drawingml/2006/main" xmlns:r="http://schemas.openxmlformats.org/officeDocument/2006/relationships" xmlns:p="http://schemas.openxmlformats.org/presentationml/2006/main" saveSubsetFonts="1">
   <p:sldMasterIdLst>
     <p:sldMasterId id="2147483661" r:id="rId1"/>
-    <p:sldMasterId id="2147483681" r:id="rId2"/>
+    <p:sldMasterId id="2147483694" r:id="rId2"/>
   </p:sldMasterIdLst>
   <p:sldIdLst>
-    <p:sldId id="256" r:id="rId3"/>
-    <p:sldId id="266" r:id="rId4"/>
-    <p:sldId id="287" r:id="rId5"/>
-    <p:sldId id="267" r:id="rId6"/>
-    <p:sldId id="288" r:id="rId7"/>
-    <p:sldId id="285" r:id="rId8"/>
-    <p:sldId id="286" r:id="rId9"/>
-    <p:sldId id="289" r:id="rId10"/>
-    <p:sldId id="290" r:id="rId11"/>
-    <p:sldId id="291" r:id="rId12"/>
-    <p:sldId id="284" r:id="rId13"/>
+    <p:sldId id="292" r:id="rId3"/>
+    <p:sldId id="256" r:id="rId4"/>
+    <p:sldId id="293" r:id="rId5"/>
+    <p:sldId id="294" r:id="rId6"/>
+    <p:sldId id="295" r:id="rId7"/>
+    <p:sldId id="296" r:id="rId8"/>
+    <p:sldId id="297" r:id="rId9"/>
+    <p:sldId id="298" r:id="rId10"/>
+    <p:sldId id="299" r:id="rId11"/>
+    <p:sldId id="300" r:id="rId12"/>
+    <p:sldId id="301" r:id="rId13"/>
   </p:sldIdLst>
   <p:sldSz cx="12192000" cy="6858000"/>
   <p:notesSz cx="6858000" cy="9144000"/>
@@ -156,13 +156,307 @@
 <file path=ppt/revisionInfo.xml><?xml version="1.0" encoding="utf-8"?>
 <p1510:revInfo xmlns:a="http://schemas.openxmlformats.org/drawingml/2006/main" xmlns:r="http://schemas.openxmlformats.org/officeDocument/2006/relationships" xmlns:p1510="http://schemas.microsoft.com/office/powerpoint/2015/10/main">
   <p1510:revLst>
-    <p1510:client id="{3889D47B-FCE9-4AB2-9111-4C64BAB2FC05}" v="8" dt="2024-06-15T16:13:50.377"/>
+    <p1510:client id="{E09803C7-E6F1-4593-BE2C-5C662A407D48}" v="30" dt="2024-12-17T16:06:53.312"/>
   </p1510:revLst>
 </p1510:revInfo>
 </file>
 
 <file path=ppt/changesInfos/changesInfo1.xml><?xml version="1.0" encoding="utf-8"?>
 <pc:chgInfo xmlns:a="http://schemas.openxmlformats.org/drawingml/2006/main" xmlns:r="http://schemas.openxmlformats.org/officeDocument/2006/relationships" xmlns:ac="http://schemas.microsoft.com/office/drawing/2013/main/command" xmlns:pc="http://schemas.microsoft.com/office/powerpoint/2013/main/command">
+  <pc:docChgLst>
+    <pc:chgData name="Gibbons, Carl" userId="d2b037bc-8fb4-4222-845c-61440543a456" providerId="ADAL" clId="{3889D47B-FCE9-4AB2-9111-4C64BAB2FC05}"/>
+    <pc:docChg chg="undo custSel addSld modSld">
+      <pc:chgData name="Gibbons, Carl" userId="d2b037bc-8fb4-4222-845c-61440543a456" providerId="ADAL" clId="{3889D47B-FCE9-4AB2-9111-4C64BAB2FC05}" dt="2024-06-25T16:14:47.332" v="16941" actId="20577"/>
+      <pc:docMkLst>
+        <pc:docMk/>
+      </pc:docMkLst>
+      <pc:sldChg chg="modSp mod">
+        <pc:chgData name="Gibbons, Carl" userId="d2b037bc-8fb4-4222-845c-61440543a456" providerId="ADAL" clId="{3889D47B-FCE9-4AB2-9111-4C64BAB2FC05}" dt="2024-06-18T16:11:22.239" v="16939" actId="20577"/>
+        <pc:sldMkLst>
+          <pc:docMk/>
+          <pc:sldMk cId="3644072983" sldId="256"/>
+        </pc:sldMkLst>
+        <pc:spChg chg="mod">
+          <ac:chgData name="Gibbons, Carl" userId="d2b037bc-8fb4-4222-845c-61440543a456" providerId="ADAL" clId="{3889D47B-FCE9-4AB2-9111-4C64BAB2FC05}" dt="2024-06-18T16:11:22.239" v="16939" actId="20577"/>
+          <ac:spMkLst>
+            <pc:docMk/>
+            <pc:sldMk cId="3644072983" sldId="256"/>
+            <ac:spMk id="3" creationId="{8586CD17-5B17-5D66-987C-05DC748B3FF9}"/>
+          </ac:spMkLst>
+        </pc:spChg>
+      </pc:sldChg>
+      <pc:sldChg chg="delSp modSp mod">
+        <pc:chgData name="Gibbons, Carl" userId="d2b037bc-8fb4-4222-845c-61440543a456" providerId="ADAL" clId="{3889D47B-FCE9-4AB2-9111-4C64BAB2FC05}" dt="2024-06-15T16:37:25.907" v="16757" actId="20577"/>
+        <pc:sldMkLst>
+          <pc:docMk/>
+          <pc:sldMk cId="2611413137" sldId="266"/>
+        </pc:sldMkLst>
+        <pc:spChg chg="mod">
+          <ac:chgData name="Gibbons, Carl" userId="d2b037bc-8fb4-4222-845c-61440543a456" providerId="ADAL" clId="{3889D47B-FCE9-4AB2-9111-4C64BAB2FC05}" dt="2024-06-15T16:36:03.779" v="16752" actId="20577"/>
+          <ac:spMkLst>
+            <pc:docMk/>
+            <pc:sldMk cId="2611413137" sldId="266"/>
+            <ac:spMk id="2" creationId="{64492E64-A68B-8CA7-B3C6-044F7C8E76AB}"/>
+          </ac:spMkLst>
+        </pc:spChg>
+        <pc:spChg chg="del mod">
+          <ac:chgData name="Gibbons, Carl" userId="d2b037bc-8fb4-4222-845c-61440543a456" providerId="ADAL" clId="{3889D47B-FCE9-4AB2-9111-4C64BAB2FC05}" dt="2024-06-15T02:17:46.854" v="1960" actId="478"/>
+          <ac:spMkLst>
+            <pc:docMk/>
+            <pc:sldMk cId="2611413137" sldId="266"/>
+            <ac:spMk id="3" creationId="{20E8B8C0-A2A5-7B62-1B40-D3BF6CA80A5C}"/>
+          </ac:spMkLst>
+        </pc:spChg>
+        <pc:spChg chg="mod">
+          <ac:chgData name="Gibbons, Carl" userId="d2b037bc-8fb4-4222-845c-61440543a456" providerId="ADAL" clId="{3889D47B-FCE9-4AB2-9111-4C64BAB2FC05}" dt="2024-06-15T16:37:25.907" v="16757" actId="20577"/>
+          <ac:spMkLst>
+            <pc:docMk/>
+            <pc:sldMk cId="2611413137" sldId="266"/>
+            <ac:spMk id="4" creationId="{B64A8207-997F-319E-7F6D-676D3ECA779B}"/>
+          </ac:spMkLst>
+        </pc:spChg>
+        <pc:spChg chg="del mod">
+          <ac:chgData name="Gibbons, Carl" userId="d2b037bc-8fb4-4222-845c-61440543a456" providerId="ADAL" clId="{3889D47B-FCE9-4AB2-9111-4C64BAB2FC05}" dt="2024-06-15T02:17:48.948" v="1961" actId="478"/>
+          <ac:spMkLst>
+            <pc:docMk/>
+            <pc:sldMk cId="2611413137" sldId="266"/>
+            <ac:spMk id="5" creationId="{EDDCCECA-E971-2EC4-FEF0-DCF50F49CE6A}"/>
+          </ac:spMkLst>
+        </pc:spChg>
+        <pc:spChg chg="del">
+          <ac:chgData name="Gibbons, Carl" userId="d2b037bc-8fb4-4222-845c-61440543a456" providerId="ADAL" clId="{3889D47B-FCE9-4AB2-9111-4C64BAB2FC05}" dt="2024-06-15T02:17:51.144" v="1962" actId="478"/>
+          <ac:spMkLst>
+            <pc:docMk/>
+            <pc:sldMk cId="2611413137" sldId="266"/>
+            <ac:spMk id="6" creationId="{BAACEC6C-4A35-E101-5EBD-12F9722B023B}"/>
+          </ac:spMkLst>
+        </pc:spChg>
+      </pc:sldChg>
+      <pc:sldChg chg="modSp mod">
+        <pc:chgData name="Gibbons, Carl" userId="d2b037bc-8fb4-4222-845c-61440543a456" providerId="ADAL" clId="{3889D47B-FCE9-4AB2-9111-4C64BAB2FC05}" dt="2024-06-15T16:35:34.617" v="16748" actId="114"/>
+        <pc:sldMkLst>
+          <pc:docMk/>
+          <pc:sldMk cId="4188996306" sldId="267"/>
+        </pc:sldMkLst>
+        <pc:spChg chg="mod">
+          <ac:chgData name="Gibbons, Carl" userId="d2b037bc-8fb4-4222-845c-61440543a456" providerId="ADAL" clId="{3889D47B-FCE9-4AB2-9111-4C64BAB2FC05}" dt="2024-06-15T03:34:23.581" v="5304" actId="20577"/>
+          <ac:spMkLst>
+            <pc:docMk/>
+            <pc:sldMk cId="4188996306" sldId="267"/>
+            <ac:spMk id="2" creationId="{64492E64-A68B-8CA7-B3C6-044F7C8E76AB}"/>
+          </ac:spMkLst>
+        </pc:spChg>
+        <pc:spChg chg="mod">
+          <ac:chgData name="Gibbons, Carl" userId="d2b037bc-8fb4-4222-845c-61440543a456" providerId="ADAL" clId="{3889D47B-FCE9-4AB2-9111-4C64BAB2FC05}" dt="2024-06-15T16:35:34.617" v="16748" actId="114"/>
+          <ac:spMkLst>
+            <pc:docMk/>
+            <pc:sldMk cId="4188996306" sldId="267"/>
+            <ac:spMk id="4" creationId="{B64A8207-997F-319E-7F6D-676D3ECA779B}"/>
+          </ac:spMkLst>
+        </pc:spChg>
+      </pc:sldChg>
+      <pc:sldChg chg="modSp mod">
+        <pc:chgData name="Gibbons, Carl" userId="d2b037bc-8fb4-4222-845c-61440543a456" providerId="ADAL" clId="{3889D47B-FCE9-4AB2-9111-4C64BAB2FC05}" dt="2024-06-15T16:05:30.597" v="16116" actId="20577"/>
+        <pc:sldMkLst>
+          <pc:docMk/>
+          <pc:sldMk cId="322366662" sldId="284"/>
+        </pc:sldMkLst>
+        <pc:spChg chg="mod">
+          <ac:chgData name="Gibbons, Carl" userId="d2b037bc-8fb4-4222-845c-61440543a456" providerId="ADAL" clId="{3889D47B-FCE9-4AB2-9111-4C64BAB2FC05}" dt="2024-06-15T16:05:30.597" v="16116" actId="20577"/>
+          <ac:spMkLst>
+            <pc:docMk/>
+            <pc:sldMk cId="322366662" sldId="284"/>
+            <ac:spMk id="4" creationId="{B64A8207-997F-319E-7F6D-676D3ECA779B}"/>
+          </ac:spMkLst>
+        </pc:spChg>
+      </pc:sldChg>
+      <pc:sldChg chg="modSp mod">
+        <pc:chgData name="Gibbons, Carl" userId="d2b037bc-8fb4-4222-845c-61440543a456" providerId="ADAL" clId="{3889D47B-FCE9-4AB2-9111-4C64BAB2FC05}" dt="2024-06-15T16:41:30.117" v="16827" actId="114"/>
+        <pc:sldMkLst>
+          <pc:docMk/>
+          <pc:sldMk cId="2432840855" sldId="285"/>
+        </pc:sldMkLst>
+        <pc:spChg chg="mod">
+          <ac:chgData name="Gibbons, Carl" userId="d2b037bc-8fb4-4222-845c-61440543a456" providerId="ADAL" clId="{3889D47B-FCE9-4AB2-9111-4C64BAB2FC05}" dt="2024-06-15T13:06:37.068" v="7275" actId="20577"/>
+          <ac:spMkLst>
+            <pc:docMk/>
+            <pc:sldMk cId="2432840855" sldId="285"/>
+            <ac:spMk id="2" creationId="{64492E64-A68B-8CA7-B3C6-044F7C8E76AB}"/>
+          </ac:spMkLst>
+        </pc:spChg>
+        <pc:spChg chg="mod">
+          <ac:chgData name="Gibbons, Carl" userId="d2b037bc-8fb4-4222-845c-61440543a456" providerId="ADAL" clId="{3889D47B-FCE9-4AB2-9111-4C64BAB2FC05}" dt="2024-06-15T16:41:30.117" v="16827" actId="114"/>
+          <ac:spMkLst>
+            <pc:docMk/>
+            <pc:sldMk cId="2432840855" sldId="285"/>
+            <ac:spMk id="4" creationId="{B64A8207-997F-319E-7F6D-676D3ECA779B}"/>
+          </ac:spMkLst>
+        </pc:spChg>
+      </pc:sldChg>
+      <pc:sldChg chg="modSp mod">
+        <pc:chgData name="Gibbons, Carl" userId="d2b037bc-8fb4-4222-845c-61440543a456" providerId="ADAL" clId="{3889D47B-FCE9-4AB2-9111-4C64BAB2FC05}" dt="2024-06-15T16:34:10.067" v="16747" actId="20577"/>
+        <pc:sldMkLst>
+          <pc:docMk/>
+          <pc:sldMk cId="2169521787" sldId="286"/>
+        </pc:sldMkLst>
+        <pc:spChg chg="mod">
+          <ac:chgData name="Gibbons, Carl" userId="d2b037bc-8fb4-4222-845c-61440543a456" providerId="ADAL" clId="{3889D47B-FCE9-4AB2-9111-4C64BAB2FC05}" dt="2024-06-15T14:39:00.702" v="9894" actId="20577"/>
+          <ac:spMkLst>
+            <pc:docMk/>
+            <pc:sldMk cId="2169521787" sldId="286"/>
+            <ac:spMk id="2" creationId="{64492E64-A68B-8CA7-B3C6-044F7C8E76AB}"/>
+          </ac:spMkLst>
+        </pc:spChg>
+        <pc:spChg chg="mod">
+          <ac:chgData name="Gibbons, Carl" userId="d2b037bc-8fb4-4222-845c-61440543a456" providerId="ADAL" clId="{3889D47B-FCE9-4AB2-9111-4C64BAB2FC05}" dt="2024-06-15T16:34:10.067" v="16747" actId="20577"/>
+          <ac:spMkLst>
+            <pc:docMk/>
+            <pc:sldMk cId="2169521787" sldId="286"/>
+            <ac:spMk id="4" creationId="{B64A8207-997F-319E-7F6D-676D3ECA779B}"/>
+          </ac:spMkLst>
+        </pc:spChg>
+      </pc:sldChg>
+      <pc:sldChg chg="addSp delSp modSp mod">
+        <pc:chgData name="Gibbons, Carl" userId="d2b037bc-8fb4-4222-845c-61440543a456" providerId="ADAL" clId="{3889D47B-FCE9-4AB2-9111-4C64BAB2FC05}" dt="2024-06-15T16:36:08.887" v="16754" actId="20577"/>
+        <pc:sldMkLst>
+          <pc:docMk/>
+          <pc:sldMk cId="1898587254" sldId="287"/>
+        </pc:sldMkLst>
+        <pc:spChg chg="mod">
+          <ac:chgData name="Gibbons, Carl" userId="d2b037bc-8fb4-4222-845c-61440543a456" providerId="ADAL" clId="{3889D47B-FCE9-4AB2-9111-4C64BAB2FC05}" dt="2024-06-15T16:36:08.887" v="16754" actId="20577"/>
+          <ac:spMkLst>
+            <pc:docMk/>
+            <pc:sldMk cId="1898587254" sldId="287"/>
+            <ac:spMk id="2" creationId="{64492E64-A68B-8CA7-B3C6-044F7C8E76AB}"/>
+          </ac:spMkLst>
+        </pc:spChg>
+        <pc:spChg chg="add mod">
+          <ac:chgData name="Gibbons, Carl" userId="d2b037bc-8fb4-4222-845c-61440543a456" providerId="ADAL" clId="{3889D47B-FCE9-4AB2-9111-4C64BAB2FC05}" dt="2024-06-15T03:33:36.927" v="5199" actId="20577"/>
+          <ac:spMkLst>
+            <pc:docMk/>
+            <pc:sldMk cId="1898587254" sldId="287"/>
+            <ac:spMk id="3" creationId="{A07D4459-4375-32A9-1627-ECA3B23C5287}"/>
+          </ac:spMkLst>
+        </pc:spChg>
+        <pc:spChg chg="mod">
+          <ac:chgData name="Gibbons, Carl" userId="d2b037bc-8fb4-4222-845c-61440543a456" providerId="ADAL" clId="{3889D47B-FCE9-4AB2-9111-4C64BAB2FC05}" dt="2024-06-15T14:27:28.507" v="9753" actId="20577"/>
+          <ac:spMkLst>
+            <pc:docMk/>
+            <pc:sldMk cId="1898587254" sldId="287"/>
+            <ac:spMk id="4" creationId="{B64A8207-997F-319E-7F6D-676D3ECA779B}"/>
+          </ac:spMkLst>
+        </pc:spChg>
+        <pc:spChg chg="add del mod">
+          <ac:chgData name="Gibbons, Carl" userId="d2b037bc-8fb4-4222-845c-61440543a456" providerId="ADAL" clId="{3889D47B-FCE9-4AB2-9111-4C64BAB2FC05}" dt="2024-06-15T03:27:51.055" v="5021" actId="478"/>
+          <ac:spMkLst>
+            <pc:docMk/>
+            <pc:sldMk cId="1898587254" sldId="287"/>
+            <ac:spMk id="5" creationId="{6DA673F6-3104-9590-1412-F98E5B2D8556}"/>
+          </ac:spMkLst>
+        </pc:spChg>
+        <pc:spChg chg="add mod">
+          <ac:chgData name="Gibbons, Carl" userId="d2b037bc-8fb4-4222-845c-61440543a456" providerId="ADAL" clId="{3889D47B-FCE9-4AB2-9111-4C64BAB2FC05}" dt="2024-06-15T03:33:40.396" v="5201" actId="20577"/>
+          <ac:spMkLst>
+            <pc:docMk/>
+            <pc:sldMk cId="1898587254" sldId="287"/>
+            <ac:spMk id="6" creationId="{DB335DE6-7D9E-2E32-D41E-03A3DFA8B40E}"/>
+          </ac:spMkLst>
+        </pc:spChg>
+      </pc:sldChg>
+      <pc:sldChg chg="modSp mod">
+        <pc:chgData name="Gibbons, Carl" userId="d2b037bc-8fb4-4222-845c-61440543a456" providerId="ADAL" clId="{3889D47B-FCE9-4AB2-9111-4C64BAB2FC05}" dt="2024-06-15T14:31:30.750" v="9797" actId="20577"/>
+        <pc:sldMkLst>
+          <pc:docMk/>
+          <pc:sldMk cId="1598400846" sldId="288"/>
+        </pc:sldMkLst>
+        <pc:spChg chg="mod">
+          <ac:chgData name="Gibbons, Carl" userId="d2b037bc-8fb4-4222-845c-61440543a456" providerId="ADAL" clId="{3889D47B-FCE9-4AB2-9111-4C64BAB2FC05}" dt="2024-06-15T13:54:39.696" v="9353" actId="20577"/>
+          <ac:spMkLst>
+            <pc:docMk/>
+            <pc:sldMk cId="1598400846" sldId="288"/>
+            <ac:spMk id="2" creationId="{64492E64-A68B-8CA7-B3C6-044F7C8E76AB}"/>
+          </ac:spMkLst>
+        </pc:spChg>
+        <pc:spChg chg="mod">
+          <ac:chgData name="Gibbons, Carl" userId="d2b037bc-8fb4-4222-845c-61440543a456" providerId="ADAL" clId="{3889D47B-FCE9-4AB2-9111-4C64BAB2FC05}" dt="2024-06-15T14:31:30.750" v="9797" actId="20577"/>
+          <ac:spMkLst>
+            <pc:docMk/>
+            <pc:sldMk cId="1598400846" sldId="288"/>
+            <ac:spMk id="4" creationId="{B64A8207-997F-319E-7F6D-676D3ECA779B}"/>
+          </ac:spMkLst>
+        </pc:spChg>
+      </pc:sldChg>
+      <pc:sldChg chg="modSp mod">
+        <pc:chgData name="Gibbons, Carl" userId="d2b037bc-8fb4-4222-845c-61440543a456" providerId="ADAL" clId="{3889D47B-FCE9-4AB2-9111-4C64BAB2FC05}" dt="2024-06-15T14:50:09.307" v="10646" actId="20577"/>
+        <pc:sldMkLst>
+          <pc:docMk/>
+          <pc:sldMk cId="1187668382" sldId="289"/>
+        </pc:sldMkLst>
+        <pc:spChg chg="mod">
+          <ac:chgData name="Gibbons, Carl" userId="d2b037bc-8fb4-4222-845c-61440543a456" providerId="ADAL" clId="{3889D47B-FCE9-4AB2-9111-4C64BAB2FC05}" dt="2024-06-15T14:39:34.640" v="9962" actId="2711"/>
+          <ac:spMkLst>
+            <pc:docMk/>
+            <pc:sldMk cId="1187668382" sldId="289"/>
+            <ac:spMk id="2" creationId="{64492E64-A68B-8CA7-B3C6-044F7C8E76AB}"/>
+          </ac:spMkLst>
+        </pc:spChg>
+        <pc:spChg chg="mod">
+          <ac:chgData name="Gibbons, Carl" userId="d2b037bc-8fb4-4222-845c-61440543a456" providerId="ADAL" clId="{3889D47B-FCE9-4AB2-9111-4C64BAB2FC05}" dt="2024-06-15T14:50:09.307" v="10646" actId="20577"/>
+          <ac:spMkLst>
+            <pc:docMk/>
+            <pc:sldMk cId="1187668382" sldId="289"/>
+            <ac:spMk id="4" creationId="{B64A8207-997F-319E-7F6D-676D3ECA779B}"/>
+          </ac:spMkLst>
+        </pc:spChg>
+      </pc:sldChg>
+      <pc:sldChg chg="modSp add mod">
+        <pc:chgData name="Gibbons, Carl" userId="d2b037bc-8fb4-4222-845c-61440543a456" providerId="ADAL" clId="{3889D47B-FCE9-4AB2-9111-4C64BAB2FC05}" dt="2024-06-15T16:17:53.627" v="16590" actId="20577"/>
+        <pc:sldMkLst>
+          <pc:docMk/>
+          <pc:sldMk cId="1294143228" sldId="290"/>
+        </pc:sldMkLst>
+        <pc:spChg chg="mod">
+          <ac:chgData name="Gibbons, Carl" userId="d2b037bc-8fb4-4222-845c-61440543a456" providerId="ADAL" clId="{3889D47B-FCE9-4AB2-9111-4C64BAB2FC05}" dt="2024-06-15T16:14:06.107" v="16409" actId="20577"/>
+          <ac:spMkLst>
+            <pc:docMk/>
+            <pc:sldMk cId="1294143228" sldId="290"/>
+            <ac:spMk id="2" creationId="{64492E64-A68B-8CA7-B3C6-044F7C8E76AB}"/>
+          </ac:spMkLst>
+        </pc:spChg>
+        <pc:spChg chg="mod">
+          <ac:chgData name="Gibbons, Carl" userId="d2b037bc-8fb4-4222-845c-61440543a456" providerId="ADAL" clId="{3889D47B-FCE9-4AB2-9111-4C64BAB2FC05}" dt="2024-06-15T16:17:53.627" v="16590" actId="20577"/>
+          <ac:spMkLst>
+            <pc:docMk/>
+            <pc:sldMk cId="1294143228" sldId="290"/>
+            <ac:spMk id="4" creationId="{B64A8207-997F-319E-7F6D-676D3ECA779B}"/>
+          </ac:spMkLst>
+        </pc:spChg>
+      </pc:sldChg>
+      <pc:sldChg chg="modSp add mod">
+        <pc:chgData name="Gibbons, Carl" userId="d2b037bc-8fb4-4222-845c-61440543a456" providerId="ADAL" clId="{3889D47B-FCE9-4AB2-9111-4C64BAB2FC05}" dt="2024-06-25T16:14:47.332" v="16941" actId="20577"/>
+        <pc:sldMkLst>
+          <pc:docMk/>
+          <pc:sldMk cId="1623491597" sldId="291"/>
+        </pc:sldMkLst>
+        <pc:spChg chg="mod">
+          <ac:chgData name="Gibbons, Carl" userId="d2b037bc-8fb4-4222-845c-61440543a456" providerId="ADAL" clId="{3889D47B-FCE9-4AB2-9111-4C64BAB2FC05}" dt="2024-06-15T16:19:27.896" v="16620" actId="20577"/>
+          <ac:spMkLst>
+            <pc:docMk/>
+            <pc:sldMk cId="1623491597" sldId="291"/>
+            <ac:spMk id="2" creationId="{64492E64-A68B-8CA7-B3C6-044F7C8E76AB}"/>
+          </ac:spMkLst>
+        </pc:spChg>
+        <pc:spChg chg="mod">
+          <ac:chgData name="Gibbons, Carl" userId="d2b037bc-8fb4-4222-845c-61440543a456" providerId="ADAL" clId="{3889D47B-FCE9-4AB2-9111-4C64BAB2FC05}" dt="2024-06-25T16:14:47.332" v="16941" actId="20577"/>
+          <ac:spMkLst>
+            <pc:docMk/>
+            <pc:sldMk cId="1623491597" sldId="291"/>
+            <ac:spMk id="4" creationId="{B64A8207-997F-319E-7F6D-676D3ECA779B}"/>
+          </ac:spMkLst>
+        </pc:spChg>
+      </pc:sldChg>
+    </pc:docChg>
+  </pc:docChgLst>
   <pc:docChgLst>
     <pc:chgData name="Gibbons, Carl" userId="d2b037bc-8fb4-4222-845c-61440543a456" providerId="ADAL" clId="{513A426B-8C0C-4739-8154-95FA52836484}"/>
     <pc:docChg chg="custSel modSld">
@@ -253,6 +547,99 @@
         </pc:sldMkLst>
         <pc:spChg chg="mod">
           <ac:chgData name="Gibbons, Carl" userId="d2b037bc-8fb4-4222-845c-61440543a456" providerId="ADAL" clId="{513A426B-8C0C-4739-8154-95FA52836484}" dt="2024-06-13T20:40:03.415" v="917" actId="20577"/>
+          <ac:spMkLst>
+            <pc:docMk/>
+            <pc:sldMk cId="1742169507" sldId="276"/>
+            <ac:spMk id="3" creationId="{ADD8957C-88E6-A920-4979-2BDA9406B518}"/>
+          </ac:spMkLst>
+        </pc:spChg>
+      </pc:sldChg>
+    </pc:docChg>
+  </pc:docChgLst>
+  <pc:docChgLst>
+    <pc:chgData name="Gibbons, Carl" userId="d2b037bc-8fb4-4222-845c-61440543a456" providerId="ADAL" clId="{ACF90228-EFF2-4732-BE47-2165A82AAC55}"/>
+    <pc:docChg chg="modSld">
+      <pc:chgData name="Gibbons, Carl" userId="d2b037bc-8fb4-4222-845c-61440543a456" providerId="ADAL" clId="{ACF90228-EFF2-4732-BE47-2165A82AAC55}" dt="2024-01-09T21:29:00.955" v="0"/>
+      <pc:docMkLst>
+        <pc:docMk/>
+      </pc:docMkLst>
+      <pc:sldChg chg="modSp mod">
+        <pc:chgData name="Gibbons, Carl" userId="d2b037bc-8fb4-4222-845c-61440543a456" providerId="ADAL" clId="{ACF90228-EFF2-4732-BE47-2165A82AAC55}" dt="2024-01-09T21:29:00.955" v="0"/>
+        <pc:sldMkLst>
+          <pc:docMk/>
+          <pc:sldMk cId="1055206713" sldId="269"/>
+        </pc:sldMkLst>
+        <pc:spChg chg="mod">
+          <ac:chgData name="Gibbons, Carl" userId="d2b037bc-8fb4-4222-845c-61440543a456" providerId="ADAL" clId="{ACF90228-EFF2-4732-BE47-2165A82AAC55}" dt="2024-01-09T21:29:00.955" v="0"/>
+          <ac:spMkLst>
+            <pc:docMk/>
+            <pc:sldMk cId="1055206713" sldId="269"/>
+            <ac:spMk id="4" creationId="{B64A8207-997F-319E-7F6D-676D3ECA779B}"/>
+          </ac:spMkLst>
+        </pc:spChg>
+      </pc:sldChg>
+    </pc:docChg>
+  </pc:docChgLst>
+  <pc:docChgLst>
+    <pc:chgData name="Gibbons, Carl" userId="d2b037bc-8fb4-4222-845c-61440543a456" providerId="ADAL" clId="{DD1CE632-2E50-4DF6-A094-0B92632EBA8E}"/>
+    <pc:docChg chg="modSld">
+      <pc:chgData name="Gibbons, Carl" userId="d2b037bc-8fb4-4222-845c-61440543a456" providerId="ADAL" clId="{DD1CE632-2E50-4DF6-A094-0B92632EBA8E}" dt="2023-12-06T17:42:28.848" v="23" actId="20577"/>
+      <pc:docMkLst>
+        <pc:docMk/>
+      </pc:docMkLst>
+      <pc:sldChg chg="modSp mod">
+        <pc:chgData name="Gibbons, Carl" userId="d2b037bc-8fb4-4222-845c-61440543a456" providerId="ADAL" clId="{DD1CE632-2E50-4DF6-A094-0B92632EBA8E}" dt="2023-11-21T08:38:02.899" v="11" actId="20577"/>
+        <pc:sldMkLst>
+          <pc:docMk/>
+          <pc:sldMk cId="3594981681" sldId="272"/>
+        </pc:sldMkLst>
+        <pc:spChg chg="mod">
+          <ac:chgData name="Gibbons, Carl" userId="d2b037bc-8fb4-4222-845c-61440543a456" providerId="ADAL" clId="{DD1CE632-2E50-4DF6-A094-0B92632EBA8E}" dt="2023-11-21T08:38:02.899" v="11" actId="20577"/>
+          <ac:spMkLst>
+            <pc:docMk/>
+            <pc:sldMk cId="3594981681" sldId="272"/>
+            <ac:spMk id="4" creationId="{B64A8207-997F-319E-7F6D-676D3ECA779B}"/>
+          </ac:spMkLst>
+        </pc:spChg>
+      </pc:sldChg>
+      <pc:sldChg chg="modSp mod">
+        <pc:chgData name="Gibbons, Carl" userId="d2b037bc-8fb4-4222-845c-61440543a456" providerId="ADAL" clId="{DD1CE632-2E50-4DF6-A094-0B92632EBA8E}" dt="2023-12-06T17:42:28.848" v="23" actId="20577"/>
+        <pc:sldMkLst>
+          <pc:docMk/>
+          <pc:sldMk cId="1865769485" sldId="273"/>
+        </pc:sldMkLst>
+        <pc:spChg chg="mod">
+          <ac:chgData name="Gibbons, Carl" userId="d2b037bc-8fb4-4222-845c-61440543a456" providerId="ADAL" clId="{DD1CE632-2E50-4DF6-A094-0B92632EBA8E}" dt="2023-12-06T17:42:28.848" v="23" actId="20577"/>
+          <ac:spMkLst>
+            <pc:docMk/>
+            <pc:sldMk cId="1865769485" sldId="273"/>
+            <ac:spMk id="4" creationId="{B64A8207-997F-319E-7F6D-676D3ECA779B}"/>
+          </ac:spMkLst>
+        </pc:spChg>
+      </pc:sldChg>
+      <pc:sldChg chg="modSp mod">
+        <pc:chgData name="Gibbons, Carl" userId="d2b037bc-8fb4-4222-845c-61440543a456" providerId="ADAL" clId="{DD1CE632-2E50-4DF6-A094-0B92632EBA8E}" dt="2023-12-06T17:39:43.190" v="12" actId="20577"/>
+        <pc:sldMkLst>
+          <pc:docMk/>
+          <pc:sldMk cId="3809967197" sldId="275"/>
+        </pc:sldMkLst>
+        <pc:spChg chg="mod">
+          <ac:chgData name="Gibbons, Carl" userId="d2b037bc-8fb4-4222-845c-61440543a456" providerId="ADAL" clId="{DD1CE632-2E50-4DF6-A094-0B92632EBA8E}" dt="2023-12-06T17:39:43.190" v="12" actId="20577"/>
+          <ac:spMkLst>
+            <pc:docMk/>
+            <pc:sldMk cId="3809967197" sldId="275"/>
+            <ac:spMk id="3" creationId="{ADD8957C-88E6-A920-4979-2BDA9406B518}"/>
+          </ac:spMkLst>
+        </pc:spChg>
+      </pc:sldChg>
+      <pc:sldChg chg="modSp mod">
+        <pc:chgData name="Gibbons, Carl" userId="d2b037bc-8fb4-4222-845c-61440543a456" providerId="ADAL" clId="{DD1CE632-2E50-4DF6-A094-0B92632EBA8E}" dt="2023-12-06T17:40:27.333" v="15" actId="20577"/>
+        <pc:sldMkLst>
+          <pc:docMk/>
+          <pc:sldMk cId="1742169507" sldId="276"/>
+        </pc:sldMkLst>
+        <pc:spChg chg="mod">
+          <ac:chgData name="Gibbons, Carl" userId="d2b037bc-8fb4-4222-845c-61440543a456" providerId="ADAL" clId="{DD1CE632-2E50-4DF6-A094-0B92632EBA8E}" dt="2023-12-06T17:40:27.333" v="15" actId="20577"/>
           <ac:spMkLst>
             <pc:docMk/>
             <pc:sldMk cId="1742169507" sldId="276"/>
@@ -475,297 +862,996 @@
     </pc:docChg>
   </pc:docChgLst>
   <pc:docChgLst>
-    <pc:chgData name="Gibbons, Carl" userId="d2b037bc-8fb4-4222-845c-61440543a456" providerId="ADAL" clId="{3889D47B-FCE9-4AB2-9111-4C64BAB2FC05}"/>
-    <pc:docChg chg="undo custSel addSld modSld">
-      <pc:chgData name="Gibbons, Carl" userId="d2b037bc-8fb4-4222-845c-61440543a456" providerId="ADAL" clId="{3889D47B-FCE9-4AB2-9111-4C64BAB2FC05}" dt="2024-06-25T16:14:47.332" v="16941" actId="20577"/>
+    <pc:chgData name="Willis, Orion" userId="e283381d-8284-4d3f-ab32-7d71b1e99e1a" providerId="ADAL" clId="{E09803C7-E6F1-4593-BE2C-5C662A407D48}"/>
+    <pc:docChg chg="undo custSel addSld delSld modSld delMainMaster">
+      <pc:chgData name="Willis, Orion" userId="e283381d-8284-4d3f-ab32-7d71b1e99e1a" providerId="ADAL" clId="{E09803C7-E6F1-4593-BE2C-5C662A407D48}" dt="2024-12-17T16:07:41.140" v="397" actId="1076"/>
       <pc:docMkLst>
         <pc:docMk/>
       </pc:docMkLst>
-      <pc:sldChg chg="modSp mod">
-        <pc:chgData name="Gibbons, Carl" userId="d2b037bc-8fb4-4222-845c-61440543a456" providerId="ADAL" clId="{3889D47B-FCE9-4AB2-9111-4C64BAB2FC05}" dt="2024-06-18T16:11:22.239" v="16939" actId="20577"/>
+      <pc:sldChg chg="addSp delSp modSp mod">
+        <pc:chgData name="Willis, Orion" userId="e283381d-8284-4d3f-ab32-7d71b1e99e1a" providerId="ADAL" clId="{E09803C7-E6F1-4593-BE2C-5C662A407D48}" dt="2024-12-17T15:36:34.447" v="70" actId="1036"/>
+        <pc:sldMkLst>
+          <pc:docMk/>
+          <pc:sldMk cId="1045937928" sldId="256"/>
+        </pc:sldMkLst>
+        <pc:spChg chg="del">
+          <ac:chgData name="Willis, Orion" userId="e283381d-8284-4d3f-ab32-7d71b1e99e1a" providerId="ADAL" clId="{E09803C7-E6F1-4593-BE2C-5C662A407D48}" dt="2024-12-17T15:35:34.236" v="46" actId="478"/>
+          <ac:spMkLst>
+            <pc:docMk/>
+            <pc:sldMk cId="1045937928" sldId="256"/>
+            <ac:spMk id="2" creationId="{9E5F5903-9361-1310-D6FA-4FE9DE7B7415}"/>
+          </ac:spMkLst>
+        </pc:spChg>
+        <pc:spChg chg="del">
+          <ac:chgData name="Willis, Orion" userId="e283381d-8284-4d3f-ab32-7d71b1e99e1a" providerId="ADAL" clId="{E09803C7-E6F1-4593-BE2C-5C662A407D48}" dt="2024-12-17T15:35:35.342" v="47" actId="478"/>
+          <ac:spMkLst>
+            <pc:docMk/>
+            <pc:sldMk cId="1045937928" sldId="256"/>
+            <ac:spMk id="3" creationId="{1510CFE7-456D-F779-B31C-B431388CF778}"/>
+          </ac:spMkLst>
+        </pc:spChg>
+        <pc:spChg chg="add mod">
+          <ac:chgData name="Willis, Orion" userId="e283381d-8284-4d3f-ab32-7d71b1e99e1a" providerId="ADAL" clId="{E09803C7-E6F1-4593-BE2C-5C662A407D48}" dt="2024-12-17T15:36:01.537" v="57" actId="1076"/>
+          <ac:spMkLst>
+            <pc:docMk/>
+            <pc:sldMk cId="1045937928" sldId="256"/>
+            <ac:spMk id="4" creationId="{64492E64-A68B-8CA7-B3C6-044F7C8E76AB}"/>
+          </ac:spMkLst>
+        </pc:spChg>
+        <pc:spChg chg="add mod">
+          <ac:chgData name="Willis, Orion" userId="e283381d-8284-4d3f-ab32-7d71b1e99e1a" providerId="ADAL" clId="{E09803C7-E6F1-4593-BE2C-5C662A407D48}" dt="2024-12-17T15:36:34.447" v="70" actId="1036"/>
+          <ac:spMkLst>
+            <pc:docMk/>
+            <pc:sldMk cId="1045937928" sldId="256"/>
+            <ac:spMk id="5" creationId="{B64A8207-997F-319E-7F6D-676D3ECA779B}"/>
+          </ac:spMkLst>
+        </pc:spChg>
+      </pc:sldChg>
+      <pc:sldChg chg="addSp delSp modSp del mod">
+        <pc:chgData name="Willis, Orion" userId="e283381d-8284-4d3f-ab32-7d71b1e99e1a" providerId="ADAL" clId="{E09803C7-E6F1-4593-BE2C-5C662A407D48}" dt="2024-12-17T15:35:03.880" v="41" actId="2696"/>
         <pc:sldMkLst>
           <pc:docMk/>
           <pc:sldMk cId="3644072983" sldId="256"/>
         </pc:sldMkLst>
-        <pc:spChg chg="mod">
-          <ac:chgData name="Gibbons, Carl" userId="d2b037bc-8fb4-4222-845c-61440543a456" providerId="ADAL" clId="{3889D47B-FCE9-4AB2-9111-4C64BAB2FC05}" dt="2024-06-18T16:11:22.239" v="16939" actId="20577"/>
+        <pc:spChg chg="add del">
+          <ac:chgData name="Willis, Orion" userId="e283381d-8284-4d3f-ab32-7d71b1e99e1a" providerId="ADAL" clId="{E09803C7-E6F1-4593-BE2C-5C662A407D48}" dt="2024-12-17T15:31:11.183" v="8" actId="21"/>
+          <ac:spMkLst>
+            <pc:docMk/>
+            <pc:sldMk cId="3644072983" sldId="256"/>
+            <ac:spMk id="2" creationId="{6FCA7FD7-E3CD-7A2C-5AF7-2EE59026C9D4}"/>
+          </ac:spMkLst>
+        </pc:spChg>
+        <pc:spChg chg="add del">
+          <ac:chgData name="Willis, Orion" userId="e283381d-8284-4d3f-ab32-7d71b1e99e1a" providerId="ADAL" clId="{E09803C7-E6F1-4593-BE2C-5C662A407D48}" dt="2024-12-17T15:31:11.183" v="8" actId="21"/>
           <ac:spMkLst>
             <pc:docMk/>
             <pc:sldMk cId="3644072983" sldId="256"/>
             <ac:spMk id="3" creationId="{8586CD17-5B17-5D66-987C-05DC748B3FF9}"/>
           </ac:spMkLst>
         </pc:spChg>
+        <pc:spChg chg="add del mod">
+          <ac:chgData name="Willis, Orion" userId="e283381d-8284-4d3f-ab32-7d71b1e99e1a" providerId="ADAL" clId="{E09803C7-E6F1-4593-BE2C-5C662A407D48}" dt="2024-12-17T15:30:32.889" v="1" actId="21"/>
+          <ac:spMkLst>
+            <pc:docMk/>
+            <pc:sldMk cId="3644072983" sldId="256"/>
+            <ac:spMk id="5" creationId="{ACDB2E41-485D-F223-F3C4-C93C9A758245}"/>
+          </ac:spMkLst>
+        </pc:spChg>
+        <pc:spChg chg="add del mod">
+          <ac:chgData name="Willis, Orion" userId="e283381d-8284-4d3f-ab32-7d71b1e99e1a" providerId="ADAL" clId="{E09803C7-E6F1-4593-BE2C-5C662A407D48}" dt="2024-12-17T15:30:32.889" v="1" actId="21"/>
+          <ac:spMkLst>
+            <pc:docMk/>
+            <pc:sldMk cId="3644072983" sldId="256"/>
+            <ac:spMk id="7" creationId="{6C413B83-5317-26C0-D8EA-3CFC7AF36F2B}"/>
+          </ac:spMkLst>
+        </pc:spChg>
+        <pc:spChg chg="add mod">
+          <ac:chgData name="Willis, Orion" userId="e283381d-8284-4d3f-ab32-7d71b1e99e1a" providerId="ADAL" clId="{E09803C7-E6F1-4593-BE2C-5C662A407D48}" dt="2024-12-17T15:31:11.183" v="8" actId="21"/>
+          <ac:spMkLst>
+            <pc:docMk/>
+            <pc:sldMk cId="3644072983" sldId="256"/>
+            <ac:spMk id="9" creationId="{1ECDE1CE-3BE0-F11C-A569-523C3B09FECA}"/>
+          </ac:spMkLst>
+        </pc:spChg>
+        <pc:spChg chg="add mod">
+          <ac:chgData name="Willis, Orion" userId="e283381d-8284-4d3f-ab32-7d71b1e99e1a" providerId="ADAL" clId="{E09803C7-E6F1-4593-BE2C-5C662A407D48}" dt="2024-12-17T15:31:11.183" v="8" actId="21"/>
+          <ac:spMkLst>
+            <pc:docMk/>
+            <pc:sldMk cId="3644072983" sldId="256"/>
+            <ac:spMk id="11" creationId="{7660AC27-6902-ABAD-91CC-7DF72D7304DC}"/>
+          </ac:spMkLst>
+        </pc:spChg>
       </pc:sldChg>
-      <pc:sldChg chg="delSp modSp mod">
-        <pc:chgData name="Gibbons, Carl" userId="d2b037bc-8fb4-4222-845c-61440543a456" providerId="ADAL" clId="{3889D47B-FCE9-4AB2-9111-4C64BAB2FC05}" dt="2024-06-15T16:37:25.907" v="16757" actId="20577"/>
+      <pc:sldChg chg="addSp delSp modSp del mod">
+        <pc:chgData name="Willis, Orion" userId="e283381d-8284-4d3f-ab32-7d71b1e99e1a" providerId="ADAL" clId="{E09803C7-E6F1-4593-BE2C-5C662A407D48}" dt="2024-12-17T15:35:30.809" v="45" actId="2696"/>
         <pc:sldMkLst>
           <pc:docMk/>
           <pc:sldMk cId="2611413137" sldId="266"/>
         </pc:sldMkLst>
-        <pc:spChg chg="mod">
-          <ac:chgData name="Gibbons, Carl" userId="d2b037bc-8fb4-4222-845c-61440543a456" providerId="ADAL" clId="{3889D47B-FCE9-4AB2-9111-4C64BAB2FC05}" dt="2024-06-15T16:36:03.779" v="16752" actId="20577"/>
+        <pc:spChg chg="del">
+          <ac:chgData name="Willis, Orion" userId="e283381d-8284-4d3f-ab32-7d71b1e99e1a" providerId="ADAL" clId="{E09803C7-E6F1-4593-BE2C-5C662A407D48}" dt="2024-12-17T15:35:28.113" v="43" actId="21"/>
           <ac:spMkLst>
             <pc:docMk/>
             <pc:sldMk cId="2611413137" sldId="266"/>
             <ac:spMk id="2" creationId="{64492E64-A68B-8CA7-B3C6-044F7C8E76AB}"/>
           </ac:spMkLst>
         </pc:spChg>
-        <pc:spChg chg="del mod">
-          <ac:chgData name="Gibbons, Carl" userId="d2b037bc-8fb4-4222-845c-61440543a456" providerId="ADAL" clId="{3889D47B-FCE9-4AB2-9111-4C64BAB2FC05}" dt="2024-06-15T02:17:46.854" v="1960" actId="478"/>
-          <ac:spMkLst>
-            <pc:docMk/>
-            <pc:sldMk cId="2611413137" sldId="266"/>
-            <ac:spMk id="3" creationId="{20E8B8C0-A2A5-7B62-1B40-D3BF6CA80A5C}"/>
-          </ac:spMkLst>
-        </pc:spChg>
-        <pc:spChg chg="mod">
-          <ac:chgData name="Gibbons, Carl" userId="d2b037bc-8fb4-4222-845c-61440543a456" providerId="ADAL" clId="{3889D47B-FCE9-4AB2-9111-4C64BAB2FC05}" dt="2024-06-15T16:37:25.907" v="16757" actId="20577"/>
+        <pc:spChg chg="del">
+          <ac:chgData name="Willis, Orion" userId="e283381d-8284-4d3f-ab32-7d71b1e99e1a" providerId="ADAL" clId="{E09803C7-E6F1-4593-BE2C-5C662A407D48}" dt="2024-12-17T15:35:28.113" v="43" actId="21"/>
           <ac:spMkLst>
             <pc:docMk/>
             <pc:sldMk cId="2611413137" sldId="266"/>
             <ac:spMk id="4" creationId="{B64A8207-997F-319E-7F6D-676D3ECA779B}"/>
           </ac:spMkLst>
         </pc:spChg>
-        <pc:spChg chg="del mod">
-          <ac:chgData name="Gibbons, Carl" userId="d2b037bc-8fb4-4222-845c-61440543a456" providerId="ADAL" clId="{3889D47B-FCE9-4AB2-9111-4C64BAB2FC05}" dt="2024-06-15T02:17:48.948" v="1961" actId="478"/>
+        <pc:spChg chg="add mod">
+          <ac:chgData name="Willis, Orion" userId="e283381d-8284-4d3f-ab32-7d71b1e99e1a" providerId="ADAL" clId="{E09803C7-E6F1-4593-BE2C-5C662A407D48}" dt="2024-12-17T15:35:28.117" v="44" actId="27636"/>
           <ac:spMkLst>
             <pc:docMk/>
             <pc:sldMk cId="2611413137" sldId="266"/>
-            <ac:spMk id="5" creationId="{EDDCCECA-E971-2EC4-FEF0-DCF50F49CE6A}"/>
-          </ac:spMkLst>
-        </pc:spChg>
-        <pc:spChg chg="del">
-          <ac:chgData name="Gibbons, Carl" userId="d2b037bc-8fb4-4222-845c-61440543a456" providerId="ADAL" clId="{3889D47B-FCE9-4AB2-9111-4C64BAB2FC05}" dt="2024-06-15T02:17:51.144" v="1962" actId="478"/>
-          <ac:spMkLst>
-            <pc:docMk/>
-            <pc:sldMk cId="2611413137" sldId="266"/>
-            <ac:spMk id="6" creationId="{BAACEC6C-4A35-E101-5EBD-12F9722B023B}"/>
+            <ac:spMk id="5" creationId="{173FB706-C965-6A09-8852-99BAEA875BF2}"/>
           </ac:spMkLst>
         </pc:spChg>
       </pc:sldChg>
-      <pc:sldChg chg="modSp mod">
-        <pc:chgData name="Gibbons, Carl" userId="d2b037bc-8fb4-4222-845c-61440543a456" providerId="ADAL" clId="{3889D47B-FCE9-4AB2-9111-4C64BAB2FC05}" dt="2024-06-15T16:35:34.617" v="16748" actId="114"/>
+      <pc:sldChg chg="addSp delSp modSp del mod">
+        <pc:chgData name="Willis, Orion" userId="e283381d-8284-4d3f-ab32-7d71b1e99e1a" providerId="ADAL" clId="{E09803C7-E6F1-4593-BE2C-5C662A407D48}" dt="2024-12-17T15:39:14.663" v="168" actId="2696"/>
         <pc:sldMkLst>
           <pc:docMk/>
           <pc:sldMk cId="4188996306" sldId="267"/>
         </pc:sldMkLst>
-        <pc:spChg chg="mod">
-          <ac:chgData name="Gibbons, Carl" userId="d2b037bc-8fb4-4222-845c-61440543a456" providerId="ADAL" clId="{3889D47B-FCE9-4AB2-9111-4C64BAB2FC05}" dt="2024-06-15T03:34:23.581" v="5304" actId="20577"/>
+        <pc:spChg chg="del">
+          <ac:chgData name="Willis, Orion" userId="e283381d-8284-4d3f-ab32-7d71b1e99e1a" providerId="ADAL" clId="{E09803C7-E6F1-4593-BE2C-5C662A407D48}" dt="2024-12-17T15:39:11.949" v="166" actId="21"/>
           <ac:spMkLst>
             <pc:docMk/>
             <pc:sldMk cId="4188996306" sldId="267"/>
             <ac:spMk id="2" creationId="{64492E64-A68B-8CA7-B3C6-044F7C8E76AB}"/>
           </ac:spMkLst>
         </pc:spChg>
-        <pc:spChg chg="mod">
-          <ac:chgData name="Gibbons, Carl" userId="d2b037bc-8fb4-4222-845c-61440543a456" providerId="ADAL" clId="{3889D47B-FCE9-4AB2-9111-4C64BAB2FC05}" dt="2024-06-15T16:35:34.617" v="16748" actId="114"/>
+        <pc:spChg chg="del">
+          <ac:chgData name="Willis, Orion" userId="e283381d-8284-4d3f-ab32-7d71b1e99e1a" providerId="ADAL" clId="{E09803C7-E6F1-4593-BE2C-5C662A407D48}" dt="2024-12-17T15:39:11.949" v="166" actId="21"/>
           <ac:spMkLst>
             <pc:docMk/>
             <pc:sldMk cId="4188996306" sldId="267"/>
             <ac:spMk id="4" creationId="{B64A8207-997F-319E-7F6D-676D3ECA779B}"/>
           </ac:spMkLst>
         </pc:spChg>
+        <pc:spChg chg="add mod">
+          <ac:chgData name="Willis, Orion" userId="e283381d-8284-4d3f-ab32-7d71b1e99e1a" providerId="ADAL" clId="{E09803C7-E6F1-4593-BE2C-5C662A407D48}" dt="2024-12-17T15:39:11.954" v="167" actId="27636"/>
+          <ac:spMkLst>
+            <pc:docMk/>
+            <pc:sldMk cId="4188996306" sldId="267"/>
+            <ac:spMk id="5" creationId="{98EA0FA0-B0D2-9729-5151-EF0D239E07D2}"/>
+          </ac:spMkLst>
+        </pc:spChg>
       </pc:sldChg>
-      <pc:sldChg chg="modSp mod">
-        <pc:chgData name="Gibbons, Carl" userId="d2b037bc-8fb4-4222-845c-61440543a456" providerId="ADAL" clId="{3889D47B-FCE9-4AB2-9111-4C64BAB2FC05}" dt="2024-06-15T16:05:30.597" v="16116" actId="20577"/>
+      <pc:sldChg chg="addSp delSp modSp del mod">
+        <pc:chgData name="Willis, Orion" userId="e283381d-8284-4d3f-ab32-7d71b1e99e1a" providerId="ADAL" clId="{E09803C7-E6F1-4593-BE2C-5C662A407D48}" dt="2024-12-17T16:06:46.608" v="379" actId="2696"/>
         <pc:sldMkLst>
           <pc:docMk/>
           <pc:sldMk cId="322366662" sldId="284"/>
         </pc:sldMkLst>
-        <pc:spChg chg="mod">
-          <ac:chgData name="Gibbons, Carl" userId="d2b037bc-8fb4-4222-845c-61440543a456" providerId="ADAL" clId="{3889D47B-FCE9-4AB2-9111-4C64BAB2FC05}" dt="2024-06-15T16:05:30.597" v="16116" actId="20577"/>
+        <pc:spChg chg="del">
+          <ac:chgData name="Willis, Orion" userId="e283381d-8284-4d3f-ab32-7d71b1e99e1a" providerId="ADAL" clId="{E09803C7-E6F1-4593-BE2C-5C662A407D48}" dt="2024-12-17T16:06:44.374" v="377" actId="21"/>
+          <ac:spMkLst>
+            <pc:docMk/>
+            <pc:sldMk cId="322366662" sldId="284"/>
+            <ac:spMk id="2" creationId="{64492E64-A68B-8CA7-B3C6-044F7C8E76AB}"/>
+          </ac:spMkLst>
+        </pc:spChg>
+        <pc:spChg chg="del">
+          <ac:chgData name="Willis, Orion" userId="e283381d-8284-4d3f-ab32-7d71b1e99e1a" providerId="ADAL" clId="{E09803C7-E6F1-4593-BE2C-5C662A407D48}" dt="2024-12-17T16:06:44.374" v="377" actId="21"/>
           <ac:spMkLst>
             <pc:docMk/>
             <pc:sldMk cId="322366662" sldId="284"/>
             <ac:spMk id="4" creationId="{B64A8207-997F-319E-7F6D-676D3ECA779B}"/>
           </ac:spMkLst>
         </pc:spChg>
+        <pc:spChg chg="add mod">
+          <ac:chgData name="Willis, Orion" userId="e283381d-8284-4d3f-ab32-7d71b1e99e1a" providerId="ADAL" clId="{E09803C7-E6F1-4593-BE2C-5C662A407D48}" dt="2024-12-17T16:06:44.383" v="378" actId="27636"/>
+          <ac:spMkLst>
+            <pc:docMk/>
+            <pc:sldMk cId="322366662" sldId="284"/>
+            <ac:spMk id="5" creationId="{FCD1870C-116C-17C3-A74E-91CB44760F97}"/>
+          </ac:spMkLst>
+        </pc:spChg>
       </pc:sldChg>
-      <pc:sldChg chg="modSp mod">
-        <pc:chgData name="Gibbons, Carl" userId="d2b037bc-8fb4-4222-845c-61440543a456" providerId="ADAL" clId="{3889D47B-FCE9-4AB2-9111-4C64BAB2FC05}" dt="2024-06-15T16:41:30.117" v="16827" actId="114"/>
+      <pc:sldChg chg="addSp delSp modSp del mod">
+        <pc:chgData name="Willis, Orion" userId="e283381d-8284-4d3f-ab32-7d71b1e99e1a" providerId="ADAL" clId="{E09803C7-E6F1-4593-BE2C-5C662A407D48}" dt="2024-12-17T15:50:57.503" v="252" actId="2696"/>
         <pc:sldMkLst>
           <pc:docMk/>
           <pc:sldMk cId="2432840855" sldId="285"/>
         </pc:sldMkLst>
-        <pc:spChg chg="mod">
-          <ac:chgData name="Gibbons, Carl" userId="d2b037bc-8fb4-4222-845c-61440543a456" providerId="ADAL" clId="{3889D47B-FCE9-4AB2-9111-4C64BAB2FC05}" dt="2024-06-15T13:06:37.068" v="7275" actId="20577"/>
+        <pc:spChg chg="del">
+          <ac:chgData name="Willis, Orion" userId="e283381d-8284-4d3f-ab32-7d71b1e99e1a" providerId="ADAL" clId="{E09803C7-E6F1-4593-BE2C-5C662A407D48}" dt="2024-12-17T15:48:04.641" v="224" actId="21"/>
           <ac:spMkLst>
             <pc:docMk/>
             <pc:sldMk cId="2432840855" sldId="285"/>
             <ac:spMk id="2" creationId="{64492E64-A68B-8CA7-B3C6-044F7C8E76AB}"/>
           </ac:spMkLst>
         </pc:spChg>
-        <pc:spChg chg="mod">
-          <ac:chgData name="Gibbons, Carl" userId="d2b037bc-8fb4-4222-845c-61440543a456" providerId="ADAL" clId="{3889D47B-FCE9-4AB2-9111-4C64BAB2FC05}" dt="2024-06-15T16:41:30.117" v="16827" actId="114"/>
+        <pc:spChg chg="del">
+          <ac:chgData name="Willis, Orion" userId="e283381d-8284-4d3f-ab32-7d71b1e99e1a" providerId="ADAL" clId="{E09803C7-E6F1-4593-BE2C-5C662A407D48}" dt="2024-12-17T15:48:04.641" v="224" actId="21"/>
           <ac:spMkLst>
             <pc:docMk/>
             <pc:sldMk cId="2432840855" sldId="285"/>
             <ac:spMk id="4" creationId="{B64A8207-997F-319E-7F6D-676D3ECA779B}"/>
           </ac:spMkLst>
         </pc:spChg>
+        <pc:spChg chg="add mod">
+          <ac:chgData name="Willis, Orion" userId="e283381d-8284-4d3f-ab32-7d71b1e99e1a" providerId="ADAL" clId="{E09803C7-E6F1-4593-BE2C-5C662A407D48}" dt="2024-12-17T15:48:04.647" v="225" actId="27636"/>
+          <ac:spMkLst>
+            <pc:docMk/>
+            <pc:sldMk cId="2432840855" sldId="285"/>
+            <ac:spMk id="5" creationId="{B55E9618-51E3-1816-A6FF-C513FA9BB1E1}"/>
+          </ac:spMkLst>
+        </pc:spChg>
       </pc:sldChg>
-      <pc:sldChg chg="modSp mod">
-        <pc:chgData name="Gibbons, Carl" userId="d2b037bc-8fb4-4222-845c-61440543a456" providerId="ADAL" clId="{3889D47B-FCE9-4AB2-9111-4C64BAB2FC05}" dt="2024-06-15T16:34:10.067" v="16747" actId="20577"/>
+      <pc:sldChg chg="addSp delSp modSp add del mod">
+        <pc:chgData name="Willis, Orion" userId="e283381d-8284-4d3f-ab32-7d71b1e99e1a" providerId="ADAL" clId="{E09803C7-E6F1-4593-BE2C-5C662A407D48}" dt="2024-12-17T15:58:49.840" v="270" actId="2696"/>
         <pc:sldMkLst>
           <pc:docMk/>
           <pc:sldMk cId="2169521787" sldId="286"/>
         </pc:sldMkLst>
-        <pc:spChg chg="mod">
-          <ac:chgData name="Gibbons, Carl" userId="d2b037bc-8fb4-4222-845c-61440543a456" providerId="ADAL" clId="{3889D47B-FCE9-4AB2-9111-4C64BAB2FC05}" dt="2024-06-15T14:39:00.702" v="9894" actId="20577"/>
+        <pc:spChg chg="add del">
+          <ac:chgData name="Willis, Orion" userId="e283381d-8284-4d3f-ab32-7d71b1e99e1a" providerId="ADAL" clId="{E09803C7-E6F1-4593-BE2C-5C662A407D48}" dt="2024-12-17T15:58:47.805" v="268" actId="21"/>
           <ac:spMkLst>
             <pc:docMk/>
             <pc:sldMk cId="2169521787" sldId="286"/>
             <ac:spMk id="2" creationId="{64492E64-A68B-8CA7-B3C6-044F7C8E76AB}"/>
           </ac:spMkLst>
         </pc:spChg>
-        <pc:spChg chg="mod">
-          <ac:chgData name="Gibbons, Carl" userId="d2b037bc-8fb4-4222-845c-61440543a456" providerId="ADAL" clId="{3889D47B-FCE9-4AB2-9111-4C64BAB2FC05}" dt="2024-06-15T16:34:10.067" v="16747" actId="20577"/>
+        <pc:spChg chg="add del">
+          <ac:chgData name="Willis, Orion" userId="e283381d-8284-4d3f-ab32-7d71b1e99e1a" providerId="ADAL" clId="{E09803C7-E6F1-4593-BE2C-5C662A407D48}" dt="2024-12-17T15:58:47.805" v="268" actId="21"/>
           <ac:spMkLst>
             <pc:docMk/>
             <pc:sldMk cId="2169521787" sldId="286"/>
             <ac:spMk id="4" creationId="{B64A8207-997F-319E-7F6D-676D3ECA779B}"/>
           </ac:spMkLst>
         </pc:spChg>
+        <pc:spChg chg="add del mod">
+          <ac:chgData name="Willis, Orion" userId="e283381d-8284-4d3f-ab32-7d71b1e99e1a" providerId="ADAL" clId="{E09803C7-E6F1-4593-BE2C-5C662A407D48}" dt="2024-12-17T15:58:45.080" v="267" actId="21"/>
+          <ac:spMkLst>
+            <pc:docMk/>
+            <pc:sldMk cId="2169521787" sldId="286"/>
+            <ac:spMk id="5" creationId="{90BC5743-1B4E-BA83-24D9-B28E7B520331}"/>
+          </ac:spMkLst>
+        </pc:spChg>
+        <pc:spChg chg="add mod">
+          <ac:chgData name="Willis, Orion" userId="e283381d-8284-4d3f-ab32-7d71b1e99e1a" providerId="ADAL" clId="{E09803C7-E6F1-4593-BE2C-5C662A407D48}" dt="2024-12-17T15:58:47.810" v="269" actId="27636"/>
+          <ac:spMkLst>
+            <pc:docMk/>
+            <pc:sldMk cId="2169521787" sldId="286"/>
+            <ac:spMk id="7" creationId="{2C1223AE-A4CD-4BAD-F8C0-E1692B667745}"/>
+          </ac:spMkLst>
+        </pc:spChg>
       </pc:sldChg>
-      <pc:sldChg chg="addSp delSp modSp mod">
-        <pc:chgData name="Gibbons, Carl" userId="d2b037bc-8fb4-4222-845c-61440543a456" providerId="ADAL" clId="{3889D47B-FCE9-4AB2-9111-4C64BAB2FC05}" dt="2024-06-15T16:36:08.887" v="16754" actId="20577"/>
+      <pc:sldChg chg="addSp delSp modSp del mod">
+        <pc:chgData name="Willis, Orion" userId="e283381d-8284-4d3f-ab32-7d71b1e99e1a" providerId="ADAL" clId="{E09803C7-E6F1-4593-BE2C-5C662A407D48}" dt="2024-12-17T15:36:53.395" v="73" actId="2696"/>
         <pc:sldMkLst>
           <pc:docMk/>
           <pc:sldMk cId="1898587254" sldId="287"/>
         </pc:sldMkLst>
-        <pc:spChg chg="mod">
-          <ac:chgData name="Gibbons, Carl" userId="d2b037bc-8fb4-4222-845c-61440543a456" providerId="ADAL" clId="{3889D47B-FCE9-4AB2-9111-4C64BAB2FC05}" dt="2024-06-15T16:36:08.887" v="16754" actId="20577"/>
+        <pc:spChg chg="del">
+          <ac:chgData name="Willis, Orion" userId="e283381d-8284-4d3f-ab32-7d71b1e99e1a" providerId="ADAL" clId="{E09803C7-E6F1-4593-BE2C-5C662A407D48}" dt="2024-12-17T15:36:51.114" v="71" actId="21"/>
           <ac:spMkLst>
             <pc:docMk/>
             <pc:sldMk cId="1898587254" sldId="287"/>
             <ac:spMk id="2" creationId="{64492E64-A68B-8CA7-B3C6-044F7C8E76AB}"/>
           </ac:spMkLst>
         </pc:spChg>
-        <pc:spChg chg="add mod">
-          <ac:chgData name="Gibbons, Carl" userId="d2b037bc-8fb4-4222-845c-61440543a456" providerId="ADAL" clId="{3889D47B-FCE9-4AB2-9111-4C64BAB2FC05}" dt="2024-06-15T03:33:36.927" v="5199" actId="20577"/>
+        <pc:spChg chg="del">
+          <ac:chgData name="Willis, Orion" userId="e283381d-8284-4d3f-ab32-7d71b1e99e1a" providerId="ADAL" clId="{E09803C7-E6F1-4593-BE2C-5C662A407D48}" dt="2024-12-17T15:36:51.114" v="71" actId="21"/>
           <ac:spMkLst>
             <pc:docMk/>
             <pc:sldMk cId="1898587254" sldId="287"/>
             <ac:spMk id="3" creationId="{A07D4459-4375-32A9-1627-ECA3B23C5287}"/>
           </ac:spMkLst>
         </pc:spChg>
-        <pc:spChg chg="mod">
-          <ac:chgData name="Gibbons, Carl" userId="d2b037bc-8fb4-4222-845c-61440543a456" providerId="ADAL" clId="{3889D47B-FCE9-4AB2-9111-4C64BAB2FC05}" dt="2024-06-15T14:27:28.507" v="9753" actId="20577"/>
+        <pc:spChg chg="del">
+          <ac:chgData name="Willis, Orion" userId="e283381d-8284-4d3f-ab32-7d71b1e99e1a" providerId="ADAL" clId="{E09803C7-E6F1-4593-BE2C-5C662A407D48}" dt="2024-12-17T15:36:51.114" v="71" actId="21"/>
           <ac:spMkLst>
             <pc:docMk/>
             <pc:sldMk cId="1898587254" sldId="287"/>
             <ac:spMk id="4" creationId="{B64A8207-997F-319E-7F6D-676D3ECA779B}"/>
           </ac:spMkLst>
         </pc:spChg>
-        <pc:spChg chg="add del mod">
-          <ac:chgData name="Gibbons, Carl" userId="d2b037bc-8fb4-4222-845c-61440543a456" providerId="ADAL" clId="{3889D47B-FCE9-4AB2-9111-4C64BAB2FC05}" dt="2024-06-15T03:27:51.055" v="5021" actId="478"/>
-          <ac:spMkLst>
-            <pc:docMk/>
-            <pc:sldMk cId="1898587254" sldId="287"/>
-            <ac:spMk id="5" creationId="{6DA673F6-3104-9590-1412-F98E5B2D8556}"/>
-          </ac:spMkLst>
-        </pc:spChg>
-        <pc:spChg chg="add mod">
-          <ac:chgData name="Gibbons, Carl" userId="d2b037bc-8fb4-4222-845c-61440543a456" providerId="ADAL" clId="{3889D47B-FCE9-4AB2-9111-4C64BAB2FC05}" dt="2024-06-15T03:33:40.396" v="5201" actId="20577"/>
+        <pc:spChg chg="del">
+          <ac:chgData name="Willis, Orion" userId="e283381d-8284-4d3f-ab32-7d71b1e99e1a" providerId="ADAL" clId="{E09803C7-E6F1-4593-BE2C-5C662A407D48}" dt="2024-12-17T15:36:51.114" v="71" actId="21"/>
           <ac:spMkLst>
             <pc:docMk/>
             <pc:sldMk cId="1898587254" sldId="287"/>
             <ac:spMk id="6" creationId="{DB335DE6-7D9E-2E32-D41E-03A3DFA8B40E}"/>
           </ac:spMkLst>
         </pc:spChg>
+        <pc:spChg chg="add mod">
+          <ac:chgData name="Willis, Orion" userId="e283381d-8284-4d3f-ab32-7d71b1e99e1a" providerId="ADAL" clId="{E09803C7-E6F1-4593-BE2C-5C662A407D48}" dt="2024-12-17T15:36:51.120" v="72" actId="27636"/>
+          <ac:spMkLst>
+            <pc:docMk/>
+            <pc:sldMk cId="1898587254" sldId="287"/>
+            <ac:spMk id="7" creationId="{7CE0C7F9-5F13-EBB1-FC47-6DAEAF67AFA7}"/>
+          </ac:spMkLst>
+        </pc:spChg>
       </pc:sldChg>
-      <pc:sldChg chg="modSp mod">
-        <pc:chgData name="Gibbons, Carl" userId="d2b037bc-8fb4-4222-845c-61440543a456" providerId="ADAL" clId="{3889D47B-FCE9-4AB2-9111-4C64BAB2FC05}" dt="2024-06-15T14:31:30.750" v="9797" actId="20577"/>
+      <pc:sldChg chg="addSp delSp modSp add del mod">
+        <pc:chgData name="Willis, Orion" userId="e283381d-8284-4d3f-ab32-7d71b1e99e1a" providerId="ADAL" clId="{E09803C7-E6F1-4593-BE2C-5C662A407D48}" dt="2024-12-17T15:45:42.014" v="194" actId="2696"/>
         <pc:sldMkLst>
           <pc:docMk/>
           <pc:sldMk cId="1598400846" sldId="288"/>
         </pc:sldMkLst>
-        <pc:spChg chg="mod">
-          <ac:chgData name="Gibbons, Carl" userId="d2b037bc-8fb4-4222-845c-61440543a456" providerId="ADAL" clId="{3889D47B-FCE9-4AB2-9111-4C64BAB2FC05}" dt="2024-06-15T13:54:39.696" v="9353" actId="20577"/>
+        <pc:spChg chg="del">
+          <ac:chgData name="Willis, Orion" userId="e283381d-8284-4d3f-ab32-7d71b1e99e1a" providerId="ADAL" clId="{E09803C7-E6F1-4593-BE2C-5C662A407D48}" dt="2024-12-17T15:45:33.231" v="190" actId="21"/>
           <ac:spMkLst>
             <pc:docMk/>
             <pc:sldMk cId="1598400846" sldId="288"/>
             <ac:spMk id="2" creationId="{64492E64-A68B-8CA7-B3C6-044F7C8E76AB}"/>
           </ac:spMkLst>
         </pc:spChg>
-        <pc:spChg chg="mod">
-          <ac:chgData name="Gibbons, Carl" userId="d2b037bc-8fb4-4222-845c-61440543a456" providerId="ADAL" clId="{3889D47B-FCE9-4AB2-9111-4C64BAB2FC05}" dt="2024-06-15T14:31:30.750" v="9797" actId="20577"/>
+        <pc:spChg chg="del">
+          <ac:chgData name="Willis, Orion" userId="e283381d-8284-4d3f-ab32-7d71b1e99e1a" providerId="ADAL" clId="{E09803C7-E6F1-4593-BE2C-5C662A407D48}" dt="2024-12-17T15:45:33.231" v="190" actId="21"/>
           <ac:spMkLst>
             <pc:docMk/>
             <pc:sldMk cId="1598400846" sldId="288"/>
             <ac:spMk id="4" creationId="{B64A8207-997F-319E-7F6D-676D3ECA779B}"/>
           </ac:spMkLst>
         </pc:spChg>
+        <pc:spChg chg="add mod">
+          <ac:chgData name="Willis, Orion" userId="e283381d-8284-4d3f-ab32-7d71b1e99e1a" providerId="ADAL" clId="{E09803C7-E6F1-4593-BE2C-5C662A407D48}" dt="2024-12-17T15:45:33.238" v="191" actId="27636"/>
+          <ac:spMkLst>
+            <pc:docMk/>
+            <pc:sldMk cId="1598400846" sldId="288"/>
+            <ac:spMk id="5" creationId="{C6560917-B542-A583-8914-A879EDDA6DD8}"/>
+          </ac:spMkLst>
+        </pc:spChg>
       </pc:sldChg>
-      <pc:sldChg chg="modSp mod">
-        <pc:chgData name="Gibbons, Carl" userId="d2b037bc-8fb4-4222-845c-61440543a456" providerId="ADAL" clId="{3889D47B-FCE9-4AB2-9111-4C64BAB2FC05}" dt="2024-06-15T14:50:09.307" v="10646" actId="20577"/>
+      <pc:sldChg chg="addSp delSp modSp del mod">
+        <pc:chgData name="Willis, Orion" userId="e283381d-8284-4d3f-ab32-7d71b1e99e1a" providerId="ADAL" clId="{E09803C7-E6F1-4593-BE2C-5C662A407D48}" dt="2024-12-17T16:02:46.497" v="298" actId="2696"/>
         <pc:sldMkLst>
           <pc:docMk/>
           <pc:sldMk cId="1187668382" sldId="289"/>
         </pc:sldMkLst>
-        <pc:spChg chg="mod">
-          <ac:chgData name="Gibbons, Carl" userId="d2b037bc-8fb4-4222-845c-61440543a456" providerId="ADAL" clId="{3889D47B-FCE9-4AB2-9111-4C64BAB2FC05}" dt="2024-06-15T14:39:34.640" v="9962" actId="2711"/>
+        <pc:spChg chg="del">
+          <ac:chgData name="Willis, Orion" userId="e283381d-8284-4d3f-ab32-7d71b1e99e1a" providerId="ADAL" clId="{E09803C7-E6F1-4593-BE2C-5C662A407D48}" dt="2024-12-17T16:02:43.974" v="296" actId="21"/>
           <ac:spMkLst>
             <pc:docMk/>
             <pc:sldMk cId="1187668382" sldId="289"/>
             <ac:spMk id="2" creationId="{64492E64-A68B-8CA7-B3C6-044F7C8E76AB}"/>
           </ac:spMkLst>
         </pc:spChg>
-        <pc:spChg chg="mod">
-          <ac:chgData name="Gibbons, Carl" userId="d2b037bc-8fb4-4222-845c-61440543a456" providerId="ADAL" clId="{3889D47B-FCE9-4AB2-9111-4C64BAB2FC05}" dt="2024-06-15T14:50:09.307" v="10646" actId="20577"/>
+        <pc:spChg chg="del">
+          <ac:chgData name="Willis, Orion" userId="e283381d-8284-4d3f-ab32-7d71b1e99e1a" providerId="ADAL" clId="{E09803C7-E6F1-4593-BE2C-5C662A407D48}" dt="2024-12-17T16:02:43.974" v="296" actId="21"/>
           <ac:spMkLst>
             <pc:docMk/>
             <pc:sldMk cId="1187668382" sldId="289"/>
             <ac:spMk id="4" creationId="{B64A8207-997F-319E-7F6D-676D3ECA779B}"/>
           </ac:spMkLst>
         </pc:spChg>
+        <pc:spChg chg="add mod">
+          <ac:chgData name="Willis, Orion" userId="e283381d-8284-4d3f-ab32-7d71b1e99e1a" providerId="ADAL" clId="{E09803C7-E6F1-4593-BE2C-5C662A407D48}" dt="2024-12-17T16:02:43.981" v="297" actId="27636"/>
+          <ac:spMkLst>
+            <pc:docMk/>
+            <pc:sldMk cId="1187668382" sldId="289"/>
+            <ac:spMk id="5" creationId="{8F1A4434-65ED-5861-04D9-9BBBD9C55827}"/>
+          </ac:spMkLst>
+        </pc:spChg>
       </pc:sldChg>
-      <pc:sldChg chg="modSp add mod">
-        <pc:chgData name="Gibbons, Carl" userId="d2b037bc-8fb4-4222-845c-61440543a456" providerId="ADAL" clId="{3889D47B-FCE9-4AB2-9111-4C64BAB2FC05}" dt="2024-06-15T16:17:53.627" v="16590" actId="20577"/>
+      <pc:sldChg chg="addSp delSp modSp del mod">
+        <pc:chgData name="Willis, Orion" userId="e283381d-8284-4d3f-ab32-7d71b1e99e1a" providerId="ADAL" clId="{E09803C7-E6F1-4593-BE2C-5C662A407D48}" dt="2024-12-17T16:03:54.484" v="326" actId="2696"/>
         <pc:sldMkLst>
           <pc:docMk/>
           <pc:sldMk cId="1294143228" sldId="290"/>
         </pc:sldMkLst>
-        <pc:spChg chg="mod">
-          <ac:chgData name="Gibbons, Carl" userId="d2b037bc-8fb4-4222-845c-61440543a456" providerId="ADAL" clId="{3889D47B-FCE9-4AB2-9111-4C64BAB2FC05}" dt="2024-06-15T16:14:06.107" v="16409" actId="20577"/>
+        <pc:spChg chg="del">
+          <ac:chgData name="Willis, Orion" userId="e283381d-8284-4d3f-ab32-7d71b1e99e1a" providerId="ADAL" clId="{E09803C7-E6F1-4593-BE2C-5C662A407D48}" dt="2024-12-17T16:03:52.319" v="324" actId="21"/>
           <ac:spMkLst>
             <pc:docMk/>
             <pc:sldMk cId="1294143228" sldId="290"/>
             <ac:spMk id="2" creationId="{64492E64-A68B-8CA7-B3C6-044F7C8E76AB}"/>
           </ac:spMkLst>
         </pc:spChg>
-        <pc:spChg chg="mod">
-          <ac:chgData name="Gibbons, Carl" userId="d2b037bc-8fb4-4222-845c-61440543a456" providerId="ADAL" clId="{3889D47B-FCE9-4AB2-9111-4C64BAB2FC05}" dt="2024-06-15T16:17:53.627" v="16590" actId="20577"/>
+        <pc:spChg chg="del">
+          <ac:chgData name="Willis, Orion" userId="e283381d-8284-4d3f-ab32-7d71b1e99e1a" providerId="ADAL" clId="{E09803C7-E6F1-4593-BE2C-5C662A407D48}" dt="2024-12-17T16:03:52.319" v="324" actId="21"/>
           <ac:spMkLst>
             <pc:docMk/>
             <pc:sldMk cId="1294143228" sldId="290"/>
             <ac:spMk id="4" creationId="{B64A8207-997F-319E-7F6D-676D3ECA779B}"/>
           </ac:spMkLst>
         </pc:spChg>
+        <pc:spChg chg="add mod">
+          <ac:chgData name="Willis, Orion" userId="e283381d-8284-4d3f-ab32-7d71b1e99e1a" providerId="ADAL" clId="{E09803C7-E6F1-4593-BE2C-5C662A407D48}" dt="2024-12-17T16:03:52.325" v="325" actId="27636"/>
+          <ac:spMkLst>
+            <pc:docMk/>
+            <pc:sldMk cId="1294143228" sldId="290"/>
+            <ac:spMk id="5" creationId="{B27CC67B-56AD-CB5C-841F-065F44F4E221}"/>
+          </ac:spMkLst>
+        </pc:spChg>
       </pc:sldChg>
-      <pc:sldChg chg="modSp add mod">
-        <pc:chgData name="Gibbons, Carl" userId="d2b037bc-8fb4-4222-845c-61440543a456" providerId="ADAL" clId="{3889D47B-FCE9-4AB2-9111-4C64BAB2FC05}" dt="2024-06-25T16:14:47.332" v="16941" actId="20577"/>
+      <pc:sldChg chg="addSp delSp modSp del mod">
+        <pc:chgData name="Willis, Orion" userId="e283381d-8284-4d3f-ab32-7d71b1e99e1a" providerId="ADAL" clId="{E09803C7-E6F1-4593-BE2C-5C662A407D48}" dt="2024-12-17T16:05:05.794" v="354" actId="2696"/>
         <pc:sldMkLst>
           <pc:docMk/>
           <pc:sldMk cId="1623491597" sldId="291"/>
         </pc:sldMkLst>
-        <pc:spChg chg="mod">
-          <ac:chgData name="Gibbons, Carl" userId="d2b037bc-8fb4-4222-845c-61440543a456" providerId="ADAL" clId="{3889D47B-FCE9-4AB2-9111-4C64BAB2FC05}" dt="2024-06-15T16:19:27.896" v="16620" actId="20577"/>
+        <pc:spChg chg="del">
+          <ac:chgData name="Willis, Orion" userId="e283381d-8284-4d3f-ab32-7d71b1e99e1a" providerId="ADAL" clId="{E09803C7-E6F1-4593-BE2C-5C662A407D48}" dt="2024-12-17T16:05:03.113" v="352" actId="21"/>
           <ac:spMkLst>
             <pc:docMk/>
             <pc:sldMk cId="1623491597" sldId="291"/>
             <ac:spMk id="2" creationId="{64492E64-A68B-8CA7-B3C6-044F7C8E76AB}"/>
           </ac:spMkLst>
         </pc:spChg>
-        <pc:spChg chg="mod">
-          <ac:chgData name="Gibbons, Carl" userId="d2b037bc-8fb4-4222-845c-61440543a456" providerId="ADAL" clId="{3889D47B-FCE9-4AB2-9111-4C64BAB2FC05}" dt="2024-06-25T16:14:47.332" v="16941" actId="20577"/>
+        <pc:spChg chg="del">
+          <ac:chgData name="Willis, Orion" userId="e283381d-8284-4d3f-ab32-7d71b1e99e1a" providerId="ADAL" clId="{E09803C7-E6F1-4593-BE2C-5C662A407D48}" dt="2024-12-17T16:05:03.113" v="352" actId="21"/>
           <ac:spMkLst>
             <pc:docMk/>
             <pc:sldMk cId="1623491597" sldId="291"/>
             <ac:spMk id="4" creationId="{B64A8207-997F-319E-7F6D-676D3ECA779B}"/>
           </ac:spMkLst>
         </pc:spChg>
+        <pc:spChg chg="add mod">
+          <ac:chgData name="Willis, Orion" userId="e283381d-8284-4d3f-ab32-7d71b1e99e1a" providerId="ADAL" clId="{E09803C7-E6F1-4593-BE2C-5C662A407D48}" dt="2024-12-17T16:05:03.122" v="353" actId="27636"/>
+          <ac:spMkLst>
+            <pc:docMk/>
+            <pc:sldMk cId="1623491597" sldId="291"/>
+            <ac:spMk id="5" creationId="{524A606E-BD41-5568-7D6E-E1975CC4CE26}"/>
+          </ac:spMkLst>
+        </pc:spChg>
       </pc:sldChg>
+      <pc:sldChg chg="addSp delSp modSp add del mod">
+        <pc:chgData name="Willis, Orion" userId="e283381d-8284-4d3f-ab32-7d71b1e99e1a" providerId="ADAL" clId="{E09803C7-E6F1-4593-BE2C-5C662A407D48}" dt="2024-12-17T15:35:12.438" v="42"/>
+        <pc:sldMkLst>
+          <pc:docMk/>
+          <pc:sldMk cId="325146105" sldId="292"/>
+        </pc:sldMkLst>
+        <pc:spChg chg="del mod">
+          <ac:chgData name="Willis, Orion" userId="e283381d-8284-4d3f-ab32-7d71b1e99e1a" providerId="ADAL" clId="{E09803C7-E6F1-4593-BE2C-5C662A407D48}" dt="2024-12-17T15:31:15.008" v="9" actId="478"/>
+          <ac:spMkLst>
+            <pc:docMk/>
+            <pc:sldMk cId="325146105" sldId="292"/>
+            <ac:spMk id="2" creationId="{9E5F5903-9361-1310-D6FA-4FE9DE7B7415}"/>
+          </ac:spMkLst>
+        </pc:spChg>
+        <pc:spChg chg="del mod">
+          <ac:chgData name="Willis, Orion" userId="e283381d-8284-4d3f-ab32-7d71b1e99e1a" providerId="ADAL" clId="{E09803C7-E6F1-4593-BE2C-5C662A407D48}" dt="2024-12-17T15:31:16.016" v="10" actId="478"/>
+          <ac:spMkLst>
+            <pc:docMk/>
+            <pc:sldMk cId="325146105" sldId="292"/>
+            <ac:spMk id="3" creationId="{1510CFE7-456D-F779-B31C-B431388CF778}"/>
+          </ac:spMkLst>
+        </pc:spChg>
+        <pc:spChg chg="add mod">
+          <ac:chgData name="Willis, Orion" userId="e283381d-8284-4d3f-ab32-7d71b1e99e1a" providerId="ADAL" clId="{E09803C7-E6F1-4593-BE2C-5C662A407D48}" dt="2024-12-17T15:33:27.304" v="30" actId="1076"/>
+          <ac:spMkLst>
+            <pc:docMk/>
+            <pc:sldMk cId="325146105" sldId="292"/>
+            <ac:spMk id="4" creationId="{6FCA7FD7-E3CD-7A2C-5AF7-2EE59026C9D4}"/>
+          </ac:spMkLst>
+        </pc:spChg>
+        <pc:spChg chg="add mod">
+          <ac:chgData name="Willis, Orion" userId="e283381d-8284-4d3f-ab32-7d71b1e99e1a" providerId="ADAL" clId="{E09803C7-E6F1-4593-BE2C-5C662A407D48}" dt="2024-12-17T15:35:00.736" v="40" actId="1076"/>
+          <ac:spMkLst>
+            <pc:docMk/>
+            <pc:sldMk cId="325146105" sldId="292"/>
+            <ac:spMk id="5" creationId="{8586CD17-5B17-5D66-987C-05DC748B3FF9}"/>
+          </ac:spMkLst>
+        </pc:spChg>
+        <pc:spChg chg="mod">
+          <ac:chgData name="Willis, Orion" userId="e283381d-8284-4d3f-ab32-7d71b1e99e1a" providerId="ADAL" clId="{E09803C7-E6F1-4593-BE2C-5C662A407D48}" dt="2024-12-17T15:35:12.438" v="42"/>
+          <ac:spMkLst>
+            <pc:docMk/>
+            <pc:sldMk cId="325146105" sldId="292"/>
+            <ac:spMk id="6" creationId="{5083A0B9-F4CC-01C9-9FF2-EF899558DD82}"/>
+          </ac:spMkLst>
+        </pc:spChg>
+        <pc:spChg chg="mod">
+          <ac:chgData name="Willis, Orion" userId="e283381d-8284-4d3f-ab32-7d71b1e99e1a" providerId="ADAL" clId="{E09803C7-E6F1-4593-BE2C-5C662A407D48}" dt="2024-12-17T15:35:12.438" v="42"/>
+          <ac:spMkLst>
+            <pc:docMk/>
+            <pc:sldMk cId="325146105" sldId="292"/>
+            <ac:spMk id="7" creationId="{0EB1AD49-4ADB-DB09-567E-F19ACADB766E}"/>
+          </ac:spMkLst>
+        </pc:spChg>
+      </pc:sldChg>
+      <pc:sldChg chg="addSp delSp modSp mod">
+        <pc:chgData name="Willis, Orion" userId="e283381d-8284-4d3f-ab32-7d71b1e99e1a" providerId="ADAL" clId="{E09803C7-E6F1-4593-BE2C-5C662A407D48}" dt="2024-12-17T15:38:44.058" v="165" actId="1035"/>
+        <pc:sldMkLst>
+          <pc:docMk/>
+          <pc:sldMk cId="4100769069" sldId="293"/>
+        </pc:sldMkLst>
+        <pc:spChg chg="del">
+          <ac:chgData name="Willis, Orion" userId="e283381d-8284-4d3f-ab32-7d71b1e99e1a" providerId="ADAL" clId="{E09803C7-E6F1-4593-BE2C-5C662A407D48}" dt="2024-12-17T15:36:56.805" v="74" actId="478"/>
+          <ac:spMkLst>
+            <pc:docMk/>
+            <pc:sldMk cId="4100769069" sldId="293"/>
+            <ac:spMk id="2" creationId="{9E5F5903-9361-1310-D6FA-4FE9DE7B7415}"/>
+          </ac:spMkLst>
+        </pc:spChg>
+        <pc:spChg chg="del">
+          <ac:chgData name="Willis, Orion" userId="e283381d-8284-4d3f-ab32-7d71b1e99e1a" providerId="ADAL" clId="{E09803C7-E6F1-4593-BE2C-5C662A407D48}" dt="2024-12-17T15:36:57.867" v="75" actId="478"/>
+          <ac:spMkLst>
+            <pc:docMk/>
+            <pc:sldMk cId="4100769069" sldId="293"/>
+            <ac:spMk id="3" creationId="{1510CFE7-456D-F779-B31C-B431388CF778}"/>
+          </ac:spMkLst>
+        </pc:spChg>
+        <pc:spChg chg="add mod">
+          <ac:chgData name="Willis, Orion" userId="e283381d-8284-4d3f-ab32-7d71b1e99e1a" providerId="ADAL" clId="{E09803C7-E6F1-4593-BE2C-5C662A407D48}" dt="2024-12-17T15:38:02.430" v="122" actId="14100"/>
+          <ac:spMkLst>
+            <pc:docMk/>
+            <pc:sldMk cId="4100769069" sldId="293"/>
+            <ac:spMk id="4" creationId="{64492E64-A68B-8CA7-B3C6-044F7C8E76AB}"/>
+          </ac:spMkLst>
+        </pc:spChg>
+        <pc:spChg chg="add mod">
+          <ac:chgData name="Willis, Orion" userId="e283381d-8284-4d3f-ab32-7d71b1e99e1a" providerId="ADAL" clId="{E09803C7-E6F1-4593-BE2C-5C662A407D48}" dt="2024-12-17T15:38:44.058" v="165" actId="1035"/>
+          <ac:spMkLst>
+            <pc:docMk/>
+            <pc:sldMk cId="4100769069" sldId="293"/>
+            <ac:spMk id="5" creationId="{B64A8207-997F-319E-7F6D-676D3ECA779B}"/>
+          </ac:spMkLst>
+        </pc:spChg>
+        <pc:spChg chg="add mod">
+          <ac:chgData name="Willis, Orion" userId="e283381d-8284-4d3f-ab32-7d71b1e99e1a" providerId="ADAL" clId="{E09803C7-E6F1-4593-BE2C-5C662A407D48}" dt="2024-12-17T15:38:31.598" v="140" actId="1035"/>
+          <ac:spMkLst>
+            <pc:docMk/>
+            <pc:sldMk cId="4100769069" sldId="293"/>
+            <ac:spMk id="6" creationId="{A07D4459-4375-32A9-1627-ECA3B23C5287}"/>
+          </ac:spMkLst>
+        </pc:spChg>
+        <pc:spChg chg="add mod">
+          <ac:chgData name="Willis, Orion" userId="e283381d-8284-4d3f-ab32-7d71b1e99e1a" providerId="ADAL" clId="{E09803C7-E6F1-4593-BE2C-5C662A407D48}" dt="2024-12-17T15:38:31.598" v="140" actId="1035"/>
+          <ac:spMkLst>
+            <pc:docMk/>
+            <pc:sldMk cId="4100769069" sldId="293"/>
+            <ac:spMk id="7" creationId="{DB335DE6-7D9E-2E32-D41E-03A3DFA8B40E}"/>
+          </ac:spMkLst>
+        </pc:spChg>
+      </pc:sldChg>
+      <pc:sldChg chg="addSp delSp modSp mod">
+        <pc:chgData name="Willis, Orion" userId="e283381d-8284-4d3f-ab32-7d71b1e99e1a" providerId="ADAL" clId="{E09803C7-E6F1-4593-BE2C-5C662A407D48}" dt="2024-12-17T15:44:31.949" v="189" actId="1076"/>
+        <pc:sldMkLst>
+          <pc:docMk/>
+          <pc:sldMk cId="3093590697" sldId="294"/>
+        </pc:sldMkLst>
+        <pc:spChg chg="del">
+          <ac:chgData name="Willis, Orion" userId="e283381d-8284-4d3f-ab32-7d71b1e99e1a" providerId="ADAL" clId="{E09803C7-E6F1-4593-BE2C-5C662A407D48}" dt="2024-12-17T15:39:17.297" v="169" actId="478"/>
+          <ac:spMkLst>
+            <pc:docMk/>
+            <pc:sldMk cId="3093590697" sldId="294"/>
+            <ac:spMk id="2" creationId="{9E5F5903-9361-1310-D6FA-4FE9DE7B7415}"/>
+          </ac:spMkLst>
+        </pc:spChg>
+        <pc:spChg chg="del">
+          <ac:chgData name="Willis, Orion" userId="e283381d-8284-4d3f-ab32-7d71b1e99e1a" providerId="ADAL" clId="{E09803C7-E6F1-4593-BE2C-5C662A407D48}" dt="2024-12-17T15:39:18.048" v="170" actId="478"/>
+          <ac:spMkLst>
+            <pc:docMk/>
+            <pc:sldMk cId="3093590697" sldId="294"/>
+            <ac:spMk id="3" creationId="{1510CFE7-456D-F779-B31C-B431388CF778}"/>
+          </ac:spMkLst>
+        </pc:spChg>
+        <pc:spChg chg="add mod">
+          <ac:chgData name="Willis, Orion" userId="e283381d-8284-4d3f-ab32-7d71b1e99e1a" providerId="ADAL" clId="{E09803C7-E6F1-4593-BE2C-5C662A407D48}" dt="2024-12-17T15:44:28.563" v="188" actId="1076"/>
+          <ac:spMkLst>
+            <pc:docMk/>
+            <pc:sldMk cId="3093590697" sldId="294"/>
+            <ac:spMk id="4" creationId="{64492E64-A68B-8CA7-B3C6-044F7C8E76AB}"/>
+          </ac:spMkLst>
+        </pc:spChg>
+        <pc:spChg chg="add mod">
+          <ac:chgData name="Willis, Orion" userId="e283381d-8284-4d3f-ab32-7d71b1e99e1a" providerId="ADAL" clId="{E09803C7-E6F1-4593-BE2C-5C662A407D48}" dt="2024-12-17T15:44:31.949" v="189" actId="1076"/>
+          <ac:spMkLst>
+            <pc:docMk/>
+            <pc:sldMk cId="3093590697" sldId="294"/>
+            <ac:spMk id="5" creationId="{B64A8207-997F-319E-7F6D-676D3ECA779B}"/>
+          </ac:spMkLst>
+        </pc:spChg>
+      </pc:sldChg>
+      <pc:sldChg chg="addSp delSp modSp mod">
+        <pc:chgData name="Willis, Orion" userId="e283381d-8284-4d3f-ab32-7d71b1e99e1a" providerId="ADAL" clId="{E09803C7-E6F1-4593-BE2C-5C662A407D48}" dt="2024-12-17T15:49:49.230" v="241" actId="404"/>
+        <pc:sldMkLst>
+          <pc:docMk/>
+          <pc:sldMk cId="599134431" sldId="295"/>
+        </pc:sldMkLst>
+        <pc:spChg chg="del">
+          <ac:chgData name="Willis, Orion" userId="e283381d-8284-4d3f-ab32-7d71b1e99e1a" providerId="ADAL" clId="{E09803C7-E6F1-4593-BE2C-5C662A407D48}" dt="2024-12-17T15:45:46.294" v="195" actId="478"/>
+          <ac:spMkLst>
+            <pc:docMk/>
+            <pc:sldMk cId="599134431" sldId="295"/>
+            <ac:spMk id="2" creationId="{9E5F5903-9361-1310-D6FA-4FE9DE7B7415}"/>
+          </ac:spMkLst>
+        </pc:spChg>
+        <pc:spChg chg="del">
+          <ac:chgData name="Willis, Orion" userId="e283381d-8284-4d3f-ab32-7d71b1e99e1a" providerId="ADAL" clId="{E09803C7-E6F1-4593-BE2C-5C662A407D48}" dt="2024-12-17T15:45:47.893" v="196" actId="478"/>
+          <ac:spMkLst>
+            <pc:docMk/>
+            <pc:sldMk cId="599134431" sldId="295"/>
+            <ac:spMk id="3" creationId="{1510CFE7-456D-F779-B31C-B431388CF778}"/>
+          </ac:spMkLst>
+        </pc:spChg>
+        <pc:spChg chg="add mod">
+          <ac:chgData name="Willis, Orion" userId="e283381d-8284-4d3f-ab32-7d71b1e99e1a" providerId="ADAL" clId="{E09803C7-E6F1-4593-BE2C-5C662A407D48}" dt="2024-12-17T15:47:39.377" v="219" actId="1076"/>
+          <ac:spMkLst>
+            <pc:docMk/>
+            <pc:sldMk cId="599134431" sldId="295"/>
+            <ac:spMk id="4" creationId="{64492E64-A68B-8CA7-B3C6-044F7C8E76AB}"/>
+          </ac:spMkLst>
+        </pc:spChg>
+        <pc:spChg chg="add mod">
+          <ac:chgData name="Willis, Orion" userId="e283381d-8284-4d3f-ab32-7d71b1e99e1a" providerId="ADAL" clId="{E09803C7-E6F1-4593-BE2C-5C662A407D48}" dt="2024-12-17T15:49:49.230" v="241" actId="404"/>
+          <ac:spMkLst>
+            <pc:docMk/>
+            <pc:sldMk cId="599134431" sldId="295"/>
+            <ac:spMk id="5" creationId="{B64A8207-997F-319E-7F6D-676D3ECA779B}"/>
+          </ac:spMkLst>
+        </pc:spChg>
+      </pc:sldChg>
+      <pc:sldChg chg="addSp delSp modSp mod">
+        <pc:chgData name="Willis, Orion" userId="e283381d-8284-4d3f-ab32-7d71b1e99e1a" providerId="ADAL" clId="{E09803C7-E6F1-4593-BE2C-5C662A407D48}" dt="2024-12-17T15:50:50.319" v="251" actId="1076"/>
+        <pc:sldMkLst>
+          <pc:docMk/>
+          <pc:sldMk cId="3107017740" sldId="296"/>
+        </pc:sldMkLst>
+        <pc:spChg chg="del">
+          <ac:chgData name="Willis, Orion" userId="e283381d-8284-4d3f-ab32-7d71b1e99e1a" providerId="ADAL" clId="{E09803C7-E6F1-4593-BE2C-5C662A407D48}" dt="2024-12-17T15:47:55.998" v="220" actId="478"/>
+          <ac:spMkLst>
+            <pc:docMk/>
+            <pc:sldMk cId="3107017740" sldId="296"/>
+            <ac:spMk id="2" creationId="{9E5F5903-9361-1310-D6FA-4FE9DE7B7415}"/>
+          </ac:spMkLst>
+        </pc:spChg>
+        <pc:spChg chg="del">
+          <ac:chgData name="Willis, Orion" userId="e283381d-8284-4d3f-ab32-7d71b1e99e1a" providerId="ADAL" clId="{E09803C7-E6F1-4593-BE2C-5C662A407D48}" dt="2024-12-17T15:47:56.842" v="221" actId="478"/>
+          <ac:spMkLst>
+            <pc:docMk/>
+            <pc:sldMk cId="3107017740" sldId="296"/>
+            <ac:spMk id="3" creationId="{1510CFE7-456D-F779-B31C-B431388CF778}"/>
+          </ac:spMkLst>
+        </pc:spChg>
+        <pc:spChg chg="add mod">
+          <ac:chgData name="Willis, Orion" userId="e283381d-8284-4d3f-ab32-7d71b1e99e1a" providerId="ADAL" clId="{E09803C7-E6F1-4593-BE2C-5C662A407D48}" dt="2024-12-17T15:50:47.381" v="250" actId="1076"/>
+          <ac:spMkLst>
+            <pc:docMk/>
+            <pc:sldMk cId="3107017740" sldId="296"/>
+            <ac:spMk id="4" creationId="{64492E64-A68B-8CA7-B3C6-044F7C8E76AB}"/>
+          </ac:spMkLst>
+        </pc:spChg>
+        <pc:spChg chg="add mod">
+          <ac:chgData name="Willis, Orion" userId="e283381d-8284-4d3f-ab32-7d71b1e99e1a" providerId="ADAL" clId="{E09803C7-E6F1-4593-BE2C-5C662A407D48}" dt="2024-12-17T15:50:50.319" v="251" actId="1076"/>
+          <ac:spMkLst>
+            <pc:docMk/>
+            <pc:sldMk cId="3107017740" sldId="296"/>
+            <ac:spMk id="5" creationId="{B64A8207-997F-319E-7F6D-676D3ECA779B}"/>
+          </ac:spMkLst>
+        </pc:spChg>
+      </pc:sldChg>
+      <pc:sldChg chg="add del">
+        <pc:chgData name="Willis, Orion" userId="e283381d-8284-4d3f-ab32-7d71b1e99e1a" providerId="ADAL" clId="{E09803C7-E6F1-4593-BE2C-5C662A407D48}" dt="2024-12-17T15:48:00.501" v="223"/>
+        <pc:sldMkLst>
+          <pc:docMk/>
+          <pc:sldMk cId="2942778082" sldId="297"/>
+        </pc:sldMkLst>
+      </pc:sldChg>
+      <pc:sldChg chg="addSp delSp modSp mod">
+        <pc:chgData name="Willis, Orion" userId="e283381d-8284-4d3f-ab32-7d71b1e99e1a" providerId="ADAL" clId="{E09803C7-E6F1-4593-BE2C-5C662A407D48}" dt="2024-12-17T16:02:22.191" v="295" actId="1076"/>
+        <pc:sldMkLst>
+          <pc:docMk/>
+          <pc:sldMk cId="3168421699" sldId="297"/>
+        </pc:sldMkLst>
+        <pc:spChg chg="del">
+          <ac:chgData name="Willis, Orion" userId="e283381d-8284-4d3f-ab32-7d71b1e99e1a" providerId="ADAL" clId="{E09803C7-E6F1-4593-BE2C-5C662A407D48}" dt="2024-12-17T15:58:15.318" v="253" actId="478"/>
+          <ac:spMkLst>
+            <pc:docMk/>
+            <pc:sldMk cId="3168421699" sldId="297"/>
+            <ac:spMk id="2" creationId="{9E5F5903-9361-1310-D6FA-4FE9DE7B7415}"/>
+          </ac:spMkLst>
+        </pc:spChg>
+        <pc:spChg chg="del">
+          <ac:chgData name="Willis, Orion" userId="e283381d-8284-4d3f-ab32-7d71b1e99e1a" providerId="ADAL" clId="{E09803C7-E6F1-4593-BE2C-5C662A407D48}" dt="2024-12-17T15:58:16.085" v="254" actId="478"/>
+          <ac:spMkLst>
+            <pc:docMk/>
+            <pc:sldMk cId="3168421699" sldId="297"/>
+            <ac:spMk id="3" creationId="{1510CFE7-456D-F779-B31C-B431388CF778}"/>
+          </ac:spMkLst>
+        </pc:spChg>
+        <pc:spChg chg="add del">
+          <ac:chgData name="Willis, Orion" userId="e283381d-8284-4d3f-ab32-7d71b1e99e1a" providerId="ADAL" clId="{E09803C7-E6F1-4593-BE2C-5C662A407D48}" dt="2024-12-17T15:58:19.082" v="256" actId="22"/>
+          <ac:spMkLst>
+            <pc:docMk/>
+            <pc:sldMk cId="3168421699" sldId="297"/>
+            <ac:spMk id="5" creationId="{2E88C900-AD75-E24E-093E-EEF49B70C722}"/>
+          </ac:spMkLst>
+        </pc:spChg>
+        <pc:spChg chg="add mod">
+          <ac:chgData name="Willis, Orion" userId="e283381d-8284-4d3f-ab32-7d71b1e99e1a" providerId="ADAL" clId="{E09803C7-E6F1-4593-BE2C-5C662A407D48}" dt="2024-12-17T15:58:43.562" v="265"/>
+          <ac:spMkLst>
+            <pc:docMk/>
+            <pc:sldMk cId="3168421699" sldId="297"/>
+            <ac:spMk id="6" creationId="{64492E64-A68B-8CA7-B3C6-044F7C8E76AB}"/>
+          </ac:spMkLst>
+        </pc:spChg>
+        <pc:spChg chg="add mod">
+          <ac:chgData name="Willis, Orion" userId="e283381d-8284-4d3f-ab32-7d71b1e99e1a" providerId="ADAL" clId="{E09803C7-E6F1-4593-BE2C-5C662A407D48}" dt="2024-12-17T15:58:43.012" v="263" actId="1076"/>
+          <ac:spMkLst>
+            <pc:docMk/>
+            <pc:sldMk cId="3168421699" sldId="297"/>
+            <ac:spMk id="7" creationId="{B64A8207-997F-319E-7F6D-676D3ECA779B}"/>
+          </ac:spMkLst>
+        </pc:spChg>
+        <pc:spChg chg="add mod">
+          <ac:chgData name="Willis, Orion" userId="e283381d-8284-4d3f-ab32-7d71b1e99e1a" providerId="ADAL" clId="{E09803C7-E6F1-4593-BE2C-5C662A407D48}" dt="2024-12-17T16:02:16.421" v="294" actId="1076"/>
+          <ac:spMkLst>
+            <pc:docMk/>
+            <pc:sldMk cId="3168421699" sldId="297"/>
+            <ac:spMk id="8" creationId="{64492E64-A68B-8CA7-B3C6-044F7C8E76AB}"/>
+          </ac:spMkLst>
+        </pc:spChg>
+        <pc:spChg chg="add mod">
+          <ac:chgData name="Willis, Orion" userId="e283381d-8284-4d3f-ab32-7d71b1e99e1a" providerId="ADAL" clId="{E09803C7-E6F1-4593-BE2C-5C662A407D48}" dt="2024-12-17T16:02:22.191" v="295" actId="1076"/>
+          <ac:spMkLst>
+            <pc:docMk/>
+            <pc:sldMk cId="3168421699" sldId="297"/>
+            <ac:spMk id="9" creationId="{B64A8207-997F-319E-7F6D-676D3ECA779B}"/>
+          </ac:spMkLst>
+        </pc:spChg>
+      </pc:sldChg>
+      <pc:sldChg chg="addSp delSp modSp mod">
+        <pc:chgData name="Willis, Orion" userId="e283381d-8284-4d3f-ab32-7d71b1e99e1a" providerId="ADAL" clId="{E09803C7-E6F1-4593-BE2C-5C662A407D48}" dt="2024-12-17T16:04:51.922" v="351" actId="404"/>
+        <pc:sldMkLst>
+          <pc:docMk/>
+          <pc:sldMk cId="3538122604" sldId="298"/>
+        </pc:sldMkLst>
+        <pc:spChg chg="del">
+          <ac:chgData name="Willis, Orion" userId="e283381d-8284-4d3f-ab32-7d71b1e99e1a" providerId="ADAL" clId="{E09803C7-E6F1-4593-BE2C-5C662A407D48}" dt="2024-12-17T16:02:48.841" v="299" actId="478"/>
+          <ac:spMkLst>
+            <pc:docMk/>
+            <pc:sldMk cId="3538122604" sldId="298"/>
+            <ac:spMk id="2" creationId="{9E5F5903-9361-1310-D6FA-4FE9DE7B7415}"/>
+          </ac:spMkLst>
+        </pc:spChg>
+        <pc:spChg chg="del">
+          <ac:chgData name="Willis, Orion" userId="e283381d-8284-4d3f-ab32-7d71b1e99e1a" providerId="ADAL" clId="{E09803C7-E6F1-4593-BE2C-5C662A407D48}" dt="2024-12-17T16:02:49.787" v="300" actId="478"/>
+          <ac:spMkLst>
+            <pc:docMk/>
+            <pc:sldMk cId="3538122604" sldId="298"/>
+            <ac:spMk id="3" creationId="{1510CFE7-456D-F779-B31C-B431388CF778}"/>
+          </ac:spMkLst>
+        </pc:spChg>
+        <pc:spChg chg="add mod">
+          <ac:chgData name="Willis, Orion" userId="e283381d-8284-4d3f-ab32-7d71b1e99e1a" providerId="ADAL" clId="{E09803C7-E6F1-4593-BE2C-5C662A407D48}" dt="2024-12-17T16:03:15.137" v="317" actId="1076"/>
+          <ac:spMkLst>
+            <pc:docMk/>
+            <pc:sldMk cId="3538122604" sldId="298"/>
+            <ac:spMk id="4" creationId="{64492E64-A68B-8CA7-B3C6-044F7C8E76AB}"/>
+          </ac:spMkLst>
+        </pc:spChg>
+        <pc:spChg chg="add mod">
+          <ac:chgData name="Willis, Orion" userId="e283381d-8284-4d3f-ab32-7d71b1e99e1a" providerId="ADAL" clId="{E09803C7-E6F1-4593-BE2C-5C662A407D48}" dt="2024-12-17T16:04:51.922" v="351" actId="404"/>
+          <ac:spMkLst>
+            <pc:docMk/>
+            <pc:sldMk cId="3538122604" sldId="298"/>
+            <ac:spMk id="5" creationId="{B64A8207-997F-319E-7F6D-676D3ECA779B}"/>
+          </ac:spMkLst>
+        </pc:spChg>
+      </pc:sldChg>
+      <pc:sldChg chg="addSp delSp modSp mod">
+        <pc:chgData name="Willis, Orion" userId="e283381d-8284-4d3f-ab32-7d71b1e99e1a" providerId="ADAL" clId="{E09803C7-E6F1-4593-BE2C-5C662A407D48}" dt="2024-12-17T16:04:44.107" v="350" actId="1076"/>
+        <pc:sldMkLst>
+          <pc:docMk/>
+          <pc:sldMk cId="1958926911" sldId="299"/>
+        </pc:sldMkLst>
+        <pc:spChg chg="del">
+          <ac:chgData name="Willis, Orion" userId="e283381d-8284-4d3f-ab32-7d71b1e99e1a" providerId="ADAL" clId="{E09803C7-E6F1-4593-BE2C-5C662A407D48}" dt="2024-12-17T16:03:56.844" v="327" actId="478"/>
+          <ac:spMkLst>
+            <pc:docMk/>
+            <pc:sldMk cId="1958926911" sldId="299"/>
+            <ac:spMk id="2" creationId="{9E5F5903-9361-1310-D6FA-4FE9DE7B7415}"/>
+          </ac:spMkLst>
+        </pc:spChg>
+        <pc:spChg chg="del">
+          <ac:chgData name="Willis, Orion" userId="e283381d-8284-4d3f-ab32-7d71b1e99e1a" providerId="ADAL" clId="{E09803C7-E6F1-4593-BE2C-5C662A407D48}" dt="2024-12-17T16:03:57.786" v="328" actId="478"/>
+          <ac:spMkLst>
+            <pc:docMk/>
+            <pc:sldMk cId="1958926911" sldId="299"/>
+            <ac:spMk id="3" creationId="{1510CFE7-456D-F779-B31C-B431388CF778}"/>
+          </ac:spMkLst>
+        </pc:spChg>
+        <pc:spChg chg="add mod">
+          <ac:chgData name="Willis, Orion" userId="e283381d-8284-4d3f-ab32-7d71b1e99e1a" providerId="ADAL" clId="{E09803C7-E6F1-4593-BE2C-5C662A407D48}" dt="2024-12-17T16:04:42.151" v="349" actId="1076"/>
+          <ac:spMkLst>
+            <pc:docMk/>
+            <pc:sldMk cId="1958926911" sldId="299"/>
+            <ac:spMk id="4" creationId="{64492E64-A68B-8CA7-B3C6-044F7C8E76AB}"/>
+          </ac:spMkLst>
+        </pc:spChg>
+        <pc:spChg chg="add mod">
+          <ac:chgData name="Willis, Orion" userId="e283381d-8284-4d3f-ab32-7d71b1e99e1a" providerId="ADAL" clId="{E09803C7-E6F1-4593-BE2C-5C662A407D48}" dt="2024-12-17T16:04:44.107" v="350" actId="1076"/>
+          <ac:spMkLst>
+            <pc:docMk/>
+            <pc:sldMk cId="1958926911" sldId="299"/>
+            <ac:spMk id="5" creationId="{B64A8207-997F-319E-7F6D-676D3ECA779B}"/>
+          </ac:spMkLst>
+        </pc:spChg>
+      </pc:sldChg>
+      <pc:sldChg chg="addSp delSp modSp mod">
+        <pc:chgData name="Willis, Orion" userId="e283381d-8284-4d3f-ab32-7d71b1e99e1a" providerId="ADAL" clId="{E09803C7-E6F1-4593-BE2C-5C662A407D48}" dt="2024-12-17T16:06:37.961" v="376" actId="1076"/>
+        <pc:sldMkLst>
+          <pc:docMk/>
+          <pc:sldMk cId="4102843683" sldId="300"/>
+        </pc:sldMkLst>
+        <pc:spChg chg="del">
+          <ac:chgData name="Willis, Orion" userId="e283381d-8284-4d3f-ab32-7d71b1e99e1a" providerId="ADAL" clId="{E09803C7-E6F1-4593-BE2C-5C662A407D48}" dt="2024-12-17T16:05:09.110" v="355" actId="478"/>
+          <ac:spMkLst>
+            <pc:docMk/>
+            <pc:sldMk cId="4102843683" sldId="300"/>
+            <ac:spMk id="2" creationId="{9E5F5903-9361-1310-D6FA-4FE9DE7B7415}"/>
+          </ac:spMkLst>
+        </pc:spChg>
+        <pc:spChg chg="del">
+          <ac:chgData name="Willis, Orion" userId="e283381d-8284-4d3f-ab32-7d71b1e99e1a" providerId="ADAL" clId="{E09803C7-E6F1-4593-BE2C-5C662A407D48}" dt="2024-12-17T16:05:10.516" v="356" actId="478"/>
+          <ac:spMkLst>
+            <pc:docMk/>
+            <pc:sldMk cId="4102843683" sldId="300"/>
+            <ac:spMk id="3" creationId="{1510CFE7-456D-F779-B31C-B431388CF778}"/>
+          </ac:spMkLst>
+        </pc:spChg>
+        <pc:spChg chg="add mod">
+          <ac:chgData name="Willis, Orion" userId="e283381d-8284-4d3f-ab32-7d71b1e99e1a" providerId="ADAL" clId="{E09803C7-E6F1-4593-BE2C-5C662A407D48}" dt="2024-12-17T16:06:29.411" v="374" actId="1076"/>
+          <ac:spMkLst>
+            <pc:docMk/>
+            <pc:sldMk cId="4102843683" sldId="300"/>
+            <ac:spMk id="4" creationId="{64492E64-A68B-8CA7-B3C6-044F7C8E76AB}"/>
+          </ac:spMkLst>
+        </pc:spChg>
+        <pc:spChg chg="add mod">
+          <ac:chgData name="Willis, Orion" userId="e283381d-8284-4d3f-ab32-7d71b1e99e1a" providerId="ADAL" clId="{E09803C7-E6F1-4593-BE2C-5C662A407D48}" dt="2024-12-17T16:06:37.961" v="376" actId="1076"/>
+          <ac:spMkLst>
+            <pc:docMk/>
+            <pc:sldMk cId="4102843683" sldId="300"/>
+            <ac:spMk id="5" creationId="{B64A8207-997F-319E-7F6D-676D3ECA779B}"/>
+          </ac:spMkLst>
+        </pc:spChg>
+      </pc:sldChg>
+      <pc:sldChg chg="addSp delSp modSp mod">
+        <pc:chgData name="Willis, Orion" userId="e283381d-8284-4d3f-ab32-7d71b1e99e1a" providerId="ADAL" clId="{E09803C7-E6F1-4593-BE2C-5C662A407D48}" dt="2024-12-17T16:07:41.140" v="397" actId="1076"/>
+        <pc:sldMkLst>
+          <pc:docMk/>
+          <pc:sldMk cId="4103423843" sldId="301"/>
+        </pc:sldMkLst>
+        <pc:spChg chg="del">
+          <ac:chgData name="Willis, Orion" userId="e283381d-8284-4d3f-ab32-7d71b1e99e1a" providerId="ADAL" clId="{E09803C7-E6F1-4593-BE2C-5C662A407D48}" dt="2024-12-17T16:06:49.600" v="380" actId="478"/>
+          <ac:spMkLst>
+            <pc:docMk/>
+            <pc:sldMk cId="4103423843" sldId="301"/>
+            <ac:spMk id="2" creationId="{9E5F5903-9361-1310-D6FA-4FE9DE7B7415}"/>
+          </ac:spMkLst>
+        </pc:spChg>
+        <pc:spChg chg="del">
+          <ac:chgData name="Willis, Orion" userId="e283381d-8284-4d3f-ab32-7d71b1e99e1a" providerId="ADAL" clId="{E09803C7-E6F1-4593-BE2C-5C662A407D48}" dt="2024-12-17T16:06:51.396" v="381" actId="478"/>
+          <ac:spMkLst>
+            <pc:docMk/>
+            <pc:sldMk cId="4103423843" sldId="301"/>
+            <ac:spMk id="3" creationId="{1510CFE7-456D-F779-B31C-B431388CF778}"/>
+          </ac:spMkLst>
+        </pc:spChg>
+        <pc:spChg chg="add mod">
+          <ac:chgData name="Willis, Orion" userId="e283381d-8284-4d3f-ab32-7d71b1e99e1a" providerId="ADAL" clId="{E09803C7-E6F1-4593-BE2C-5C662A407D48}" dt="2024-12-17T16:07:34.951" v="396" actId="1036"/>
+          <ac:spMkLst>
+            <pc:docMk/>
+            <pc:sldMk cId="4103423843" sldId="301"/>
+            <ac:spMk id="4" creationId="{64492E64-A68B-8CA7-B3C6-044F7C8E76AB}"/>
+          </ac:spMkLst>
+        </pc:spChg>
+        <pc:spChg chg="add mod">
+          <ac:chgData name="Willis, Orion" userId="e283381d-8284-4d3f-ab32-7d71b1e99e1a" providerId="ADAL" clId="{E09803C7-E6F1-4593-BE2C-5C662A407D48}" dt="2024-12-17T16:07:41.140" v="397" actId="1076"/>
+          <ac:spMkLst>
+            <pc:docMk/>
+            <pc:sldMk cId="4103423843" sldId="301"/>
+            <ac:spMk id="5" creationId="{B64A8207-997F-319E-7F6D-676D3ECA779B}"/>
+          </ac:spMkLst>
+        </pc:spChg>
+      </pc:sldChg>
+      <pc:sldMasterChg chg="del delSldLayout">
+        <pc:chgData name="Willis, Orion" userId="e283381d-8284-4d3f-ab32-7d71b1e99e1a" providerId="ADAL" clId="{E09803C7-E6F1-4593-BE2C-5C662A407D48}" dt="2024-12-17T16:06:46.608" v="379" actId="2696"/>
+        <pc:sldMasterMkLst>
+          <pc:docMk/>
+          <pc:sldMasterMk cId="3136267371" sldId="2147483681"/>
+        </pc:sldMasterMkLst>
+        <pc:sldLayoutChg chg="del">
+          <pc:chgData name="Willis, Orion" userId="e283381d-8284-4d3f-ab32-7d71b1e99e1a" providerId="ADAL" clId="{E09803C7-E6F1-4593-BE2C-5C662A407D48}" dt="2024-12-17T16:06:46.608" v="379" actId="2696"/>
+          <pc:sldLayoutMkLst>
+            <pc:docMk/>
+            <pc:sldMasterMk cId="3136267371" sldId="2147483681"/>
+            <pc:sldLayoutMk cId="267940307" sldId="2147483682"/>
+          </pc:sldLayoutMkLst>
+        </pc:sldLayoutChg>
+        <pc:sldLayoutChg chg="del">
+          <pc:chgData name="Willis, Orion" userId="e283381d-8284-4d3f-ab32-7d71b1e99e1a" providerId="ADAL" clId="{E09803C7-E6F1-4593-BE2C-5C662A407D48}" dt="2024-12-17T16:06:46.608" v="379" actId="2696"/>
+          <pc:sldLayoutMkLst>
+            <pc:docMk/>
+            <pc:sldMasterMk cId="3136267371" sldId="2147483681"/>
+            <pc:sldLayoutMk cId="1773732037" sldId="2147483683"/>
+          </pc:sldLayoutMkLst>
+        </pc:sldLayoutChg>
+        <pc:sldLayoutChg chg="del">
+          <pc:chgData name="Willis, Orion" userId="e283381d-8284-4d3f-ab32-7d71b1e99e1a" providerId="ADAL" clId="{E09803C7-E6F1-4593-BE2C-5C662A407D48}" dt="2024-12-17T16:06:46.608" v="379" actId="2696"/>
+          <pc:sldLayoutMkLst>
+            <pc:docMk/>
+            <pc:sldMasterMk cId="3136267371" sldId="2147483681"/>
+            <pc:sldLayoutMk cId="3968263454" sldId="2147483684"/>
+          </pc:sldLayoutMkLst>
+        </pc:sldLayoutChg>
+        <pc:sldLayoutChg chg="del">
+          <pc:chgData name="Willis, Orion" userId="e283381d-8284-4d3f-ab32-7d71b1e99e1a" providerId="ADAL" clId="{E09803C7-E6F1-4593-BE2C-5C662A407D48}" dt="2024-12-17T16:06:46.608" v="379" actId="2696"/>
+          <pc:sldLayoutMkLst>
+            <pc:docMk/>
+            <pc:sldMasterMk cId="3136267371" sldId="2147483681"/>
+            <pc:sldLayoutMk cId="3119249891" sldId="2147483685"/>
+          </pc:sldLayoutMkLst>
+        </pc:sldLayoutChg>
+        <pc:sldLayoutChg chg="del">
+          <pc:chgData name="Willis, Orion" userId="e283381d-8284-4d3f-ab32-7d71b1e99e1a" providerId="ADAL" clId="{E09803C7-E6F1-4593-BE2C-5C662A407D48}" dt="2024-12-17T16:06:46.608" v="379" actId="2696"/>
+          <pc:sldLayoutMkLst>
+            <pc:docMk/>
+            <pc:sldMasterMk cId="3136267371" sldId="2147483681"/>
+            <pc:sldLayoutMk cId="3054922134" sldId="2147483686"/>
+          </pc:sldLayoutMkLst>
+        </pc:sldLayoutChg>
+        <pc:sldLayoutChg chg="del">
+          <pc:chgData name="Willis, Orion" userId="e283381d-8284-4d3f-ab32-7d71b1e99e1a" providerId="ADAL" clId="{E09803C7-E6F1-4593-BE2C-5C662A407D48}" dt="2024-12-17T16:06:46.608" v="379" actId="2696"/>
+          <pc:sldLayoutMkLst>
+            <pc:docMk/>
+            <pc:sldMasterMk cId="3136267371" sldId="2147483681"/>
+            <pc:sldLayoutMk cId="2938381997" sldId="2147483687"/>
+          </pc:sldLayoutMkLst>
+        </pc:sldLayoutChg>
+        <pc:sldLayoutChg chg="del">
+          <pc:chgData name="Willis, Orion" userId="e283381d-8284-4d3f-ab32-7d71b1e99e1a" providerId="ADAL" clId="{E09803C7-E6F1-4593-BE2C-5C662A407D48}" dt="2024-12-17T16:06:46.608" v="379" actId="2696"/>
+          <pc:sldLayoutMkLst>
+            <pc:docMk/>
+            <pc:sldMasterMk cId="3136267371" sldId="2147483681"/>
+            <pc:sldLayoutMk cId="2840775159" sldId="2147483688"/>
+          </pc:sldLayoutMkLst>
+        </pc:sldLayoutChg>
+        <pc:sldLayoutChg chg="del">
+          <pc:chgData name="Willis, Orion" userId="e283381d-8284-4d3f-ab32-7d71b1e99e1a" providerId="ADAL" clId="{E09803C7-E6F1-4593-BE2C-5C662A407D48}" dt="2024-12-17T16:06:46.608" v="379" actId="2696"/>
+          <pc:sldLayoutMkLst>
+            <pc:docMk/>
+            <pc:sldMasterMk cId="3136267371" sldId="2147483681"/>
+            <pc:sldLayoutMk cId="489734700" sldId="2147483689"/>
+          </pc:sldLayoutMkLst>
+        </pc:sldLayoutChg>
+        <pc:sldLayoutChg chg="del">
+          <pc:chgData name="Willis, Orion" userId="e283381d-8284-4d3f-ab32-7d71b1e99e1a" providerId="ADAL" clId="{E09803C7-E6F1-4593-BE2C-5C662A407D48}" dt="2024-12-17T16:06:46.608" v="379" actId="2696"/>
+          <pc:sldLayoutMkLst>
+            <pc:docMk/>
+            <pc:sldMasterMk cId="3136267371" sldId="2147483681"/>
+            <pc:sldLayoutMk cId="1801490617" sldId="2147483690"/>
+          </pc:sldLayoutMkLst>
+        </pc:sldLayoutChg>
+        <pc:sldLayoutChg chg="del">
+          <pc:chgData name="Willis, Orion" userId="e283381d-8284-4d3f-ab32-7d71b1e99e1a" providerId="ADAL" clId="{E09803C7-E6F1-4593-BE2C-5C662A407D48}" dt="2024-12-17T16:06:46.608" v="379" actId="2696"/>
+          <pc:sldLayoutMkLst>
+            <pc:docMk/>
+            <pc:sldMasterMk cId="3136267371" sldId="2147483681"/>
+            <pc:sldLayoutMk cId="246953702" sldId="2147483691"/>
+          </pc:sldLayoutMkLst>
+        </pc:sldLayoutChg>
+        <pc:sldLayoutChg chg="del">
+          <pc:chgData name="Willis, Orion" userId="e283381d-8284-4d3f-ab32-7d71b1e99e1a" providerId="ADAL" clId="{E09803C7-E6F1-4593-BE2C-5C662A407D48}" dt="2024-12-17T16:06:46.608" v="379" actId="2696"/>
+          <pc:sldLayoutMkLst>
+            <pc:docMk/>
+            <pc:sldMasterMk cId="3136267371" sldId="2147483681"/>
+            <pc:sldLayoutMk cId="2492140018" sldId="2147483692"/>
+          </pc:sldLayoutMkLst>
+        </pc:sldLayoutChg>
+        <pc:sldLayoutChg chg="del">
+          <pc:chgData name="Willis, Orion" userId="e283381d-8284-4d3f-ab32-7d71b1e99e1a" providerId="ADAL" clId="{E09803C7-E6F1-4593-BE2C-5C662A407D48}" dt="2024-12-17T16:06:46.608" v="379" actId="2696"/>
+          <pc:sldLayoutMkLst>
+            <pc:docMk/>
+            <pc:sldMasterMk cId="3136267371" sldId="2147483681"/>
+            <pc:sldLayoutMk cId="2326417790" sldId="2147483693"/>
+          </pc:sldLayoutMkLst>
+        </pc:sldLayoutChg>
+      </pc:sldMasterChg>
     </pc:docChg>
   </pc:docChgLst>
   <pc:docChgLst>
@@ -817,30 +1903,6 @@
             <pc:docMk/>
             <pc:sldMk cId="1742169507" sldId="276"/>
             <ac:spMk id="3" creationId="{ADD8957C-88E6-A920-4979-2BDA9406B518}"/>
-          </ac:spMkLst>
-        </pc:spChg>
-      </pc:sldChg>
-    </pc:docChg>
-  </pc:docChgLst>
-  <pc:docChgLst>
-    <pc:chgData name="Gibbons, Carl" userId="d2b037bc-8fb4-4222-845c-61440543a456" providerId="ADAL" clId="{ACF90228-EFF2-4732-BE47-2165A82AAC55}"/>
-    <pc:docChg chg="modSld">
-      <pc:chgData name="Gibbons, Carl" userId="d2b037bc-8fb4-4222-845c-61440543a456" providerId="ADAL" clId="{ACF90228-EFF2-4732-BE47-2165A82AAC55}" dt="2024-01-09T21:29:00.955" v="0"/>
-      <pc:docMkLst>
-        <pc:docMk/>
-      </pc:docMkLst>
-      <pc:sldChg chg="modSp mod">
-        <pc:chgData name="Gibbons, Carl" userId="d2b037bc-8fb4-4222-845c-61440543a456" providerId="ADAL" clId="{ACF90228-EFF2-4732-BE47-2165A82AAC55}" dt="2024-01-09T21:29:00.955" v="0"/>
-        <pc:sldMkLst>
-          <pc:docMk/>
-          <pc:sldMk cId="1055206713" sldId="269"/>
-        </pc:sldMkLst>
-        <pc:spChg chg="mod">
-          <ac:chgData name="Gibbons, Carl" userId="d2b037bc-8fb4-4222-845c-61440543a456" providerId="ADAL" clId="{ACF90228-EFF2-4732-BE47-2165A82AAC55}" dt="2024-01-09T21:29:00.955" v="0"/>
-          <ac:spMkLst>
-            <pc:docMk/>
-            <pc:sldMk cId="1055206713" sldId="269"/>
-            <ac:spMk id="4" creationId="{B64A8207-997F-319E-7F6D-676D3ECA779B}"/>
           </ac:spMkLst>
         </pc:spChg>
       </pc:sldChg>
@@ -1188,75 +2250,6 @@
       </pc:sldChg>
     </pc:docChg>
   </pc:docChgLst>
-  <pc:docChgLst>
-    <pc:chgData name="Gibbons, Carl" userId="d2b037bc-8fb4-4222-845c-61440543a456" providerId="ADAL" clId="{DD1CE632-2E50-4DF6-A094-0B92632EBA8E}"/>
-    <pc:docChg chg="modSld">
-      <pc:chgData name="Gibbons, Carl" userId="d2b037bc-8fb4-4222-845c-61440543a456" providerId="ADAL" clId="{DD1CE632-2E50-4DF6-A094-0B92632EBA8E}" dt="2023-12-06T17:42:28.848" v="23" actId="20577"/>
-      <pc:docMkLst>
-        <pc:docMk/>
-      </pc:docMkLst>
-      <pc:sldChg chg="modSp mod">
-        <pc:chgData name="Gibbons, Carl" userId="d2b037bc-8fb4-4222-845c-61440543a456" providerId="ADAL" clId="{DD1CE632-2E50-4DF6-A094-0B92632EBA8E}" dt="2023-11-21T08:38:02.899" v="11" actId="20577"/>
-        <pc:sldMkLst>
-          <pc:docMk/>
-          <pc:sldMk cId="3594981681" sldId="272"/>
-        </pc:sldMkLst>
-        <pc:spChg chg="mod">
-          <ac:chgData name="Gibbons, Carl" userId="d2b037bc-8fb4-4222-845c-61440543a456" providerId="ADAL" clId="{DD1CE632-2E50-4DF6-A094-0B92632EBA8E}" dt="2023-11-21T08:38:02.899" v="11" actId="20577"/>
-          <ac:spMkLst>
-            <pc:docMk/>
-            <pc:sldMk cId="3594981681" sldId="272"/>
-            <ac:spMk id="4" creationId="{B64A8207-997F-319E-7F6D-676D3ECA779B}"/>
-          </ac:spMkLst>
-        </pc:spChg>
-      </pc:sldChg>
-      <pc:sldChg chg="modSp mod">
-        <pc:chgData name="Gibbons, Carl" userId="d2b037bc-8fb4-4222-845c-61440543a456" providerId="ADAL" clId="{DD1CE632-2E50-4DF6-A094-0B92632EBA8E}" dt="2023-12-06T17:42:28.848" v="23" actId="20577"/>
-        <pc:sldMkLst>
-          <pc:docMk/>
-          <pc:sldMk cId="1865769485" sldId="273"/>
-        </pc:sldMkLst>
-        <pc:spChg chg="mod">
-          <ac:chgData name="Gibbons, Carl" userId="d2b037bc-8fb4-4222-845c-61440543a456" providerId="ADAL" clId="{DD1CE632-2E50-4DF6-A094-0B92632EBA8E}" dt="2023-12-06T17:42:28.848" v="23" actId="20577"/>
-          <ac:spMkLst>
-            <pc:docMk/>
-            <pc:sldMk cId="1865769485" sldId="273"/>
-            <ac:spMk id="4" creationId="{B64A8207-997F-319E-7F6D-676D3ECA779B}"/>
-          </ac:spMkLst>
-        </pc:spChg>
-      </pc:sldChg>
-      <pc:sldChg chg="modSp mod">
-        <pc:chgData name="Gibbons, Carl" userId="d2b037bc-8fb4-4222-845c-61440543a456" providerId="ADAL" clId="{DD1CE632-2E50-4DF6-A094-0B92632EBA8E}" dt="2023-12-06T17:39:43.190" v="12" actId="20577"/>
-        <pc:sldMkLst>
-          <pc:docMk/>
-          <pc:sldMk cId="3809967197" sldId="275"/>
-        </pc:sldMkLst>
-        <pc:spChg chg="mod">
-          <ac:chgData name="Gibbons, Carl" userId="d2b037bc-8fb4-4222-845c-61440543a456" providerId="ADAL" clId="{DD1CE632-2E50-4DF6-A094-0B92632EBA8E}" dt="2023-12-06T17:39:43.190" v="12" actId="20577"/>
-          <ac:spMkLst>
-            <pc:docMk/>
-            <pc:sldMk cId="3809967197" sldId="275"/>
-            <ac:spMk id="3" creationId="{ADD8957C-88E6-A920-4979-2BDA9406B518}"/>
-          </ac:spMkLst>
-        </pc:spChg>
-      </pc:sldChg>
-      <pc:sldChg chg="modSp mod">
-        <pc:chgData name="Gibbons, Carl" userId="d2b037bc-8fb4-4222-845c-61440543a456" providerId="ADAL" clId="{DD1CE632-2E50-4DF6-A094-0B92632EBA8E}" dt="2023-12-06T17:40:27.333" v="15" actId="20577"/>
-        <pc:sldMkLst>
-          <pc:docMk/>
-          <pc:sldMk cId="1742169507" sldId="276"/>
-        </pc:sldMkLst>
-        <pc:spChg chg="mod">
-          <ac:chgData name="Gibbons, Carl" userId="d2b037bc-8fb4-4222-845c-61440543a456" providerId="ADAL" clId="{DD1CE632-2E50-4DF6-A094-0B92632EBA8E}" dt="2023-12-06T17:40:27.333" v="15" actId="20577"/>
-          <ac:spMkLst>
-            <pc:docMk/>
-            <pc:sldMk cId="1742169507" sldId="276"/>
-            <ac:spMk id="3" creationId="{ADD8957C-88E6-A920-4979-2BDA9406B518}"/>
-          </ac:spMkLst>
-        </pc:spChg>
-      </pc:sldChg>
-    </pc:docChg>
-  </pc:docChgLst>
 </pc:chgInfo>
 </file>
 
@@ -1315,7 +2308,7 @@
           <p:cNvPr id="2" name="Title 1">
             <a:extLst>
               <a:ext uri="{FF2B5EF4-FFF2-40B4-BE49-F238E27FC236}">
-                <a16:creationId xmlns:a16="http://schemas.microsoft.com/office/drawing/2014/main" id="{D7417273-9D16-5639-8844-46262C7A214A}"/>
+                <a16:creationId xmlns:a16="http://schemas.microsoft.com/office/drawing/2014/main" id="{BFB01EF5-6F0D-8686-CDD5-7DB43C9F613E}"/>
               </a:ext>
             </a:extLst>
           </p:cNvPr>
@@ -1326,7 +2319,15 @@
             <p:ph type="title"/>
           </p:nvPr>
         </p:nvSpPr>
-        <p:spPr/>
+        <p:spPr>
+          <a:xfrm>
+            <a:off x="602787" y="1498382"/>
+            <a:ext cx="10515600" cy="1325563"/>
+          </a:xfrm>
+          <a:prstGeom prst="rect">
+            <a:avLst/>
+          </a:prstGeom>
+        </p:spPr>
         <p:txBody>
           <a:bodyPr/>
           <a:lstStyle/>
@@ -1343,7 +2344,7 @@
           <p:cNvPr id="3" name="Content Placeholder 2">
             <a:extLst>
               <a:ext uri="{FF2B5EF4-FFF2-40B4-BE49-F238E27FC236}">
-                <a16:creationId xmlns:a16="http://schemas.microsoft.com/office/drawing/2014/main" id="{B0CB97D0-5920-4A0C-455B-784B34D523CD}"/>
+                <a16:creationId xmlns:a16="http://schemas.microsoft.com/office/drawing/2014/main" id="{2ED595E2-3C65-7E01-6223-574BF8FB8119}"/>
               </a:ext>
             </a:extLst>
           </p:cNvPr>
@@ -1359,6 +2360,9 @@
             <a:off x="838200" y="1825625"/>
             <a:ext cx="5181600" cy="4351338"/>
           </a:xfrm>
+          <a:prstGeom prst="rect">
+            <a:avLst/>
+          </a:prstGeom>
         </p:spPr>
         <p:txBody>
           <a:bodyPr/>
@@ -1405,7 +2409,7 @@
           <p:cNvPr id="4" name="Content Placeholder 3">
             <a:extLst>
               <a:ext uri="{FF2B5EF4-FFF2-40B4-BE49-F238E27FC236}">
-                <a16:creationId xmlns:a16="http://schemas.microsoft.com/office/drawing/2014/main" id="{49C5FDBC-D200-7F14-85E8-2B208477DAF9}"/>
+                <a16:creationId xmlns:a16="http://schemas.microsoft.com/office/drawing/2014/main" id="{DFDA5243-FD59-824D-9801-C6A7FC40AD32}"/>
               </a:ext>
             </a:extLst>
           </p:cNvPr>
@@ -1421,6 +2425,9 @@
             <a:off x="6172200" y="1825625"/>
             <a:ext cx="5181600" cy="4351338"/>
           </a:xfrm>
+          <a:prstGeom prst="rect">
+            <a:avLst/>
+          </a:prstGeom>
         </p:spPr>
         <p:txBody>
           <a:bodyPr/>
@@ -1467,7 +2474,7 @@
           <p:cNvPr id="5" name="Date Placeholder 4">
             <a:extLst>
               <a:ext uri="{FF2B5EF4-FFF2-40B4-BE49-F238E27FC236}">
-                <a16:creationId xmlns:a16="http://schemas.microsoft.com/office/drawing/2014/main" id="{9C0A7D34-EDD4-2B7C-7597-31E5AE2E8BD6}"/>
+                <a16:creationId xmlns:a16="http://schemas.microsoft.com/office/drawing/2014/main" id="{BB0B0631-5586-E8EE-C280-1DC0A64D54C9}"/>
               </a:ext>
             </a:extLst>
           </p:cNvPr>
@@ -1478,14 +2485,22 @@
             <p:ph type="dt" sz="half" idx="10"/>
           </p:nvPr>
         </p:nvSpPr>
-        <p:spPr/>
+        <p:spPr>
+          <a:xfrm>
+            <a:off x="838200" y="6445249"/>
+            <a:ext cx="2743200" cy="365125"/>
+          </a:xfrm>
+          <a:prstGeom prst="rect">
+            <a:avLst/>
+          </a:prstGeom>
+        </p:spPr>
         <p:txBody>
           <a:bodyPr/>
           <a:lstStyle/>
           <a:p>
-            <a:fld id="{0D69348B-4620-44E9-BF3F-EACBA9EEF323}" type="datetimeFigureOut">
+            <a:fld id="{71087A05-F855-4434-8DDE-39A8542098A6}" type="datetimeFigureOut">
               <a:rPr lang="en-US" smtClean="0"/>
-              <a:t>6/25/2024</a:t>
+              <a:t>12/17/2024</a:t>
             </a:fld>
             <a:endParaRPr lang="en-US"/>
           </a:p>
@@ -1496,7 +2511,7 @@
           <p:cNvPr id="6" name="Footer Placeholder 5">
             <a:extLst>
               <a:ext uri="{FF2B5EF4-FFF2-40B4-BE49-F238E27FC236}">
-                <a16:creationId xmlns:a16="http://schemas.microsoft.com/office/drawing/2014/main" id="{001C50E6-D64B-52FC-1719-552ED73B243D}"/>
+                <a16:creationId xmlns:a16="http://schemas.microsoft.com/office/drawing/2014/main" id="{4C7022BC-4356-2E12-5FFC-95893C9539C6}"/>
               </a:ext>
             </a:extLst>
           </p:cNvPr>
@@ -1507,7 +2522,15 @@
             <p:ph type="ftr" sz="quarter" idx="11"/>
           </p:nvPr>
         </p:nvSpPr>
-        <p:spPr/>
+        <p:spPr>
+          <a:xfrm>
+            <a:off x="4038600" y="6356350"/>
+            <a:ext cx="4114800" cy="365125"/>
+          </a:xfrm>
+          <a:prstGeom prst="rect">
+            <a:avLst/>
+          </a:prstGeom>
+        </p:spPr>
         <p:txBody>
           <a:bodyPr/>
           <a:lstStyle/>
@@ -1521,7 +2544,7 @@
           <p:cNvPr id="7" name="Slide Number Placeholder 6">
             <a:extLst>
               <a:ext uri="{FF2B5EF4-FFF2-40B4-BE49-F238E27FC236}">
-                <a16:creationId xmlns:a16="http://schemas.microsoft.com/office/drawing/2014/main" id="{159CBFED-25BE-7153-12B4-D0E8588920D3}"/>
+                <a16:creationId xmlns:a16="http://schemas.microsoft.com/office/drawing/2014/main" id="{2F6F0616-5185-D339-BFDE-0E16B9960312}"/>
               </a:ext>
             </a:extLst>
           </p:cNvPr>
@@ -1532,12 +2555,20 @@
             <p:ph type="sldNum" sz="quarter" idx="12"/>
           </p:nvPr>
         </p:nvSpPr>
-        <p:spPr/>
+        <p:spPr>
+          <a:xfrm>
+            <a:off x="8610600" y="6356350"/>
+            <a:ext cx="2743200" cy="365125"/>
+          </a:xfrm>
+          <a:prstGeom prst="rect">
+            <a:avLst/>
+          </a:prstGeom>
+        </p:spPr>
         <p:txBody>
           <a:bodyPr/>
           <a:lstStyle/>
           <a:p>
-            <a:fld id="{986C47A0-D0C4-4E8A-BEE9-37B09C3712B2}" type="slidenum">
+            <a:fld id="{6C0014F0-3D1D-4459-A530-32E6C19AE461}" type="slidenum">
               <a:rPr lang="en-US" smtClean="0"/>
               <a:t>‹#›</a:t>
             </a:fld>
@@ -1548,7 +2579,7 @@
     </p:spTree>
     <p:extLst>
       <p:ext uri="{BB962C8B-B14F-4D97-AF65-F5344CB8AC3E}">
-        <p14:creationId xmlns:p14="http://schemas.microsoft.com/office/powerpoint/2010/main" val="3119249891"/>
+        <p14:creationId xmlns:p14="http://schemas.microsoft.com/office/powerpoint/2010/main" val="3165218367"/>
       </p:ext>
     </p:extLst>
   </p:cSld>
@@ -1580,7 +2611,7 @@
           <p:cNvPr id="2" name="Title 1">
             <a:extLst>
               <a:ext uri="{FF2B5EF4-FFF2-40B4-BE49-F238E27FC236}">
-                <a16:creationId xmlns:a16="http://schemas.microsoft.com/office/drawing/2014/main" id="{4EC51817-320C-EB58-D57C-AAA586C0053E}"/>
+                <a16:creationId xmlns:a16="http://schemas.microsoft.com/office/drawing/2014/main" id="{0AADFFED-E59B-6D4E-6B64-0F5B746DEB96}"/>
               </a:ext>
             </a:extLst>
           </p:cNvPr>
@@ -1596,6 +2627,9 @@
             <a:off x="839788" y="365125"/>
             <a:ext cx="10515600" cy="1325563"/>
           </a:xfrm>
+          <a:prstGeom prst="rect">
+            <a:avLst/>
+          </a:prstGeom>
         </p:spPr>
         <p:txBody>
           <a:bodyPr/>
@@ -1613,7 +2647,7 @@
           <p:cNvPr id="3" name="Text Placeholder 2">
             <a:extLst>
               <a:ext uri="{FF2B5EF4-FFF2-40B4-BE49-F238E27FC236}">
-                <a16:creationId xmlns:a16="http://schemas.microsoft.com/office/drawing/2014/main" id="{21FF1CDE-5ED1-45BC-1BBF-82DBA76868F4}"/>
+                <a16:creationId xmlns:a16="http://schemas.microsoft.com/office/drawing/2014/main" id="{1D25BBE6-1C38-6614-EF63-AF608E55C235}"/>
               </a:ext>
             </a:extLst>
           </p:cNvPr>
@@ -1629,6 +2663,9 @@
             <a:off x="839788" y="1681163"/>
             <a:ext cx="5157787" cy="823912"/>
           </a:xfrm>
+          <a:prstGeom prst="rect">
+            <a:avLst/>
+          </a:prstGeom>
         </p:spPr>
         <p:txBody>
           <a:bodyPr anchor="b"/>
@@ -1684,7 +2721,7 @@
           <p:cNvPr id="4" name="Content Placeholder 3">
             <a:extLst>
               <a:ext uri="{FF2B5EF4-FFF2-40B4-BE49-F238E27FC236}">
-                <a16:creationId xmlns:a16="http://schemas.microsoft.com/office/drawing/2014/main" id="{CB45744E-8CC8-1B85-F492-6648EB8A9996}"/>
+                <a16:creationId xmlns:a16="http://schemas.microsoft.com/office/drawing/2014/main" id="{D639AC2E-A378-9E93-69F7-FF92F43FC3A8}"/>
               </a:ext>
             </a:extLst>
           </p:cNvPr>
@@ -1700,6 +2737,9 @@
             <a:off x="839788" y="2505075"/>
             <a:ext cx="5157787" cy="3684588"/>
           </a:xfrm>
+          <a:prstGeom prst="rect">
+            <a:avLst/>
+          </a:prstGeom>
         </p:spPr>
         <p:txBody>
           <a:bodyPr/>
@@ -1746,7 +2786,7 @@
           <p:cNvPr id="5" name="Text Placeholder 4">
             <a:extLst>
               <a:ext uri="{FF2B5EF4-FFF2-40B4-BE49-F238E27FC236}">
-                <a16:creationId xmlns:a16="http://schemas.microsoft.com/office/drawing/2014/main" id="{E073266C-0D92-527A-30E1-7ECDD28C0F91}"/>
+                <a16:creationId xmlns:a16="http://schemas.microsoft.com/office/drawing/2014/main" id="{E57BF240-C80B-E670-B12B-8BCBA850E04F}"/>
               </a:ext>
             </a:extLst>
           </p:cNvPr>
@@ -1762,6 +2802,9 @@
             <a:off x="6172200" y="1681163"/>
             <a:ext cx="5183188" cy="823912"/>
           </a:xfrm>
+          <a:prstGeom prst="rect">
+            <a:avLst/>
+          </a:prstGeom>
         </p:spPr>
         <p:txBody>
           <a:bodyPr anchor="b"/>
@@ -1817,7 +2860,7 @@
           <p:cNvPr id="6" name="Content Placeholder 5">
             <a:extLst>
               <a:ext uri="{FF2B5EF4-FFF2-40B4-BE49-F238E27FC236}">
-                <a16:creationId xmlns:a16="http://schemas.microsoft.com/office/drawing/2014/main" id="{1E10B574-E76B-4DE3-3CFA-1190E252BA61}"/>
+                <a16:creationId xmlns:a16="http://schemas.microsoft.com/office/drawing/2014/main" id="{6AB0FB7E-A75F-AB8B-3217-710BBB592FB3}"/>
               </a:ext>
             </a:extLst>
           </p:cNvPr>
@@ -1833,6 +2876,9 @@
             <a:off x="6172200" y="2505075"/>
             <a:ext cx="5183188" cy="3684588"/>
           </a:xfrm>
+          <a:prstGeom prst="rect">
+            <a:avLst/>
+          </a:prstGeom>
         </p:spPr>
         <p:txBody>
           <a:bodyPr/>
@@ -1879,7 +2925,7 @@
           <p:cNvPr id="7" name="Date Placeholder 6">
             <a:extLst>
               <a:ext uri="{FF2B5EF4-FFF2-40B4-BE49-F238E27FC236}">
-                <a16:creationId xmlns:a16="http://schemas.microsoft.com/office/drawing/2014/main" id="{B22F13C7-15CB-D0AD-592A-4574F62CF3CA}"/>
+                <a16:creationId xmlns:a16="http://schemas.microsoft.com/office/drawing/2014/main" id="{BBAC691C-E8A1-E4A4-391E-3EA19AE5DF7A}"/>
               </a:ext>
             </a:extLst>
           </p:cNvPr>
@@ -1890,14 +2936,22 @@
             <p:ph type="dt" sz="half" idx="10"/>
           </p:nvPr>
         </p:nvSpPr>
-        <p:spPr/>
+        <p:spPr>
+          <a:xfrm>
+            <a:off x="838200" y="6445249"/>
+            <a:ext cx="2743200" cy="365125"/>
+          </a:xfrm>
+          <a:prstGeom prst="rect">
+            <a:avLst/>
+          </a:prstGeom>
+        </p:spPr>
         <p:txBody>
           <a:bodyPr/>
           <a:lstStyle/>
           <a:p>
-            <a:fld id="{0D69348B-4620-44E9-BF3F-EACBA9EEF323}" type="datetimeFigureOut">
+            <a:fld id="{71087A05-F855-4434-8DDE-39A8542098A6}" type="datetimeFigureOut">
               <a:rPr lang="en-US" smtClean="0"/>
-              <a:t>6/25/2024</a:t>
+              <a:t>12/17/2024</a:t>
             </a:fld>
             <a:endParaRPr lang="en-US"/>
           </a:p>
@@ -1908,7 +2962,7 @@
           <p:cNvPr id="8" name="Footer Placeholder 7">
             <a:extLst>
               <a:ext uri="{FF2B5EF4-FFF2-40B4-BE49-F238E27FC236}">
-                <a16:creationId xmlns:a16="http://schemas.microsoft.com/office/drawing/2014/main" id="{2F5F3798-7B61-5530-4CE3-C6CC264D0CAB}"/>
+                <a16:creationId xmlns:a16="http://schemas.microsoft.com/office/drawing/2014/main" id="{A5742DC8-1560-8BC0-2128-ACBD57240165}"/>
               </a:ext>
             </a:extLst>
           </p:cNvPr>
@@ -1919,7 +2973,15 @@
             <p:ph type="ftr" sz="quarter" idx="11"/>
           </p:nvPr>
         </p:nvSpPr>
-        <p:spPr/>
+        <p:spPr>
+          <a:xfrm>
+            <a:off x="4038600" y="6356350"/>
+            <a:ext cx="4114800" cy="365125"/>
+          </a:xfrm>
+          <a:prstGeom prst="rect">
+            <a:avLst/>
+          </a:prstGeom>
+        </p:spPr>
         <p:txBody>
           <a:bodyPr/>
           <a:lstStyle/>
@@ -1933,7 +2995,7 @@
           <p:cNvPr id="9" name="Slide Number Placeholder 8">
             <a:extLst>
               <a:ext uri="{FF2B5EF4-FFF2-40B4-BE49-F238E27FC236}">
-                <a16:creationId xmlns:a16="http://schemas.microsoft.com/office/drawing/2014/main" id="{DEA57831-0ADE-7493-7182-6249F4413808}"/>
+                <a16:creationId xmlns:a16="http://schemas.microsoft.com/office/drawing/2014/main" id="{589CBA34-0EA5-98FC-EEAA-0C1A44BA1CB5}"/>
               </a:ext>
             </a:extLst>
           </p:cNvPr>
@@ -1944,12 +3006,20 @@
             <p:ph type="sldNum" sz="quarter" idx="12"/>
           </p:nvPr>
         </p:nvSpPr>
-        <p:spPr/>
+        <p:spPr>
+          <a:xfrm>
+            <a:off x="8610600" y="6356350"/>
+            <a:ext cx="2743200" cy="365125"/>
+          </a:xfrm>
+          <a:prstGeom prst="rect">
+            <a:avLst/>
+          </a:prstGeom>
+        </p:spPr>
         <p:txBody>
           <a:bodyPr/>
           <a:lstStyle/>
           <a:p>
-            <a:fld id="{986C47A0-D0C4-4E8A-BEE9-37B09C3712B2}" type="slidenum">
+            <a:fld id="{6C0014F0-3D1D-4459-A530-32E6C19AE461}" type="slidenum">
               <a:rPr lang="en-US" smtClean="0"/>
               <a:t>‹#›</a:t>
             </a:fld>
@@ -1960,7 +3030,7 @@
     </p:spTree>
     <p:extLst>
       <p:ext uri="{BB962C8B-B14F-4D97-AF65-F5344CB8AC3E}">
-        <p14:creationId xmlns:p14="http://schemas.microsoft.com/office/powerpoint/2010/main" val="3054922134"/>
+        <p14:creationId xmlns:p14="http://schemas.microsoft.com/office/powerpoint/2010/main" val="1714403427"/>
       </p:ext>
     </p:extLst>
   </p:cSld>
@@ -1992,7 +3062,7 @@
           <p:cNvPr id="2" name="Title 1">
             <a:extLst>
               <a:ext uri="{FF2B5EF4-FFF2-40B4-BE49-F238E27FC236}">
-                <a16:creationId xmlns:a16="http://schemas.microsoft.com/office/drawing/2014/main" id="{C51D6B86-2F64-08CA-8DAC-2D6D1CA3880D}"/>
+                <a16:creationId xmlns:a16="http://schemas.microsoft.com/office/drawing/2014/main" id="{DB1F5818-3C7C-015C-2483-1875C395B0BF}"/>
               </a:ext>
             </a:extLst>
           </p:cNvPr>
@@ -2003,7 +3073,15 @@
             <p:ph type="title"/>
           </p:nvPr>
         </p:nvSpPr>
-        <p:spPr/>
+        <p:spPr>
+          <a:xfrm>
+            <a:off x="602787" y="1498382"/>
+            <a:ext cx="10515600" cy="1325563"/>
+          </a:xfrm>
+          <a:prstGeom prst="rect">
+            <a:avLst/>
+          </a:prstGeom>
+        </p:spPr>
         <p:txBody>
           <a:bodyPr/>
           <a:lstStyle/>
@@ -2020,7 +3098,7 @@
           <p:cNvPr id="3" name="Date Placeholder 2">
             <a:extLst>
               <a:ext uri="{FF2B5EF4-FFF2-40B4-BE49-F238E27FC236}">
-                <a16:creationId xmlns:a16="http://schemas.microsoft.com/office/drawing/2014/main" id="{03C4A398-4A9D-A2A3-6474-1E420261434B}"/>
+                <a16:creationId xmlns:a16="http://schemas.microsoft.com/office/drawing/2014/main" id="{F223477C-97F9-76B1-065E-300F62DDCF99}"/>
               </a:ext>
             </a:extLst>
           </p:cNvPr>
@@ -2031,14 +3109,22 @@
             <p:ph type="dt" sz="half" idx="10"/>
           </p:nvPr>
         </p:nvSpPr>
-        <p:spPr/>
+        <p:spPr>
+          <a:xfrm>
+            <a:off x="838200" y="6445249"/>
+            <a:ext cx="2743200" cy="365125"/>
+          </a:xfrm>
+          <a:prstGeom prst="rect">
+            <a:avLst/>
+          </a:prstGeom>
+        </p:spPr>
         <p:txBody>
           <a:bodyPr/>
           <a:lstStyle/>
           <a:p>
-            <a:fld id="{0D69348B-4620-44E9-BF3F-EACBA9EEF323}" type="datetimeFigureOut">
+            <a:fld id="{71087A05-F855-4434-8DDE-39A8542098A6}" type="datetimeFigureOut">
               <a:rPr lang="en-US" smtClean="0"/>
-              <a:t>6/25/2024</a:t>
+              <a:t>12/17/2024</a:t>
             </a:fld>
             <a:endParaRPr lang="en-US"/>
           </a:p>
@@ -2049,7 +3135,7 @@
           <p:cNvPr id="4" name="Footer Placeholder 3">
             <a:extLst>
               <a:ext uri="{FF2B5EF4-FFF2-40B4-BE49-F238E27FC236}">
-                <a16:creationId xmlns:a16="http://schemas.microsoft.com/office/drawing/2014/main" id="{1B329954-395E-06FF-D638-EC31477B4B60}"/>
+                <a16:creationId xmlns:a16="http://schemas.microsoft.com/office/drawing/2014/main" id="{725CCAE4-3361-9867-C2CA-9F8A178ED41C}"/>
               </a:ext>
             </a:extLst>
           </p:cNvPr>
@@ -2060,7 +3146,15 @@
             <p:ph type="ftr" sz="quarter" idx="11"/>
           </p:nvPr>
         </p:nvSpPr>
-        <p:spPr/>
+        <p:spPr>
+          <a:xfrm>
+            <a:off x="4038600" y="6356350"/>
+            <a:ext cx="4114800" cy="365125"/>
+          </a:xfrm>
+          <a:prstGeom prst="rect">
+            <a:avLst/>
+          </a:prstGeom>
+        </p:spPr>
         <p:txBody>
           <a:bodyPr/>
           <a:lstStyle/>
@@ -2074,7 +3168,7 @@
           <p:cNvPr id="5" name="Slide Number Placeholder 4">
             <a:extLst>
               <a:ext uri="{FF2B5EF4-FFF2-40B4-BE49-F238E27FC236}">
-                <a16:creationId xmlns:a16="http://schemas.microsoft.com/office/drawing/2014/main" id="{26A16BE0-3CF4-0FFF-42E9-C2ABCD5E1AB3}"/>
+                <a16:creationId xmlns:a16="http://schemas.microsoft.com/office/drawing/2014/main" id="{E42ECABF-B7A6-37FC-1091-0A6AE97D6725}"/>
               </a:ext>
             </a:extLst>
           </p:cNvPr>
@@ -2085,12 +3179,20 @@
             <p:ph type="sldNum" sz="quarter" idx="12"/>
           </p:nvPr>
         </p:nvSpPr>
-        <p:spPr/>
+        <p:spPr>
+          <a:xfrm>
+            <a:off x="8610600" y="6356350"/>
+            <a:ext cx="2743200" cy="365125"/>
+          </a:xfrm>
+          <a:prstGeom prst="rect">
+            <a:avLst/>
+          </a:prstGeom>
+        </p:spPr>
         <p:txBody>
           <a:bodyPr/>
           <a:lstStyle/>
           <a:p>
-            <a:fld id="{986C47A0-D0C4-4E8A-BEE9-37B09C3712B2}" type="slidenum">
+            <a:fld id="{6C0014F0-3D1D-4459-A530-32E6C19AE461}" type="slidenum">
               <a:rPr lang="en-US" smtClean="0"/>
               <a:t>‹#›</a:t>
             </a:fld>
@@ -2101,7 +3203,7 @@
     </p:spTree>
     <p:extLst>
       <p:ext uri="{BB962C8B-B14F-4D97-AF65-F5344CB8AC3E}">
-        <p14:creationId xmlns:p14="http://schemas.microsoft.com/office/powerpoint/2010/main" val="2938381997"/>
+        <p14:creationId xmlns:p14="http://schemas.microsoft.com/office/powerpoint/2010/main" val="3116448475"/>
       </p:ext>
     </p:extLst>
   </p:cSld>
@@ -2133,7 +3235,7 @@
           <p:cNvPr id="2" name="Date Placeholder 1">
             <a:extLst>
               <a:ext uri="{FF2B5EF4-FFF2-40B4-BE49-F238E27FC236}">
-                <a16:creationId xmlns:a16="http://schemas.microsoft.com/office/drawing/2014/main" id="{AA5B9B0A-FA71-5C03-A207-2398589F58E9}"/>
+                <a16:creationId xmlns:a16="http://schemas.microsoft.com/office/drawing/2014/main" id="{E2C2A218-2D68-399E-5303-823F32D18A0A}"/>
               </a:ext>
             </a:extLst>
           </p:cNvPr>
@@ -2144,14 +3246,22 @@
             <p:ph type="dt" sz="half" idx="10"/>
           </p:nvPr>
         </p:nvSpPr>
-        <p:spPr/>
+        <p:spPr>
+          <a:xfrm>
+            <a:off x="838200" y="6445249"/>
+            <a:ext cx="2743200" cy="365125"/>
+          </a:xfrm>
+          <a:prstGeom prst="rect">
+            <a:avLst/>
+          </a:prstGeom>
+        </p:spPr>
         <p:txBody>
           <a:bodyPr/>
           <a:lstStyle/>
           <a:p>
-            <a:fld id="{0D69348B-4620-44E9-BF3F-EACBA9EEF323}" type="datetimeFigureOut">
+            <a:fld id="{71087A05-F855-4434-8DDE-39A8542098A6}" type="datetimeFigureOut">
               <a:rPr lang="en-US" smtClean="0"/>
-              <a:t>6/25/2024</a:t>
+              <a:t>12/17/2024</a:t>
             </a:fld>
             <a:endParaRPr lang="en-US"/>
           </a:p>
@@ -2162,7 +3272,7 @@
           <p:cNvPr id="3" name="Footer Placeholder 2">
             <a:extLst>
               <a:ext uri="{FF2B5EF4-FFF2-40B4-BE49-F238E27FC236}">
-                <a16:creationId xmlns:a16="http://schemas.microsoft.com/office/drawing/2014/main" id="{5EEC7B99-A534-1835-A5BF-8993DDBD237D}"/>
+                <a16:creationId xmlns:a16="http://schemas.microsoft.com/office/drawing/2014/main" id="{41BB3505-96AE-D8F2-469A-F36E9DD155D5}"/>
               </a:ext>
             </a:extLst>
           </p:cNvPr>
@@ -2173,7 +3283,15 @@
             <p:ph type="ftr" sz="quarter" idx="11"/>
           </p:nvPr>
         </p:nvSpPr>
-        <p:spPr/>
+        <p:spPr>
+          <a:xfrm>
+            <a:off x="4038600" y="6356350"/>
+            <a:ext cx="4114800" cy="365125"/>
+          </a:xfrm>
+          <a:prstGeom prst="rect">
+            <a:avLst/>
+          </a:prstGeom>
+        </p:spPr>
         <p:txBody>
           <a:bodyPr/>
           <a:lstStyle/>
@@ -2187,7 +3305,7 @@
           <p:cNvPr id="4" name="Slide Number Placeholder 3">
             <a:extLst>
               <a:ext uri="{FF2B5EF4-FFF2-40B4-BE49-F238E27FC236}">
-                <a16:creationId xmlns:a16="http://schemas.microsoft.com/office/drawing/2014/main" id="{6E001977-30BB-D5A2-E565-94C0467FE0FD}"/>
+                <a16:creationId xmlns:a16="http://schemas.microsoft.com/office/drawing/2014/main" id="{47BA2558-EB65-5F2B-4DEB-5E332CDDC572}"/>
               </a:ext>
             </a:extLst>
           </p:cNvPr>
@@ -2198,12 +3316,20 @@
             <p:ph type="sldNum" sz="quarter" idx="12"/>
           </p:nvPr>
         </p:nvSpPr>
-        <p:spPr/>
+        <p:spPr>
+          <a:xfrm>
+            <a:off x="8610600" y="6356350"/>
+            <a:ext cx="2743200" cy="365125"/>
+          </a:xfrm>
+          <a:prstGeom prst="rect">
+            <a:avLst/>
+          </a:prstGeom>
+        </p:spPr>
         <p:txBody>
           <a:bodyPr/>
           <a:lstStyle/>
           <a:p>
-            <a:fld id="{986C47A0-D0C4-4E8A-BEE9-37B09C3712B2}" type="slidenum">
+            <a:fld id="{6C0014F0-3D1D-4459-A530-32E6C19AE461}" type="slidenum">
               <a:rPr lang="en-US" smtClean="0"/>
               <a:t>‹#›</a:t>
             </a:fld>
@@ -2214,7 +3340,7 @@
     </p:spTree>
     <p:extLst>
       <p:ext uri="{BB962C8B-B14F-4D97-AF65-F5344CB8AC3E}">
-        <p14:creationId xmlns:p14="http://schemas.microsoft.com/office/powerpoint/2010/main" val="2840775159"/>
+        <p14:creationId xmlns:p14="http://schemas.microsoft.com/office/powerpoint/2010/main" val="4093304020"/>
       </p:ext>
     </p:extLst>
   </p:cSld>
@@ -2246,7 +3372,7 @@
           <p:cNvPr id="2" name="Title 1">
             <a:extLst>
               <a:ext uri="{FF2B5EF4-FFF2-40B4-BE49-F238E27FC236}">
-                <a16:creationId xmlns:a16="http://schemas.microsoft.com/office/drawing/2014/main" id="{AC38A989-6857-707E-A17F-8A83A6144698}"/>
+                <a16:creationId xmlns:a16="http://schemas.microsoft.com/office/drawing/2014/main" id="{E731290A-4FEE-1487-F6FC-152481239225}"/>
               </a:ext>
             </a:extLst>
           </p:cNvPr>
@@ -2262,6 +3388,9 @@
             <a:off x="839788" y="457200"/>
             <a:ext cx="3932237" cy="1600200"/>
           </a:xfrm>
+          <a:prstGeom prst="rect">
+            <a:avLst/>
+          </a:prstGeom>
         </p:spPr>
         <p:txBody>
           <a:bodyPr anchor="b"/>
@@ -2283,7 +3412,7 @@
           <p:cNvPr id="3" name="Content Placeholder 2">
             <a:extLst>
               <a:ext uri="{FF2B5EF4-FFF2-40B4-BE49-F238E27FC236}">
-                <a16:creationId xmlns:a16="http://schemas.microsoft.com/office/drawing/2014/main" id="{D3A3E0C8-FA9B-6F55-E988-D7B8ADBC9C21}"/>
+                <a16:creationId xmlns:a16="http://schemas.microsoft.com/office/drawing/2014/main" id="{3FD49862-968E-6027-1E22-A84213937FC4}"/>
               </a:ext>
             </a:extLst>
           </p:cNvPr>
@@ -2299,6 +3428,9 @@
             <a:off x="5183188" y="987425"/>
             <a:ext cx="6172200" cy="4873625"/>
           </a:xfrm>
+          <a:prstGeom prst="rect">
+            <a:avLst/>
+          </a:prstGeom>
         </p:spPr>
         <p:txBody>
           <a:bodyPr/>
@@ -2373,7 +3505,7 @@
           <p:cNvPr id="4" name="Text Placeholder 3">
             <a:extLst>
               <a:ext uri="{FF2B5EF4-FFF2-40B4-BE49-F238E27FC236}">
-                <a16:creationId xmlns:a16="http://schemas.microsoft.com/office/drawing/2014/main" id="{FC649A31-16E4-3C58-CFAF-870BE9A231C8}"/>
+                <a16:creationId xmlns:a16="http://schemas.microsoft.com/office/drawing/2014/main" id="{DDD75452-B3CD-E4D7-2EEB-4D8E7A55BA47}"/>
               </a:ext>
             </a:extLst>
           </p:cNvPr>
@@ -2389,6 +3521,9 @@
             <a:off x="839788" y="2057400"/>
             <a:ext cx="3932237" cy="3811588"/>
           </a:xfrm>
+          <a:prstGeom prst="rect">
+            <a:avLst/>
+          </a:prstGeom>
         </p:spPr>
         <p:txBody>
           <a:bodyPr/>
@@ -2444,7 +3579,7 @@
           <p:cNvPr id="5" name="Date Placeholder 4">
             <a:extLst>
               <a:ext uri="{FF2B5EF4-FFF2-40B4-BE49-F238E27FC236}">
-                <a16:creationId xmlns:a16="http://schemas.microsoft.com/office/drawing/2014/main" id="{5999608F-F9E6-C047-FAFD-5BD962E36788}"/>
+                <a16:creationId xmlns:a16="http://schemas.microsoft.com/office/drawing/2014/main" id="{E910F3D6-85F4-16D5-02EC-B52A50D1363C}"/>
               </a:ext>
             </a:extLst>
           </p:cNvPr>
@@ -2455,14 +3590,22 @@
             <p:ph type="dt" sz="half" idx="10"/>
           </p:nvPr>
         </p:nvSpPr>
-        <p:spPr/>
+        <p:spPr>
+          <a:xfrm>
+            <a:off x="838200" y="6445249"/>
+            <a:ext cx="2743200" cy="365125"/>
+          </a:xfrm>
+          <a:prstGeom prst="rect">
+            <a:avLst/>
+          </a:prstGeom>
+        </p:spPr>
         <p:txBody>
           <a:bodyPr/>
           <a:lstStyle/>
           <a:p>
-            <a:fld id="{0D69348B-4620-44E9-BF3F-EACBA9EEF323}" type="datetimeFigureOut">
+            <a:fld id="{71087A05-F855-4434-8DDE-39A8542098A6}" type="datetimeFigureOut">
               <a:rPr lang="en-US" smtClean="0"/>
-              <a:t>6/25/2024</a:t>
+              <a:t>12/17/2024</a:t>
             </a:fld>
             <a:endParaRPr lang="en-US"/>
           </a:p>
@@ -2473,7 +3616,7 @@
           <p:cNvPr id="6" name="Footer Placeholder 5">
             <a:extLst>
               <a:ext uri="{FF2B5EF4-FFF2-40B4-BE49-F238E27FC236}">
-                <a16:creationId xmlns:a16="http://schemas.microsoft.com/office/drawing/2014/main" id="{E1D5DC43-2068-E43E-0C96-6105FF141340}"/>
+                <a16:creationId xmlns:a16="http://schemas.microsoft.com/office/drawing/2014/main" id="{FA7DC6C8-71E8-B7D5-9A82-0FA963F35B00}"/>
               </a:ext>
             </a:extLst>
           </p:cNvPr>
@@ -2484,7 +3627,15 @@
             <p:ph type="ftr" sz="quarter" idx="11"/>
           </p:nvPr>
         </p:nvSpPr>
-        <p:spPr/>
+        <p:spPr>
+          <a:xfrm>
+            <a:off x="4038600" y="6356350"/>
+            <a:ext cx="4114800" cy="365125"/>
+          </a:xfrm>
+          <a:prstGeom prst="rect">
+            <a:avLst/>
+          </a:prstGeom>
+        </p:spPr>
         <p:txBody>
           <a:bodyPr/>
           <a:lstStyle/>
@@ -2498,7 +3649,7 @@
           <p:cNvPr id="7" name="Slide Number Placeholder 6">
             <a:extLst>
               <a:ext uri="{FF2B5EF4-FFF2-40B4-BE49-F238E27FC236}">
-                <a16:creationId xmlns:a16="http://schemas.microsoft.com/office/drawing/2014/main" id="{07714F4E-989B-09B5-9809-BA4CDB940F1A}"/>
+                <a16:creationId xmlns:a16="http://schemas.microsoft.com/office/drawing/2014/main" id="{33AEBF5B-81ED-5FC8-76EE-E85F459B2D2B}"/>
               </a:ext>
             </a:extLst>
           </p:cNvPr>
@@ -2509,12 +3660,20 @@
             <p:ph type="sldNum" sz="quarter" idx="12"/>
           </p:nvPr>
         </p:nvSpPr>
-        <p:spPr/>
+        <p:spPr>
+          <a:xfrm>
+            <a:off x="8610600" y="6356350"/>
+            <a:ext cx="2743200" cy="365125"/>
+          </a:xfrm>
+          <a:prstGeom prst="rect">
+            <a:avLst/>
+          </a:prstGeom>
+        </p:spPr>
         <p:txBody>
           <a:bodyPr/>
           <a:lstStyle/>
           <a:p>
-            <a:fld id="{986C47A0-D0C4-4E8A-BEE9-37B09C3712B2}" type="slidenum">
+            <a:fld id="{6C0014F0-3D1D-4459-A530-32E6C19AE461}" type="slidenum">
               <a:rPr lang="en-US" smtClean="0"/>
               <a:t>‹#›</a:t>
             </a:fld>
@@ -2525,7 +3684,7 @@
     </p:spTree>
     <p:extLst>
       <p:ext uri="{BB962C8B-B14F-4D97-AF65-F5344CB8AC3E}">
-        <p14:creationId xmlns:p14="http://schemas.microsoft.com/office/powerpoint/2010/main" val="489734700"/>
+        <p14:creationId xmlns:p14="http://schemas.microsoft.com/office/powerpoint/2010/main" val="2420113510"/>
       </p:ext>
     </p:extLst>
   </p:cSld>
@@ -2557,7 +3716,7 @@
           <p:cNvPr id="2" name="Title 1">
             <a:extLst>
               <a:ext uri="{FF2B5EF4-FFF2-40B4-BE49-F238E27FC236}">
-                <a16:creationId xmlns:a16="http://schemas.microsoft.com/office/drawing/2014/main" id="{3355A176-7BDB-BCDB-D1C0-7943D50F9B44}"/>
+                <a16:creationId xmlns:a16="http://schemas.microsoft.com/office/drawing/2014/main" id="{640090C6-958A-8F1E-AAA5-6F70ABB1D9F3}"/>
               </a:ext>
             </a:extLst>
           </p:cNvPr>
@@ -2573,6 +3732,9 @@
             <a:off x="839788" y="457200"/>
             <a:ext cx="3932237" cy="1600200"/>
           </a:xfrm>
+          <a:prstGeom prst="rect">
+            <a:avLst/>
+          </a:prstGeom>
         </p:spPr>
         <p:txBody>
           <a:bodyPr anchor="b"/>
@@ -2594,7 +3756,7 @@
           <p:cNvPr id="3" name="Picture Placeholder 2">
             <a:extLst>
               <a:ext uri="{FF2B5EF4-FFF2-40B4-BE49-F238E27FC236}">
-                <a16:creationId xmlns:a16="http://schemas.microsoft.com/office/drawing/2014/main" id="{B68408D7-61D1-185C-72B8-001F411FC6F7}"/>
+                <a16:creationId xmlns:a16="http://schemas.microsoft.com/office/drawing/2014/main" id="{3302DF14-CA9B-4C85-16D1-AE914D7EB7E7}"/>
               </a:ext>
             </a:extLst>
           </p:cNvPr>
@@ -2610,6 +3772,9 @@
             <a:off x="5183188" y="987425"/>
             <a:ext cx="6172200" cy="4873625"/>
           </a:xfrm>
+          <a:prstGeom prst="rect">
+            <a:avLst/>
+          </a:prstGeom>
         </p:spPr>
         <p:txBody>
           <a:bodyPr/>
@@ -2652,7 +3817,10 @@
             </a:lvl9pPr>
           </a:lstStyle>
           <a:p>
-            <a:endParaRPr lang="en-US"/>
+            <a:r>
+              <a:rPr lang="en-US"/>
+              <a:t>Click icon to add picture</a:t>
+            </a:r>
           </a:p>
         </p:txBody>
       </p:sp>
@@ -2661,7 +3829,7 @@
           <p:cNvPr id="4" name="Text Placeholder 3">
             <a:extLst>
               <a:ext uri="{FF2B5EF4-FFF2-40B4-BE49-F238E27FC236}">
-                <a16:creationId xmlns:a16="http://schemas.microsoft.com/office/drawing/2014/main" id="{390B86E7-BC7A-324F-5231-BB8844695F10}"/>
+                <a16:creationId xmlns:a16="http://schemas.microsoft.com/office/drawing/2014/main" id="{449386B6-C485-3496-A8CD-9C25B60A4255}"/>
               </a:ext>
             </a:extLst>
           </p:cNvPr>
@@ -2677,6 +3845,9 @@
             <a:off x="839788" y="2057400"/>
             <a:ext cx="3932237" cy="3811588"/>
           </a:xfrm>
+          <a:prstGeom prst="rect">
+            <a:avLst/>
+          </a:prstGeom>
         </p:spPr>
         <p:txBody>
           <a:bodyPr/>
@@ -2732,7 +3903,7 @@
           <p:cNvPr id="5" name="Date Placeholder 4">
             <a:extLst>
               <a:ext uri="{FF2B5EF4-FFF2-40B4-BE49-F238E27FC236}">
-                <a16:creationId xmlns:a16="http://schemas.microsoft.com/office/drawing/2014/main" id="{CA9F4411-F5FF-7DD9-8280-4EAE80811D9F}"/>
+                <a16:creationId xmlns:a16="http://schemas.microsoft.com/office/drawing/2014/main" id="{DBD5F565-8080-7E82-246E-1EDDAAC2C236}"/>
               </a:ext>
             </a:extLst>
           </p:cNvPr>
@@ -2743,14 +3914,22 @@
             <p:ph type="dt" sz="half" idx="10"/>
           </p:nvPr>
         </p:nvSpPr>
-        <p:spPr/>
+        <p:spPr>
+          <a:xfrm>
+            <a:off x="838200" y="6445249"/>
+            <a:ext cx="2743200" cy="365125"/>
+          </a:xfrm>
+          <a:prstGeom prst="rect">
+            <a:avLst/>
+          </a:prstGeom>
+        </p:spPr>
         <p:txBody>
           <a:bodyPr/>
           <a:lstStyle/>
           <a:p>
-            <a:fld id="{0D69348B-4620-44E9-BF3F-EACBA9EEF323}" type="datetimeFigureOut">
+            <a:fld id="{71087A05-F855-4434-8DDE-39A8542098A6}" type="datetimeFigureOut">
               <a:rPr lang="en-US" smtClean="0"/>
-              <a:t>6/25/2024</a:t>
+              <a:t>12/17/2024</a:t>
             </a:fld>
             <a:endParaRPr lang="en-US"/>
           </a:p>
@@ -2761,7 +3940,7 @@
           <p:cNvPr id="6" name="Footer Placeholder 5">
             <a:extLst>
               <a:ext uri="{FF2B5EF4-FFF2-40B4-BE49-F238E27FC236}">
-                <a16:creationId xmlns:a16="http://schemas.microsoft.com/office/drawing/2014/main" id="{BD00158C-2DC0-C40D-E476-8D815E2210E6}"/>
+                <a16:creationId xmlns:a16="http://schemas.microsoft.com/office/drawing/2014/main" id="{C9E12A3F-827C-0539-3AFC-062DDE283567}"/>
               </a:ext>
             </a:extLst>
           </p:cNvPr>
@@ -2772,7 +3951,15 @@
             <p:ph type="ftr" sz="quarter" idx="11"/>
           </p:nvPr>
         </p:nvSpPr>
-        <p:spPr/>
+        <p:spPr>
+          <a:xfrm>
+            <a:off x="4038600" y="6356350"/>
+            <a:ext cx="4114800" cy="365125"/>
+          </a:xfrm>
+          <a:prstGeom prst="rect">
+            <a:avLst/>
+          </a:prstGeom>
+        </p:spPr>
         <p:txBody>
           <a:bodyPr/>
           <a:lstStyle/>
@@ -2786,7 +3973,7 @@
           <p:cNvPr id="7" name="Slide Number Placeholder 6">
             <a:extLst>
               <a:ext uri="{FF2B5EF4-FFF2-40B4-BE49-F238E27FC236}">
-                <a16:creationId xmlns:a16="http://schemas.microsoft.com/office/drawing/2014/main" id="{E47CEA17-958B-3F11-0DD0-F3DB57410690}"/>
+                <a16:creationId xmlns:a16="http://schemas.microsoft.com/office/drawing/2014/main" id="{516B4C84-F522-0893-1790-EF8E720A114E}"/>
               </a:ext>
             </a:extLst>
           </p:cNvPr>
@@ -2797,12 +3984,20 @@
             <p:ph type="sldNum" sz="quarter" idx="12"/>
           </p:nvPr>
         </p:nvSpPr>
-        <p:spPr/>
+        <p:spPr>
+          <a:xfrm>
+            <a:off x="8610600" y="6356350"/>
+            <a:ext cx="2743200" cy="365125"/>
+          </a:xfrm>
+          <a:prstGeom prst="rect">
+            <a:avLst/>
+          </a:prstGeom>
+        </p:spPr>
         <p:txBody>
           <a:bodyPr/>
           <a:lstStyle/>
           <a:p>
-            <a:fld id="{986C47A0-D0C4-4E8A-BEE9-37B09C3712B2}" type="slidenum">
+            <a:fld id="{6C0014F0-3D1D-4459-A530-32E6C19AE461}" type="slidenum">
               <a:rPr lang="en-US" smtClean="0"/>
               <a:t>‹#›</a:t>
             </a:fld>
@@ -2813,7 +4008,7 @@
     </p:spTree>
     <p:extLst>
       <p:ext uri="{BB962C8B-B14F-4D97-AF65-F5344CB8AC3E}">
-        <p14:creationId xmlns:p14="http://schemas.microsoft.com/office/powerpoint/2010/main" val="1801490617"/>
+        <p14:creationId xmlns:p14="http://schemas.microsoft.com/office/powerpoint/2010/main" val="2998659827"/>
       </p:ext>
     </p:extLst>
   </p:cSld>
@@ -2845,7 +4040,7 @@
           <p:cNvPr id="2" name="Title 1">
             <a:extLst>
               <a:ext uri="{FF2B5EF4-FFF2-40B4-BE49-F238E27FC236}">
-                <a16:creationId xmlns:a16="http://schemas.microsoft.com/office/drawing/2014/main" id="{D6AD2E5E-D555-7E2B-7E3F-7520CC1D227E}"/>
+                <a16:creationId xmlns:a16="http://schemas.microsoft.com/office/drawing/2014/main" id="{A2992E9E-93C1-7E84-A4D5-EA127AB4BDC1}"/>
               </a:ext>
             </a:extLst>
           </p:cNvPr>
@@ -2856,7 +4051,15 @@
             <p:ph type="title"/>
           </p:nvPr>
         </p:nvSpPr>
-        <p:spPr/>
+        <p:spPr>
+          <a:xfrm>
+            <a:off x="602787" y="1498382"/>
+            <a:ext cx="10515600" cy="1325563"/>
+          </a:xfrm>
+          <a:prstGeom prst="rect">
+            <a:avLst/>
+          </a:prstGeom>
+        </p:spPr>
         <p:txBody>
           <a:bodyPr/>
           <a:lstStyle/>
@@ -2873,7 +4076,7 @@
           <p:cNvPr id="3" name="Vertical Text Placeholder 2">
             <a:extLst>
               <a:ext uri="{FF2B5EF4-FFF2-40B4-BE49-F238E27FC236}">
-                <a16:creationId xmlns:a16="http://schemas.microsoft.com/office/drawing/2014/main" id="{21BCA2AE-5C6A-0627-55FB-1213E6BA2F01}"/>
+                <a16:creationId xmlns:a16="http://schemas.microsoft.com/office/drawing/2014/main" id="{FBFF1E9B-EE9D-9A7E-EE97-87C838D9BB2F}"/>
               </a:ext>
             </a:extLst>
           </p:cNvPr>
@@ -2884,7 +4087,15 @@
             <p:ph type="body" orient="vert" idx="1"/>
           </p:nvPr>
         </p:nvSpPr>
-        <p:spPr/>
+        <p:spPr>
+          <a:xfrm>
+            <a:off x="838200" y="1825625"/>
+            <a:ext cx="10515600" cy="4351338"/>
+          </a:xfrm>
+          <a:prstGeom prst="rect">
+            <a:avLst/>
+          </a:prstGeom>
+        </p:spPr>
         <p:txBody>
           <a:bodyPr vert="eaVert"/>
           <a:lstStyle/>
@@ -2930,7 +4141,7 @@
           <p:cNvPr id="4" name="Date Placeholder 3">
             <a:extLst>
               <a:ext uri="{FF2B5EF4-FFF2-40B4-BE49-F238E27FC236}">
-                <a16:creationId xmlns:a16="http://schemas.microsoft.com/office/drawing/2014/main" id="{5107EDAF-37A2-AD0D-A11E-C6E412B7CD68}"/>
+                <a16:creationId xmlns:a16="http://schemas.microsoft.com/office/drawing/2014/main" id="{450DA212-C93A-3075-FD32-156F351E64D4}"/>
               </a:ext>
             </a:extLst>
           </p:cNvPr>
@@ -2941,14 +4152,22 @@
             <p:ph type="dt" sz="half" idx="10"/>
           </p:nvPr>
         </p:nvSpPr>
-        <p:spPr/>
+        <p:spPr>
+          <a:xfrm>
+            <a:off x="838200" y="6445249"/>
+            <a:ext cx="2743200" cy="365125"/>
+          </a:xfrm>
+          <a:prstGeom prst="rect">
+            <a:avLst/>
+          </a:prstGeom>
+        </p:spPr>
         <p:txBody>
           <a:bodyPr/>
           <a:lstStyle/>
           <a:p>
-            <a:fld id="{0D69348B-4620-44E9-BF3F-EACBA9EEF323}" type="datetimeFigureOut">
+            <a:fld id="{71087A05-F855-4434-8DDE-39A8542098A6}" type="datetimeFigureOut">
               <a:rPr lang="en-US" smtClean="0"/>
-              <a:t>6/25/2024</a:t>
+              <a:t>12/17/2024</a:t>
             </a:fld>
             <a:endParaRPr lang="en-US"/>
           </a:p>
@@ -2959,7 +4178,7 @@
           <p:cNvPr id="5" name="Footer Placeholder 4">
             <a:extLst>
               <a:ext uri="{FF2B5EF4-FFF2-40B4-BE49-F238E27FC236}">
-                <a16:creationId xmlns:a16="http://schemas.microsoft.com/office/drawing/2014/main" id="{17AABE0A-6316-1BFF-88AA-1E305E3595C5}"/>
+                <a16:creationId xmlns:a16="http://schemas.microsoft.com/office/drawing/2014/main" id="{D6AA4E94-35D9-7831-A0BB-9A28BFA422BE}"/>
               </a:ext>
             </a:extLst>
           </p:cNvPr>
@@ -2970,7 +4189,15 @@
             <p:ph type="ftr" sz="quarter" idx="11"/>
           </p:nvPr>
         </p:nvSpPr>
-        <p:spPr/>
+        <p:spPr>
+          <a:xfrm>
+            <a:off x="4038600" y="6356350"/>
+            <a:ext cx="4114800" cy="365125"/>
+          </a:xfrm>
+          <a:prstGeom prst="rect">
+            <a:avLst/>
+          </a:prstGeom>
+        </p:spPr>
         <p:txBody>
           <a:bodyPr/>
           <a:lstStyle/>
@@ -2984,7 +4211,7 @@
           <p:cNvPr id="6" name="Slide Number Placeholder 5">
             <a:extLst>
               <a:ext uri="{FF2B5EF4-FFF2-40B4-BE49-F238E27FC236}">
-                <a16:creationId xmlns:a16="http://schemas.microsoft.com/office/drawing/2014/main" id="{FC568FF5-9BB0-1800-E4BA-438F3408E54B}"/>
+                <a16:creationId xmlns:a16="http://schemas.microsoft.com/office/drawing/2014/main" id="{2E0B5BE5-01BB-5041-6101-F169276B2397}"/>
               </a:ext>
             </a:extLst>
           </p:cNvPr>
@@ -2995,12 +4222,20 @@
             <p:ph type="sldNum" sz="quarter" idx="12"/>
           </p:nvPr>
         </p:nvSpPr>
-        <p:spPr/>
+        <p:spPr>
+          <a:xfrm>
+            <a:off x="8610600" y="6356350"/>
+            <a:ext cx="2743200" cy="365125"/>
+          </a:xfrm>
+          <a:prstGeom prst="rect">
+            <a:avLst/>
+          </a:prstGeom>
+        </p:spPr>
         <p:txBody>
           <a:bodyPr/>
           <a:lstStyle/>
           <a:p>
-            <a:fld id="{986C47A0-D0C4-4E8A-BEE9-37B09C3712B2}" type="slidenum">
+            <a:fld id="{6C0014F0-3D1D-4459-A530-32E6C19AE461}" type="slidenum">
               <a:rPr lang="en-US" smtClean="0"/>
               <a:t>‹#›</a:t>
             </a:fld>
@@ -3011,7 +4246,7 @@
     </p:spTree>
     <p:extLst>
       <p:ext uri="{BB962C8B-B14F-4D97-AF65-F5344CB8AC3E}">
-        <p14:creationId xmlns:p14="http://schemas.microsoft.com/office/powerpoint/2010/main" val="246953702"/>
+        <p14:creationId xmlns:p14="http://schemas.microsoft.com/office/powerpoint/2010/main" val="983523062"/>
       </p:ext>
     </p:extLst>
   </p:cSld>
@@ -3043,7 +4278,7 @@
           <p:cNvPr id="2" name="Vertical Title 1">
             <a:extLst>
               <a:ext uri="{FF2B5EF4-FFF2-40B4-BE49-F238E27FC236}">
-                <a16:creationId xmlns:a16="http://schemas.microsoft.com/office/drawing/2014/main" id="{AAE8DA51-17B9-3E3B-6597-C3149EC564E7}"/>
+                <a16:creationId xmlns:a16="http://schemas.microsoft.com/office/drawing/2014/main" id="{B7D370E5-4104-4DF4-CE6F-43777E948DFD}"/>
               </a:ext>
             </a:extLst>
           </p:cNvPr>
@@ -3059,6 +4294,9 @@
             <a:off x="8724900" y="365125"/>
             <a:ext cx="2628900" cy="5811838"/>
           </a:xfrm>
+          <a:prstGeom prst="rect">
+            <a:avLst/>
+          </a:prstGeom>
         </p:spPr>
         <p:txBody>
           <a:bodyPr vert="eaVert"/>
@@ -3076,7 +4314,7 @@
           <p:cNvPr id="3" name="Vertical Text Placeholder 2">
             <a:extLst>
               <a:ext uri="{FF2B5EF4-FFF2-40B4-BE49-F238E27FC236}">
-                <a16:creationId xmlns:a16="http://schemas.microsoft.com/office/drawing/2014/main" id="{C43333B4-9DAF-48B6-30CB-E3B610BEF084}"/>
+                <a16:creationId xmlns:a16="http://schemas.microsoft.com/office/drawing/2014/main" id="{3CEA6D81-DFD1-D8AC-EC26-DC0557526EE4}"/>
               </a:ext>
             </a:extLst>
           </p:cNvPr>
@@ -3092,6 +4330,9 @@
             <a:off x="838200" y="365125"/>
             <a:ext cx="7734300" cy="5811838"/>
           </a:xfrm>
+          <a:prstGeom prst="rect">
+            <a:avLst/>
+          </a:prstGeom>
         </p:spPr>
         <p:txBody>
           <a:bodyPr vert="eaVert"/>
@@ -3138,7 +4379,7 @@
           <p:cNvPr id="4" name="Date Placeholder 3">
             <a:extLst>
               <a:ext uri="{FF2B5EF4-FFF2-40B4-BE49-F238E27FC236}">
-                <a16:creationId xmlns:a16="http://schemas.microsoft.com/office/drawing/2014/main" id="{6086BDD1-83F5-3D7A-8DD5-DF362A8AD1E7}"/>
+                <a16:creationId xmlns:a16="http://schemas.microsoft.com/office/drawing/2014/main" id="{60E27890-E421-871D-9D4F-F7E5B558B71E}"/>
               </a:ext>
             </a:extLst>
           </p:cNvPr>
@@ -3149,14 +4390,22 @@
             <p:ph type="dt" sz="half" idx="10"/>
           </p:nvPr>
         </p:nvSpPr>
-        <p:spPr/>
+        <p:spPr>
+          <a:xfrm>
+            <a:off x="838200" y="6445249"/>
+            <a:ext cx="2743200" cy="365125"/>
+          </a:xfrm>
+          <a:prstGeom prst="rect">
+            <a:avLst/>
+          </a:prstGeom>
+        </p:spPr>
         <p:txBody>
           <a:bodyPr/>
           <a:lstStyle/>
           <a:p>
-            <a:fld id="{0D69348B-4620-44E9-BF3F-EACBA9EEF323}" type="datetimeFigureOut">
+            <a:fld id="{71087A05-F855-4434-8DDE-39A8542098A6}" type="datetimeFigureOut">
               <a:rPr lang="en-US" smtClean="0"/>
-              <a:t>6/25/2024</a:t>
+              <a:t>12/17/2024</a:t>
             </a:fld>
             <a:endParaRPr lang="en-US"/>
           </a:p>
@@ -3167,7 +4416,7 @@
           <p:cNvPr id="5" name="Footer Placeholder 4">
             <a:extLst>
               <a:ext uri="{FF2B5EF4-FFF2-40B4-BE49-F238E27FC236}">
-                <a16:creationId xmlns:a16="http://schemas.microsoft.com/office/drawing/2014/main" id="{4CD22109-0E78-0957-7BBE-F0B6D89EFBB0}"/>
+                <a16:creationId xmlns:a16="http://schemas.microsoft.com/office/drawing/2014/main" id="{B7A93CF4-905B-F31B-69BD-9BEBF9008D86}"/>
               </a:ext>
             </a:extLst>
           </p:cNvPr>
@@ -3178,7 +4427,15 @@
             <p:ph type="ftr" sz="quarter" idx="11"/>
           </p:nvPr>
         </p:nvSpPr>
-        <p:spPr/>
+        <p:spPr>
+          <a:xfrm>
+            <a:off x="4038600" y="6356350"/>
+            <a:ext cx="4114800" cy="365125"/>
+          </a:xfrm>
+          <a:prstGeom prst="rect">
+            <a:avLst/>
+          </a:prstGeom>
+        </p:spPr>
         <p:txBody>
           <a:bodyPr/>
           <a:lstStyle/>
@@ -3192,7 +4449,7 @@
           <p:cNvPr id="6" name="Slide Number Placeholder 5">
             <a:extLst>
               <a:ext uri="{FF2B5EF4-FFF2-40B4-BE49-F238E27FC236}">
-                <a16:creationId xmlns:a16="http://schemas.microsoft.com/office/drawing/2014/main" id="{292DE250-FF35-6AD5-3A95-9CDBFE6C2373}"/>
+                <a16:creationId xmlns:a16="http://schemas.microsoft.com/office/drawing/2014/main" id="{B9BD2B1C-442A-F5C9-9AEB-F9DE0158660F}"/>
               </a:ext>
             </a:extLst>
           </p:cNvPr>
@@ -3203,104 +4460,31 @@
             <p:ph type="sldNum" sz="quarter" idx="12"/>
           </p:nvPr>
         </p:nvSpPr>
-        <p:spPr/>
-        <p:txBody>
-          <a:bodyPr/>
-          <a:lstStyle/>
-          <a:p>
-            <a:fld id="{986C47A0-D0C4-4E8A-BEE9-37B09C3712B2}" type="slidenum">
-              <a:rPr lang="en-US" smtClean="0"/>
-              <a:t>‹#›</a:t>
-            </a:fld>
-            <a:endParaRPr lang="en-US"/>
-          </a:p>
-        </p:txBody>
-      </p:sp>
-    </p:spTree>
-    <p:extLst>
-      <p:ext uri="{BB962C8B-B14F-4D97-AF65-F5344CB8AC3E}">
-        <p14:creationId xmlns:p14="http://schemas.microsoft.com/office/powerpoint/2010/main" val="2492140018"/>
-      </p:ext>
-    </p:extLst>
-  </p:cSld>
-  <p:clrMapOvr>
-    <a:masterClrMapping/>
-  </p:clrMapOvr>
-</p:sldLayout>
-</file>
-
-<file path=ppt/slideLayouts/slideLayout18.xml><?xml version="1.0" encoding="utf-8"?>
-<p:sldLayout xmlns:a="http://schemas.openxmlformats.org/drawingml/2006/main" xmlns:r="http://schemas.openxmlformats.org/officeDocument/2006/relationships" xmlns:p="http://schemas.openxmlformats.org/presentationml/2006/main">
-  <p:cSld name="Contents slide layout">
-    <p:spTree>
-      <p:nvGrpSpPr>
-        <p:cNvPr id="1" name=""/>
-        <p:cNvGrpSpPr/>
-        <p:nvPr/>
-      </p:nvGrpSpPr>
-      <p:grpSpPr>
-        <a:xfrm>
-          <a:off x="0" y="0"/>
-          <a:ext cx="0" cy="0"/>
-          <a:chOff x="0" y="0"/>
-          <a:chExt cx="0" cy="0"/>
-        </a:xfrm>
-      </p:grpSpPr>
-      <p:sp>
-        <p:nvSpPr>
-          <p:cNvPr id="2" name="Text Placeholder 9">
-            <a:extLst>
-              <a:ext uri="{FF2B5EF4-FFF2-40B4-BE49-F238E27FC236}">
-                <a16:creationId xmlns:a16="http://schemas.microsoft.com/office/drawing/2014/main" id="{23DE32A5-6181-4C51-AD5C-3F1A448478A1}"/>
-              </a:ext>
-            </a:extLst>
-          </p:cNvPr>
-          <p:cNvSpPr>
-            <a:spLocks noGrp="1"/>
-          </p:cNvSpPr>
-          <p:nvPr>
-            <p:ph type="body" sz="quarter" idx="10" hasCustomPrompt="1"/>
-          </p:nvPr>
-        </p:nvSpPr>
         <p:spPr>
           <a:xfrm>
-            <a:off x="323529" y="339509"/>
-            <a:ext cx="11573197" cy="724247"/>
+            <a:off x="8610600" y="6356350"/>
+            <a:ext cx="2743200" cy="365125"/>
           </a:xfrm>
           <a:prstGeom prst="rect">
             <a:avLst/>
           </a:prstGeom>
         </p:spPr>
         <p:txBody>
-          <a:bodyPr anchor="ctr"/>
-          <a:lstStyle>
-            <a:lvl1pPr marL="0" indent="0" algn="ctr">
-              <a:buNone/>
-              <a:defRPr sz="5400" b="0" baseline="0">
-                <a:solidFill>
-                  <a:schemeClr val="tx1">
-                    <a:lumMod val="85000"/>
-                    <a:lumOff val="15000"/>
-                  </a:schemeClr>
-                </a:solidFill>
-                <a:latin typeface="+mj-lt"/>
-                <a:cs typeface="Arial" pitchFamily="34" charset="0"/>
-              </a:defRPr>
-            </a:lvl1pPr>
-          </a:lstStyle>
-          <a:p>
-            <a:pPr lvl="0"/>
-            <a:r>
-              <a:rPr lang="en-US" altLang="ko-KR" dirty="0"/>
-              <a:t>BASIC LAYOUT</a:t>
-            </a:r>
+          <a:bodyPr/>
+          <a:lstStyle/>
+          <a:p>
+            <a:fld id="{6C0014F0-3D1D-4459-A530-32E6C19AE461}" type="slidenum">
+              <a:rPr lang="en-US" smtClean="0"/>
+              <a:t>‹#›</a:t>
+            </a:fld>
+            <a:endParaRPr lang="en-US"/>
           </a:p>
         </p:txBody>
       </p:sp>
     </p:spTree>
     <p:extLst>
       <p:ext uri="{BB962C8B-B14F-4D97-AF65-F5344CB8AC3E}">
-        <p14:creationId xmlns:p14="http://schemas.microsoft.com/office/powerpoint/2010/main" val="2326417790"/>
+        <p14:creationId xmlns:p14="http://schemas.microsoft.com/office/powerpoint/2010/main" val="2477083140"/>
       </p:ext>
     </p:extLst>
   </p:cSld>
@@ -3655,7 +4839,7 @@
           <a:p>
             <a:fld id="{0BE24BAF-58C0-4D38-ABA0-4170CC92DC13}" type="datetimeFigureOut">
               <a:rPr lang="en-US" smtClean="0"/>
-              <a:t>6/25/2024</a:t>
+              <a:t>12/17/2024</a:t>
             </a:fld>
             <a:endParaRPr lang="en-US"/>
           </a:p>
@@ -3810,7 +4994,7 @@
 </file>
 
 <file path=ppt/slideLayouts/slideLayout7.xml><?xml version="1.0" encoding="utf-8"?>
-<p:sldLayout xmlns:a="http://schemas.openxmlformats.org/drawingml/2006/main" xmlns:r="http://schemas.openxmlformats.org/officeDocument/2006/relationships" xmlns:p="http://schemas.openxmlformats.org/presentationml/2006/main" type="title" preserve="1">
+<p:sldLayout xmlns:a="http://schemas.openxmlformats.org/drawingml/2006/main" xmlns:r="http://schemas.openxmlformats.org/officeDocument/2006/relationships" xmlns:p="http://schemas.openxmlformats.org/presentationml/2006/main" preserve="1" userDrawn="1">
   <p:cSld name="Title Slide">
     <p:spTree>
       <p:nvGrpSpPr>
@@ -3826,200 +5010,10 @@
           <a:chExt cx="0" cy="0"/>
         </a:xfrm>
       </p:grpSpPr>
-      <p:sp>
-        <p:nvSpPr>
-          <p:cNvPr id="2" name="Title 1">
-            <a:extLst>
-              <a:ext uri="{FF2B5EF4-FFF2-40B4-BE49-F238E27FC236}">
-                <a16:creationId xmlns:a16="http://schemas.microsoft.com/office/drawing/2014/main" id="{DD581941-0C9F-2373-780E-9153E7306EE0}"/>
-              </a:ext>
-            </a:extLst>
-          </p:cNvPr>
-          <p:cNvSpPr>
-            <a:spLocks noGrp="1"/>
-          </p:cNvSpPr>
-          <p:nvPr>
-            <p:ph type="ctrTitle"/>
-          </p:nvPr>
-        </p:nvSpPr>
-        <p:spPr>
-          <a:xfrm>
-            <a:off x="1524000" y="1122363"/>
-            <a:ext cx="9144000" cy="2387600"/>
-          </a:xfrm>
-        </p:spPr>
-        <p:txBody>
-          <a:bodyPr anchor="b"/>
-          <a:lstStyle>
-            <a:lvl1pPr algn="ctr">
-              <a:defRPr sz="6000"/>
-            </a:lvl1pPr>
-          </a:lstStyle>
-          <a:p>
-            <a:r>
-              <a:rPr lang="en-US"/>
-              <a:t>Click to edit Master title style</a:t>
-            </a:r>
-          </a:p>
-        </p:txBody>
-      </p:sp>
-      <p:sp>
-        <p:nvSpPr>
-          <p:cNvPr id="3" name="Subtitle 2">
-            <a:extLst>
-              <a:ext uri="{FF2B5EF4-FFF2-40B4-BE49-F238E27FC236}">
-                <a16:creationId xmlns:a16="http://schemas.microsoft.com/office/drawing/2014/main" id="{FC927A9A-3EED-7C12-0FFF-384113480AA1}"/>
-              </a:ext>
-            </a:extLst>
-          </p:cNvPr>
-          <p:cNvSpPr>
-            <a:spLocks noGrp="1"/>
-          </p:cNvSpPr>
-          <p:nvPr>
-            <p:ph type="subTitle" idx="1"/>
-          </p:nvPr>
-        </p:nvSpPr>
-        <p:spPr>
-          <a:xfrm>
-            <a:off x="1524000" y="3602038"/>
-            <a:ext cx="9144000" cy="1655762"/>
-          </a:xfrm>
-        </p:spPr>
-        <p:txBody>
-          <a:bodyPr/>
-          <a:lstStyle>
-            <a:lvl1pPr marL="0" indent="0" algn="ctr">
-              <a:buNone/>
-              <a:defRPr sz="2400"/>
-            </a:lvl1pPr>
-            <a:lvl2pPr marL="457200" indent="0" algn="ctr">
-              <a:buNone/>
-              <a:defRPr sz="2000"/>
-            </a:lvl2pPr>
-            <a:lvl3pPr marL="914400" indent="0" algn="ctr">
-              <a:buNone/>
-              <a:defRPr sz="1800"/>
-            </a:lvl3pPr>
-            <a:lvl4pPr marL="1371600" indent="0" algn="ctr">
-              <a:buNone/>
-              <a:defRPr sz="1600"/>
-            </a:lvl4pPr>
-            <a:lvl5pPr marL="1828800" indent="0" algn="ctr">
-              <a:buNone/>
-              <a:defRPr sz="1600"/>
-            </a:lvl5pPr>
-            <a:lvl6pPr marL="2286000" indent="0" algn="ctr">
-              <a:buNone/>
-              <a:defRPr sz="1600"/>
-            </a:lvl6pPr>
-            <a:lvl7pPr marL="2743200" indent="0" algn="ctr">
-              <a:buNone/>
-              <a:defRPr sz="1600"/>
-            </a:lvl7pPr>
-            <a:lvl8pPr marL="3200400" indent="0" algn="ctr">
-              <a:buNone/>
-              <a:defRPr sz="1600"/>
-            </a:lvl8pPr>
-            <a:lvl9pPr marL="3657600" indent="0" algn="ctr">
-              <a:buNone/>
-              <a:defRPr sz="1600"/>
-            </a:lvl9pPr>
-          </a:lstStyle>
-          <a:p>
-            <a:r>
-              <a:rPr lang="en-US"/>
-              <a:t>Click to edit Master subtitle style</a:t>
-            </a:r>
-          </a:p>
-        </p:txBody>
-      </p:sp>
-      <p:sp>
-        <p:nvSpPr>
-          <p:cNvPr id="4" name="Date Placeholder 3">
-            <a:extLst>
-              <a:ext uri="{FF2B5EF4-FFF2-40B4-BE49-F238E27FC236}">
-                <a16:creationId xmlns:a16="http://schemas.microsoft.com/office/drawing/2014/main" id="{E43FE0D7-D5FB-3326-9483-F15495075853}"/>
-              </a:ext>
-            </a:extLst>
-          </p:cNvPr>
-          <p:cNvSpPr>
-            <a:spLocks noGrp="1"/>
-          </p:cNvSpPr>
-          <p:nvPr>
-            <p:ph type="dt" sz="half" idx="10"/>
-          </p:nvPr>
-        </p:nvSpPr>
-        <p:spPr/>
-        <p:txBody>
-          <a:bodyPr/>
-          <a:lstStyle/>
-          <a:p>
-            <a:fld id="{0BE24BAF-58C0-4D38-ABA0-4170CC92DC13}" type="datetimeFigureOut">
-              <a:rPr lang="en-US" smtClean="0"/>
-              <a:t>6/25/2024</a:t>
-            </a:fld>
-            <a:endParaRPr lang="en-US"/>
-          </a:p>
-        </p:txBody>
-      </p:sp>
-      <p:sp>
-        <p:nvSpPr>
-          <p:cNvPr id="5" name="Footer Placeholder 4">
-            <a:extLst>
-              <a:ext uri="{FF2B5EF4-FFF2-40B4-BE49-F238E27FC236}">
-                <a16:creationId xmlns:a16="http://schemas.microsoft.com/office/drawing/2014/main" id="{AAEBCD6E-6B69-E7FF-A8EA-F8E294BDA7E7}"/>
-              </a:ext>
-            </a:extLst>
-          </p:cNvPr>
-          <p:cNvSpPr>
-            <a:spLocks noGrp="1"/>
-          </p:cNvSpPr>
-          <p:nvPr>
-            <p:ph type="ftr" sz="quarter" idx="11"/>
-          </p:nvPr>
-        </p:nvSpPr>
-        <p:spPr/>
-        <p:txBody>
-          <a:bodyPr/>
-          <a:lstStyle/>
-          <a:p>
-            <a:endParaRPr lang="en-US"/>
-          </a:p>
-        </p:txBody>
-      </p:sp>
-      <p:sp>
-        <p:nvSpPr>
-          <p:cNvPr id="6" name="Slide Number Placeholder 5">
-            <a:extLst>
-              <a:ext uri="{FF2B5EF4-FFF2-40B4-BE49-F238E27FC236}">
-                <a16:creationId xmlns:a16="http://schemas.microsoft.com/office/drawing/2014/main" id="{FF22DB5A-E75D-49DD-123C-37B6BC85E903}"/>
-              </a:ext>
-            </a:extLst>
-          </p:cNvPr>
-          <p:cNvSpPr>
-            <a:spLocks noGrp="1"/>
-          </p:cNvSpPr>
-          <p:nvPr>
-            <p:ph type="sldNum" sz="quarter" idx="12"/>
-          </p:nvPr>
-        </p:nvSpPr>
-        <p:spPr/>
-        <p:txBody>
-          <a:bodyPr/>
-          <a:lstStyle/>
-          <a:p>
-            <a:fld id="{13D5471E-615E-4FAD-96CF-E230E8BB09F6}" type="slidenum">
-              <a:rPr lang="en-US" smtClean="0"/>
-              <a:t>‹#›</a:t>
-            </a:fld>
-            <a:endParaRPr lang="en-US"/>
-          </a:p>
-        </p:txBody>
-      </p:sp>
     </p:spTree>
     <p:extLst>
       <p:ext uri="{BB962C8B-B14F-4D97-AF65-F5344CB8AC3E}">
-        <p14:creationId xmlns:p14="http://schemas.microsoft.com/office/powerpoint/2010/main" val="267940307"/>
+        <p14:creationId xmlns:p14="http://schemas.microsoft.com/office/powerpoint/2010/main" val="3739237792"/>
       </p:ext>
     </p:extLst>
   </p:cSld>
@@ -4051,7 +5045,7 @@
           <p:cNvPr id="2" name="Title 1">
             <a:extLst>
               <a:ext uri="{FF2B5EF4-FFF2-40B4-BE49-F238E27FC236}">
-                <a16:creationId xmlns:a16="http://schemas.microsoft.com/office/drawing/2014/main" id="{9B53F3F8-E052-488D-90D0-D947B99C4AE2}"/>
+                <a16:creationId xmlns:a16="http://schemas.microsoft.com/office/drawing/2014/main" id="{6A54579A-6906-4E6D-591C-C727DF060739}"/>
               </a:ext>
             </a:extLst>
           </p:cNvPr>
@@ -4062,7 +5056,15 @@
             <p:ph type="title"/>
           </p:nvPr>
         </p:nvSpPr>
-        <p:spPr/>
+        <p:spPr>
+          <a:xfrm>
+            <a:off x="602787" y="1498382"/>
+            <a:ext cx="10515600" cy="1325563"/>
+          </a:xfrm>
+          <a:prstGeom prst="rect">
+            <a:avLst/>
+          </a:prstGeom>
+        </p:spPr>
         <p:txBody>
           <a:bodyPr/>
           <a:lstStyle/>
@@ -4079,7 +5081,7 @@
           <p:cNvPr id="3" name="Content Placeholder 2">
             <a:extLst>
               <a:ext uri="{FF2B5EF4-FFF2-40B4-BE49-F238E27FC236}">
-                <a16:creationId xmlns:a16="http://schemas.microsoft.com/office/drawing/2014/main" id="{EDD73720-466D-068E-61C9-BDF9BF686AF3}"/>
+                <a16:creationId xmlns:a16="http://schemas.microsoft.com/office/drawing/2014/main" id="{9C426EAA-227D-5ECA-282E-3A3B3C8AE97C}"/>
               </a:ext>
             </a:extLst>
           </p:cNvPr>
@@ -4090,7 +5092,15 @@
             <p:ph idx="1"/>
           </p:nvPr>
         </p:nvSpPr>
-        <p:spPr/>
+        <p:spPr>
+          <a:xfrm>
+            <a:off x="838200" y="1825625"/>
+            <a:ext cx="10515600" cy="4351338"/>
+          </a:xfrm>
+          <a:prstGeom prst="rect">
+            <a:avLst/>
+          </a:prstGeom>
+        </p:spPr>
         <p:txBody>
           <a:bodyPr/>
           <a:lstStyle/>
@@ -4136,7 +5146,7 @@
           <p:cNvPr id="4" name="Date Placeholder 3">
             <a:extLst>
               <a:ext uri="{FF2B5EF4-FFF2-40B4-BE49-F238E27FC236}">
-                <a16:creationId xmlns:a16="http://schemas.microsoft.com/office/drawing/2014/main" id="{86D8B675-57D5-D89F-01F5-209268AB9E4B}"/>
+                <a16:creationId xmlns:a16="http://schemas.microsoft.com/office/drawing/2014/main" id="{7F651069-7D1F-49B9-3F01-D52A9F3A60B7}"/>
               </a:ext>
             </a:extLst>
           </p:cNvPr>
@@ -4147,14 +5157,22 @@
             <p:ph type="dt" sz="half" idx="10"/>
           </p:nvPr>
         </p:nvSpPr>
-        <p:spPr/>
+        <p:spPr>
+          <a:xfrm>
+            <a:off x="838200" y="6445249"/>
+            <a:ext cx="2743200" cy="365125"/>
+          </a:xfrm>
+          <a:prstGeom prst="rect">
+            <a:avLst/>
+          </a:prstGeom>
+        </p:spPr>
         <p:txBody>
           <a:bodyPr/>
           <a:lstStyle/>
           <a:p>
-            <a:fld id="{0D69348B-4620-44E9-BF3F-EACBA9EEF323}" type="datetimeFigureOut">
+            <a:fld id="{71087A05-F855-4434-8DDE-39A8542098A6}" type="datetimeFigureOut">
               <a:rPr lang="en-US" smtClean="0"/>
-              <a:t>6/25/2024</a:t>
+              <a:t>12/17/2024</a:t>
             </a:fld>
             <a:endParaRPr lang="en-US"/>
           </a:p>
@@ -4165,7 +5183,7 @@
           <p:cNvPr id="5" name="Footer Placeholder 4">
             <a:extLst>
               <a:ext uri="{FF2B5EF4-FFF2-40B4-BE49-F238E27FC236}">
-                <a16:creationId xmlns:a16="http://schemas.microsoft.com/office/drawing/2014/main" id="{7053F998-E2CB-02E4-49BF-97696F865F45}"/>
+                <a16:creationId xmlns:a16="http://schemas.microsoft.com/office/drawing/2014/main" id="{5756067D-C727-84C7-612B-F665F36170EE}"/>
               </a:ext>
             </a:extLst>
           </p:cNvPr>
@@ -4176,7 +5194,15 @@
             <p:ph type="ftr" sz="quarter" idx="11"/>
           </p:nvPr>
         </p:nvSpPr>
-        <p:spPr/>
+        <p:spPr>
+          <a:xfrm>
+            <a:off x="4038600" y="6356350"/>
+            <a:ext cx="4114800" cy="365125"/>
+          </a:xfrm>
+          <a:prstGeom prst="rect">
+            <a:avLst/>
+          </a:prstGeom>
+        </p:spPr>
         <p:txBody>
           <a:bodyPr/>
           <a:lstStyle/>
@@ -4190,7 +5216,7 @@
           <p:cNvPr id="6" name="Slide Number Placeholder 5">
             <a:extLst>
               <a:ext uri="{FF2B5EF4-FFF2-40B4-BE49-F238E27FC236}">
-                <a16:creationId xmlns:a16="http://schemas.microsoft.com/office/drawing/2014/main" id="{FED59867-B8CC-A6E9-DDC7-43729DA70B76}"/>
+                <a16:creationId xmlns:a16="http://schemas.microsoft.com/office/drawing/2014/main" id="{A3C64F88-1C59-3F79-931F-4F91F22F14D3}"/>
               </a:ext>
             </a:extLst>
           </p:cNvPr>
@@ -4201,12 +5227,20 @@
             <p:ph type="sldNum" sz="quarter" idx="12"/>
           </p:nvPr>
         </p:nvSpPr>
-        <p:spPr/>
+        <p:spPr>
+          <a:xfrm>
+            <a:off x="8610600" y="6356350"/>
+            <a:ext cx="2743200" cy="365125"/>
+          </a:xfrm>
+          <a:prstGeom prst="rect">
+            <a:avLst/>
+          </a:prstGeom>
+        </p:spPr>
         <p:txBody>
           <a:bodyPr/>
           <a:lstStyle/>
           <a:p>
-            <a:fld id="{986C47A0-D0C4-4E8A-BEE9-37B09C3712B2}" type="slidenum">
+            <a:fld id="{6C0014F0-3D1D-4459-A530-32E6C19AE461}" type="slidenum">
               <a:rPr lang="en-US" smtClean="0"/>
               <a:t>‹#›</a:t>
             </a:fld>
@@ -4217,7 +5251,7 @@
     </p:spTree>
     <p:extLst>
       <p:ext uri="{BB962C8B-B14F-4D97-AF65-F5344CB8AC3E}">
-        <p14:creationId xmlns:p14="http://schemas.microsoft.com/office/powerpoint/2010/main" val="1773732037"/>
+        <p14:creationId xmlns:p14="http://schemas.microsoft.com/office/powerpoint/2010/main" val="1182295185"/>
       </p:ext>
     </p:extLst>
   </p:cSld>
@@ -4249,7 +5283,7 @@
           <p:cNvPr id="2" name="Title 1">
             <a:extLst>
               <a:ext uri="{FF2B5EF4-FFF2-40B4-BE49-F238E27FC236}">
-                <a16:creationId xmlns:a16="http://schemas.microsoft.com/office/drawing/2014/main" id="{24562E59-A35F-2B41-2BE7-EC4592347134}"/>
+                <a16:creationId xmlns:a16="http://schemas.microsoft.com/office/drawing/2014/main" id="{C2E67B73-4EBE-86E7-DEDC-379A7358D71A}"/>
               </a:ext>
             </a:extLst>
           </p:cNvPr>
@@ -4265,6 +5299,9 @@
             <a:off x="831850" y="1709738"/>
             <a:ext cx="10515600" cy="2852737"/>
           </a:xfrm>
+          <a:prstGeom prst="rect">
+            <a:avLst/>
+          </a:prstGeom>
         </p:spPr>
         <p:txBody>
           <a:bodyPr anchor="b"/>
@@ -4286,7 +5323,7 @@
           <p:cNvPr id="3" name="Text Placeholder 2">
             <a:extLst>
               <a:ext uri="{FF2B5EF4-FFF2-40B4-BE49-F238E27FC236}">
-                <a16:creationId xmlns:a16="http://schemas.microsoft.com/office/drawing/2014/main" id="{6CB88CFD-8D25-CDFD-1F9A-6A5BAFD86DD9}"/>
+                <a16:creationId xmlns:a16="http://schemas.microsoft.com/office/drawing/2014/main" id="{39DC486F-4B2F-BAA7-822D-AF77A301C3EF}"/>
               </a:ext>
             </a:extLst>
           </p:cNvPr>
@@ -4302,6 +5339,9 @@
             <a:off x="831850" y="4589463"/>
             <a:ext cx="10515600" cy="1500187"/>
           </a:xfrm>
+          <a:prstGeom prst="rect">
+            <a:avLst/>
+          </a:prstGeom>
         </p:spPr>
         <p:txBody>
           <a:bodyPr/>
@@ -4311,7 +5351,7 @@
               <a:defRPr sz="2400">
                 <a:solidFill>
                   <a:schemeClr val="tx1">
-                    <a:tint val="75000"/>
+                    <a:tint val="82000"/>
                   </a:schemeClr>
                 </a:solidFill>
               </a:defRPr>
@@ -4321,7 +5361,7 @@
               <a:defRPr sz="2000">
                 <a:solidFill>
                   <a:schemeClr val="tx1">
-                    <a:tint val="75000"/>
+                    <a:tint val="82000"/>
                   </a:schemeClr>
                 </a:solidFill>
               </a:defRPr>
@@ -4331,7 +5371,7 @@
               <a:defRPr sz="1800">
                 <a:solidFill>
                   <a:schemeClr val="tx1">
-                    <a:tint val="75000"/>
+                    <a:tint val="82000"/>
                   </a:schemeClr>
                 </a:solidFill>
               </a:defRPr>
@@ -4341,7 +5381,7 @@
               <a:defRPr sz="1600">
                 <a:solidFill>
                   <a:schemeClr val="tx1">
-                    <a:tint val="75000"/>
+                    <a:tint val="82000"/>
                   </a:schemeClr>
                 </a:solidFill>
               </a:defRPr>
@@ -4351,7 +5391,7 @@
               <a:defRPr sz="1600">
                 <a:solidFill>
                   <a:schemeClr val="tx1">
-                    <a:tint val="75000"/>
+                    <a:tint val="82000"/>
                   </a:schemeClr>
                 </a:solidFill>
               </a:defRPr>
@@ -4361,7 +5401,7 @@
               <a:defRPr sz="1600">
                 <a:solidFill>
                   <a:schemeClr val="tx1">
-                    <a:tint val="75000"/>
+                    <a:tint val="82000"/>
                   </a:schemeClr>
                 </a:solidFill>
               </a:defRPr>
@@ -4371,7 +5411,7 @@
               <a:defRPr sz="1600">
                 <a:solidFill>
                   <a:schemeClr val="tx1">
-                    <a:tint val="75000"/>
+                    <a:tint val="82000"/>
                   </a:schemeClr>
                 </a:solidFill>
               </a:defRPr>
@@ -4381,7 +5421,7 @@
               <a:defRPr sz="1600">
                 <a:solidFill>
                   <a:schemeClr val="tx1">
-                    <a:tint val="75000"/>
+                    <a:tint val="82000"/>
                   </a:schemeClr>
                 </a:solidFill>
               </a:defRPr>
@@ -4391,7 +5431,7 @@
               <a:defRPr sz="1600">
                 <a:solidFill>
                   <a:schemeClr val="tx1">
-                    <a:tint val="75000"/>
+                    <a:tint val="82000"/>
                   </a:schemeClr>
                 </a:solidFill>
               </a:defRPr>
@@ -4411,7 +5451,7 @@
           <p:cNvPr id="4" name="Date Placeholder 3">
             <a:extLst>
               <a:ext uri="{FF2B5EF4-FFF2-40B4-BE49-F238E27FC236}">
-                <a16:creationId xmlns:a16="http://schemas.microsoft.com/office/drawing/2014/main" id="{5DC2235C-EA94-C1E9-D4DB-83056BF4C68F}"/>
+                <a16:creationId xmlns:a16="http://schemas.microsoft.com/office/drawing/2014/main" id="{AC1AB7C3-5E85-3B9F-4177-A1AF2AB486D8}"/>
               </a:ext>
             </a:extLst>
           </p:cNvPr>
@@ -4422,14 +5462,22 @@
             <p:ph type="dt" sz="half" idx="10"/>
           </p:nvPr>
         </p:nvSpPr>
-        <p:spPr/>
+        <p:spPr>
+          <a:xfrm>
+            <a:off x="838200" y="6445249"/>
+            <a:ext cx="2743200" cy="365125"/>
+          </a:xfrm>
+          <a:prstGeom prst="rect">
+            <a:avLst/>
+          </a:prstGeom>
+        </p:spPr>
         <p:txBody>
           <a:bodyPr/>
           <a:lstStyle/>
           <a:p>
-            <a:fld id="{0D69348B-4620-44E9-BF3F-EACBA9EEF323}" type="datetimeFigureOut">
+            <a:fld id="{71087A05-F855-4434-8DDE-39A8542098A6}" type="datetimeFigureOut">
               <a:rPr lang="en-US" smtClean="0"/>
-              <a:t>6/25/2024</a:t>
+              <a:t>12/17/2024</a:t>
             </a:fld>
             <a:endParaRPr lang="en-US"/>
           </a:p>
@@ -4440,7 +5488,7 @@
           <p:cNvPr id="5" name="Footer Placeholder 4">
             <a:extLst>
               <a:ext uri="{FF2B5EF4-FFF2-40B4-BE49-F238E27FC236}">
-                <a16:creationId xmlns:a16="http://schemas.microsoft.com/office/drawing/2014/main" id="{E178E07A-E8A4-2767-2911-D824C588F20D}"/>
+                <a16:creationId xmlns:a16="http://schemas.microsoft.com/office/drawing/2014/main" id="{8950E3CD-02DB-7A08-79DC-74CA926DE70F}"/>
               </a:ext>
             </a:extLst>
           </p:cNvPr>
@@ -4451,7 +5499,15 @@
             <p:ph type="ftr" sz="quarter" idx="11"/>
           </p:nvPr>
         </p:nvSpPr>
-        <p:spPr/>
+        <p:spPr>
+          <a:xfrm>
+            <a:off x="4038600" y="6356350"/>
+            <a:ext cx="4114800" cy="365125"/>
+          </a:xfrm>
+          <a:prstGeom prst="rect">
+            <a:avLst/>
+          </a:prstGeom>
+        </p:spPr>
         <p:txBody>
           <a:bodyPr/>
           <a:lstStyle/>
@@ -4465,7 +5521,7 @@
           <p:cNvPr id="6" name="Slide Number Placeholder 5">
             <a:extLst>
               <a:ext uri="{FF2B5EF4-FFF2-40B4-BE49-F238E27FC236}">
-                <a16:creationId xmlns:a16="http://schemas.microsoft.com/office/drawing/2014/main" id="{6D865987-67F3-82BA-9FFE-7A512551887E}"/>
+                <a16:creationId xmlns:a16="http://schemas.microsoft.com/office/drawing/2014/main" id="{78D6A67F-8469-E8AB-D35D-DEC64EA01BF9}"/>
               </a:ext>
             </a:extLst>
           </p:cNvPr>
@@ -4476,12 +5532,20 @@
             <p:ph type="sldNum" sz="quarter" idx="12"/>
           </p:nvPr>
         </p:nvSpPr>
-        <p:spPr/>
+        <p:spPr>
+          <a:xfrm>
+            <a:off x="8610600" y="6356350"/>
+            <a:ext cx="2743200" cy="365125"/>
+          </a:xfrm>
+          <a:prstGeom prst="rect">
+            <a:avLst/>
+          </a:prstGeom>
+        </p:spPr>
         <p:txBody>
           <a:bodyPr/>
           <a:lstStyle/>
           <a:p>
-            <a:fld id="{986C47A0-D0C4-4E8A-BEE9-37B09C3712B2}" type="slidenum">
+            <a:fld id="{6C0014F0-3D1D-4459-A530-32E6C19AE461}" type="slidenum">
               <a:rPr lang="en-US" smtClean="0"/>
               <a:t>‹#›</a:t>
             </a:fld>
@@ -4492,7 +5556,7 @@
     </p:spTree>
     <p:extLst>
       <p:ext uri="{BB962C8B-B14F-4D97-AF65-F5344CB8AC3E}">
-        <p14:creationId xmlns:p14="http://schemas.microsoft.com/office/powerpoint/2010/main" val="3968263454"/>
+        <p14:creationId xmlns:p14="http://schemas.microsoft.com/office/powerpoint/2010/main" val="3289871840"/>
       </p:ext>
     </p:extLst>
   </p:cSld>
@@ -4561,14 +5625,14 @@
           </a:ln>
           <a:extLst>
             <a:ext uri="{909E8E84-426E-40dd-AFC4-6F175D3DCCD1}">
-              <a14:hiddenFill xmlns="" xmlns:a14="http://schemas.microsoft.com/office/drawing/2010/main">
+              <a14:hiddenFill xmlns:a14="http://schemas.microsoft.com/office/drawing/2010/main" xmlns="">
                 <a:solidFill>
                   <a:srgbClr val="FFFFFF"/>
                 </a:solidFill>
               </a14:hiddenFill>
             </a:ext>
             <a:ext uri="{91240B29-F687-4f45-9708-019B960494DF}">
-              <a14:hiddenLine xmlns="" xmlns:a14="http://schemas.microsoft.com/office/drawing/2010/main" w="9525">
+              <a14:hiddenLine xmlns:a14="http://schemas.microsoft.com/office/drawing/2010/main" xmlns="" w="9525">
                 <a:solidFill>
                   <a:srgbClr val="000000"/>
                 </a:solidFill>
@@ -5238,244 +6302,131 @@
           <a:chExt cx="0" cy="0"/>
         </a:xfrm>
       </p:grpSpPr>
-      <p:sp>
-        <p:nvSpPr>
-          <p:cNvPr id="2" name="Title Placeholder 1">
+      <p:pic>
+        <p:nvPicPr>
+          <p:cNvPr id="7" name="Picture 6">
             <a:extLst>
               <a:ext uri="{FF2B5EF4-FFF2-40B4-BE49-F238E27FC236}">
-                <a16:creationId xmlns:a16="http://schemas.microsoft.com/office/drawing/2014/main" id="{DADBBF7B-0A87-603A-6F96-ED995D2876BC}"/>
+                <a16:creationId xmlns:a16="http://schemas.microsoft.com/office/drawing/2014/main" id="{AEB2CF3C-8982-A5D5-05DB-5BF3F09E24AE}"/>
+              </a:ext>
+              <a:ext uri="{C183D7F6-B498-43B3-948B-1728B52AA6E4}">
+                <adec:decorative xmlns:adec="http://schemas.microsoft.com/office/drawing/2017/decorative" val="1"/>
               </a:ext>
             </a:extLst>
           </p:cNvPr>
-          <p:cNvSpPr>
-            <a:spLocks noGrp="1"/>
-          </p:cNvSpPr>
-          <p:nvPr>
-            <p:ph type="title"/>
-          </p:nvPr>
-        </p:nvSpPr>
+          <p:cNvPicPr>
+            <a:picLocks noChangeAspect="1"/>
+          </p:cNvPicPr>
+          <p:nvPr userDrawn="1"/>
+        </p:nvPicPr>
+        <p:blipFill>
+          <a:blip r:embed="rId13">
+            <a:extLst>
+              <a:ext uri="{28A0092B-C50C-407E-A947-70E740481C1C}">
+                <a14:useLocalDpi xmlns:a14="http://schemas.microsoft.com/office/drawing/2010/main" val="0"/>
+              </a:ext>
+            </a:extLst>
+          </a:blip>
+          <a:stretch>
+            <a:fillRect/>
+          </a:stretch>
+        </p:blipFill>
         <p:spPr>
           <a:xfrm>
-            <a:off x="838200" y="365125"/>
-            <a:ext cx="10515600" cy="1325563"/>
+            <a:off x="212436" y="236453"/>
+            <a:ext cx="11767127" cy="787737"/>
           </a:xfrm>
           <a:prstGeom prst="rect">
             <a:avLst/>
           </a:prstGeom>
         </p:spPr>
-        <p:txBody>
-          <a:bodyPr vert="horz" lIns="91440" tIns="45720" rIns="91440" bIns="45720" rtlCol="0" anchor="ctr">
-            <a:normAutofit/>
-          </a:bodyPr>
-          <a:lstStyle/>
-          <a:p>
-            <a:r>
-              <a:rPr lang="en-US"/>
-              <a:t>Click to edit Master title style</a:t>
-            </a:r>
-          </a:p>
-        </p:txBody>
-      </p:sp>
-      <p:sp>
-        <p:nvSpPr>
-          <p:cNvPr id="3" name="Text Placeholder 2">
+      </p:pic>
+      <p:cxnSp>
+        <p:nvCxnSpPr>
+          <p:cNvPr id="9" name="Straight Connector 8">
             <a:extLst>
               <a:ext uri="{FF2B5EF4-FFF2-40B4-BE49-F238E27FC236}">
-                <a16:creationId xmlns:a16="http://schemas.microsoft.com/office/drawing/2014/main" id="{1EBB9990-0CBB-2977-C631-37F97EB6D7A7}"/>
+                <a16:creationId xmlns:a16="http://schemas.microsoft.com/office/drawing/2014/main" id="{DE7FEFD9-5638-352F-A6ED-06F1FDE322D4}"/>
               </a:ext>
             </a:extLst>
           </p:cNvPr>
-          <p:cNvSpPr>
-            <a:spLocks noGrp="1"/>
-          </p:cNvSpPr>
-          <p:nvPr>
-            <p:ph type="body" idx="1"/>
-          </p:nvPr>
+          <p:cNvCxnSpPr>
+            <a:cxnSpLocks/>
+          </p:cNvCxnSpPr>
+          <p:nvPr userDrawn="1"/>
+        </p:nvCxnSpPr>
+        <p:spPr>
+          <a:xfrm>
+            <a:off x="175490" y="1099127"/>
+            <a:ext cx="11841020" cy="0"/>
+          </a:xfrm>
+          <a:prstGeom prst="line">
+            <a:avLst/>
+          </a:prstGeom>
+          <a:ln w="38100">
+            <a:solidFill>
+              <a:srgbClr val="A13C39"/>
+            </a:solidFill>
+          </a:ln>
+        </p:spPr>
+        <p:style>
+          <a:lnRef idx="2">
+            <a:schemeClr val="accent1"/>
+          </a:lnRef>
+          <a:fillRef idx="0">
+            <a:schemeClr val="accent1"/>
+          </a:fillRef>
+          <a:effectRef idx="1">
+            <a:schemeClr val="accent1"/>
+          </a:effectRef>
+          <a:fontRef idx="minor">
+            <a:schemeClr val="tx1"/>
+          </a:fontRef>
+        </p:style>
+      </p:cxnSp>
+      <p:sp>
+        <p:nvSpPr>
+          <p:cNvPr id="11" name="Rectangle 10">
+            <a:extLst>
+              <a:ext uri="{FF2B5EF4-FFF2-40B4-BE49-F238E27FC236}">
+                <a16:creationId xmlns:a16="http://schemas.microsoft.com/office/drawing/2014/main" id="{910C5C32-408D-8072-82C8-297384424B54}"/>
+              </a:ext>
+            </a:extLst>
+          </p:cNvPr>
+          <p:cNvSpPr/>
+          <p:nvPr userDrawn="1"/>
         </p:nvSpPr>
         <p:spPr>
           <a:xfrm>
-            <a:off x="838200" y="1825625"/>
-            <a:ext cx="10515600" cy="4351338"/>
+            <a:off x="175492" y="184727"/>
+            <a:ext cx="11841018" cy="6493164"/>
           </a:xfrm>
           <a:prstGeom prst="rect">
             <a:avLst/>
           </a:prstGeom>
+          <a:noFill/>
         </p:spPr>
+        <p:style>
+          <a:lnRef idx="2">
+            <a:schemeClr val="accent1">
+              <a:shade val="15000"/>
+            </a:schemeClr>
+          </a:lnRef>
+          <a:fillRef idx="1">
+            <a:schemeClr val="accent1"/>
+          </a:fillRef>
+          <a:effectRef idx="0">
+            <a:schemeClr val="accent1"/>
+          </a:effectRef>
+          <a:fontRef idx="minor">
+            <a:schemeClr val="lt1"/>
+          </a:fontRef>
+        </p:style>
         <p:txBody>
-          <a:bodyPr vert="horz" lIns="91440" tIns="45720" rIns="91440" bIns="45720" rtlCol="0">
-            <a:normAutofit/>
-          </a:bodyPr>
+          <a:bodyPr rtlCol="0" anchor="ctr"/>
           <a:lstStyle/>
           <a:p>
-            <a:pPr lvl="0"/>
-            <a:r>
-              <a:rPr lang="en-US"/>
-              <a:t>Click to edit Master text styles</a:t>
-            </a:r>
-          </a:p>
-          <a:p>
-            <a:pPr lvl="1"/>
-            <a:r>
-              <a:rPr lang="en-US"/>
-              <a:t>Second level</a:t>
-            </a:r>
-          </a:p>
-          <a:p>
-            <a:pPr lvl="2"/>
-            <a:r>
-              <a:rPr lang="en-US"/>
-              <a:t>Third level</a:t>
-            </a:r>
-          </a:p>
-          <a:p>
-            <a:pPr lvl="3"/>
-            <a:r>
-              <a:rPr lang="en-US"/>
-              <a:t>Fourth level</a:t>
-            </a:r>
-          </a:p>
-          <a:p>
-            <a:pPr lvl="4"/>
-            <a:r>
-              <a:rPr lang="en-US"/>
-              <a:t>Fifth level</a:t>
-            </a:r>
-          </a:p>
-        </p:txBody>
-      </p:sp>
-      <p:sp>
-        <p:nvSpPr>
-          <p:cNvPr id="4" name="Date Placeholder 3">
-            <a:extLst>
-              <a:ext uri="{FF2B5EF4-FFF2-40B4-BE49-F238E27FC236}">
-                <a16:creationId xmlns:a16="http://schemas.microsoft.com/office/drawing/2014/main" id="{F336638E-F817-1BC9-ECB7-18071DC44D12}"/>
-              </a:ext>
-            </a:extLst>
-          </p:cNvPr>
-          <p:cNvSpPr>
-            <a:spLocks noGrp="1"/>
-          </p:cNvSpPr>
-          <p:nvPr>
-            <p:ph type="dt" sz="half" idx="2"/>
-          </p:nvPr>
-        </p:nvSpPr>
-        <p:spPr>
-          <a:xfrm>
-            <a:off x="838200" y="6356350"/>
-            <a:ext cx="2743200" cy="365125"/>
-          </a:xfrm>
-          <a:prstGeom prst="rect">
-            <a:avLst/>
-          </a:prstGeom>
-        </p:spPr>
-        <p:txBody>
-          <a:bodyPr vert="horz" lIns="91440" tIns="45720" rIns="91440" bIns="45720" rtlCol="0" anchor="ctr"/>
-          <a:lstStyle>
-            <a:lvl1pPr algn="l">
-              <a:defRPr sz="1200">
-                <a:solidFill>
-                  <a:schemeClr val="tx1">
-                    <a:tint val="75000"/>
-                  </a:schemeClr>
-                </a:solidFill>
-              </a:defRPr>
-            </a:lvl1pPr>
-          </a:lstStyle>
-          <a:p>
-            <a:fld id="{0D69348B-4620-44E9-BF3F-EACBA9EEF323}" type="datetimeFigureOut">
-              <a:rPr lang="en-US" smtClean="0"/>
-              <a:t>6/25/2024</a:t>
-            </a:fld>
-            <a:endParaRPr lang="en-US"/>
-          </a:p>
-        </p:txBody>
-      </p:sp>
-      <p:sp>
-        <p:nvSpPr>
-          <p:cNvPr id="5" name="Footer Placeholder 4">
-            <a:extLst>
-              <a:ext uri="{FF2B5EF4-FFF2-40B4-BE49-F238E27FC236}">
-                <a16:creationId xmlns:a16="http://schemas.microsoft.com/office/drawing/2014/main" id="{60C57151-F515-08FA-FD9F-F59EDF1B6581}"/>
-              </a:ext>
-            </a:extLst>
-          </p:cNvPr>
-          <p:cNvSpPr>
-            <a:spLocks noGrp="1"/>
-          </p:cNvSpPr>
-          <p:nvPr>
-            <p:ph type="ftr" sz="quarter" idx="3"/>
-          </p:nvPr>
-        </p:nvSpPr>
-        <p:spPr>
-          <a:xfrm>
-            <a:off x="4038600" y="6356350"/>
-            <a:ext cx="4114800" cy="365125"/>
-          </a:xfrm>
-          <a:prstGeom prst="rect">
-            <a:avLst/>
-          </a:prstGeom>
-        </p:spPr>
-        <p:txBody>
-          <a:bodyPr vert="horz" lIns="91440" tIns="45720" rIns="91440" bIns="45720" rtlCol="0" anchor="ctr"/>
-          <a:lstStyle>
-            <a:lvl1pPr algn="ctr">
-              <a:defRPr sz="1200">
-                <a:solidFill>
-                  <a:schemeClr val="tx1">
-                    <a:tint val="75000"/>
-                  </a:schemeClr>
-                </a:solidFill>
-              </a:defRPr>
-            </a:lvl1pPr>
-          </a:lstStyle>
-          <a:p>
-            <a:endParaRPr lang="en-US"/>
-          </a:p>
-        </p:txBody>
-      </p:sp>
-      <p:sp>
-        <p:nvSpPr>
-          <p:cNvPr id="6" name="Slide Number Placeholder 5">
-            <a:extLst>
-              <a:ext uri="{FF2B5EF4-FFF2-40B4-BE49-F238E27FC236}">
-                <a16:creationId xmlns:a16="http://schemas.microsoft.com/office/drawing/2014/main" id="{F7D361D9-183D-9DF9-C01C-5B530B1CB880}"/>
-              </a:ext>
-            </a:extLst>
-          </p:cNvPr>
-          <p:cNvSpPr>
-            <a:spLocks noGrp="1"/>
-          </p:cNvSpPr>
-          <p:nvPr>
-            <p:ph type="sldNum" sz="quarter" idx="4"/>
-          </p:nvPr>
-        </p:nvSpPr>
-        <p:spPr>
-          <a:xfrm>
-            <a:off x="8610600" y="6356350"/>
-            <a:ext cx="2743200" cy="365125"/>
-          </a:xfrm>
-          <a:prstGeom prst="rect">
-            <a:avLst/>
-          </a:prstGeom>
-        </p:spPr>
-        <p:txBody>
-          <a:bodyPr vert="horz" lIns="91440" tIns="45720" rIns="91440" bIns="45720" rtlCol="0" anchor="ctr"/>
-          <a:lstStyle>
-            <a:lvl1pPr algn="r">
-              <a:defRPr sz="1200">
-                <a:solidFill>
-                  <a:schemeClr val="tx1">
-                    <a:tint val="75000"/>
-                  </a:schemeClr>
-                </a:solidFill>
-              </a:defRPr>
-            </a:lvl1pPr>
-          </a:lstStyle>
-          <a:p>
-            <a:fld id="{986C47A0-D0C4-4E8A-BEE9-37B09C3712B2}" type="slidenum">
-              <a:rPr lang="en-US" smtClean="0"/>
-              <a:t>‹#›</a:t>
-            </a:fld>
+            <a:pPr algn="ctr"/>
             <a:endParaRPr lang="en-US"/>
           </a:p>
         </p:txBody>
@@ -5483,28 +6434,27 @@
     </p:spTree>
     <p:extLst>
       <p:ext uri="{BB962C8B-B14F-4D97-AF65-F5344CB8AC3E}">
-        <p14:creationId xmlns:p14="http://schemas.microsoft.com/office/powerpoint/2010/main" val="3136267371"/>
+        <p14:creationId xmlns:p14="http://schemas.microsoft.com/office/powerpoint/2010/main" val="1701576471"/>
       </p:ext>
     </p:extLst>
   </p:cSld>
   <p:clrMap bg1="lt1" tx1="dk1" bg2="lt2" tx2="dk2" accent1="accent1" accent2="accent2" accent3="accent3" accent4="accent4" accent5="accent5" accent6="accent6" hlink="hlink" folHlink="folHlink"/>
   <p:sldLayoutIdLst>
-    <p:sldLayoutId id="2147483682" r:id="rId1"/>
-    <p:sldLayoutId id="2147483683" r:id="rId2"/>
-    <p:sldLayoutId id="2147483684" r:id="rId3"/>
-    <p:sldLayoutId id="2147483685" r:id="rId4"/>
-    <p:sldLayoutId id="2147483686" r:id="rId5"/>
-    <p:sldLayoutId id="2147483687" r:id="rId6"/>
-    <p:sldLayoutId id="2147483688" r:id="rId7"/>
-    <p:sldLayoutId id="2147483689" r:id="rId8"/>
-    <p:sldLayoutId id="2147483690" r:id="rId9"/>
-    <p:sldLayoutId id="2147483691" r:id="rId10"/>
-    <p:sldLayoutId id="2147483692" r:id="rId11"/>
-    <p:sldLayoutId id="2147483693" r:id="rId12"/>
+    <p:sldLayoutId id="2147483695" r:id="rId1"/>
+    <p:sldLayoutId id="2147483696" r:id="rId2"/>
+    <p:sldLayoutId id="2147483697" r:id="rId3"/>
+    <p:sldLayoutId id="2147483698" r:id="rId4"/>
+    <p:sldLayoutId id="2147483699" r:id="rId5"/>
+    <p:sldLayoutId id="2147483700" r:id="rId6"/>
+    <p:sldLayoutId id="2147483701" r:id="rId7"/>
+    <p:sldLayoutId id="2147483702" r:id="rId8"/>
+    <p:sldLayoutId id="2147483703" r:id="rId9"/>
+    <p:sldLayoutId id="2147483704" r:id="rId10"/>
+    <p:sldLayoutId id="2147483705" r:id="rId11"/>
   </p:sldLayoutIdLst>
   <p:txStyles>
     <p:titleStyle>
-      <a:lvl1pPr algn="l" defTabSz="914400" rtl="0" eaLnBrk="1" latinLnBrk="0" hangingPunct="1">
+      <a:lvl1pPr algn="ctr" defTabSz="914400" rtl="0" eaLnBrk="1" latinLnBrk="0" hangingPunct="1">
         <a:lnSpc>
           <a:spcPct val="90000"/>
         </a:lnSpc>
@@ -5804,25 +6754,54 @@
       </p:grpSpPr>
       <p:sp>
         <p:nvSpPr>
-          <p:cNvPr id="2" name="Title 1">
+          <p:cNvPr id="4" name="Title 1">
             <a:extLst>
               <a:ext uri="{FF2B5EF4-FFF2-40B4-BE49-F238E27FC236}">
                 <a16:creationId xmlns:a16="http://schemas.microsoft.com/office/drawing/2014/main" id="{6FCA7FD7-E3CD-7A2C-5AF7-2EE59026C9D4}"/>
               </a:ext>
             </a:extLst>
           </p:cNvPr>
-          <p:cNvSpPr>
-            <a:spLocks noGrp="1"/>
+          <p:cNvSpPr txBox="1">
+            <a:spLocks/>
           </p:cNvSpPr>
-          <p:nvPr>
-            <p:ph type="ctrTitle"/>
-          </p:nvPr>
+          <p:nvPr/>
         </p:nvSpPr>
-        <p:spPr/>
+        <p:spPr>
+          <a:xfrm>
+            <a:off x="1189725" y="3054230"/>
+            <a:ext cx="9812547" cy="749540"/>
+          </a:xfrm>
+          <a:prstGeom prst="rect">
+            <a:avLst/>
+          </a:prstGeom>
+        </p:spPr>
         <p:txBody>
           <a:bodyPr/>
-          <a:lstStyle/>
-          <a:p>
+          <a:lstStyle>
+            <a:lvl1pPr algn="ctr" defTabSz="914400" rtl="0" eaLnBrk="1" latinLnBrk="0" hangingPunct="1">
+              <a:lnSpc>
+                <a:spcPct val="90000"/>
+              </a:lnSpc>
+              <a:spcBef>
+                <a:spcPct val="0"/>
+              </a:spcBef>
+              <a:buNone/>
+              <a:defRPr sz="4400" kern="1200">
+                <a:solidFill>
+                  <a:schemeClr val="tx1"/>
+                </a:solidFill>
+                <a:latin typeface="+mj-lt"/>
+                <a:ea typeface="+mj-ea"/>
+                <a:cs typeface="+mj-cs"/>
+              </a:defRPr>
+            </a:lvl1pPr>
+          </a:lstStyle>
+          <a:p>
+            <a:pPr fontAlgn="auto">
+              <a:spcAft>
+                <a:spcPts val="0"/>
+              </a:spcAft>
+            </a:pPr>
             <a:r>
               <a:rPr lang="en-US" dirty="0"/>
               <a:t>CIT 361/CYBER 360: Advanced Scripting</a:t>
@@ -5832,38 +6811,212 @@
       </p:sp>
       <p:sp>
         <p:nvSpPr>
-          <p:cNvPr id="3" name="Subtitle 2">
+          <p:cNvPr id="5" name="Subtitle 2">
             <a:extLst>
               <a:ext uri="{FF2B5EF4-FFF2-40B4-BE49-F238E27FC236}">
                 <a16:creationId xmlns:a16="http://schemas.microsoft.com/office/drawing/2014/main" id="{8586CD17-5B17-5D66-987C-05DC748B3FF9}"/>
               </a:ext>
             </a:extLst>
           </p:cNvPr>
-          <p:cNvSpPr>
-            <a:spLocks noGrp="1"/>
+          <p:cNvSpPr txBox="1">
+            <a:spLocks/>
           </p:cNvSpPr>
-          <p:nvPr>
-            <p:ph type="subTitle" idx="1"/>
-          </p:nvPr>
+          <p:nvPr/>
         </p:nvSpPr>
-        <p:spPr/>
+        <p:spPr>
+          <a:xfrm>
+            <a:off x="1664896" y="3943230"/>
+            <a:ext cx="8862204" cy="1035648"/>
+          </a:xfrm>
+          <a:prstGeom prst="rect">
+            <a:avLst/>
+          </a:prstGeom>
+        </p:spPr>
         <p:txBody>
           <a:bodyPr/>
-          <a:lstStyle/>
-          <a:p>
-            <a:r>
-              <a:rPr lang="en-US" dirty="0"/>
-              <a:t>8.3: Inheritance (a “Child Class” inherits from a “</a:t>
-            </a:r>
-            <a:r>
-              <a:rPr lang="en-US"/>
-              <a:t>Parent Class”),</a:t>
-            </a:r>
-            <a:endParaRPr lang="en-US" dirty="0"/>
-          </a:p>
-          <a:p>
-            <a:r>
-              <a:rPr lang="en-US" dirty="0"/>
+          <a:lstStyle>
+            <a:lvl1pPr marL="228600" indent="-228600" algn="l" defTabSz="914400" rtl="0" eaLnBrk="1" latinLnBrk="0" hangingPunct="1">
+              <a:lnSpc>
+                <a:spcPct val="90000"/>
+              </a:lnSpc>
+              <a:spcBef>
+                <a:spcPts val="1000"/>
+              </a:spcBef>
+              <a:buFont typeface="Arial" panose="020B0604020202020204" pitchFamily="34" charset="0"/>
+              <a:buChar char="•"/>
+              <a:defRPr sz="2800" kern="1200">
+                <a:solidFill>
+                  <a:schemeClr val="tx1"/>
+                </a:solidFill>
+                <a:latin typeface="+mn-lt"/>
+                <a:ea typeface="+mn-ea"/>
+                <a:cs typeface="+mn-cs"/>
+              </a:defRPr>
+            </a:lvl1pPr>
+            <a:lvl2pPr marL="685800" indent="-228600" algn="l" defTabSz="914400" rtl="0" eaLnBrk="1" latinLnBrk="0" hangingPunct="1">
+              <a:lnSpc>
+                <a:spcPct val="90000"/>
+              </a:lnSpc>
+              <a:spcBef>
+                <a:spcPts val="500"/>
+              </a:spcBef>
+              <a:buFont typeface="Arial" panose="020B0604020202020204" pitchFamily="34" charset="0"/>
+              <a:buChar char="•"/>
+              <a:defRPr sz="2400" kern="1200">
+                <a:solidFill>
+                  <a:schemeClr val="tx1"/>
+                </a:solidFill>
+                <a:latin typeface="+mn-lt"/>
+                <a:ea typeface="+mn-ea"/>
+                <a:cs typeface="+mn-cs"/>
+              </a:defRPr>
+            </a:lvl2pPr>
+            <a:lvl3pPr marL="1143000" indent="-228600" algn="l" defTabSz="914400" rtl="0" eaLnBrk="1" latinLnBrk="0" hangingPunct="1">
+              <a:lnSpc>
+                <a:spcPct val="90000"/>
+              </a:lnSpc>
+              <a:spcBef>
+                <a:spcPts val="500"/>
+              </a:spcBef>
+              <a:buFont typeface="Arial" panose="020B0604020202020204" pitchFamily="34" charset="0"/>
+              <a:buChar char="•"/>
+              <a:defRPr sz="2000" kern="1200">
+                <a:solidFill>
+                  <a:schemeClr val="tx1"/>
+                </a:solidFill>
+                <a:latin typeface="+mn-lt"/>
+                <a:ea typeface="+mn-ea"/>
+                <a:cs typeface="+mn-cs"/>
+              </a:defRPr>
+            </a:lvl3pPr>
+            <a:lvl4pPr marL="1600200" indent="-228600" algn="l" defTabSz="914400" rtl="0" eaLnBrk="1" latinLnBrk="0" hangingPunct="1">
+              <a:lnSpc>
+                <a:spcPct val="90000"/>
+              </a:lnSpc>
+              <a:spcBef>
+                <a:spcPts val="500"/>
+              </a:spcBef>
+              <a:buFont typeface="Arial" panose="020B0604020202020204" pitchFamily="34" charset="0"/>
+              <a:buChar char="•"/>
+              <a:defRPr sz="1800" kern="1200">
+                <a:solidFill>
+                  <a:schemeClr val="tx1"/>
+                </a:solidFill>
+                <a:latin typeface="+mn-lt"/>
+                <a:ea typeface="+mn-ea"/>
+                <a:cs typeface="+mn-cs"/>
+              </a:defRPr>
+            </a:lvl4pPr>
+            <a:lvl5pPr marL="2057400" indent="-228600" algn="l" defTabSz="914400" rtl="0" eaLnBrk="1" latinLnBrk="0" hangingPunct="1">
+              <a:lnSpc>
+                <a:spcPct val="90000"/>
+              </a:lnSpc>
+              <a:spcBef>
+                <a:spcPts val="500"/>
+              </a:spcBef>
+              <a:buFont typeface="Arial" panose="020B0604020202020204" pitchFamily="34" charset="0"/>
+              <a:buChar char="•"/>
+              <a:defRPr sz="1800" kern="1200">
+                <a:solidFill>
+                  <a:schemeClr val="tx1"/>
+                </a:solidFill>
+                <a:latin typeface="+mn-lt"/>
+                <a:ea typeface="+mn-ea"/>
+                <a:cs typeface="+mn-cs"/>
+              </a:defRPr>
+            </a:lvl5pPr>
+            <a:lvl6pPr marL="2514600" indent="-228600" algn="l" defTabSz="914400" rtl="0" eaLnBrk="1" latinLnBrk="0" hangingPunct="1">
+              <a:lnSpc>
+                <a:spcPct val="90000"/>
+              </a:lnSpc>
+              <a:spcBef>
+                <a:spcPts val="500"/>
+              </a:spcBef>
+              <a:buFont typeface="Arial" panose="020B0604020202020204" pitchFamily="34" charset="0"/>
+              <a:buChar char="•"/>
+              <a:defRPr sz="1800" kern="1200">
+                <a:solidFill>
+                  <a:schemeClr val="tx1"/>
+                </a:solidFill>
+                <a:latin typeface="+mn-lt"/>
+                <a:ea typeface="+mn-ea"/>
+                <a:cs typeface="+mn-cs"/>
+              </a:defRPr>
+            </a:lvl6pPr>
+            <a:lvl7pPr marL="2971800" indent="-228600" algn="l" defTabSz="914400" rtl="0" eaLnBrk="1" latinLnBrk="0" hangingPunct="1">
+              <a:lnSpc>
+                <a:spcPct val="90000"/>
+              </a:lnSpc>
+              <a:spcBef>
+                <a:spcPts val="500"/>
+              </a:spcBef>
+              <a:buFont typeface="Arial" panose="020B0604020202020204" pitchFamily="34" charset="0"/>
+              <a:buChar char="•"/>
+              <a:defRPr sz="1800" kern="1200">
+                <a:solidFill>
+                  <a:schemeClr val="tx1"/>
+                </a:solidFill>
+                <a:latin typeface="+mn-lt"/>
+                <a:ea typeface="+mn-ea"/>
+                <a:cs typeface="+mn-cs"/>
+              </a:defRPr>
+            </a:lvl7pPr>
+            <a:lvl8pPr marL="3429000" indent="-228600" algn="l" defTabSz="914400" rtl="0" eaLnBrk="1" latinLnBrk="0" hangingPunct="1">
+              <a:lnSpc>
+                <a:spcPct val="90000"/>
+              </a:lnSpc>
+              <a:spcBef>
+                <a:spcPts val="500"/>
+              </a:spcBef>
+              <a:buFont typeface="Arial" panose="020B0604020202020204" pitchFamily="34" charset="0"/>
+              <a:buChar char="•"/>
+              <a:defRPr sz="1800" kern="1200">
+                <a:solidFill>
+                  <a:schemeClr val="tx1"/>
+                </a:solidFill>
+                <a:latin typeface="+mn-lt"/>
+                <a:ea typeface="+mn-ea"/>
+                <a:cs typeface="+mn-cs"/>
+              </a:defRPr>
+            </a:lvl8pPr>
+            <a:lvl9pPr marL="3886200" indent="-228600" algn="l" defTabSz="914400" rtl="0" eaLnBrk="1" latinLnBrk="0" hangingPunct="1">
+              <a:lnSpc>
+                <a:spcPct val="90000"/>
+              </a:lnSpc>
+              <a:spcBef>
+                <a:spcPts val="500"/>
+              </a:spcBef>
+              <a:buFont typeface="Arial" panose="020B0604020202020204" pitchFamily="34" charset="0"/>
+              <a:buChar char="•"/>
+              <a:defRPr sz="1800" kern="1200">
+                <a:solidFill>
+                  <a:schemeClr val="tx1"/>
+                </a:solidFill>
+                <a:latin typeface="+mn-lt"/>
+                <a:ea typeface="+mn-ea"/>
+                <a:cs typeface="+mn-cs"/>
+              </a:defRPr>
+            </a:lvl9pPr>
+          </a:lstStyle>
+          <a:p>
+            <a:pPr fontAlgn="auto">
+              <a:spcAft>
+                <a:spcPts val="0"/>
+              </a:spcAft>
+            </a:pPr>
+            <a:r>
+              <a:rPr lang="en-US" sz="2400" dirty="0"/>
+              <a:t>8.3: Inheritance (a “Child Class” inherits from a “Parent Class”),</a:t>
+            </a:r>
+          </a:p>
+          <a:p>
+            <a:pPr fontAlgn="auto">
+              <a:spcAft>
+                <a:spcPts val="0"/>
+              </a:spcAft>
+            </a:pPr>
+            <a:r>
+              <a:rPr lang="en-US" sz="2400" dirty="0"/>
               <a:t>Enumerations</a:t>
             </a:r>
           </a:p>
@@ -5872,7 +7025,7 @@
     </p:spTree>
     <p:extLst>
       <p:ext uri="{BB962C8B-B14F-4D97-AF65-F5344CB8AC3E}">
-        <p14:creationId xmlns:p14="http://schemas.microsoft.com/office/powerpoint/2010/main" val="3644072983"/>
+        <p14:creationId xmlns:p14="http://schemas.microsoft.com/office/powerpoint/2010/main" val="325146105"/>
       </p:ext>
     </p:extLst>
   </p:cSld>
@@ -5901,39 +7054,214 @@
       </p:grpSpPr>
       <p:sp>
         <p:nvSpPr>
-          <p:cNvPr id="2" name="Text Placeholder 1">
+          <p:cNvPr id="4" name="Text Placeholder 1">
             <a:extLst>
               <a:ext uri="{FF2B5EF4-FFF2-40B4-BE49-F238E27FC236}">
                 <a16:creationId xmlns:a16="http://schemas.microsoft.com/office/drawing/2014/main" id="{64492E64-A68B-8CA7-B3C6-044F7C8E76AB}"/>
               </a:ext>
             </a:extLst>
           </p:cNvPr>
-          <p:cNvSpPr>
-            <a:spLocks noGrp="1"/>
+          <p:cNvSpPr txBox="1">
+            <a:spLocks/>
           </p:cNvSpPr>
-          <p:nvPr>
-            <p:ph type="body" sz="quarter" idx="10"/>
-          </p:nvPr>
+          <p:nvPr/>
         </p:nvSpPr>
-        <p:spPr/>
+        <p:spPr>
+          <a:xfrm>
+            <a:off x="2082579" y="1236657"/>
+            <a:ext cx="8026837" cy="724247"/>
+          </a:xfrm>
+          <a:prstGeom prst="rect">
+            <a:avLst/>
+          </a:prstGeom>
+        </p:spPr>
         <p:txBody>
           <a:bodyPr>
-            <a:normAutofit fontScale="92500" lnSpcReduction="10000"/>
+            <a:normAutofit/>
           </a:bodyPr>
-          <a:lstStyle/>
-          <a:p>
-            <a:r>
-              <a:rPr lang="en-US" dirty="0"/>
+          <a:lstStyle>
+            <a:lvl1pPr marL="228600" indent="-228600" algn="l" defTabSz="914400" rtl="0" eaLnBrk="1" latinLnBrk="0" hangingPunct="1">
+              <a:lnSpc>
+                <a:spcPct val="90000"/>
+              </a:lnSpc>
+              <a:spcBef>
+                <a:spcPts val="1000"/>
+              </a:spcBef>
+              <a:buFont typeface="Arial" panose="020B0604020202020204" pitchFamily="34" charset="0"/>
+              <a:buChar char="•"/>
+              <a:defRPr sz="2800" kern="1200">
+                <a:solidFill>
+                  <a:schemeClr val="tx1"/>
+                </a:solidFill>
+                <a:latin typeface="+mn-lt"/>
+                <a:ea typeface="+mn-ea"/>
+                <a:cs typeface="+mn-cs"/>
+              </a:defRPr>
+            </a:lvl1pPr>
+            <a:lvl2pPr marL="685800" indent="-228600" algn="l" defTabSz="914400" rtl="0" eaLnBrk="1" latinLnBrk="0" hangingPunct="1">
+              <a:lnSpc>
+                <a:spcPct val="90000"/>
+              </a:lnSpc>
+              <a:spcBef>
+                <a:spcPts val="500"/>
+              </a:spcBef>
+              <a:buFont typeface="Arial" panose="020B0604020202020204" pitchFamily="34" charset="0"/>
+              <a:buChar char="•"/>
+              <a:defRPr sz="2400" kern="1200">
+                <a:solidFill>
+                  <a:schemeClr val="tx1"/>
+                </a:solidFill>
+                <a:latin typeface="+mn-lt"/>
+                <a:ea typeface="+mn-ea"/>
+                <a:cs typeface="+mn-cs"/>
+              </a:defRPr>
+            </a:lvl2pPr>
+            <a:lvl3pPr marL="1143000" indent="-228600" algn="l" defTabSz="914400" rtl="0" eaLnBrk="1" latinLnBrk="0" hangingPunct="1">
+              <a:lnSpc>
+                <a:spcPct val="90000"/>
+              </a:lnSpc>
+              <a:spcBef>
+                <a:spcPts val="500"/>
+              </a:spcBef>
+              <a:buFont typeface="Arial" panose="020B0604020202020204" pitchFamily="34" charset="0"/>
+              <a:buChar char="•"/>
+              <a:defRPr sz="2000" kern="1200">
+                <a:solidFill>
+                  <a:schemeClr val="tx1"/>
+                </a:solidFill>
+                <a:latin typeface="+mn-lt"/>
+                <a:ea typeface="+mn-ea"/>
+                <a:cs typeface="+mn-cs"/>
+              </a:defRPr>
+            </a:lvl3pPr>
+            <a:lvl4pPr marL="1600200" indent="-228600" algn="l" defTabSz="914400" rtl="0" eaLnBrk="1" latinLnBrk="0" hangingPunct="1">
+              <a:lnSpc>
+                <a:spcPct val="90000"/>
+              </a:lnSpc>
+              <a:spcBef>
+                <a:spcPts val="500"/>
+              </a:spcBef>
+              <a:buFont typeface="Arial" panose="020B0604020202020204" pitchFamily="34" charset="0"/>
+              <a:buChar char="•"/>
+              <a:defRPr sz="1800" kern="1200">
+                <a:solidFill>
+                  <a:schemeClr val="tx1"/>
+                </a:solidFill>
+                <a:latin typeface="+mn-lt"/>
+                <a:ea typeface="+mn-ea"/>
+                <a:cs typeface="+mn-cs"/>
+              </a:defRPr>
+            </a:lvl4pPr>
+            <a:lvl5pPr marL="2057400" indent="-228600" algn="l" defTabSz="914400" rtl="0" eaLnBrk="1" latinLnBrk="0" hangingPunct="1">
+              <a:lnSpc>
+                <a:spcPct val="90000"/>
+              </a:lnSpc>
+              <a:spcBef>
+                <a:spcPts val="500"/>
+              </a:spcBef>
+              <a:buFont typeface="Arial" panose="020B0604020202020204" pitchFamily="34" charset="0"/>
+              <a:buChar char="•"/>
+              <a:defRPr sz="1800" kern="1200">
+                <a:solidFill>
+                  <a:schemeClr val="tx1"/>
+                </a:solidFill>
+                <a:latin typeface="+mn-lt"/>
+                <a:ea typeface="+mn-ea"/>
+                <a:cs typeface="+mn-cs"/>
+              </a:defRPr>
+            </a:lvl5pPr>
+            <a:lvl6pPr marL="2514600" indent="-228600" algn="l" defTabSz="914400" rtl="0" eaLnBrk="1" latinLnBrk="0" hangingPunct="1">
+              <a:lnSpc>
+                <a:spcPct val="90000"/>
+              </a:lnSpc>
+              <a:spcBef>
+                <a:spcPts val="500"/>
+              </a:spcBef>
+              <a:buFont typeface="Arial" panose="020B0604020202020204" pitchFamily="34" charset="0"/>
+              <a:buChar char="•"/>
+              <a:defRPr sz="1800" kern="1200">
+                <a:solidFill>
+                  <a:schemeClr val="tx1"/>
+                </a:solidFill>
+                <a:latin typeface="+mn-lt"/>
+                <a:ea typeface="+mn-ea"/>
+                <a:cs typeface="+mn-cs"/>
+              </a:defRPr>
+            </a:lvl6pPr>
+            <a:lvl7pPr marL="2971800" indent="-228600" algn="l" defTabSz="914400" rtl="0" eaLnBrk="1" latinLnBrk="0" hangingPunct="1">
+              <a:lnSpc>
+                <a:spcPct val="90000"/>
+              </a:lnSpc>
+              <a:spcBef>
+                <a:spcPts val="500"/>
+              </a:spcBef>
+              <a:buFont typeface="Arial" panose="020B0604020202020204" pitchFamily="34" charset="0"/>
+              <a:buChar char="•"/>
+              <a:defRPr sz="1800" kern="1200">
+                <a:solidFill>
+                  <a:schemeClr val="tx1"/>
+                </a:solidFill>
+                <a:latin typeface="+mn-lt"/>
+                <a:ea typeface="+mn-ea"/>
+                <a:cs typeface="+mn-cs"/>
+              </a:defRPr>
+            </a:lvl7pPr>
+            <a:lvl8pPr marL="3429000" indent="-228600" algn="l" defTabSz="914400" rtl="0" eaLnBrk="1" latinLnBrk="0" hangingPunct="1">
+              <a:lnSpc>
+                <a:spcPct val="90000"/>
+              </a:lnSpc>
+              <a:spcBef>
+                <a:spcPts val="500"/>
+              </a:spcBef>
+              <a:buFont typeface="Arial" panose="020B0604020202020204" pitchFamily="34" charset="0"/>
+              <a:buChar char="•"/>
+              <a:defRPr sz="1800" kern="1200">
+                <a:solidFill>
+                  <a:schemeClr val="tx1"/>
+                </a:solidFill>
+                <a:latin typeface="+mn-lt"/>
+                <a:ea typeface="+mn-ea"/>
+                <a:cs typeface="+mn-cs"/>
+              </a:defRPr>
+            </a:lvl8pPr>
+            <a:lvl9pPr marL="3886200" indent="-228600" algn="l" defTabSz="914400" rtl="0" eaLnBrk="1" latinLnBrk="0" hangingPunct="1">
+              <a:lnSpc>
+                <a:spcPct val="90000"/>
+              </a:lnSpc>
+              <a:spcBef>
+                <a:spcPts val="500"/>
+              </a:spcBef>
+              <a:buFont typeface="Arial" panose="020B0604020202020204" pitchFamily="34" charset="0"/>
+              <a:buChar char="•"/>
+              <a:defRPr sz="1800" kern="1200">
+                <a:solidFill>
+                  <a:schemeClr val="tx1"/>
+                </a:solidFill>
+                <a:latin typeface="+mn-lt"/>
+                <a:ea typeface="+mn-ea"/>
+                <a:cs typeface="+mn-cs"/>
+              </a:defRPr>
+            </a:lvl9pPr>
+          </a:lstStyle>
+          <a:p>
+            <a:pPr marL="0" indent="0" fontAlgn="auto">
+              <a:spcAft>
+                <a:spcPts val="0"/>
+              </a:spcAft>
+              <a:buNone/>
+            </a:pPr>
+            <a:r>
+              <a:rPr lang="en-US" sz="4400" dirty="0"/>
               <a:t>More PowerShell </a:t>
             </a:r>
             <a:r>
-              <a:rPr lang="en-US" b="1" dirty="0" err="1">
+              <a:rPr lang="en-US" sz="4400" b="1" dirty="0" err="1">
                 <a:latin typeface="Consolas" panose="020B0609020204030204" pitchFamily="49" charset="0"/>
               </a:rPr>
               <a:t>enum</a:t>
             </a:r>
             <a:r>
-              <a:rPr lang="en-US" dirty="0"/>
+              <a:rPr lang="en-US" sz="4400" dirty="0"/>
               <a:t> Examples</a:t>
             </a:r>
           </a:p>
@@ -5941,7 +7269,7 @@
       </p:sp>
       <p:sp>
         <p:nvSpPr>
-          <p:cNvPr id="4" name="TextBox 3">
+          <p:cNvPr id="5" name="TextBox 4">
             <a:extLst>
               <a:ext uri="{FF2B5EF4-FFF2-40B4-BE49-F238E27FC236}">
                 <a16:creationId xmlns:a16="http://schemas.microsoft.com/office/drawing/2014/main" id="{B64A8207-997F-319E-7F6D-676D3ECA779B}"/>
@@ -5953,8 +7281,8 @@
         </p:nvSpPr>
         <p:spPr>
           <a:xfrm>
-            <a:off x="1268392" y="1045763"/>
-            <a:ext cx="9655207" cy="5016758"/>
+            <a:off x="1683742" y="1989491"/>
+            <a:ext cx="8824509" cy="4524315"/>
           </a:xfrm>
           <a:prstGeom prst="rect">
             <a:avLst/>
@@ -5968,31 +7296,31 @@
           <a:lstStyle/>
           <a:p>
             <a:r>
-              <a:rPr lang="en-US" sz="2000" b="1" dirty="0" err="1">
+              <a:rPr lang="en-US" sz="1800" b="1" dirty="0" err="1">
                 <a:latin typeface="Consolas" panose="020B0609020204030204" pitchFamily="49" charset="0"/>
               </a:rPr>
               <a:t>enum</a:t>
             </a:r>
             <a:r>
-              <a:rPr lang="en-US" sz="2000" b="1" dirty="0">
+              <a:rPr lang="en-US" sz="1800" b="1" dirty="0">
                 <a:latin typeface="Consolas" panose="020B0609020204030204" pitchFamily="49" charset="0"/>
               </a:rPr>
               <a:t> </a:t>
             </a:r>
             <a:r>
-              <a:rPr lang="en-US" sz="2000" b="1" dirty="0" err="1">
+              <a:rPr lang="en-US" sz="1800" b="1" dirty="0" err="1">
                 <a:latin typeface="Consolas" panose="020B0609020204030204" pitchFamily="49" charset="0"/>
               </a:rPr>
               <a:t>shirtSize</a:t>
             </a:r>
             <a:r>
-              <a:rPr lang="en-US" sz="2000" b="1" dirty="0">
+              <a:rPr lang="en-US" sz="1800" b="1" dirty="0">
                 <a:latin typeface="Consolas" panose="020B0609020204030204" pitchFamily="49" charset="0"/>
               </a:rPr>
               <a:t> { S = 10; M = 14; L = 16; XL = 20 }</a:t>
             </a:r>
             <a:r>
-              <a:rPr lang="en-US" sz="2000" i="1" dirty="0">
+              <a:rPr lang="en-US" sz="1800" i="1" dirty="0">
                 <a:latin typeface="+mn-lt"/>
               </a:rPr>
               <a:t> </a:t>
@@ -6000,73 +7328,73 @@
           </a:p>
           <a:p>
             <a:r>
-              <a:rPr lang="en-US" sz="2000" i="1" dirty="0">
+              <a:rPr lang="en-US" sz="1800" i="1" dirty="0">
                 <a:latin typeface="+mn-lt"/>
               </a:rPr>
               <a:t>    # Note: if we specify an enumeration’s integers, spaces before and after each  </a:t>
             </a:r>
             <a:r>
-              <a:rPr lang="en-US" sz="2000" b="1" dirty="0">
+              <a:rPr lang="en-US" sz="1800" b="1" dirty="0">
                 <a:latin typeface="Consolas" panose="020B0609020204030204" pitchFamily="49" charset="0"/>
               </a:rPr>
               <a:t>=</a:t>
             </a:r>
             <a:r>
-              <a:rPr lang="en-US" sz="2000" i="1" dirty="0">
+              <a:rPr lang="en-US" sz="1800" i="1" dirty="0">
                 <a:latin typeface="+mn-lt"/>
               </a:rPr>
               <a:t>  are</a:t>
             </a:r>
             <a:br>
-              <a:rPr lang="en-US" sz="2000" i="1" dirty="0">
+              <a:rPr lang="en-US" sz="1800" i="1" dirty="0">
                 <a:latin typeface="+mn-lt"/>
               </a:rPr>
             </a:br>
             <a:r>
-              <a:rPr lang="en-US" sz="2000" i="1" dirty="0">
+              <a:rPr lang="en-US" sz="1800" i="1" dirty="0">
                 <a:latin typeface="+mn-lt"/>
               </a:rPr>
               <a:t>    #  optional with PowerShell Core v7, but are </a:t>
             </a:r>
             <a:r>
-              <a:rPr lang="en-US" sz="2000" i="1" u="sng" dirty="0">
+              <a:rPr lang="en-US" sz="1800" i="1" u="sng" dirty="0">
                 <a:latin typeface="+mn-lt"/>
               </a:rPr>
               <a:t>required</a:t>
             </a:r>
             <a:r>
-              <a:rPr lang="en-US" sz="2000" i="1" dirty="0">
+              <a:rPr lang="en-US" sz="1800" i="1" dirty="0">
                 <a:latin typeface="+mn-lt"/>
               </a:rPr>
               <a:t> in earlier Windows PowerShell v5</a:t>
             </a:r>
             <a:r>
-              <a:rPr lang="en-US" sz="2000" dirty="0">
+              <a:rPr lang="en-US" sz="1800" dirty="0">
                 <a:latin typeface="+mn-lt"/>
               </a:rPr>
               <a:t>. </a:t>
             </a:r>
           </a:p>
           <a:p>
-            <a:endParaRPr lang="en-US" sz="2000" b="1" dirty="0">
+            <a:endParaRPr lang="en-US" sz="1800" b="1" dirty="0">
               <a:latin typeface="Consolas" panose="020B0609020204030204" pitchFamily="49" charset="0"/>
             </a:endParaRPr>
           </a:p>
           <a:p>
             <a:r>
-              <a:rPr lang="en-US" sz="2000" b="1" dirty="0" err="1">
+              <a:rPr lang="en-US" sz="1800" b="1" dirty="0" err="1">
                 <a:latin typeface="Consolas" panose="020B0609020204030204" pitchFamily="49" charset="0"/>
               </a:rPr>
               <a:t>enum</a:t>
             </a:r>
             <a:r>
-              <a:rPr lang="en-US" sz="2000" b="1" dirty="0">
+              <a:rPr lang="en-US" sz="1800" b="1" dirty="0">
                 <a:latin typeface="Consolas" panose="020B0609020204030204" pitchFamily="49" charset="0"/>
               </a:rPr>
               <a:t> protein { beef; chicken; pork; fish; vegetarian }</a:t>
             </a:r>
             <a:r>
-              <a:rPr lang="en-US" sz="2000" dirty="0">
+              <a:rPr lang="en-US" sz="1800" dirty="0">
                 <a:latin typeface="+mn-lt"/>
               </a:rPr>
               <a:t> </a:t>
@@ -6074,7 +7402,7 @@
           </a:p>
           <a:p>
             <a:r>
-              <a:rPr lang="en-US" sz="2000" i="1" dirty="0">
+              <a:rPr lang="en-US" sz="1800" i="1" dirty="0">
                 <a:latin typeface="+mn-lt"/>
               </a:rPr>
               <a:t>    # if we don’t specify an enumeration’s integers, they automatically start from zero. </a:t>
@@ -6082,83 +7410,77 @@
           </a:p>
           <a:p>
             <a:r>
-              <a:rPr lang="en-US" sz="2000" i="1" dirty="0">
+              <a:rPr lang="en-US" sz="1800" i="1" dirty="0">
                 <a:latin typeface="+mn-lt"/>
               </a:rPr>
               <a:t> </a:t>
             </a:r>
-            <a:endParaRPr lang="en-US" sz="2000" dirty="0">
+            <a:endParaRPr lang="en-US" sz="1800" dirty="0">
               <a:latin typeface="+mn-lt"/>
             </a:endParaRPr>
           </a:p>
           <a:p>
             <a:r>
-              <a:rPr lang="en-US" sz="2000" b="1" dirty="0">
+              <a:rPr lang="en-US" sz="1800" b="1" dirty="0">
                 <a:latin typeface="Consolas" panose="020B0609020204030204" pitchFamily="49" charset="0"/>
               </a:rPr>
               <a:t>[protein]$p = 'vegetarian'; [</a:t>
             </a:r>
             <a:r>
-              <a:rPr lang="en-US" sz="2000" b="1" dirty="0" err="1">
+              <a:rPr lang="en-US" sz="1800" b="1" dirty="0" err="1">
                 <a:latin typeface="Consolas" panose="020B0609020204030204" pitchFamily="49" charset="0"/>
               </a:rPr>
               <a:t>shirtSize</a:t>
             </a:r>
             <a:r>
-              <a:rPr lang="en-US" sz="2000" b="1" dirty="0">
+              <a:rPr lang="en-US" sz="1800" b="1" dirty="0">
                 <a:latin typeface="Consolas" panose="020B0609020204030204" pitchFamily="49" charset="0"/>
               </a:rPr>
-              <a:t>]$s = 'M</a:t>
-            </a:r>
-            <a:r>
-              <a:rPr lang="en-US" sz="2000" b="1">
-                <a:latin typeface="Consolas" panose="020B0609020204030204" pitchFamily="49" charset="0"/>
-              </a:rPr>
-              <a:t>'</a:t>
-            </a:r>
-            <a:r>
-              <a:rPr lang="en-US" sz="2000">
+              <a:t>]$s = 'M'</a:t>
+            </a:r>
+            <a:r>
+              <a:rPr lang="en-US" sz="1800" dirty="0">
                 <a:latin typeface="+mn-lt"/>
               </a:rPr>
               <a:t> </a:t>
             </a:r>
-            <a:endParaRPr lang="en-US" sz="2000" b="1" dirty="0">
+            <a:endParaRPr lang="en-US" sz="1800" b="1" dirty="0">
               <a:latin typeface="Consolas" panose="020B0609020204030204" pitchFamily="49" charset="0"/>
             </a:endParaRPr>
           </a:p>
           <a:p>
             <a:r>
-              <a:rPr lang="en-US" sz="2000" b="1" dirty="0">
+              <a:rPr lang="en-US" sz="1800" b="1" dirty="0">
                 <a:latin typeface="Consolas" panose="020B0609020204030204" pitchFamily="49" charset="0"/>
               </a:rPr>
               <a:t>[int]$p, [int]$s</a:t>
             </a:r>
             <a:r>
-              <a:rPr lang="en-US" sz="2000" i="1" dirty="0">
+              <a:rPr lang="en-US" sz="1800" i="1" dirty="0">
                 <a:latin typeface="+mn-lt"/>
               </a:rPr>
               <a:t>    # returns  </a:t>
             </a:r>
             <a:r>
-              <a:rPr lang="en-US" sz="2000" b="1" dirty="0">
+              <a:rPr lang="en-US" sz="1800" b="1" dirty="0">
                 <a:latin typeface="Consolas" panose="020B0609020204030204" pitchFamily="49" charset="0"/>
               </a:rPr>
               <a:t>4</a:t>
             </a:r>
             <a:r>
-              <a:rPr lang="en-US" sz="2000" i="1" dirty="0">
+              <a:rPr lang="en-US" sz="1800" i="1" dirty="0">
                 <a:latin typeface="+mn-lt"/>
               </a:rPr>
               <a:t>, </a:t>
             </a:r>
             <a:r>
-              <a:rPr lang="en-US" sz="2000" b="1" dirty="0">
+              <a:rPr lang="en-US" sz="1800" b="1" dirty="0">
                 <a:latin typeface="Consolas" panose="020B0609020204030204" pitchFamily="49" charset="0"/>
               </a:rPr>
               <a:t>14</a:t>
             </a:r>
             <a:r>
-              <a:rPr lang="en-US" sz="2000" dirty="0">
+              <a:rPr lang="en-US" sz="1800" dirty="0">
                 <a:latin typeface="+mn-lt"/>
               </a:rPr>
               <a:t> </a:t>
@@ -6166,7 +7488,7 @@
           </a:p>
           <a:p>
             <a:r>
-              <a:rPr lang="en-US" sz="2000" dirty="0">
+              <a:rPr lang="en-US" sz="1800" dirty="0">
                 <a:latin typeface="+mn-lt"/>
               </a:rPr>
               <a:t>  </a:t>
@@ -6174,60 +7496,60 @@
           </a:p>
           <a:p>
             <a:r>
-              <a:rPr lang="en-US" sz="2000" b="1" dirty="0">
+              <a:rPr lang="en-US" sz="1800" b="1" dirty="0">
                 <a:latin typeface="Consolas" panose="020B0609020204030204" pitchFamily="49" charset="0"/>
               </a:rPr>
               <a:t>[</a:t>
             </a:r>
             <a:r>
-              <a:rPr lang="en-US" sz="2000" b="1" dirty="0" err="1">
+              <a:rPr lang="en-US" sz="1800" b="1" dirty="0" err="1">
                 <a:latin typeface="Consolas" panose="020B0609020204030204" pitchFamily="49" charset="0"/>
               </a:rPr>
               <a:t>shirtSize</a:t>
             </a:r>
             <a:r>
-              <a:rPr lang="en-US" sz="2000" b="1" dirty="0">
+              <a:rPr lang="en-US" sz="1800" b="1" dirty="0">
                 <a:latin typeface="Consolas" panose="020B0609020204030204" pitchFamily="49" charset="0"/>
               </a:rPr>
               <a:t>]20, [protein]0</a:t>
             </a:r>
             <a:r>
-              <a:rPr lang="en-US" sz="2000" i="1" dirty="0">
+              <a:rPr lang="en-US" sz="1800" i="1" dirty="0">
                 <a:latin typeface="+mn-lt"/>
               </a:rPr>
               <a:t>    # returns  </a:t>
             </a:r>
             <a:r>
-              <a:rPr lang="en-US" sz="2000" b="1" dirty="0">
+              <a:rPr lang="en-US" sz="1800" b="1" dirty="0">
                 <a:latin typeface="Consolas" panose="020B0609020204030204" pitchFamily="49" charset="0"/>
               </a:rPr>
               <a:t>XL</a:t>
             </a:r>
             <a:r>
-              <a:rPr lang="en-US" sz="2000" i="1" dirty="0">
+              <a:rPr lang="en-US" sz="1800" i="1" dirty="0">
                 <a:latin typeface="+mn-lt"/>
               </a:rPr>
               <a:t>, </a:t>
             </a:r>
             <a:r>
-              <a:rPr lang="en-US" sz="2000" b="1" dirty="0">
+              <a:rPr lang="en-US" sz="1800" b="1" dirty="0">
                 <a:latin typeface="Consolas" panose="020B0609020204030204" pitchFamily="49" charset="0"/>
               </a:rPr>
               <a:t>beef</a:t>
             </a:r>
             <a:r>
-              <a:rPr lang="en-US" sz="2000" dirty="0">
+              <a:rPr lang="en-US" sz="1800" dirty="0">
                 <a:latin typeface="+mn-lt"/>
               </a:rPr>
               <a:t> </a:t>
             </a:r>
-            <a:endParaRPr lang="en-US" sz="2000" b="1" dirty="0">
+            <a:endParaRPr lang="en-US" sz="1800" b="1" dirty="0">
               <a:latin typeface="Consolas" panose="020B0609020204030204" pitchFamily="49" charset="0"/>
             </a:endParaRPr>
           </a:p>
           <a:p>
             <a:r>
-              <a:rPr lang="en-US" sz="2000" dirty="0">
+              <a:rPr lang="en-US" sz="1800" dirty="0">
                 <a:latin typeface="+mn-lt"/>
               </a:rPr>
               <a:t> </a:t>
@@ -6235,78 +7557,78 @@
           </a:p>
           <a:p>
             <a:r>
-              <a:rPr lang="en-US" sz="2000" b="1" dirty="0">
+              <a:rPr lang="en-US" sz="1800" b="1" dirty="0">
                 <a:latin typeface="Consolas" panose="020B0609020204030204" pitchFamily="49" charset="0"/>
               </a:rPr>
               <a:t>[</a:t>
             </a:r>
             <a:r>
-              <a:rPr lang="en-US" sz="2000" b="1" dirty="0" err="1">
+              <a:rPr lang="en-US" sz="1800" b="1" dirty="0" err="1">
                 <a:latin typeface="Consolas" panose="020B0609020204030204" pitchFamily="49" charset="0"/>
               </a:rPr>
               <a:t>enum</a:t>
             </a:r>
             <a:r>
-              <a:rPr lang="en-US" sz="2000" b="1" dirty="0">
+              <a:rPr lang="en-US" sz="1800" b="1" dirty="0">
                 <a:latin typeface="Consolas" panose="020B0609020204030204" pitchFamily="49" charset="0"/>
               </a:rPr>
               <a:t>]::</a:t>
             </a:r>
             <a:r>
-              <a:rPr lang="en-US" sz="2000" b="1" dirty="0" err="1">
+              <a:rPr lang="en-US" sz="1800" b="1" dirty="0" err="1">
                 <a:latin typeface="Consolas" panose="020B0609020204030204" pitchFamily="49" charset="0"/>
               </a:rPr>
               <a:t>GetNames</a:t>
             </a:r>
             <a:r>
-              <a:rPr lang="en-US" sz="2000" b="1" dirty="0">
+              <a:rPr lang="en-US" sz="1800" b="1" dirty="0">
                 <a:latin typeface="Consolas" panose="020B0609020204030204" pitchFamily="49" charset="0"/>
               </a:rPr>
               <a:t>([</a:t>
             </a:r>
             <a:r>
-              <a:rPr lang="en-US" sz="2000" b="1" dirty="0" err="1">
+              <a:rPr lang="en-US" sz="1800" b="1" dirty="0" err="1">
                 <a:latin typeface="Consolas" panose="020B0609020204030204" pitchFamily="49" charset="0"/>
               </a:rPr>
               <a:t>shirtSize</a:t>
             </a:r>
             <a:r>
-              <a:rPr lang="en-US" sz="2000" b="1" dirty="0">
+              <a:rPr lang="en-US" sz="1800" b="1" dirty="0">
                 <a:latin typeface="Consolas" panose="020B0609020204030204" pitchFamily="49" charset="0"/>
               </a:rPr>
               <a:t>]) –join ','</a:t>
             </a:r>
             <a:r>
-              <a:rPr lang="en-US" sz="2000" dirty="0">
+              <a:rPr lang="en-US" sz="1800" dirty="0">
                 <a:latin typeface="+mn-lt"/>
               </a:rPr>
               <a:t> </a:t>
             </a:r>
             <a:r>
-              <a:rPr lang="en-US" sz="2000" i="1" dirty="0">
+              <a:rPr lang="en-US" sz="1800" i="1" dirty="0">
                 <a:latin typeface="+mn-lt"/>
               </a:rPr>
               <a:t>   # returns  </a:t>
             </a:r>
             <a:r>
-              <a:rPr lang="en-US" sz="2000" b="1" dirty="0">
+              <a:rPr lang="en-US" sz="1800" b="1" dirty="0">
                 <a:latin typeface="Consolas" panose="020B0609020204030204" pitchFamily="49" charset="0"/>
               </a:rPr>
               <a:t>S,M,L,XL</a:t>
             </a:r>
             <a:r>
-              <a:rPr lang="en-US" sz="2000" dirty="0">
+              <a:rPr lang="en-US" sz="1800" dirty="0">
                 <a:latin typeface="+mn-lt"/>
               </a:rPr>
               <a:t> </a:t>
             </a:r>
-            <a:endParaRPr lang="en-US" sz="2000" b="1" dirty="0">
+            <a:endParaRPr lang="en-US" sz="1800" b="1" dirty="0">
               <a:latin typeface="Consolas" panose="020B0609020204030204" pitchFamily="49" charset="0"/>
             </a:endParaRPr>
           </a:p>
           <a:p>
             <a:r>
-              <a:rPr lang="en-US" sz="2000" dirty="0">
+              <a:rPr lang="en-US" sz="1800" dirty="0">
                 <a:latin typeface="+mn-lt"/>
               </a:rPr>
               <a:t> </a:t>
@@ -6314,61 +7636,61 @@
           </a:p>
           <a:p>
             <a:r>
-              <a:rPr lang="en-US" sz="2000" b="1" dirty="0">
+              <a:rPr lang="en-US" sz="1800" b="1" dirty="0">
                 <a:latin typeface="Consolas" panose="020B0609020204030204" pitchFamily="49" charset="0"/>
               </a:rPr>
               <a:t>[</a:t>
             </a:r>
             <a:r>
-              <a:rPr lang="en-US" sz="2000" b="1" dirty="0" err="1">
+              <a:rPr lang="en-US" sz="1800" b="1" dirty="0" err="1">
                 <a:latin typeface="Consolas" panose="020B0609020204030204" pitchFamily="49" charset="0"/>
               </a:rPr>
               <a:t>enum</a:t>
             </a:r>
             <a:r>
-              <a:rPr lang="en-US" sz="2000" b="1" dirty="0">
+              <a:rPr lang="en-US" sz="1800" b="1" dirty="0">
                 <a:latin typeface="Consolas" panose="020B0609020204030204" pitchFamily="49" charset="0"/>
               </a:rPr>
               <a:t>]::</a:t>
             </a:r>
             <a:r>
-              <a:rPr lang="en-US" sz="2000" b="1" dirty="0" err="1">
+              <a:rPr lang="en-US" sz="1800" b="1" dirty="0" err="1">
                 <a:latin typeface="Consolas" panose="020B0609020204030204" pitchFamily="49" charset="0"/>
               </a:rPr>
               <a:t>GetNames</a:t>
             </a:r>
             <a:r>
-              <a:rPr lang="en-US" sz="2000" b="1" dirty="0">
+              <a:rPr lang="en-US" sz="1800" b="1" dirty="0">
                 <a:latin typeface="Consolas" panose="020B0609020204030204" pitchFamily="49" charset="0"/>
               </a:rPr>
               <a:t>([protein]) –join ','</a:t>
             </a:r>
             <a:r>
-              <a:rPr lang="en-US" sz="2000" dirty="0">
+              <a:rPr lang="en-US" sz="1800" dirty="0">
                 <a:latin typeface="+mn-lt"/>
               </a:rPr>
               <a:t> </a:t>
             </a:r>
             <a:r>
-              <a:rPr lang="en-US" sz="2000" i="1" dirty="0">
+              <a:rPr lang="en-US" sz="1800" i="1" dirty="0">
                 <a:latin typeface="+mn-lt"/>
               </a:rPr>
               <a:t>   # returns  </a:t>
             </a:r>
             <a:r>
-              <a:rPr lang="en-US" sz="2000" b="1" dirty="0" err="1">
+              <a:rPr lang="en-US" sz="1800" b="1" dirty="0" err="1">
                 <a:latin typeface="Consolas" panose="020B0609020204030204" pitchFamily="49" charset="0"/>
               </a:rPr>
               <a:t>beef,chicken</a:t>
             </a:r>
             <a:r>
-              <a:rPr lang="en-US" sz="2000" b="1" dirty="0">
+              <a:rPr lang="en-US" sz="1800" b="1" dirty="0">
                 <a:latin typeface="Consolas" panose="020B0609020204030204" pitchFamily="49" charset="0"/>
               </a:rPr>
               <a:t>,</a:t>
             </a:r>
             <a:r>
-              <a:rPr lang="en-US" sz="2000" i="1" dirty="0">
+              <a:rPr lang="en-US" sz="1800" i="1" dirty="0">
                 <a:latin typeface="+mn-lt"/>
               </a:rPr>
               <a:t> etc. </a:t>
@@ -6376,12 +7698,12 @@
           </a:p>
           <a:p>
             <a:r>
-              <a:rPr lang="en-US" sz="2000" i="1" dirty="0">
+              <a:rPr lang="en-US" sz="1800" i="1" dirty="0">
                 <a:latin typeface="+mn-lt"/>
               </a:rPr>
               <a:t> </a:t>
             </a:r>
-            <a:endParaRPr lang="en-US" sz="2000" i="1" dirty="0">
+            <a:endParaRPr lang="en-US" sz="1800" i="1" dirty="0">
               <a:latin typeface="Consolas" panose="020B0609020204030204" pitchFamily="49" charset="0"/>
             </a:endParaRPr>
           </a:p>
@@ -6390,7 +7712,7 @@
     </p:spTree>
     <p:extLst>
       <p:ext uri="{BB962C8B-B14F-4D97-AF65-F5344CB8AC3E}">
-        <p14:creationId xmlns:p14="http://schemas.microsoft.com/office/powerpoint/2010/main" val="1623491597"/>
+        <p14:creationId xmlns:p14="http://schemas.microsoft.com/office/powerpoint/2010/main" val="4102843683"/>
       </p:ext>
     </p:extLst>
   </p:cSld>
@@ -6419,43 +7741,213 @@
       </p:grpSpPr>
       <p:sp>
         <p:nvSpPr>
-          <p:cNvPr id="2" name="Text Placeholder 1">
+          <p:cNvPr id="4" name="Text Placeholder 1">
             <a:extLst>
               <a:ext uri="{FF2B5EF4-FFF2-40B4-BE49-F238E27FC236}">
                 <a16:creationId xmlns:a16="http://schemas.microsoft.com/office/drawing/2014/main" id="{64492E64-A68B-8CA7-B3C6-044F7C8E76AB}"/>
               </a:ext>
             </a:extLst>
           </p:cNvPr>
-          <p:cNvSpPr>
-            <a:spLocks noGrp="1"/>
+          <p:cNvSpPr txBox="1">
+            <a:spLocks/>
           </p:cNvSpPr>
-          <p:nvPr>
-            <p:ph type="body" sz="quarter" idx="10"/>
-          </p:nvPr>
+          <p:nvPr/>
         </p:nvSpPr>
         <p:spPr>
           <a:xfrm>
-            <a:off x="323529" y="339510"/>
-            <a:ext cx="11573197" cy="774916"/>
+            <a:off x="4993995" y="1219403"/>
+            <a:ext cx="2204010" cy="774916"/>
           </a:xfrm>
+          <a:prstGeom prst="rect">
+            <a:avLst/>
+          </a:prstGeom>
         </p:spPr>
         <p:txBody>
           <a:bodyPr>
             <a:noAutofit/>
           </a:bodyPr>
-          <a:lstStyle/>
-          <a:p>
-            <a:r>
-              <a:rPr lang="en-US" sz="5000"/>
+          <a:lstStyle>
+            <a:lvl1pPr marL="228600" indent="-228600" algn="l" defTabSz="914400" rtl="0" eaLnBrk="1" latinLnBrk="0" hangingPunct="1">
+              <a:lnSpc>
+                <a:spcPct val="90000"/>
+              </a:lnSpc>
+              <a:spcBef>
+                <a:spcPts val="1000"/>
+              </a:spcBef>
+              <a:buFont typeface="Arial" panose="020B0604020202020204" pitchFamily="34" charset="0"/>
+              <a:buChar char="•"/>
+              <a:defRPr sz="2800" kern="1200">
+                <a:solidFill>
+                  <a:schemeClr val="tx1"/>
+                </a:solidFill>
+                <a:latin typeface="+mn-lt"/>
+                <a:ea typeface="+mn-ea"/>
+                <a:cs typeface="+mn-cs"/>
+              </a:defRPr>
+            </a:lvl1pPr>
+            <a:lvl2pPr marL="685800" indent="-228600" algn="l" defTabSz="914400" rtl="0" eaLnBrk="1" latinLnBrk="0" hangingPunct="1">
+              <a:lnSpc>
+                <a:spcPct val="90000"/>
+              </a:lnSpc>
+              <a:spcBef>
+                <a:spcPts val="500"/>
+              </a:spcBef>
+              <a:buFont typeface="Arial" panose="020B0604020202020204" pitchFamily="34" charset="0"/>
+              <a:buChar char="•"/>
+              <a:defRPr sz="2400" kern="1200">
+                <a:solidFill>
+                  <a:schemeClr val="tx1"/>
+                </a:solidFill>
+                <a:latin typeface="+mn-lt"/>
+                <a:ea typeface="+mn-ea"/>
+                <a:cs typeface="+mn-cs"/>
+              </a:defRPr>
+            </a:lvl2pPr>
+            <a:lvl3pPr marL="1143000" indent="-228600" algn="l" defTabSz="914400" rtl="0" eaLnBrk="1" latinLnBrk="0" hangingPunct="1">
+              <a:lnSpc>
+                <a:spcPct val="90000"/>
+              </a:lnSpc>
+              <a:spcBef>
+                <a:spcPts val="500"/>
+              </a:spcBef>
+              <a:buFont typeface="Arial" panose="020B0604020202020204" pitchFamily="34" charset="0"/>
+              <a:buChar char="•"/>
+              <a:defRPr sz="2000" kern="1200">
+                <a:solidFill>
+                  <a:schemeClr val="tx1"/>
+                </a:solidFill>
+                <a:latin typeface="+mn-lt"/>
+                <a:ea typeface="+mn-ea"/>
+                <a:cs typeface="+mn-cs"/>
+              </a:defRPr>
+            </a:lvl3pPr>
+            <a:lvl4pPr marL="1600200" indent="-228600" algn="l" defTabSz="914400" rtl="0" eaLnBrk="1" latinLnBrk="0" hangingPunct="1">
+              <a:lnSpc>
+                <a:spcPct val="90000"/>
+              </a:lnSpc>
+              <a:spcBef>
+                <a:spcPts val="500"/>
+              </a:spcBef>
+              <a:buFont typeface="Arial" panose="020B0604020202020204" pitchFamily="34" charset="0"/>
+              <a:buChar char="•"/>
+              <a:defRPr sz="1800" kern="1200">
+                <a:solidFill>
+                  <a:schemeClr val="tx1"/>
+                </a:solidFill>
+                <a:latin typeface="+mn-lt"/>
+                <a:ea typeface="+mn-ea"/>
+                <a:cs typeface="+mn-cs"/>
+              </a:defRPr>
+            </a:lvl4pPr>
+            <a:lvl5pPr marL="2057400" indent="-228600" algn="l" defTabSz="914400" rtl="0" eaLnBrk="1" latinLnBrk="0" hangingPunct="1">
+              <a:lnSpc>
+                <a:spcPct val="90000"/>
+              </a:lnSpc>
+              <a:spcBef>
+                <a:spcPts val="500"/>
+              </a:spcBef>
+              <a:buFont typeface="Arial" panose="020B0604020202020204" pitchFamily="34" charset="0"/>
+              <a:buChar char="•"/>
+              <a:defRPr sz="1800" kern="1200">
+                <a:solidFill>
+                  <a:schemeClr val="tx1"/>
+                </a:solidFill>
+                <a:latin typeface="+mn-lt"/>
+                <a:ea typeface="+mn-ea"/>
+                <a:cs typeface="+mn-cs"/>
+              </a:defRPr>
+            </a:lvl5pPr>
+            <a:lvl6pPr marL="2514600" indent="-228600" algn="l" defTabSz="914400" rtl="0" eaLnBrk="1" latinLnBrk="0" hangingPunct="1">
+              <a:lnSpc>
+                <a:spcPct val="90000"/>
+              </a:lnSpc>
+              <a:spcBef>
+                <a:spcPts val="500"/>
+              </a:spcBef>
+              <a:buFont typeface="Arial" panose="020B0604020202020204" pitchFamily="34" charset="0"/>
+              <a:buChar char="•"/>
+              <a:defRPr sz="1800" kern="1200">
+                <a:solidFill>
+                  <a:schemeClr val="tx1"/>
+                </a:solidFill>
+                <a:latin typeface="+mn-lt"/>
+                <a:ea typeface="+mn-ea"/>
+                <a:cs typeface="+mn-cs"/>
+              </a:defRPr>
+            </a:lvl6pPr>
+            <a:lvl7pPr marL="2971800" indent="-228600" algn="l" defTabSz="914400" rtl="0" eaLnBrk="1" latinLnBrk="0" hangingPunct="1">
+              <a:lnSpc>
+                <a:spcPct val="90000"/>
+              </a:lnSpc>
+              <a:spcBef>
+                <a:spcPts val="500"/>
+              </a:spcBef>
+              <a:buFont typeface="Arial" panose="020B0604020202020204" pitchFamily="34" charset="0"/>
+              <a:buChar char="•"/>
+              <a:defRPr sz="1800" kern="1200">
+                <a:solidFill>
+                  <a:schemeClr val="tx1"/>
+                </a:solidFill>
+                <a:latin typeface="+mn-lt"/>
+                <a:ea typeface="+mn-ea"/>
+                <a:cs typeface="+mn-cs"/>
+              </a:defRPr>
+            </a:lvl7pPr>
+            <a:lvl8pPr marL="3429000" indent="-228600" algn="l" defTabSz="914400" rtl="0" eaLnBrk="1" latinLnBrk="0" hangingPunct="1">
+              <a:lnSpc>
+                <a:spcPct val="90000"/>
+              </a:lnSpc>
+              <a:spcBef>
+                <a:spcPts val="500"/>
+              </a:spcBef>
+              <a:buFont typeface="Arial" panose="020B0604020202020204" pitchFamily="34" charset="0"/>
+              <a:buChar char="•"/>
+              <a:defRPr sz="1800" kern="1200">
+                <a:solidFill>
+                  <a:schemeClr val="tx1"/>
+                </a:solidFill>
+                <a:latin typeface="+mn-lt"/>
+                <a:ea typeface="+mn-ea"/>
+                <a:cs typeface="+mn-cs"/>
+              </a:defRPr>
+            </a:lvl8pPr>
+            <a:lvl9pPr marL="3886200" indent="-228600" algn="l" defTabSz="914400" rtl="0" eaLnBrk="1" latinLnBrk="0" hangingPunct="1">
+              <a:lnSpc>
+                <a:spcPct val="90000"/>
+              </a:lnSpc>
+              <a:spcBef>
+                <a:spcPts val="500"/>
+              </a:spcBef>
+              <a:buFont typeface="Arial" panose="020B0604020202020204" pitchFamily="34" charset="0"/>
+              <a:buChar char="•"/>
+              <a:defRPr sz="1800" kern="1200">
+                <a:solidFill>
+                  <a:schemeClr val="tx1"/>
+                </a:solidFill>
+                <a:latin typeface="+mn-lt"/>
+                <a:ea typeface="+mn-ea"/>
+                <a:cs typeface="+mn-cs"/>
+              </a:defRPr>
+            </a:lvl9pPr>
+          </a:lstStyle>
+          <a:p>
+            <a:pPr marL="0" indent="0" fontAlgn="auto">
+              <a:spcAft>
+                <a:spcPts val="0"/>
+              </a:spcAft>
+              <a:buNone/>
+            </a:pPr>
+            <a:r>
+              <a:rPr lang="en-US" sz="4400" dirty="0"/>
               <a:t>Exercise</a:t>
             </a:r>
-            <a:endParaRPr lang="en-US" sz="5000" dirty="0"/>
+            <a:endParaRPr lang="en-US" sz="4800" dirty="0"/>
           </a:p>
         </p:txBody>
       </p:sp>
       <p:sp>
         <p:nvSpPr>
-          <p:cNvPr id="4" name="TextBox 3">
+          <p:cNvPr id="5" name="TextBox 4">
             <a:extLst>
               <a:ext uri="{FF2B5EF4-FFF2-40B4-BE49-F238E27FC236}">
                 <a16:creationId xmlns:a16="http://schemas.microsoft.com/office/drawing/2014/main" id="{B64A8207-997F-319E-7F6D-676D3ECA779B}"/>
@@ -6467,8 +7959,8 @@
         </p:nvSpPr>
         <p:spPr>
           <a:xfrm>
-            <a:off x="1268396" y="1114426"/>
-            <a:ext cx="9655207" cy="923330"/>
+            <a:off x="1390447" y="1952804"/>
+            <a:ext cx="9411106" cy="923330"/>
           </a:xfrm>
           <a:prstGeom prst="rect">
             <a:avLst/>
@@ -6509,7 +8001,7 @@
     </p:spTree>
     <p:extLst>
       <p:ext uri="{BB962C8B-B14F-4D97-AF65-F5344CB8AC3E}">
-        <p14:creationId xmlns:p14="http://schemas.microsoft.com/office/powerpoint/2010/main" val="322366662"/>
+        <p14:creationId xmlns:p14="http://schemas.microsoft.com/office/powerpoint/2010/main" val="4103423843"/>
       </p:ext>
     </p:extLst>
   </p:cSld>
@@ -6538,29 +8030,204 @@
       </p:grpSpPr>
       <p:sp>
         <p:nvSpPr>
-          <p:cNvPr id="2" name="Text Placeholder 1">
+          <p:cNvPr id="4" name="Text Placeholder 1">
             <a:extLst>
               <a:ext uri="{FF2B5EF4-FFF2-40B4-BE49-F238E27FC236}">
                 <a16:creationId xmlns:a16="http://schemas.microsoft.com/office/drawing/2014/main" id="{64492E64-A68B-8CA7-B3C6-044F7C8E76AB}"/>
               </a:ext>
             </a:extLst>
           </p:cNvPr>
-          <p:cNvSpPr>
-            <a:spLocks noGrp="1"/>
+          <p:cNvSpPr txBox="1">
+            <a:spLocks/>
           </p:cNvSpPr>
-          <p:nvPr>
-            <p:ph type="body" sz="quarter" idx="10"/>
-          </p:nvPr>
+          <p:nvPr/>
         </p:nvSpPr>
-        <p:spPr/>
+        <p:spPr>
+          <a:xfrm>
+            <a:off x="3239957" y="1175870"/>
+            <a:ext cx="5712086" cy="724247"/>
+          </a:xfrm>
+          <a:prstGeom prst="rect">
+            <a:avLst/>
+          </a:prstGeom>
+        </p:spPr>
         <p:txBody>
           <a:bodyPr>
-            <a:normAutofit fontScale="92500" lnSpcReduction="10000"/>
+            <a:normAutofit/>
           </a:bodyPr>
-          <a:lstStyle/>
-          <a:p>
-            <a:r>
-              <a:rPr lang="en-US" dirty="0"/>
+          <a:lstStyle>
+            <a:lvl1pPr marL="228600" indent="-228600" algn="l" defTabSz="914400" rtl="0" eaLnBrk="1" latinLnBrk="0" hangingPunct="1">
+              <a:lnSpc>
+                <a:spcPct val="90000"/>
+              </a:lnSpc>
+              <a:spcBef>
+                <a:spcPts val="1000"/>
+              </a:spcBef>
+              <a:buFont typeface="Arial" panose="020B0604020202020204" pitchFamily="34" charset="0"/>
+              <a:buChar char="•"/>
+              <a:defRPr sz="2800" kern="1200">
+                <a:solidFill>
+                  <a:schemeClr val="tx1"/>
+                </a:solidFill>
+                <a:latin typeface="+mn-lt"/>
+                <a:ea typeface="+mn-ea"/>
+                <a:cs typeface="+mn-cs"/>
+              </a:defRPr>
+            </a:lvl1pPr>
+            <a:lvl2pPr marL="685800" indent="-228600" algn="l" defTabSz="914400" rtl="0" eaLnBrk="1" latinLnBrk="0" hangingPunct="1">
+              <a:lnSpc>
+                <a:spcPct val="90000"/>
+              </a:lnSpc>
+              <a:spcBef>
+                <a:spcPts val="500"/>
+              </a:spcBef>
+              <a:buFont typeface="Arial" panose="020B0604020202020204" pitchFamily="34" charset="0"/>
+              <a:buChar char="•"/>
+              <a:defRPr sz="2400" kern="1200">
+                <a:solidFill>
+                  <a:schemeClr val="tx1"/>
+                </a:solidFill>
+                <a:latin typeface="+mn-lt"/>
+                <a:ea typeface="+mn-ea"/>
+                <a:cs typeface="+mn-cs"/>
+              </a:defRPr>
+            </a:lvl2pPr>
+            <a:lvl3pPr marL="1143000" indent="-228600" algn="l" defTabSz="914400" rtl="0" eaLnBrk="1" latinLnBrk="0" hangingPunct="1">
+              <a:lnSpc>
+                <a:spcPct val="90000"/>
+              </a:lnSpc>
+              <a:spcBef>
+                <a:spcPts val="500"/>
+              </a:spcBef>
+              <a:buFont typeface="Arial" panose="020B0604020202020204" pitchFamily="34" charset="0"/>
+              <a:buChar char="•"/>
+              <a:defRPr sz="2000" kern="1200">
+                <a:solidFill>
+                  <a:schemeClr val="tx1"/>
+                </a:solidFill>
+                <a:latin typeface="+mn-lt"/>
+                <a:ea typeface="+mn-ea"/>
+                <a:cs typeface="+mn-cs"/>
+              </a:defRPr>
+            </a:lvl3pPr>
+            <a:lvl4pPr marL="1600200" indent="-228600" algn="l" defTabSz="914400" rtl="0" eaLnBrk="1" latinLnBrk="0" hangingPunct="1">
+              <a:lnSpc>
+                <a:spcPct val="90000"/>
+              </a:lnSpc>
+              <a:spcBef>
+                <a:spcPts val="500"/>
+              </a:spcBef>
+              <a:buFont typeface="Arial" panose="020B0604020202020204" pitchFamily="34" charset="0"/>
+              <a:buChar char="•"/>
+              <a:defRPr sz="1800" kern="1200">
+                <a:solidFill>
+                  <a:schemeClr val="tx1"/>
+                </a:solidFill>
+                <a:latin typeface="+mn-lt"/>
+                <a:ea typeface="+mn-ea"/>
+                <a:cs typeface="+mn-cs"/>
+              </a:defRPr>
+            </a:lvl4pPr>
+            <a:lvl5pPr marL="2057400" indent="-228600" algn="l" defTabSz="914400" rtl="0" eaLnBrk="1" latinLnBrk="0" hangingPunct="1">
+              <a:lnSpc>
+                <a:spcPct val="90000"/>
+              </a:lnSpc>
+              <a:spcBef>
+                <a:spcPts val="500"/>
+              </a:spcBef>
+              <a:buFont typeface="Arial" panose="020B0604020202020204" pitchFamily="34" charset="0"/>
+              <a:buChar char="•"/>
+              <a:defRPr sz="1800" kern="1200">
+                <a:solidFill>
+                  <a:schemeClr val="tx1"/>
+                </a:solidFill>
+                <a:latin typeface="+mn-lt"/>
+                <a:ea typeface="+mn-ea"/>
+                <a:cs typeface="+mn-cs"/>
+              </a:defRPr>
+            </a:lvl5pPr>
+            <a:lvl6pPr marL="2514600" indent="-228600" algn="l" defTabSz="914400" rtl="0" eaLnBrk="1" latinLnBrk="0" hangingPunct="1">
+              <a:lnSpc>
+                <a:spcPct val="90000"/>
+              </a:lnSpc>
+              <a:spcBef>
+                <a:spcPts val="500"/>
+              </a:spcBef>
+              <a:buFont typeface="Arial" panose="020B0604020202020204" pitchFamily="34" charset="0"/>
+              <a:buChar char="•"/>
+              <a:defRPr sz="1800" kern="1200">
+                <a:solidFill>
+                  <a:schemeClr val="tx1"/>
+                </a:solidFill>
+                <a:latin typeface="+mn-lt"/>
+                <a:ea typeface="+mn-ea"/>
+                <a:cs typeface="+mn-cs"/>
+              </a:defRPr>
+            </a:lvl6pPr>
+            <a:lvl7pPr marL="2971800" indent="-228600" algn="l" defTabSz="914400" rtl="0" eaLnBrk="1" latinLnBrk="0" hangingPunct="1">
+              <a:lnSpc>
+                <a:spcPct val="90000"/>
+              </a:lnSpc>
+              <a:spcBef>
+                <a:spcPts val="500"/>
+              </a:spcBef>
+              <a:buFont typeface="Arial" panose="020B0604020202020204" pitchFamily="34" charset="0"/>
+              <a:buChar char="•"/>
+              <a:defRPr sz="1800" kern="1200">
+                <a:solidFill>
+                  <a:schemeClr val="tx1"/>
+                </a:solidFill>
+                <a:latin typeface="+mn-lt"/>
+                <a:ea typeface="+mn-ea"/>
+                <a:cs typeface="+mn-cs"/>
+              </a:defRPr>
+            </a:lvl7pPr>
+            <a:lvl8pPr marL="3429000" indent="-228600" algn="l" defTabSz="914400" rtl="0" eaLnBrk="1" latinLnBrk="0" hangingPunct="1">
+              <a:lnSpc>
+                <a:spcPct val="90000"/>
+              </a:lnSpc>
+              <a:spcBef>
+                <a:spcPts val="500"/>
+              </a:spcBef>
+              <a:buFont typeface="Arial" panose="020B0604020202020204" pitchFamily="34" charset="0"/>
+              <a:buChar char="•"/>
+              <a:defRPr sz="1800" kern="1200">
+                <a:solidFill>
+                  <a:schemeClr val="tx1"/>
+                </a:solidFill>
+                <a:latin typeface="+mn-lt"/>
+                <a:ea typeface="+mn-ea"/>
+                <a:cs typeface="+mn-cs"/>
+              </a:defRPr>
+            </a:lvl8pPr>
+            <a:lvl9pPr marL="3886200" indent="-228600" algn="l" defTabSz="914400" rtl="0" eaLnBrk="1" latinLnBrk="0" hangingPunct="1">
+              <a:lnSpc>
+                <a:spcPct val="90000"/>
+              </a:lnSpc>
+              <a:spcBef>
+                <a:spcPts val="500"/>
+              </a:spcBef>
+              <a:buFont typeface="Arial" panose="020B0604020202020204" pitchFamily="34" charset="0"/>
+              <a:buChar char="•"/>
+              <a:defRPr sz="1800" kern="1200">
+                <a:solidFill>
+                  <a:schemeClr val="tx1"/>
+                </a:solidFill>
+                <a:latin typeface="+mn-lt"/>
+                <a:ea typeface="+mn-ea"/>
+                <a:cs typeface="+mn-cs"/>
+              </a:defRPr>
+            </a:lvl9pPr>
+          </a:lstStyle>
+          <a:p>
+            <a:pPr marL="0" indent="0" fontAlgn="auto">
+              <a:spcAft>
+                <a:spcPts val="0"/>
+              </a:spcAft>
+              <a:buNone/>
+            </a:pPr>
+            <a:r>
+              <a:rPr lang="en-US" sz="4400" dirty="0"/>
               <a:t>Associations (“has-a”)</a:t>
             </a:r>
           </a:p>
@@ -6568,7 +8235,7 @@
       </p:sp>
       <p:sp>
         <p:nvSpPr>
-          <p:cNvPr id="4" name="TextBox 3">
+          <p:cNvPr id="5" name="TextBox 4">
             <a:extLst>
               <a:ext uri="{FF2B5EF4-FFF2-40B4-BE49-F238E27FC236}">
                 <a16:creationId xmlns:a16="http://schemas.microsoft.com/office/drawing/2014/main" id="{B64A8207-997F-319E-7F6D-676D3ECA779B}"/>
@@ -6580,8 +8247,8 @@
         </p:nvSpPr>
         <p:spPr>
           <a:xfrm>
-            <a:off x="1277018" y="1046102"/>
-            <a:ext cx="9655207" cy="4401205"/>
+            <a:off x="905932" y="1986377"/>
+            <a:ext cx="10380135" cy="3970318"/>
           </a:xfrm>
           <a:prstGeom prst="rect">
             <a:avLst/>
@@ -6599,38 +8266,38 @@
               <a:buChar char="•"/>
             </a:pPr>
             <a:r>
-              <a:rPr lang="en-US" sz="2000" dirty="0">
+              <a:rPr lang="en-US" sz="1800" dirty="0">
                 <a:latin typeface="+mn-lt"/>
               </a:rPr>
               <a:t>You have probably noticed some subtle kinds of relationships between objects. The most common relationships are </a:t>
             </a:r>
             <a:r>
-              <a:rPr lang="en-US" sz="2000" i="1" dirty="0">
+              <a:rPr lang="en-US" sz="1800" i="1" dirty="0">
                 <a:latin typeface="+mn-lt"/>
               </a:rPr>
               <a:t>associations</a:t>
             </a:r>
             <a:r>
-              <a:rPr lang="en-US" sz="2000" dirty="0">
+              <a:rPr lang="en-US" sz="1800" dirty="0">
                 <a:latin typeface="+mn-lt"/>
               </a:rPr>
               <a:t>, and we use use the phrase “</a:t>
             </a:r>
             <a:r>
-              <a:rPr lang="en-US" sz="2000" i="1" dirty="0">
+              <a:rPr lang="en-US" sz="1800" i="1" dirty="0">
                 <a:latin typeface="+mn-lt"/>
               </a:rPr>
               <a:t>has a</a:t>
             </a:r>
             <a:r>
-              <a:rPr lang="en-US" sz="2000" dirty="0">
+              <a:rPr lang="en-US" sz="1800" dirty="0">
                 <a:latin typeface="+mn-lt"/>
               </a:rPr>
               <a:t>” to describe the relationship. Examples:</a:t>
             </a:r>
           </a:p>
           <a:p>
-            <a:endParaRPr lang="en-US" sz="2000" dirty="0">
+            <a:endParaRPr lang="en-US" sz="1800" dirty="0">
               <a:latin typeface="+mn-lt"/>
             </a:endParaRPr>
           </a:p>
@@ -6640,31 +8307,31 @@
               <a:buChar char="•"/>
             </a:pPr>
             <a:r>
-              <a:rPr lang="en-US" sz="2000" dirty="0">
+              <a:rPr lang="en-US" sz="1800" dirty="0">
                 <a:latin typeface="+mn-lt"/>
               </a:rPr>
               <a:t>A workstation computer </a:t>
             </a:r>
             <a:r>
-              <a:rPr lang="en-US" sz="2000" i="1" u="sng" dirty="0">
+              <a:rPr lang="en-US" sz="1800" i="1" u="sng" dirty="0">
                 <a:latin typeface="+mn-lt"/>
               </a:rPr>
               <a:t>has a</a:t>
             </a:r>
             <a:r>
-              <a:rPr lang="en-US" sz="2000" dirty="0">
+              <a:rPr lang="en-US" sz="1800" dirty="0">
                 <a:latin typeface="+mn-lt"/>
               </a:rPr>
               <a:t> CPU core, or an array of cores. It also </a:t>
             </a:r>
             <a:r>
-              <a:rPr lang="en-US" sz="2000" i="1" u="sng" dirty="0">
+              <a:rPr lang="en-US" sz="1800" i="1" u="sng" dirty="0">
                 <a:latin typeface="+mn-lt"/>
               </a:rPr>
               <a:t>has a</a:t>
             </a:r>
             <a:r>
-              <a:rPr lang="en-US" sz="2000" dirty="0">
+              <a:rPr lang="en-US" sz="1800" dirty="0">
                 <a:latin typeface="+mn-lt"/>
               </a:rPr>
               <a:t> bank of volatile memory (DRAM), a persistent memory storage device, a display, a keyboard, a mouse or other pointing device, one or more network interfaces, etc.</a:t>
@@ -6672,7 +8339,7 @@
           </a:p>
           <a:p>
             <a:pPr lvl="1"/>
-            <a:endParaRPr lang="en-US" sz="2000" dirty="0">
+            <a:endParaRPr lang="en-US" sz="1800" dirty="0">
               <a:latin typeface="+mn-lt"/>
             </a:endParaRPr>
           </a:p>
@@ -6682,97 +8349,97 @@
               <a:buChar char="•"/>
             </a:pPr>
             <a:r>
-              <a:rPr lang="en-US" sz="2000" dirty="0">
+              <a:rPr lang="en-US" sz="1800" dirty="0">
                 <a:latin typeface="+mn-lt"/>
               </a:rPr>
               <a:t>An </a:t>
             </a:r>
             <a:r>
-              <a:rPr lang="en-US" sz="2000" b="1" dirty="0" err="1">
+              <a:rPr lang="en-US" sz="1800" b="1" dirty="0" err="1">
                 <a:latin typeface="+mn-lt"/>
               </a:rPr>
               <a:t>XmlDocument</a:t>
             </a:r>
             <a:r>
-              <a:rPr lang="en-US" sz="2000" dirty="0">
+              <a:rPr lang="en-US" sz="1800" dirty="0">
                 <a:latin typeface="+mn-lt"/>
               </a:rPr>
               <a:t> </a:t>
             </a:r>
             <a:r>
-              <a:rPr lang="en-US" sz="2000" i="1" u="sng" dirty="0">
+              <a:rPr lang="en-US" sz="1800" i="1" u="sng" dirty="0">
                 <a:latin typeface="+mn-lt"/>
               </a:rPr>
               <a:t>has an</a:t>
             </a:r>
             <a:r>
-              <a:rPr lang="en-US" sz="2000" dirty="0">
+              <a:rPr lang="en-US" sz="1800" dirty="0">
                 <a:latin typeface="+mn-lt"/>
               </a:rPr>
               <a:t> </a:t>
             </a:r>
             <a:r>
-              <a:rPr lang="en-US" sz="2000" b="1" dirty="0" err="1">
+              <a:rPr lang="en-US" sz="1800" b="1" dirty="0" err="1">
                 <a:latin typeface="+mn-lt"/>
               </a:rPr>
               <a:t>XmlElement</a:t>
             </a:r>
             <a:r>
-              <a:rPr lang="en-US" sz="2000" dirty="0">
+              <a:rPr lang="en-US" sz="1800" dirty="0">
                 <a:latin typeface="+mn-lt"/>
               </a:rPr>
               <a:t>. An </a:t>
             </a:r>
             <a:r>
-              <a:rPr lang="en-US" sz="2000" b="1" dirty="0" err="1">
+              <a:rPr lang="en-US" sz="1800" b="1" dirty="0" err="1">
                 <a:latin typeface="+mn-lt"/>
               </a:rPr>
               <a:t>XmlElement</a:t>
             </a:r>
             <a:r>
-              <a:rPr lang="en-US" sz="2000" dirty="0">
+              <a:rPr lang="en-US" sz="1800" dirty="0">
                 <a:latin typeface="+mn-lt"/>
               </a:rPr>
               <a:t> can </a:t>
             </a:r>
             <a:r>
-              <a:rPr lang="en-US" sz="2000" i="1" u="sng" dirty="0">
+              <a:rPr lang="en-US" sz="1800" i="1" u="sng" dirty="0">
                 <a:latin typeface="+mn-lt"/>
               </a:rPr>
               <a:t>have</a:t>
             </a:r>
             <a:r>
-              <a:rPr lang="en-US" sz="2000" dirty="0">
+              <a:rPr lang="en-US" sz="1800" dirty="0">
                 <a:latin typeface="+mn-lt"/>
               </a:rPr>
               <a:t> another </a:t>
             </a:r>
             <a:r>
-              <a:rPr lang="en-US" sz="2000" b="1" dirty="0" err="1">
+              <a:rPr lang="en-US" sz="1800" b="1" dirty="0" err="1">
                 <a:latin typeface="+mn-lt"/>
               </a:rPr>
               <a:t>XmlElement</a:t>
             </a:r>
             <a:r>
-              <a:rPr lang="en-US" sz="2000" dirty="0">
+              <a:rPr lang="en-US" sz="1800" dirty="0">
                 <a:latin typeface="+mn-lt"/>
               </a:rPr>
               <a:t>, or even an array of other </a:t>
             </a:r>
             <a:r>
-              <a:rPr lang="en-US" sz="2000" b="1" dirty="0" err="1">
+              <a:rPr lang="en-US" sz="1800" b="1" dirty="0" err="1">
                 <a:latin typeface="+mn-lt"/>
               </a:rPr>
               <a:t>XmlElement</a:t>
             </a:r>
             <a:r>
-              <a:rPr lang="en-US" sz="2000" dirty="0" err="1">
+              <a:rPr lang="en-US" sz="1800" dirty="0" err="1">
                 <a:latin typeface="+mn-lt"/>
               </a:rPr>
               <a:t>s</a:t>
             </a:r>
             <a:r>
-              <a:rPr lang="en-US" sz="2000" dirty="0">
+              <a:rPr lang="en-US" sz="1800" dirty="0">
                 <a:latin typeface="+mn-lt"/>
               </a:rPr>
               <a:t>.</a:t>
@@ -6783,7 +8450,7 @@
               <a:buFont typeface="Arial" panose="020B0604020202020204" pitchFamily="34" charset="0"/>
               <a:buChar char="•"/>
             </a:pPr>
-            <a:endParaRPr lang="en-US" sz="2000" dirty="0">
+            <a:endParaRPr lang="en-US" sz="1800" dirty="0">
               <a:latin typeface="+mn-lt"/>
             </a:endParaRPr>
           </a:p>
@@ -6793,31 +8460,31 @@
               <a:buChar char="•"/>
             </a:pPr>
             <a:r>
-              <a:rPr lang="en-US" sz="2000" dirty="0">
+              <a:rPr lang="en-US" sz="1800" dirty="0">
                 <a:latin typeface="+mn-lt"/>
               </a:rPr>
               <a:t>Usually, a “has a” association in an OO model is best implemented in .NET or PowerShell by referencing them in encapsulated </a:t>
             </a:r>
             <a:r>
-              <a:rPr lang="en-US" sz="2000" i="1" dirty="0">
+              <a:rPr lang="en-US" sz="1800" i="1" dirty="0">
                 <a:latin typeface="+mn-lt"/>
               </a:rPr>
               <a:t>members</a:t>
             </a:r>
             <a:r>
-              <a:rPr lang="en-US" sz="2000" dirty="0">
+              <a:rPr lang="en-US" sz="1800" dirty="0">
                 <a:latin typeface="+mn-lt"/>
               </a:rPr>
               <a:t> of a class. You may pipe an object into the </a:t>
             </a:r>
             <a:r>
-              <a:rPr lang="en-US" sz="2000" b="1" dirty="0">
+              <a:rPr lang="en-US" sz="1800" b="1" dirty="0">
                 <a:latin typeface="+mn-lt"/>
               </a:rPr>
               <a:t>Get-Member</a:t>
             </a:r>
             <a:r>
-              <a:rPr lang="en-US" sz="2000" dirty="0">
+              <a:rPr lang="en-US" sz="1800" dirty="0">
                 <a:latin typeface="+mn-lt"/>
               </a:rPr>
               <a:t> cmdlet to see these members.</a:t>
@@ -6828,7 +8495,7 @@
     </p:spTree>
     <p:extLst>
       <p:ext uri="{BB962C8B-B14F-4D97-AF65-F5344CB8AC3E}">
-        <p14:creationId xmlns:p14="http://schemas.microsoft.com/office/powerpoint/2010/main" val="2611413137"/>
+        <p14:creationId xmlns:p14="http://schemas.microsoft.com/office/powerpoint/2010/main" val="1045937928"/>
       </p:ext>
     </p:extLst>
   </p:cSld>
@@ -6857,41 +8524,216 @@
       </p:grpSpPr>
       <p:sp>
         <p:nvSpPr>
-          <p:cNvPr id="2" name="Text Placeholder 1">
+          <p:cNvPr id="4" name="Text Placeholder 1">
             <a:extLst>
               <a:ext uri="{FF2B5EF4-FFF2-40B4-BE49-F238E27FC236}">
                 <a16:creationId xmlns:a16="http://schemas.microsoft.com/office/drawing/2014/main" id="{64492E64-A68B-8CA7-B3C6-044F7C8E76AB}"/>
               </a:ext>
             </a:extLst>
           </p:cNvPr>
-          <p:cNvSpPr>
-            <a:spLocks noGrp="1"/>
+          <p:cNvSpPr txBox="1">
+            <a:spLocks/>
           </p:cNvSpPr>
-          <p:nvPr>
-            <p:ph type="body" sz="quarter" idx="10"/>
-          </p:nvPr>
+          <p:nvPr/>
         </p:nvSpPr>
-        <p:spPr/>
+        <p:spPr>
+          <a:xfrm>
+            <a:off x="832488" y="1210778"/>
+            <a:ext cx="9655207" cy="712914"/>
+          </a:xfrm>
+          <a:prstGeom prst="rect">
+            <a:avLst/>
+          </a:prstGeom>
+        </p:spPr>
         <p:txBody>
           <a:bodyPr>
-            <a:normAutofit fontScale="92500" lnSpcReduction="10000"/>
+            <a:normAutofit/>
           </a:bodyPr>
-          <a:lstStyle/>
-          <a:p>
-            <a:r>
-              <a:rPr lang="en-US" dirty="0" err="1"/>
+          <a:lstStyle>
+            <a:lvl1pPr marL="228600" indent="-228600" algn="l" defTabSz="914400" rtl="0" eaLnBrk="1" latinLnBrk="0" hangingPunct="1">
+              <a:lnSpc>
+                <a:spcPct val="90000"/>
+              </a:lnSpc>
+              <a:spcBef>
+                <a:spcPts val="1000"/>
+              </a:spcBef>
+              <a:buFont typeface="Arial" panose="020B0604020202020204" pitchFamily="34" charset="0"/>
+              <a:buChar char="•"/>
+              <a:defRPr sz="2800" kern="1200">
+                <a:solidFill>
+                  <a:schemeClr val="tx1"/>
+                </a:solidFill>
+                <a:latin typeface="+mn-lt"/>
+                <a:ea typeface="+mn-ea"/>
+                <a:cs typeface="+mn-cs"/>
+              </a:defRPr>
+            </a:lvl1pPr>
+            <a:lvl2pPr marL="685800" indent="-228600" algn="l" defTabSz="914400" rtl="0" eaLnBrk="1" latinLnBrk="0" hangingPunct="1">
+              <a:lnSpc>
+                <a:spcPct val="90000"/>
+              </a:lnSpc>
+              <a:spcBef>
+                <a:spcPts val="500"/>
+              </a:spcBef>
+              <a:buFont typeface="Arial" panose="020B0604020202020204" pitchFamily="34" charset="0"/>
+              <a:buChar char="•"/>
+              <a:defRPr sz="2400" kern="1200">
+                <a:solidFill>
+                  <a:schemeClr val="tx1"/>
+                </a:solidFill>
+                <a:latin typeface="+mn-lt"/>
+                <a:ea typeface="+mn-ea"/>
+                <a:cs typeface="+mn-cs"/>
+              </a:defRPr>
+            </a:lvl2pPr>
+            <a:lvl3pPr marL="1143000" indent="-228600" algn="l" defTabSz="914400" rtl="0" eaLnBrk="1" latinLnBrk="0" hangingPunct="1">
+              <a:lnSpc>
+                <a:spcPct val="90000"/>
+              </a:lnSpc>
+              <a:spcBef>
+                <a:spcPts val="500"/>
+              </a:spcBef>
+              <a:buFont typeface="Arial" panose="020B0604020202020204" pitchFamily="34" charset="0"/>
+              <a:buChar char="•"/>
+              <a:defRPr sz="2000" kern="1200">
+                <a:solidFill>
+                  <a:schemeClr val="tx1"/>
+                </a:solidFill>
+                <a:latin typeface="+mn-lt"/>
+                <a:ea typeface="+mn-ea"/>
+                <a:cs typeface="+mn-cs"/>
+              </a:defRPr>
+            </a:lvl3pPr>
+            <a:lvl4pPr marL="1600200" indent="-228600" algn="l" defTabSz="914400" rtl="0" eaLnBrk="1" latinLnBrk="0" hangingPunct="1">
+              <a:lnSpc>
+                <a:spcPct val="90000"/>
+              </a:lnSpc>
+              <a:spcBef>
+                <a:spcPts val="500"/>
+              </a:spcBef>
+              <a:buFont typeface="Arial" panose="020B0604020202020204" pitchFamily="34" charset="0"/>
+              <a:buChar char="•"/>
+              <a:defRPr sz="1800" kern="1200">
+                <a:solidFill>
+                  <a:schemeClr val="tx1"/>
+                </a:solidFill>
+                <a:latin typeface="+mn-lt"/>
+                <a:ea typeface="+mn-ea"/>
+                <a:cs typeface="+mn-cs"/>
+              </a:defRPr>
+            </a:lvl4pPr>
+            <a:lvl5pPr marL="2057400" indent="-228600" algn="l" defTabSz="914400" rtl="0" eaLnBrk="1" latinLnBrk="0" hangingPunct="1">
+              <a:lnSpc>
+                <a:spcPct val="90000"/>
+              </a:lnSpc>
+              <a:spcBef>
+                <a:spcPts val="500"/>
+              </a:spcBef>
+              <a:buFont typeface="Arial" panose="020B0604020202020204" pitchFamily="34" charset="0"/>
+              <a:buChar char="•"/>
+              <a:defRPr sz="1800" kern="1200">
+                <a:solidFill>
+                  <a:schemeClr val="tx1"/>
+                </a:solidFill>
+                <a:latin typeface="+mn-lt"/>
+                <a:ea typeface="+mn-ea"/>
+                <a:cs typeface="+mn-cs"/>
+              </a:defRPr>
+            </a:lvl5pPr>
+            <a:lvl6pPr marL="2514600" indent="-228600" algn="l" defTabSz="914400" rtl="0" eaLnBrk="1" latinLnBrk="0" hangingPunct="1">
+              <a:lnSpc>
+                <a:spcPct val="90000"/>
+              </a:lnSpc>
+              <a:spcBef>
+                <a:spcPts val="500"/>
+              </a:spcBef>
+              <a:buFont typeface="Arial" panose="020B0604020202020204" pitchFamily="34" charset="0"/>
+              <a:buChar char="•"/>
+              <a:defRPr sz="1800" kern="1200">
+                <a:solidFill>
+                  <a:schemeClr val="tx1"/>
+                </a:solidFill>
+                <a:latin typeface="+mn-lt"/>
+                <a:ea typeface="+mn-ea"/>
+                <a:cs typeface="+mn-cs"/>
+              </a:defRPr>
+            </a:lvl6pPr>
+            <a:lvl7pPr marL="2971800" indent="-228600" algn="l" defTabSz="914400" rtl="0" eaLnBrk="1" latinLnBrk="0" hangingPunct="1">
+              <a:lnSpc>
+                <a:spcPct val="90000"/>
+              </a:lnSpc>
+              <a:spcBef>
+                <a:spcPts val="500"/>
+              </a:spcBef>
+              <a:buFont typeface="Arial" panose="020B0604020202020204" pitchFamily="34" charset="0"/>
+              <a:buChar char="•"/>
+              <a:defRPr sz="1800" kern="1200">
+                <a:solidFill>
+                  <a:schemeClr val="tx1"/>
+                </a:solidFill>
+                <a:latin typeface="+mn-lt"/>
+                <a:ea typeface="+mn-ea"/>
+                <a:cs typeface="+mn-cs"/>
+              </a:defRPr>
+            </a:lvl7pPr>
+            <a:lvl8pPr marL="3429000" indent="-228600" algn="l" defTabSz="914400" rtl="0" eaLnBrk="1" latinLnBrk="0" hangingPunct="1">
+              <a:lnSpc>
+                <a:spcPct val="90000"/>
+              </a:lnSpc>
+              <a:spcBef>
+                <a:spcPts val="500"/>
+              </a:spcBef>
+              <a:buFont typeface="Arial" panose="020B0604020202020204" pitchFamily="34" charset="0"/>
+              <a:buChar char="•"/>
+              <a:defRPr sz="1800" kern="1200">
+                <a:solidFill>
+                  <a:schemeClr val="tx1"/>
+                </a:solidFill>
+                <a:latin typeface="+mn-lt"/>
+                <a:ea typeface="+mn-ea"/>
+                <a:cs typeface="+mn-cs"/>
+              </a:defRPr>
+            </a:lvl8pPr>
+            <a:lvl9pPr marL="3886200" indent="-228600" algn="l" defTabSz="914400" rtl="0" eaLnBrk="1" latinLnBrk="0" hangingPunct="1">
+              <a:lnSpc>
+                <a:spcPct val="90000"/>
+              </a:lnSpc>
+              <a:spcBef>
+                <a:spcPts val="500"/>
+              </a:spcBef>
+              <a:buFont typeface="Arial" panose="020B0604020202020204" pitchFamily="34" charset="0"/>
+              <a:buChar char="•"/>
+              <a:defRPr sz="1800" kern="1200">
+                <a:solidFill>
+                  <a:schemeClr val="tx1"/>
+                </a:solidFill>
+                <a:latin typeface="+mn-lt"/>
+                <a:ea typeface="+mn-ea"/>
+                <a:cs typeface="+mn-cs"/>
+              </a:defRPr>
+            </a:lvl9pPr>
+          </a:lstStyle>
+          <a:p>
+            <a:pPr marL="0" indent="0" fontAlgn="auto">
+              <a:spcAft>
+                <a:spcPts val="0"/>
+              </a:spcAft>
+              <a:buNone/>
+            </a:pPr>
+            <a:r>
+              <a:rPr lang="en-US" sz="4400" dirty="0" err="1"/>
               <a:t>Generalizaitons</a:t>
             </a:r>
             <a:r>
-              <a:rPr lang="en-US" dirty="0"/>
+              <a:rPr lang="en-US" sz="4400" dirty="0"/>
               <a:t>/</a:t>
             </a:r>
             <a:r>
-              <a:rPr lang="en-US" dirty="0" err="1"/>
+              <a:rPr lang="en-US" sz="4400" dirty="0" err="1"/>
               <a:t>Specializaitons</a:t>
             </a:r>
             <a:r>
-              <a:rPr lang="en-US" dirty="0"/>
+              <a:rPr lang="en-US" sz="4400" dirty="0"/>
               <a:t> (“is-a”)</a:t>
             </a:r>
           </a:p>
@@ -6899,7 +8741,7 @@
       </p:sp>
       <p:sp>
         <p:nvSpPr>
-          <p:cNvPr id="4" name="TextBox 3">
+          <p:cNvPr id="5" name="TextBox 4">
             <a:extLst>
               <a:ext uri="{FF2B5EF4-FFF2-40B4-BE49-F238E27FC236}">
                 <a16:creationId xmlns:a16="http://schemas.microsoft.com/office/drawing/2014/main" id="{B64A8207-997F-319E-7F6D-676D3ECA779B}"/>
@@ -6911,8 +8753,8 @@
         </p:nvSpPr>
         <p:spPr>
           <a:xfrm>
-            <a:off x="1277018" y="1037476"/>
-            <a:ext cx="9655207" cy="3785652"/>
+            <a:off x="1112059" y="1878488"/>
+            <a:ext cx="9655207" cy="3416320"/>
           </a:xfrm>
           <a:prstGeom prst="rect">
             <a:avLst/>
@@ -6930,7 +8772,7 @@
               <a:buChar char="•"/>
             </a:pPr>
             <a:r>
-              <a:rPr lang="en-US" sz="2000" dirty="0">
+              <a:rPr lang="en-US" sz="1800" dirty="0">
                 <a:latin typeface="+mn-lt"/>
               </a:rPr>
               <a:t>A less common but important relationship between classes is described using the phrase “is a.” Examples:</a:t>
@@ -6941,7 +8783,7 @@
               <a:buFont typeface="Arial" panose="020B0604020202020204" pitchFamily="34" charset="0"/>
               <a:buChar char="•"/>
             </a:pPr>
-            <a:endParaRPr lang="en-US" sz="2000" dirty="0">
+            <a:endParaRPr lang="en-US" sz="1800" dirty="0">
               <a:latin typeface="+mn-lt"/>
             </a:endParaRPr>
           </a:p>
@@ -6951,43 +8793,43 @@
               <a:buChar char="•"/>
             </a:pPr>
             <a:r>
-              <a:rPr lang="en-US" sz="2000" dirty="0">
+              <a:rPr lang="en-US" sz="1800" dirty="0">
                 <a:latin typeface="+mn-lt"/>
               </a:rPr>
               <a:t>A truck </a:t>
             </a:r>
             <a:r>
-              <a:rPr lang="en-US" sz="2000" i="1" u="sng" dirty="0">
+              <a:rPr lang="en-US" sz="1800" i="1" u="sng" dirty="0">
                 <a:latin typeface="+mn-lt"/>
               </a:rPr>
               <a:t>is a</a:t>
             </a:r>
             <a:r>
-              <a:rPr lang="en-US" sz="2000" dirty="0">
+              <a:rPr lang="en-US" sz="1800" dirty="0">
                 <a:latin typeface="+mn-lt"/>
               </a:rPr>
               <a:t> type of motor vehicle. So </a:t>
             </a:r>
             <a:r>
-              <a:rPr lang="en-US" sz="2000" i="1" u="sng" dirty="0">
+              <a:rPr lang="en-US" sz="1800" i="1" u="sng" dirty="0">
                 <a:latin typeface="+mn-lt"/>
               </a:rPr>
               <a:t>is a</a:t>
             </a:r>
             <a:r>
-              <a:rPr lang="en-US" sz="2000" dirty="0">
+              <a:rPr lang="en-US" sz="1800" dirty="0">
                 <a:latin typeface="+mn-lt"/>
               </a:rPr>
               <a:t> compact car. So </a:t>
             </a:r>
             <a:r>
-              <a:rPr lang="en-US" sz="2000" i="1" u="sng" dirty="0">
+              <a:rPr lang="en-US" sz="1800" i="1" u="sng" dirty="0">
                 <a:latin typeface="+mn-lt"/>
               </a:rPr>
               <a:t>is a</a:t>
             </a:r>
             <a:r>
-              <a:rPr lang="en-US" sz="2000" dirty="0">
+              <a:rPr lang="en-US" sz="1800" dirty="0">
                 <a:latin typeface="+mn-lt"/>
               </a:rPr>
               <a:t> motorboat.</a:t>
@@ -6998,7 +8840,7 @@
               <a:buFont typeface="Arial" panose="020B0604020202020204" pitchFamily="34" charset="0"/>
               <a:buChar char="•"/>
             </a:pPr>
-            <a:endParaRPr lang="en-US" sz="2000" dirty="0">
+            <a:endParaRPr lang="en-US" sz="1800" dirty="0">
               <a:latin typeface="+mn-lt"/>
             </a:endParaRPr>
           </a:p>
@@ -7008,43 +8850,43 @@
               <a:buChar char="•"/>
             </a:pPr>
             <a:r>
-              <a:rPr lang="en-US" sz="2000" dirty="0">
+              <a:rPr lang="en-US" sz="1800" dirty="0">
                 <a:latin typeface="+mn-lt"/>
               </a:rPr>
               <a:t>A book </a:t>
             </a:r>
             <a:r>
-              <a:rPr lang="en-US" sz="2000" i="1" u="sng" dirty="0">
+              <a:rPr lang="en-US" sz="1800" i="1" u="sng" dirty="0">
                 <a:latin typeface="+mn-lt"/>
               </a:rPr>
               <a:t>is a</a:t>
             </a:r>
             <a:r>
-              <a:rPr lang="en-US" sz="2000" dirty="0">
+              <a:rPr lang="en-US" sz="1800" dirty="0">
                 <a:latin typeface="+mn-lt"/>
               </a:rPr>
               <a:t> publication. Also, a magazine </a:t>
             </a:r>
             <a:r>
-              <a:rPr lang="en-US" sz="2000" i="1" u="sng" dirty="0">
+              <a:rPr lang="en-US" sz="1800" i="1" u="sng" dirty="0">
                 <a:latin typeface="+mn-lt"/>
               </a:rPr>
               <a:t>is a</a:t>
             </a:r>
             <a:r>
-              <a:rPr lang="en-US" sz="2000" dirty="0">
+              <a:rPr lang="en-US" sz="1800" dirty="0">
                 <a:latin typeface="+mn-lt"/>
               </a:rPr>
               <a:t> publication, as </a:t>
             </a:r>
             <a:r>
-              <a:rPr lang="en-US" sz="2000" i="1" u="sng" dirty="0">
+              <a:rPr lang="en-US" sz="1800" i="1" u="sng" dirty="0">
                 <a:latin typeface="+mn-lt"/>
               </a:rPr>
               <a:t>is a</a:t>
             </a:r>
             <a:r>
-              <a:rPr lang="en-US" sz="2000" dirty="0">
+              <a:rPr lang="en-US" sz="1800" dirty="0">
                 <a:latin typeface="+mn-lt"/>
               </a:rPr>
               <a:t> web site.</a:t>
@@ -7055,7 +8897,7 @@
               <a:buFont typeface="Arial" panose="020B0604020202020204" pitchFamily="34" charset="0"/>
               <a:buChar char="•"/>
             </a:pPr>
-            <a:endParaRPr lang="en-US" sz="2000" dirty="0">
+            <a:endParaRPr lang="en-US" sz="1800" dirty="0">
               <a:latin typeface="+mn-lt"/>
             </a:endParaRPr>
           </a:p>
@@ -7065,79 +8907,79 @@
               <a:buChar char="•"/>
             </a:pPr>
             <a:r>
-              <a:rPr lang="en-US" sz="2000" dirty="0">
+              <a:rPr lang="en-US" sz="1800" dirty="0">
                 <a:latin typeface="+mn-lt"/>
               </a:rPr>
               <a:t>A </a:t>
             </a:r>
             <a:r>
-              <a:rPr lang="en-US" sz="2000" b="1" dirty="0" err="1">
+              <a:rPr lang="en-US" sz="1800" b="1" dirty="0" err="1">
                 <a:latin typeface="+mn-lt"/>
               </a:rPr>
               <a:t>FileInfo</a:t>
             </a:r>
             <a:r>
-              <a:rPr lang="en-US" sz="2000" dirty="0">
+              <a:rPr lang="en-US" sz="1800" dirty="0">
                 <a:latin typeface="+mn-lt"/>
               </a:rPr>
               <a:t> object </a:t>
             </a:r>
             <a:r>
-              <a:rPr lang="en-US" sz="2000" i="1" u="sng" dirty="0">
+              <a:rPr lang="en-US" sz="1800" i="1" u="sng" dirty="0">
                 <a:latin typeface="+mn-lt"/>
               </a:rPr>
               <a:t>is a</a:t>
             </a:r>
             <a:r>
-              <a:rPr lang="en-US" sz="2000" dirty="0">
+              <a:rPr lang="en-US" sz="1800" dirty="0">
                 <a:latin typeface="+mn-lt"/>
               </a:rPr>
               <a:t> particular kind of </a:t>
             </a:r>
             <a:r>
-              <a:rPr lang="en-US" sz="2000" b="1" dirty="0" err="1">
+              <a:rPr lang="en-US" sz="1800" b="1" dirty="0" err="1">
                 <a:latin typeface="+mn-lt"/>
               </a:rPr>
               <a:t>FileSystemInfo</a:t>
             </a:r>
             <a:r>
-              <a:rPr lang="en-US" sz="2000" dirty="0">
+              <a:rPr lang="en-US" sz="1800" dirty="0">
                 <a:latin typeface="+mn-lt"/>
               </a:rPr>
               <a:t> object. A </a:t>
             </a:r>
             <a:r>
-              <a:rPr lang="en-US" sz="2000" b="1" dirty="0" err="1">
+              <a:rPr lang="en-US" sz="1800" b="1" dirty="0" err="1">
                 <a:latin typeface="+mn-lt"/>
               </a:rPr>
               <a:t>DirectoryInfo</a:t>
             </a:r>
             <a:r>
-              <a:rPr lang="en-US" sz="2000" dirty="0">
+              <a:rPr lang="en-US" sz="1800" dirty="0">
                 <a:latin typeface="+mn-lt"/>
               </a:rPr>
               <a:t> object </a:t>
             </a:r>
             <a:r>
-              <a:rPr lang="en-US" sz="2000" i="1" u="sng" dirty="0">
+              <a:rPr lang="en-US" sz="1800" i="1" u="sng" dirty="0">
                 <a:latin typeface="+mn-lt"/>
               </a:rPr>
               <a:t>is a</a:t>
             </a:r>
             <a:r>
-              <a:rPr lang="en-US" sz="2000" dirty="0">
+              <a:rPr lang="en-US" sz="1800" dirty="0">
                 <a:latin typeface="+mn-lt"/>
               </a:rPr>
               <a:t> separate specialized kind of </a:t>
             </a:r>
             <a:r>
-              <a:rPr lang="en-US" sz="2000" b="1" dirty="0" err="1">
+              <a:rPr lang="en-US" sz="1800" b="1" dirty="0" err="1">
                 <a:latin typeface="+mn-lt"/>
               </a:rPr>
               <a:t>FileSystemInfo</a:t>
             </a:r>
             <a:r>
-              <a:rPr lang="en-US" sz="2000" dirty="0">
+              <a:rPr lang="en-US" sz="1800" dirty="0">
                 <a:latin typeface="+mn-lt"/>
               </a:rPr>
               <a:t> object.</a:t>
@@ -7148,7 +8990,7 @@
               <a:buFont typeface="Arial" panose="020B0604020202020204" pitchFamily="34" charset="0"/>
               <a:buChar char="•"/>
             </a:pPr>
-            <a:endParaRPr lang="en-US" sz="2000" dirty="0">
+            <a:endParaRPr lang="en-US" sz="1800" dirty="0">
               <a:latin typeface="+mn-lt"/>
             </a:endParaRPr>
           </a:p>
@@ -7158,31 +9000,31 @@
               <a:buChar char="•"/>
             </a:pPr>
             <a:r>
-              <a:rPr lang="en-US" sz="2000" dirty="0">
+              <a:rPr lang="en-US" sz="1800" dirty="0">
                 <a:latin typeface="+mn-lt"/>
               </a:rPr>
               <a:t>When a class “is a” specialized or extended version of another class, it is often implemented in .NET and </a:t>
             </a:r>
             <a:r>
-              <a:rPr lang="en-US" sz="2000" dirty="0" err="1">
+              <a:rPr lang="en-US" sz="1800" dirty="0" err="1">
                 <a:latin typeface="+mn-lt"/>
               </a:rPr>
               <a:t>Powershell</a:t>
             </a:r>
             <a:r>
-              <a:rPr lang="en-US" sz="2000" dirty="0">
+              <a:rPr lang="en-US" sz="1800" dirty="0">
                 <a:latin typeface="+mn-lt"/>
               </a:rPr>
               <a:t> using </a:t>
             </a:r>
             <a:r>
-              <a:rPr lang="en-US" sz="2000" i="1" dirty="0">
+              <a:rPr lang="en-US" sz="1800" i="1" dirty="0">
                 <a:latin typeface="+mn-lt"/>
               </a:rPr>
               <a:t>inheritance</a:t>
             </a:r>
             <a:r>
-              <a:rPr lang="en-US" sz="2000" dirty="0">
+              <a:rPr lang="en-US" sz="1800" dirty="0">
                 <a:latin typeface="+mn-lt"/>
               </a:rPr>
               <a:t>, like this:</a:t>
@@ -7192,7 +9034,7 @@
       </p:sp>
       <p:sp>
         <p:nvSpPr>
-          <p:cNvPr id="3" name="TextBox 2">
+          <p:cNvPr id="6" name="TextBox 5">
             <a:extLst>
               <a:ext uri="{FF2B5EF4-FFF2-40B4-BE49-F238E27FC236}">
                 <a16:creationId xmlns:a16="http://schemas.microsoft.com/office/drawing/2014/main" id="{A07D4459-4375-32A9-1627-ECA3B23C5287}"/>
@@ -7204,8 +9046,8 @@
         </p:nvSpPr>
         <p:spPr>
           <a:xfrm>
-            <a:off x="1854678" y="5130904"/>
-            <a:ext cx="4084985" cy="1323439"/>
+            <a:off x="1854678" y="5337936"/>
+            <a:ext cx="4084985" cy="1200329"/>
           </a:xfrm>
           <a:prstGeom prst="rect">
             <a:avLst/>
@@ -7224,7 +9066,7 @@
           <a:lstStyle/>
           <a:p>
             <a:r>
-              <a:rPr lang="en-US" sz="2000" i="1" dirty="0">
+              <a:rPr lang="en-US" sz="1800" i="1" dirty="0">
                 <a:latin typeface="+mn-lt"/>
               </a:rPr>
               <a:t># Base (generalized) class:</a:t>
@@ -7232,7 +9074,7 @@
           </a:p>
           <a:p>
             <a:r>
-              <a:rPr lang="en-US" sz="2000" b="1" dirty="0">
+              <a:rPr lang="en-US" sz="1800" b="1" dirty="0">
                 <a:latin typeface="Consolas" panose="020B0609020204030204" pitchFamily="49" charset="0"/>
               </a:rPr>
               <a:t>class Publication</a:t>
@@ -7240,7 +9082,7 @@
           </a:p>
           <a:p>
             <a:r>
-              <a:rPr lang="en-US" sz="2000" b="1" dirty="0">
+              <a:rPr lang="en-US" sz="1800" b="1" dirty="0">
                 <a:latin typeface="Consolas" panose="020B0609020204030204" pitchFamily="49" charset="0"/>
               </a:rPr>
               <a:t>{</a:t>
@@ -7248,17 +9090,20 @@
           </a:p>
           <a:p>
             <a:r>
-              <a:rPr lang="en-US" sz="2000" b="1" dirty="0">
+              <a:rPr lang="en-US" sz="1800" b="1" dirty="0">
                 <a:latin typeface="Consolas" panose="020B0609020204030204" pitchFamily="49" charset="0"/>
               </a:rPr>
               <a:t>    …</a:t>
             </a:r>
+            <a:endParaRPr lang="en-US" sz="2000" b="1" dirty="0">
+              <a:latin typeface="Consolas" panose="020B0609020204030204" pitchFamily="49" charset="0"/>
+            </a:endParaRPr>
           </a:p>
         </p:txBody>
       </p:sp>
       <p:sp>
         <p:nvSpPr>
-          <p:cNvPr id="6" name="TextBox 5">
+          <p:cNvPr id="7" name="TextBox 6">
             <a:extLst>
               <a:ext uri="{FF2B5EF4-FFF2-40B4-BE49-F238E27FC236}">
                 <a16:creationId xmlns:a16="http://schemas.microsoft.com/office/drawing/2014/main" id="{DB335DE6-7D9E-2E32-D41E-03A3DFA8B40E}"/>
@@ -7270,8 +9115,8 @@
         </p:nvSpPr>
         <p:spPr>
           <a:xfrm>
-            <a:off x="5944352" y="5130903"/>
-            <a:ext cx="4084985" cy="1323439"/>
+            <a:off x="5944352" y="5337935"/>
+            <a:ext cx="4084985" cy="1200329"/>
           </a:xfrm>
           <a:prstGeom prst="rect">
             <a:avLst/>
@@ -7290,7 +9135,7 @@
           <a:lstStyle/>
           <a:p>
             <a:r>
-              <a:rPr lang="en-US" sz="2000" i="1" dirty="0">
+              <a:rPr lang="en-US" sz="1800" i="1" dirty="0">
                 <a:latin typeface="+mn-lt"/>
               </a:rPr>
               <a:t># Derived (specialized) class:</a:t>
@@ -7298,7 +9143,7 @@
           </a:p>
           <a:p>
             <a:r>
-              <a:rPr lang="en-US" sz="2000" b="1" dirty="0">
+              <a:rPr lang="en-US" sz="1800" b="1" dirty="0">
                 <a:latin typeface="Consolas" panose="020B0609020204030204" pitchFamily="49" charset="0"/>
               </a:rPr>
               <a:t>class Book : Publication</a:t>
@@ -7306,7 +9151,7 @@
           </a:p>
           <a:p>
             <a:r>
-              <a:rPr lang="en-US" sz="2000" b="1" dirty="0">
+              <a:rPr lang="en-US" sz="1800" b="1" dirty="0">
                 <a:latin typeface="Consolas" panose="020B0609020204030204" pitchFamily="49" charset="0"/>
               </a:rPr>
               <a:t>{</a:t>
@@ -7314,18 +9159,21 @@
           </a:p>
           <a:p>
             <a:r>
-              <a:rPr lang="en-US" sz="2000" b="1" dirty="0">
+              <a:rPr lang="en-US" sz="1800" b="1" dirty="0">
                 <a:latin typeface="Consolas" panose="020B0609020204030204" pitchFamily="49" charset="0"/>
               </a:rPr>
               <a:t>    …</a:t>
             </a:r>
+            <a:endParaRPr lang="en-US" sz="2000" b="1" dirty="0">
+              <a:latin typeface="Consolas" panose="020B0609020204030204" pitchFamily="49" charset="0"/>
+            </a:endParaRPr>
           </a:p>
         </p:txBody>
       </p:sp>
     </p:spTree>
     <p:extLst>
       <p:ext uri="{BB962C8B-B14F-4D97-AF65-F5344CB8AC3E}">
-        <p14:creationId xmlns:p14="http://schemas.microsoft.com/office/powerpoint/2010/main" val="1898587254"/>
+        <p14:creationId xmlns:p14="http://schemas.microsoft.com/office/powerpoint/2010/main" val="4100769069"/>
       </p:ext>
     </p:extLst>
   </p:cSld>
@@ -7354,29 +9202,204 @@
       </p:grpSpPr>
       <p:sp>
         <p:nvSpPr>
-          <p:cNvPr id="2" name="Text Placeholder 1">
+          <p:cNvPr id="4" name="Text Placeholder 1">
             <a:extLst>
               <a:ext uri="{FF2B5EF4-FFF2-40B4-BE49-F238E27FC236}">
                 <a16:creationId xmlns:a16="http://schemas.microsoft.com/office/drawing/2014/main" id="{64492E64-A68B-8CA7-B3C6-044F7C8E76AB}"/>
               </a:ext>
             </a:extLst>
           </p:cNvPr>
-          <p:cNvSpPr>
-            <a:spLocks noGrp="1"/>
+          <p:cNvSpPr txBox="1">
+            <a:spLocks/>
           </p:cNvSpPr>
-          <p:nvPr>
-            <p:ph type="body" sz="quarter" idx="10"/>
-          </p:nvPr>
+          <p:nvPr/>
         </p:nvSpPr>
-        <p:spPr/>
+        <p:spPr>
+          <a:xfrm>
+            <a:off x="1836317" y="1202152"/>
+            <a:ext cx="8519365" cy="724247"/>
+          </a:xfrm>
+          <a:prstGeom prst="rect">
+            <a:avLst/>
+          </a:prstGeom>
+        </p:spPr>
         <p:txBody>
           <a:bodyPr>
-            <a:normAutofit fontScale="92500" lnSpcReduction="10000"/>
+            <a:normAutofit/>
           </a:bodyPr>
-          <a:lstStyle/>
-          <a:p>
-            <a:r>
-              <a:rPr lang="en-US" dirty="0"/>
+          <a:lstStyle>
+            <a:lvl1pPr marL="228600" indent="-228600" algn="l" defTabSz="914400" rtl="0" eaLnBrk="1" latinLnBrk="0" hangingPunct="1">
+              <a:lnSpc>
+                <a:spcPct val="90000"/>
+              </a:lnSpc>
+              <a:spcBef>
+                <a:spcPts val="1000"/>
+              </a:spcBef>
+              <a:buFont typeface="Arial" panose="020B0604020202020204" pitchFamily="34" charset="0"/>
+              <a:buChar char="•"/>
+              <a:defRPr sz="2800" kern="1200">
+                <a:solidFill>
+                  <a:schemeClr val="tx1"/>
+                </a:solidFill>
+                <a:latin typeface="+mn-lt"/>
+                <a:ea typeface="+mn-ea"/>
+                <a:cs typeface="+mn-cs"/>
+              </a:defRPr>
+            </a:lvl1pPr>
+            <a:lvl2pPr marL="685800" indent="-228600" algn="l" defTabSz="914400" rtl="0" eaLnBrk="1" latinLnBrk="0" hangingPunct="1">
+              <a:lnSpc>
+                <a:spcPct val="90000"/>
+              </a:lnSpc>
+              <a:spcBef>
+                <a:spcPts val="500"/>
+              </a:spcBef>
+              <a:buFont typeface="Arial" panose="020B0604020202020204" pitchFamily="34" charset="0"/>
+              <a:buChar char="•"/>
+              <a:defRPr sz="2400" kern="1200">
+                <a:solidFill>
+                  <a:schemeClr val="tx1"/>
+                </a:solidFill>
+                <a:latin typeface="+mn-lt"/>
+                <a:ea typeface="+mn-ea"/>
+                <a:cs typeface="+mn-cs"/>
+              </a:defRPr>
+            </a:lvl2pPr>
+            <a:lvl3pPr marL="1143000" indent="-228600" algn="l" defTabSz="914400" rtl="0" eaLnBrk="1" latinLnBrk="0" hangingPunct="1">
+              <a:lnSpc>
+                <a:spcPct val="90000"/>
+              </a:lnSpc>
+              <a:spcBef>
+                <a:spcPts val="500"/>
+              </a:spcBef>
+              <a:buFont typeface="Arial" panose="020B0604020202020204" pitchFamily="34" charset="0"/>
+              <a:buChar char="•"/>
+              <a:defRPr sz="2000" kern="1200">
+                <a:solidFill>
+                  <a:schemeClr val="tx1"/>
+                </a:solidFill>
+                <a:latin typeface="+mn-lt"/>
+                <a:ea typeface="+mn-ea"/>
+                <a:cs typeface="+mn-cs"/>
+              </a:defRPr>
+            </a:lvl3pPr>
+            <a:lvl4pPr marL="1600200" indent="-228600" algn="l" defTabSz="914400" rtl="0" eaLnBrk="1" latinLnBrk="0" hangingPunct="1">
+              <a:lnSpc>
+                <a:spcPct val="90000"/>
+              </a:lnSpc>
+              <a:spcBef>
+                <a:spcPts val="500"/>
+              </a:spcBef>
+              <a:buFont typeface="Arial" panose="020B0604020202020204" pitchFamily="34" charset="0"/>
+              <a:buChar char="•"/>
+              <a:defRPr sz="1800" kern="1200">
+                <a:solidFill>
+                  <a:schemeClr val="tx1"/>
+                </a:solidFill>
+                <a:latin typeface="+mn-lt"/>
+                <a:ea typeface="+mn-ea"/>
+                <a:cs typeface="+mn-cs"/>
+              </a:defRPr>
+            </a:lvl4pPr>
+            <a:lvl5pPr marL="2057400" indent="-228600" algn="l" defTabSz="914400" rtl="0" eaLnBrk="1" latinLnBrk="0" hangingPunct="1">
+              <a:lnSpc>
+                <a:spcPct val="90000"/>
+              </a:lnSpc>
+              <a:spcBef>
+                <a:spcPts val="500"/>
+              </a:spcBef>
+              <a:buFont typeface="Arial" panose="020B0604020202020204" pitchFamily="34" charset="0"/>
+              <a:buChar char="•"/>
+              <a:defRPr sz="1800" kern="1200">
+                <a:solidFill>
+                  <a:schemeClr val="tx1"/>
+                </a:solidFill>
+                <a:latin typeface="+mn-lt"/>
+                <a:ea typeface="+mn-ea"/>
+                <a:cs typeface="+mn-cs"/>
+              </a:defRPr>
+            </a:lvl5pPr>
+            <a:lvl6pPr marL="2514600" indent="-228600" algn="l" defTabSz="914400" rtl="0" eaLnBrk="1" latinLnBrk="0" hangingPunct="1">
+              <a:lnSpc>
+                <a:spcPct val="90000"/>
+              </a:lnSpc>
+              <a:spcBef>
+                <a:spcPts val="500"/>
+              </a:spcBef>
+              <a:buFont typeface="Arial" panose="020B0604020202020204" pitchFamily="34" charset="0"/>
+              <a:buChar char="•"/>
+              <a:defRPr sz="1800" kern="1200">
+                <a:solidFill>
+                  <a:schemeClr val="tx1"/>
+                </a:solidFill>
+                <a:latin typeface="+mn-lt"/>
+                <a:ea typeface="+mn-ea"/>
+                <a:cs typeface="+mn-cs"/>
+              </a:defRPr>
+            </a:lvl6pPr>
+            <a:lvl7pPr marL="2971800" indent="-228600" algn="l" defTabSz="914400" rtl="0" eaLnBrk="1" latinLnBrk="0" hangingPunct="1">
+              <a:lnSpc>
+                <a:spcPct val="90000"/>
+              </a:lnSpc>
+              <a:spcBef>
+                <a:spcPts val="500"/>
+              </a:spcBef>
+              <a:buFont typeface="Arial" panose="020B0604020202020204" pitchFamily="34" charset="0"/>
+              <a:buChar char="•"/>
+              <a:defRPr sz="1800" kern="1200">
+                <a:solidFill>
+                  <a:schemeClr val="tx1"/>
+                </a:solidFill>
+                <a:latin typeface="+mn-lt"/>
+                <a:ea typeface="+mn-ea"/>
+                <a:cs typeface="+mn-cs"/>
+              </a:defRPr>
+            </a:lvl7pPr>
+            <a:lvl8pPr marL="3429000" indent="-228600" algn="l" defTabSz="914400" rtl="0" eaLnBrk="1" latinLnBrk="0" hangingPunct="1">
+              <a:lnSpc>
+                <a:spcPct val="90000"/>
+              </a:lnSpc>
+              <a:spcBef>
+                <a:spcPts val="500"/>
+              </a:spcBef>
+              <a:buFont typeface="Arial" panose="020B0604020202020204" pitchFamily="34" charset="0"/>
+              <a:buChar char="•"/>
+              <a:defRPr sz="1800" kern="1200">
+                <a:solidFill>
+                  <a:schemeClr val="tx1"/>
+                </a:solidFill>
+                <a:latin typeface="+mn-lt"/>
+                <a:ea typeface="+mn-ea"/>
+                <a:cs typeface="+mn-cs"/>
+              </a:defRPr>
+            </a:lvl8pPr>
+            <a:lvl9pPr marL="3886200" indent="-228600" algn="l" defTabSz="914400" rtl="0" eaLnBrk="1" latinLnBrk="0" hangingPunct="1">
+              <a:lnSpc>
+                <a:spcPct val="90000"/>
+              </a:lnSpc>
+              <a:spcBef>
+                <a:spcPts val="500"/>
+              </a:spcBef>
+              <a:buFont typeface="Arial" panose="020B0604020202020204" pitchFamily="34" charset="0"/>
+              <a:buChar char="•"/>
+              <a:defRPr sz="1800" kern="1200">
+                <a:solidFill>
+                  <a:schemeClr val="tx1"/>
+                </a:solidFill>
+                <a:latin typeface="+mn-lt"/>
+                <a:ea typeface="+mn-ea"/>
+                <a:cs typeface="+mn-cs"/>
+              </a:defRPr>
+            </a:lvl9pPr>
+          </a:lstStyle>
+          <a:p>
+            <a:pPr marL="0" indent="0" fontAlgn="auto">
+              <a:spcAft>
+                <a:spcPts val="0"/>
+              </a:spcAft>
+              <a:buNone/>
+            </a:pPr>
+            <a:r>
+              <a:rPr lang="en-US" sz="4400" dirty="0"/>
               <a:t>Re-using code through inheritance</a:t>
             </a:r>
           </a:p>
@@ -7384,7 +9407,7 @@
       </p:sp>
       <p:sp>
         <p:nvSpPr>
-          <p:cNvPr id="4" name="TextBox 3">
+          <p:cNvPr id="5" name="TextBox 4">
             <a:extLst>
               <a:ext uri="{FF2B5EF4-FFF2-40B4-BE49-F238E27FC236}">
                 <a16:creationId xmlns:a16="http://schemas.microsoft.com/office/drawing/2014/main" id="{B64A8207-997F-319E-7F6D-676D3ECA779B}"/>
@@ -7396,8 +9419,8 @@
         </p:nvSpPr>
         <p:spPr>
           <a:xfrm>
-            <a:off x="1268392" y="1045763"/>
-            <a:ext cx="9655207" cy="5324535"/>
+            <a:off x="854173" y="1926399"/>
+            <a:ext cx="10483652" cy="4832092"/>
           </a:xfrm>
           <a:prstGeom prst="rect">
             <a:avLst/>
@@ -7415,86 +9438,86 @@
               <a:buChar char="•"/>
             </a:pPr>
             <a:r>
-              <a:rPr lang="en-US" sz="2000" dirty="0">
+              <a:rPr lang="en-US" sz="1800" dirty="0">
                 <a:latin typeface="+mn-lt"/>
               </a:rPr>
               <a:t>A derived class </a:t>
             </a:r>
             <a:r>
-              <a:rPr lang="en-US" sz="2000" i="1" dirty="0">
+              <a:rPr lang="en-US" sz="1800" i="1" dirty="0">
                 <a:latin typeface="+mn-lt"/>
               </a:rPr>
               <a:t>inherits</a:t>
             </a:r>
             <a:r>
-              <a:rPr lang="en-US" sz="2000" dirty="0">
+              <a:rPr lang="en-US" sz="1800" dirty="0">
                 <a:latin typeface="+mn-lt"/>
               </a:rPr>
               <a:t> all of the members of the base class, then </a:t>
             </a:r>
             <a:r>
-              <a:rPr lang="en-US" sz="2000" i="1" dirty="0">
+              <a:rPr lang="en-US" sz="1800" i="1" dirty="0">
                 <a:latin typeface="+mn-lt"/>
               </a:rPr>
               <a:t>extends</a:t>
             </a:r>
             <a:r>
-              <a:rPr lang="en-US" sz="2000" dirty="0">
+              <a:rPr lang="en-US" sz="1800" dirty="0">
                 <a:latin typeface="+mn-lt"/>
               </a:rPr>
               <a:t> it with additional members.</a:t>
             </a:r>
           </a:p>
           <a:p>
-            <a:endParaRPr lang="en-US" sz="2000" dirty="0">
+            <a:endParaRPr lang="en-US" sz="1800" dirty="0">
               <a:latin typeface="+mn-lt"/>
             </a:endParaRPr>
           </a:p>
           <a:p>
             <a:r>
-              <a:rPr lang="en-US" sz="2000" b="1" dirty="0">
+              <a:rPr lang="en-US" sz="1800" b="1" dirty="0">
                 <a:latin typeface="Consolas" panose="020B0609020204030204" pitchFamily="49" charset="0"/>
               </a:rPr>
               <a:t>class </a:t>
             </a:r>
             <a:r>
-              <a:rPr lang="en-US" sz="2000" b="1" dirty="0" err="1">
+              <a:rPr lang="en-US" sz="1800" b="1" dirty="0" err="1">
                 <a:latin typeface="Consolas" panose="020B0609020204030204" pitchFamily="49" charset="0"/>
               </a:rPr>
               <a:t>Cylinder:Circle</a:t>
             </a:r>
             <a:r>
-              <a:rPr lang="en-US" sz="2000" b="1" dirty="0">
+              <a:rPr lang="en-US" sz="1800" b="1" dirty="0">
                 <a:latin typeface="Consolas" panose="020B0609020204030204" pitchFamily="49" charset="0"/>
               </a:rPr>
               <a:t> {</a:t>
             </a:r>
             <a:r>
-              <a:rPr lang="en-US" sz="2000" dirty="0">
+              <a:rPr lang="en-US" sz="1800" dirty="0">
                 <a:latin typeface="+mn-lt"/>
               </a:rPr>
               <a:t>      </a:t>
             </a:r>
             <a:r>
-              <a:rPr lang="en-US" sz="2000" i="1" dirty="0">
+              <a:rPr lang="en-US" sz="1800" i="1" dirty="0">
                 <a:latin typeface="+mn-lt"/>
               </a:rPr>
               <a:t># The syntax for inheritance is the colon</a:t>
             </a:r>
             <a:r>
-              <a:rPr lang="en-US" sz="2000" dirty="0">
+              <a:rPr lang="en-US" sz="1800" dirty="0">
                 <a:latin typeface="+mn-lt"/>
               </a:rPr>
               <a:t>  </a:t>
             </a:r>
             <a:r>
-              <a:rPr lang="en-US" sz="2000" b="1" dirty="0">
+              <a:rPr lang="en-US" sz="1800" b="1" dirty="0">
                 <a:latin typeface="Consolas" panose="020B0609020204030204" pitchFamily="49" charset="0"/>
               </a:rPr>
               <a:t>:</a:t>
             </a:r>
             <a:r>
-              <a:rPr lang="en-US" sz="2000" dirty="0">
+              <a:rPr lang="en-US" sz="1800" dirty="0">
                 <a:latin typeface="+mn-lt"/>
               </a:rPr>
               <a:t> </a:t>
@@ -7502,153 +9525,153 @@
           </a:p>
           <a:p>
             <a:r>
-              <a:rPr lang="en-US" sz="2000" dirty="0">
+              <a:rPr lang="en-US" sz="1800" dirty="0">
                 <a:latin typeface="+mn-lt"/>
               </a:rPr>
               <a:t>               </a:t>
             </a:r>
             <a:r>
-              <a:rPr lang="en-US" sz="2000" i="1" dirty="0">
+              <a:rPr lang="en-US" sz="1800" i="1" dirty="0">
                 <a:latin typeface="+mn-lt"/>
               </a:rPr>
               <a:t># </a:t>
             </a:r>
             <a:r>
-              <a:rPr lang="en-US" sz="2000" b="1" dirty="0">
+              <a:rPr lang="en-US" sz="1800" b="1" dirty="0">
                 <a:latin typeface="Consolas" panose="020B0609020204030204" pitchFamily="49" charset="0"/>
               </a:rPr>
               <a:t>[Cylinder]</a:t>
             </a:r>
             <a:r>
-              <a:rPr lang="en-US" sz="2000" i="1" dirty="0">
+              <a:rPr lang="en-US" sz="1800" i="1" dirty="0">
                 <a:latin typeface="+mn-lt"/>
               </a:rPr>
               <a:t> inherits  </a:t>
             </a:r>
             <a:r>
-              <a:rPr lang="en-US" sz="2000" b="1" dirty="0">
+              <a:rPr lang="en-US" sz="1800" b="1" dirty="0">
                 <a:latin typeface="Consolas" panose="020B0609020204030204" pitchFamily="49" charset="0"/>
               </a:rPr>
               <a:t>$Radius</a:t>
             </a:r>
             <a:r>
-              <a:rPr lang="en-US" sz="2000" i="1" dirty="0">
+              <a:rPr lang="en-US" sz="1800" i="1" dirty="0">
                 <a:latin typeface="+mn-lt"/>
               </a:rPr>
               <a:t>  property and  </a:t>
             </a:r>
             <a:r>
-              <a:rPr lang="en-US" sz="2000" b="1" dirty="0">
+              <a:rPr lang="en-US" sz="1800" b="1" dirty="0">
                 <a:latin typeface="Consolas" panose="020B0609020204030204" pitchFamily="49" charset="0"/>
               </a:rPr>
               <a:t>Area()</a:t>
             </a:r>
             <a:r>
-              <a:rPr lang="en-US" sz="2000" i="1" dirty="0">
+              <a:rPr lang="en-US" sz="1800" i="1" dirty="0">
                 <a:latin typeface="+mn-lt"/>
               </a:rPr>
               <a:t>  method from </a:t>
             </a:r>
             <a:r>
-              <a:rPr lang="en-US" sz="2000" b="1" dirty="0">
+              <a:rPr lang="en-US" sz="1800" b="1" dirty="0">
                 <a:latin typeface="Consolas" panose="020B0609020204030204" pitchFamily="49" charset="0"/>
               </a:rPr>
               <a:t>[Circle]</a:t>
             </a:r>
             <a:r>
-              <a:rPr lang="en-US" sz="2000" i="1" dirty="0">
+              <a:rPr lang="en-US" sz="1800" i="1" dirty="0">
                 <a:latin typeface="+mn-lt"/>
               </a:rPr>
               <a:t>.</a:t>
             </a:r>
             <a:r>
-              <a:rPr lang="en-US" sz="2000" dirty="0">
+              <a:rPr lang="en-US" sz="1800" dirty="0">
                 <a:latin typeface="+mn-lt"/>
               </a:rPr>
               <a:t> </a:t>
             </a:r>
-            <a:endParaRPr lang="en-US" sz="2000" dirty="0">
+            <a:endParaRPr lang="en-US" sz="1800" dirty="0">
               <a:latin typeface="Consolas" panose="020B0609020204030204" pitchFamily="49" charset="0"/>
             </a:endParaRPr>
           </a:p>
           <a:p>
             <a:r>
-              <a:rPr lang="en-US" sz="2000" b="1" dirty="0">
+              <a:rPr lang="en-US" sz="1800" b="1" dirty="0">
                 <a:latin typeface="Consolas" panose="020B0609020204030204" pitchFamily="49" charset="0"/>
               </a:rPr>
               <a:t>    [double]$Height</a:t>
             </a:r>
             <a:r>
-              <a:rPr lang="en-US" sz="2000" dirty="0">
+              <a:rPr lang="en-US" sz="1800" dirty="0">
                 <a:latin typeface="+mn-lt"/>
               </a:rPr>
               <a:t>                </a:t>
             </a:r>
             <a:r>
-              <a:rPr lang="en-US" sz="2000" i="1" dirty="0">
+              <a:rPr lang="en-US" sz="1800" i="1" dirty="0">
                 <a:latin typeface="+mn-lt"/>
               </a:rPr>
               <a:t># Here’s another property.</a:t>
             </a:r>
-            <a:endParaRPr lang="en-US" sz="2000" b="1" i="1" dirty="0">
+            <a:endParaRPr lang="en-US" sz="1800" b="1" i="1" dirty="0">
               <a:latin typeface="Consolas" panose="020B0609020204030204" pitchFamily="49" charset="0"/>
             </a:endParaRPr>
           </a:p>
           <a:p>
             <a:r>
-              <a:rPr lang="en-US" sz="2000" b="1" dirty="0">
+              <a:rPr lang="en-US" sz="1800" b="1" dirty="0">
                 <a:latin typeface="Consolas" panose="020B0609020204030204" pitchFamily="49" charset="0"/>
               </a:rPr>
               <a:t>    [double] Volume() {</a:t>
             </a:r>
             <a:r>
-              <a:rPr lang="en-US" sz="2000" dirty="0">
+              <a:rPr lang="en-US" sz="1800" dirty="0">
                 <a:latin typeface="+mn-lt"/>
               </a:rPr>
               <a:t>      </a:t>
             </a:r>
             <a:r>
-              <a:rPr lang="en-US" sz="2000" i="1" dirty="0">
+              <a:rPr lang="en-US" sz="1800" i="1" dirty="0">
                 <a:latin typeface="+mn-lt"/>
               </a:rPr>
               <a:t># Here’s another method.</a:t>
             </a:r>
-            <a:endParaRPr lang="en-US" sz="2000" b="1" i="1" dirty="0">
+            <a:endParaRPr lang="en-US" sz="1800" b="1" i="1" dirty="0">
               <a:latin typeface="Consolas" panose="020B0609020204030204" pitchFamily="49" charset="0"/>
             </a:endParaRPr>
           </a:p>
           <a:p>
             <a:r>
-              <a:rPr lang="en-US" sz="2000" b="1" dirty="0">
+              <a:rPr lang="en-US" sz="1800" b="1" dirty="0">
                 <a:latin typeface="Consolas" panose="020B0609020204030204" pitchFamily="49" charset="0"/>
               </a:rPr>
               <a:t>        return $</a:t>
             </a:r>
             <a:r>
-              <a:rPr lang="en-US" sz="2000" b="1" dirty="0" err="1">
+              <a:rPr lang="en-US" sz="1800" b="1" dirty="0" err="1">
                 <a:latin typeface="Consolas" panose="020B0609020204030204" pitchFamily="49" charset="0"/>
               </a:rPr>
               <a:t>this.Area</a:t>
             </a:r>
             <a:r>
-              <a:rPr lang="en-US" sz="2000" b="1" dirty="0">
+              <a:rPr lang="en-US" sz="1800" b="1" dirty="0">
                 <a:latin typeface="Consolas" panose="020B0609020204030204" pitchFamily="49" charset="0"/>
               </a:rPr>
               <a:t>() * $</a:t>
             </a:r>
             <a:r>
-              <a:rPr lang="en-US" sz="2000" b="1" dirty="0" err="1">
+              <a:rPr lang="en-US" sz="1800" b="1" dirty="0" err="1">
                 <a:latin typeface="Consolas" panose="020B0609020204030204" pitchFamily="49" charset="0"/>
               </a:rPr>
               <a:t>this.Height</a:t>
             </a:r>
-            <a:endParaRPr lang="en-US" sz="2000" b="1" dirty="0">
+            <a:endParaRPr lang="en-US" sz="1800" b="1" dirty="0">
               <a:latin typeface="Consolas" panose="020B0609020204030204" pitchFamily="49" charset="0"/>
             </a:endParaRPr>
           </a:p>
           <a:p>
             <a:r>
-              <a:rPr lang="en-US" sz="2000" b="1" dirty="0">
+              <a:rPr lang="en-US" sz="1800" b="1" dirty="0">
                 <a:latin typeface="Consolas" panose="020B0609020204030204" pitchFamily="49" charset="0"/>
               </a:rPr>
               <a:t>    }</a:t>
@@ -7656,7 +9679,7 @@
           </a:p>
           <a:p>
             <a:r>
-              <a:rPr lang="en-US" sz="2000" b="1" dirty="0">
+              <a:rPr lang="en-US" sz="1800" b="1" dirty="0">
                 <a:latin typeface="Consolas" panose="020B0609020204030204" pitchFamily="49" charset="0"/>
               </a:rPr>
               <a:t>}</a:t>
@@ -7664,7 +9687,7 @@
           </a:p>
           <a:p>
             <a:r>
-              <a:rPr lang="en-US" sz="2000" dirty="0">
+              <a:rPr lang="en-US" sz="1800" dirty="0">
                 <a:latin typeface="+mn-lt"/>
               </a:rPr>
               <a:t> </a:t>
@@ -7676,44 +9699,44 @@
               <a:buChar char="•"/>
             </a:pPr>
             <a:r>
-              <a:rPr lang="en-US" sz="2000" dirty="0">
+              <a:rPr lang="en-US" sz="1800" dirty="0">
                 <a:latin typeface="+mn-lt"/>
               </a:rPr>
               <a:t>This example re-uses our existing code for two-dimensional Circle objects. Then to model a third dimension, it adds one more property and one more method.</a:t>
             </a:r>
           </a:p>
           <a:p>
-            <a:endParaRPr lang="en-US" sz="2000" dirty="0">
+            <a:endParaRPr lang="en-US" sz="1800" dirty="0">
               <a:latin typeface="+mn-lt"/>
             </a:endParaRPr>
           </a:p>
           <a:p>
             <a:r>
-              <a:rPr lang="en-US" sz="2000" b="1" dirty="0">
+              <a:rPr lang="en-US" sz="1800" b="1" dirty="0">
                 <a:latin typeface="Consolas" panose="020B0609020204030204" pitchFamily="49" charset="0"/>
               </a:rPr>
               <a:t>$cy=[Cylinder]::new(); $</a:t>
             </a:r>
             <a:r>
-              <a:rPr lang="en-US" sz="2000" b="1" dirty="0" err="1">
+              <a:rPr lang="en-US" sz="1800" b="1" dirty="0" err="1">
                 <a:latin typeface="Consolas" panose="020B0609020204030204" pitchFamily="49" charset="0"/>
               </a:rPr>
               <a:t>cy.Radius</a:t>
             </a:r>
             <a:r>
-              <a:rPr lang="en-US" sz="2000" b="1" dirty="0">
+              <a:rPr lang="en-US" sz="1800" b="1" dirty="0">
                 <a:latin typeface="Consolas" panose="020B0609020204030204" pitchFamily="49" charset="0"/>
               </a:rPr>
               <a:t>=1.0; $</a:t>
             </a:r>
             <a:r>
-              <a:rPr lang="en-US" sz="2000" b="1" dirty="0" err="1">
+              <a:rPr lang="en-US" sz="1800" b="1" dirty="0" err="1">
                 <a:latin typeface="Consolas" panose="020B0609020204030204" pitchFamily="49" charset="0"/>
               </a:rPr>
               <a:t>cy.Height</a:t>
             </a:r>
             <a:r>
-              <a:rPr lang="en-US" sz="2000" b="1" dirty="0">
+              <a:rPr lang="en-US" sz="1800" b="1" dirty="0">
                 <a:latin typeface="Consolas" panose="020B0609020204030204" pitchFamily="49" charset="0"/>
               </a:rPr>
               <a:t>=2.0</a:t>
@@ -7721,31 +9744,31 @@
           </a:p>
           <a:p>
             <a:r>
-              <a:rPr lang="en-US" sz="2000" b="1" dirty="0">
+              <a:rPr lang="en-US" sz="1800" b="1" dirty="0">
                 <a:latin typeface="Consolas" panose="020B0609020204030204" pitchFamily="49" charset="0"/>
               </a:rPr>
               <a:t>$</a:t>
             </a:r>
             <a:r>
-              <a:rPr lang="en-US" sz="2000" b="1" dirty="0" err="1">
+              <a:rPr lang="en-US" sz="1800" b="1" dirty="0" err="1">
                 <a:latin typeface="Consolas" panose="020B0609020204030204" pitchFamily="49" charset="0"/>
               </a:rPr>
               <a:t>cy.Area</a:t>
             </a:r>
             <a:r>
-              <a:rPr lang="en-US" sz="2000" b="1" dirty="0">
+              <a:rPr lang="en-US" sz="1800" b="1" dirty="0">
                 <a:latin typeface="Consolas" panose="020B0609020204030204" pitchFamily="49" charset="0"/>
               </a:rPr>
               <a:t>(), $</a:t>
             </a:r>
             <a:r>
-              <a:rPr lang="en-US" sz="2000" b="1" dirty="0" err="1">
+              <a:rPr lang="en-US" sz="1800" b="1" dirty="0" err="1">
                 <a:latin typeface="Consolas" panose="020B0609020204030204" pitchFamily="49" charset="0"/>
               </a:rPr>
               <a:t>cy.Volume</a:t>
             </a:r>
             <a:r>
-              <a:rPr lang="en-US" sz="2000" b="1" dirty="0">
+              <a:rPr lang="en-US" sz="1800" b="1" dirty="0">
                 <a:latin typeface="Consolas" panose="020B0609020204030204" pitchFamily="49" charset="0"/>
               </a:rPr>
               <a:t>()</a:t>
@@ -7764,7 +9787,7 @@
     </p:spTree>
     <p:extLst>
       <p:ext uri="{BB962C8B-B14F-4D97-AF65-F5344CB8AC3E}">
-        <p14:creationId xmlns:p14="http://schemas.microsoft.com/office/powerpoint/2010/main" val="4188996306"/>
+        <p14:creationId xmlns:p14="http://schemas.microsoft.com/office/powerpoint/2010/main" val="3093590697"/>
       </p:ext>
     </p:extLst>
   </p:cSld>
@@ -7793,29 +9816,204 @@
       </p:grpSpPr>
       <p:sp>
         <p:nvSpPr>
-          <p:cNvPr id="2" name="Text Placeholder 1">
+          <p:cNvPr id="4" name="Text Placeholder 1">
             <a:extLst>
               <a:ext uri="{FF2B5EF4-FFF2-40B4-BE49-F238E27FC236}">
                 <a16:creationId xmlns:a16="http://schemas.microsoft.com/office/drawing/2014/main" id="{64492E64-A68B-8CA7-B3C6-044F7C8E76AB}"/>
               </a:ext>
             </a:extLst>
           </p:cNvPr>
-          <p:cNvSpPr>
-            <a:spLocks noGrp="1"/>
+          <p:cNvSpPr txBox="1">
+            <a:spLocks/>
           </p:cNvSpPr>
-          <p:nvPr>
-            <p:ph type="body" sz="quarter" idx="10"/>
-          </p:nvPr>
+          <p:nvPr/>
         </p:nvSpPr>
-        <p:spPr/>
+        <p:spPr>
+          <a:xfrm>
+            <a:off x="2375877" y="1271164"/>
+            <a:ext cx="7440244" cy="706254"/>
+          </a:xfrm>
+          <a:prstGeom prst="rect">
+            <a:avLst/>
+          </a:prstGeom>
+        </p:spPr>
         <p:txBody>
           <a:bodyPr>
-            <a:normAutofit fontScale="92500" lnSpcReduction="10000"/>
+            <a:normAutofit/>
           </a:bodyPr>
-          <a:lstStyle/>
-          <a:p>
-            <a:r>
-              <a:rPr lang="en-US" dirty="0"/>
+          <a:lstStyle>
+            <a:lvl1pPr marL="228600" indent="-228600" algn="l" defTabSz="914400" rtl="0" eaLnBrk="1" latinLnBrk="0" hangingPunct="1">
+              <a:lnSpc>
+                <a:spcPct val="90000"/>
+              </a:lnSpc>
+              <a:spcBef>
+                <a:spcPts val="1000"/>
+              </a:spcBef>
+              <a:buFont typeface="Arial" panose="020B0604020202020204" pitchFamily="34" charset="0"/>
+              <a:buChar char="•"/>
+              <a:defRPr sz="2800" kern="1200">
+                <a:solidFill>
+                  <a:schemeClr val="tx1"/>
+                </a:solidFill>
+                <a:latin typeface="+mn-lt"/>
+                <a:ea typeface="+mn-ea"/>
+                <a:cs typeface="+mn-cs"/>
+              </a:defRPr>
+            </a:lvl1pPr>
+            <a:lvl2pPr marL="685800" indent="-228600" algn="l" defTabSz="914400" rtl="0" eaLnBrk="1" latinLnBrk="0" hangingPunct="1">
+              <a:lnSpc>
+                <a:spcPct val="90000"/>
+              </a:lnSpc>
+              <a:spcBef>
+                <a:spcPts val="500"/>
+              </a:spcBef>
+              <a:buFont typeface="Arial" panose="020B0604020202020204" pitchFamily="34" charset="0"/>
+              <a:buChar char="•"/>
+              <a:defRPr sz="2400" kern="1200">
+                <a:solidFill>
+                  <a:schemeClr val="tx1"/>
+                </a:solidFill>
+                <a:latin typeface="+mn-lt"/>
+                <a:ea typeface="+mn-ea"/>
+                <a:cs typeface="+mn-cs"/>
+              </a:defRPr>
+            </a:lvl2pPr>
+            <a:lvl3pPr marL="1143000" indent="-228600" algn="l" defTabSz="914400" rtl="0" eaLnBrk="1" latinLnBrk="0" hangingPunct="1">
+              <a:lnSpc>
+                <a:spcPct val="90000"/>
+              </a:lnSpc>
+              <a:spcBef>
+                <a:spcPts val="500"/>
+              </a:spcBef>
+              <a:buFont typeface="Arial" panose="020B0604020202020204" pitchFamily="34" charset="0"/>
+              <a:buChar char="•"/>
+              <a:defRPr sz="2000" kern="1200">
+                <a:solidFill>
+                  <a:schemeClr val="tx1"/>
+                </a:solidFill>
+                <a:latin typeface="+mn-lt"/>
+                <a:ea typeface="+mn-ea"/>
+                <a:cs typeface="+mn-cs"/>
+              </a:defRPr>
+            </a:lvl3pPr>
+            <a:lvl4pPr marL="1600200" indent="-228600" algn="l" defTabSz="914400" rtl="0" eaLnBrk="1" latinLnBrk="0" hangingPunct="1">
+              <a:lnSpc>
+                <a:spcPct val="90000"/>
+              </a:lnSpc>
+              <a:spcBef>
+                <a:spcPts val="500"/>
+              </a:spcBef>
+              <a:buFont typeface="Arial" panose="020B0604020202020204" pitchFamily="34" charset="0"/>
+              <a:buChar char="•"/>
+              <a:defRPr sz="1800" kern="1200">
+                <a:solidFill>
+                  <a:schemeClr val="tx1"/>
+                </a:solidFill>
+                <a:latin typeface="+mn-lt"/>
+                <a:ea typeface="+mn-ea"/>
+                <a:cs typeface="+mn-cs"/>
+              </a:defRPr>
+            </a:lvl4pPr>
+            <a:lvl5pPr marL="2057400" indent="-228600" algn="l" defTabSz="914400" rtl="0" eaLnBrk="1" latinLnBrk="0" hangingPunct="1">
+              <a:lnSpc>
+                <a:spcPct val="90000"/>
+              </a:lnSpc>
+              <a:spcBef>
+                <a:spcPts val="500"/>
+              </a:spcBef>
+              <a:buFont typeface="Arial" panose="020B0604020202020204" pitchFamily="34" charset="0"/>
+              <a:buChar char="•"/>
+              <a:defRPr sz="1800" kern="1200">
+                <a:solidFill>
+                  <a:schemeClr val="tx1"/>
+                </a:solidFill>
+                <a:latin typeface="+mn-lt"/>
+                <a:ea typeface="+mn-ea"/>
+                <a:cs typeface="+mn-cs"/>
+              </a:defRPr>
+            </a:lvl5pPr>
+            <a:lvl6pPr marL="2514600" indent="-228600" algn="l" defTabSz="914400" rtl="0" eaLnBrk="1" latinLnBrk="0" hangingPunct="1">
+              <a:lnSpc>
+                <a:spcPct val="90000"/>
+              </a:lnSpc>
+              <a:spcBef>
+                <a:spcPts val="500"/>
+              </a:spcBef>
+              <a:buFont typeface="Arial" panose="020B0604020202020204" pitchFamily="34" charset="0"/>
+              <a:buChar char="•"/>
+              <a:defRPr sz="1800" kern="1200">
+                <a:solidFill>
+                  <a:schemeClr val="tx1"/>
+                </a:solidFill>
+                <a:latin typeface="+mn-lt"/>
+                <a:ea typeface="+mn-ea"/>
+                <a:cs typeface="+mn-cs"/>
+              </a:defRPr>
+            </a:lvl6pPr>
+            <a:lvl7pPr marL="2971800" indent="-228600" algn="l" defTabSz="914400" rtl="0" eaLnBrk="1" latinLnBrk="0" hangingPunct="1">
+              <a:lnSpc>
+                <a:spcPct val="90000"/>
+              </a:lnSpc>
+              <a:spcBef>
+                <a:spcPts val="500"/>
+              </a:spcBef>
+              <a:buFont typeface="Arial" panose="020B0604020202020204" pitchFamily="34" charset="0"/>
+              <a:buChar char="•"/>
+              <a:defRPr sz="1800" kern="1200">
+                <a:solidFill>
+                  <a:schemeClr val="tx1"/>
+                </a:solidFill>
+                <a:latin typeface="+mn-lt"/>
+                <a:ea typeface="+mn-ea"/>
+                <a:cs typeface="+mn-cs"/>
+              </a:defRPr>
+            </a:lvl7pPr>
+            <a:lvl8pPr marL="3429000" indent="-228600" algn="l" defTabSz="914400" rtl="0" eaLnBrk="1" latinLnBrk="0" hangingPunct="1">
+              <a:lnSpc>
+                <a:spcPct val="90000"/>
+              </a:lnSpc>
+              <a:spcBef>
+                <a:spcPts val="500"/>
+              </a:spcBef>
+              <a:buFont typeface="Arial" panose="020B0604020202020204" pitchFamily="34" charset="0"/>
+              <a:buChar char="•"/>
+              <a:defRPr sz="1800" kern="1200">
+                <a:solidFill>
+                  <a:schemeClr val="tx1"/>
+                </a:solidFill>
+                <a:latin typeface="+mn-lt"/>
+                <a:ea typeface="+mn-ea"/>
+                <a:cs typeface="+mn-cs"/>
+              </a:defRPr>
+            </a:lvl8pPr>
+            <a:lvl9pPr marL="3886200" indent="-228600" algn="l" defTabSz="914400" rtl="0" eaLnBrk="1" latinLnBrk="0" hangingPunct="1">
+              <a:lnSpc>
+                <a:spcPct val="90000"/>
+              </a:lnSpc>
+              <a:spcBef>
+                <a:spcPts val="500"/>
+              </a:spcBef>
+              <a:buFont typeface="Arial" panose="020B0604020202020204" pitchFamily="34" charset="0"/>
+              <a:buChar char="•"/>
+              <a:defRPr sz="1800" kern="1200">
+                <a:solidFill>
+                  <a:schemeClr val="tx1"/>
+                </a:solidFill>
+                <a:latin typeface="+mn-lt"/>
+                <a:ea typeface="+mn-ea"/>
+                <a:cs typeface="+mn-cs"/>
+              </a:defRPr>
+            </a:lvl9pPr>
+          </a:lstStyle>
+          <a:p>
+            <a:pPr marL="0" indent="0" fontAlgn="auto">
+              <a:spcAft>
+                <a:spcPts val="0"/>
+              </a:spcAft>
+              <a:buNone/>
+            </a:pPr>
+            <a:r>
+              <a:rPr lang="en-US" sz="4400" dirty="0"/>
               <a:t>Re-use a constructor method</a:t>
             </a:r>
           </a:p>
@@ -7823,7 +10021,7 @@
       </p:sp>
       <p:sp>
         <p:nvSpPr>
-          <p:cNvPr id="4" name="TextBox 3">
+          <p:cNvPr id="5" name="TextBox 4">
             <a:extLst>
               <a:ext uri="{FF2B5EF4-FFF2-40B4-BE49-F238E27FC236}">
                 <a16:creationId xmlns:a16="http://schemas.microsoft.com/office/drawing/2014/main" id="{B64A8207-997F-319E-7F6D-676D3ECA779B}"/>
@@ -7835,8 +10033,8 @@
         </p:nvSpPr>
         <p:spPr>
           <a:xfrm>
-            <a:off x="1268392" y="1045763"/>
-            <a:ext cx="9655207" cy="4708981"/>
+            <a:off x="884366" y="2063682"/>
+            <a:ext cx="10423267" cy="4278094"/>
           </a:xfrm>
           <a:prstGeom prst="rect">
             <a:avLst/>
@@ -7854,50 +10052,50 @@
               <a:buChar char="•"/>
             </a:pPr>
             <a:r>
-              <a:rPr lang="en-US" sz="2000" dirty="0">
+              <a:rPr lang="en-US" sz="1800" dirty="0">
                 <a:latin typeface="+mn-lt"/>
               </a:rPr>
               <a:t>Use the keyword  </a:t>
             </a:r>
             <a:r>
-              <a:rPr lang="en-US" sz="2000" b="1" dirty="0">
+              <a:rPr lang="en-US" sz="1800" b="1" dirty="0">
                 <a:latin typeface="Consolas" panose="020B0609020204030204" pitchFamily="49" charset="0"/>
               </a:rPr>
               <a:t>base</a:t>
             </a:r>
             <a:r>
-              <a:rPr lang="en-US" sz="2000" dirty="0">
+              <a:rPr lang="en-US" sz="1800" dirty="0">
                 <a:latin typeface="+mn-lt"/>
               </a:rPr>
               <a:t>  to invoke a base class constructor.</a:t>
             </a:r>
           </a:p>
           <a:p>
-            <a:endParaRPr lang="en-US" sz="2000" dirty="0">
+            <a:endParaRPr lang="en-US" sz="1800" dirty="0">
               <a:latin typeface="+mn-lt"/>
             </a:endParaRPr>
           </a:p>
           <a:p>
             <a:r>
-              <a:rPr lang="en-US" sz="2000" b="1" dirty="0">
+              <a:rPr lang="en-US" sz="1800" b="1" dirty="0">
                 <a:latin typeface="Consolas" panose="020B0609020204030204" pitchFamily="49" charset="0"/>
               </a:rPr>
               <a:t>class </a:t>
             </a:r>
             <a:r>
-              <a:rPr lang="en-US" sz="2000" b="1" dirty="0" err="1">
+              <a:rPr lang="en-US" sz="1800" b="1" dirty="0" err="1">
                 <a:latin typeface="Consolas" panose="020B0609020204030204" pitchFamily="49" charset="0"/>
               </a:rPr>
               <a:t>Cylinder:Circle</a:t>
             </a:r>
             <a:r>
-              <a:rPr lang="en-US" sz="2000" b="1" dirty="0">
+              <a:rPr lang="en-US" sz="1800" b="1" dirty="0">
                 <a:latin typeface="Consolas" panose="020B0609020204030204" pitchFamily="49" charset="0"/>
               </a:rPr>
               <a:t> {</a:t>
             </a:r>
             <a:r>
-              <a:rPr lang="en-US" sz="2000" dirty="0">
+              <a:rPr lang="en-US" sz="1800" dirty="0">
                 <a:latin typeface="+mn-lt"/>
               </a:rPr>
               <a:t> </a:t>
@@ -7905,7 +10103,7 @@
           </a:p>
           <a:p>
             <a:r>
-              <a:rPr lang="en-US" sz="2000" b="1" dirty="0">
+              <a:rPr lang="en-US" sz="1800" b="1" dirty="0">
                 <a:latin typeface="Consolas" panose="020B0609020204030204" pitchFamily="49" charset="0"/>
               </a:rPr>
               <a:t>    . . .</a:t>
@@ -7913,36 +10111,36 @@
           </a:p>
           <a:p>
             <a:r>
-              <a:rPr lang="en-US" sz="2000" b="1" dirty="0">
+              <a:rPr lang="en-US" sz="1800" b="1" dirty="0">
                 <a:latin typeface="Consolas" panose="020B0609020204030204" pitchFamily="49" charset="0"/>
               </a:rPr>
               <a:t>    Cylinder([double]$r, [double]$h) : base($r) {</a:t>
             </a:r>
             <a:r>
-              <a:rPr lang="en-US" sz="2000" dirty="0">
+              <a:rPr lang="en-US" sz="1800" dirty="0">
                 <a:latin typeface="+mn-lt"/>
               </a:rPr>
               <a:t>   </a:t>
             </a:r>
-            <a:endParaRPr lang="en-US" sz="2000" b="1" i="1" dirty="0">
+            <a:endParaRPr lang="en-US" sz="1800" b="1" i="1" dirty="0">
               <a:latin typeface="Consolas" panose="020B0609020204030204" pitchFamily="49" charset="0"/>
             </a:endParaRPr>
           </a:p>
           <a:p>
             <a:r>
-              <a:rPr lang="en-US" sz="2000" b="1" dirty="0">
+              <a:rPr lang="en-US" sz="1800" b="1" dirty="0">
                 <a:latin typeface="Consolas" panose="020B0609020204030204" pitchFamily="49" charset="0"/>
               </a:rPr>
               <a:t>        $</a:t>
             </a:r>
             <a:r>
-              <a:rPr lang="en-US" sz="2000" b="1" dirty="0" err="1">
+              <a:rPr lang="en-US" sz="1800" b="1" dirty="0" err="1">
                 <a:latin typeface="Consolas" panose="020B0609020204030204" pitchFamily="49" charset="0"/>
               </a:rPr>
               <a:t>this.Height</a:t>
             </a:r>
             <a:r>
-              <a:rPr lang="en-US" sz="2000" b="1" dirty="0">
+              <a:rPr lang="en-US" sz="1800" b="1" dirty="0">
                 <a:latin typeface="Consolas" panose="020B0609020204030204" pitchFamily="49" charset="0"/>
               </a:rPr>
               <a:t> = $h</a:t>
@@ -7950,7 +10148,7 @@
           </a:p>
           <a:p>
             <a:r>
-              <a:rPr lang="en-US" sz="2000" b="1" dirty="0">
+              <a:rPr lang="en-US" sz="1800" b="1" dirty="0">
                 <a:latin typeface="Consolas" panose="020B0609020204030204" pitchFamily="49" charset="0"/>
               </a:rPr>
               <a:t>    }</a:t>
@@ -7958,7 +10156,7 @@
           </a:p>
           <a:p>
             <a:r>
-              <a:rPr lang="en-US" sz="2000" b="1" dirty="0">
+              <a:rPr lang="en-US" sz="1800" b="1" dirty="0">
                 <a:latin typeface="Consolas" panose="020B0609020204030204" pitchFamily="49" charset="0"/>
               </a:rPr>
               <a:t>    . . .</a:t>
@@ -7966,7 +10164,7 @@
           </a:p>
           <a:p>
             <a:r>
-              <a:rPr lang="en-US" sz="2000" dirty="0">
+              <a:rPr lang="en-US" sz="1800" dirty="0">
                 <a:latin typeface="+mn-lt"/>
               </a:rPr>
               <a:t> </a:t>
@@ -7978,74 +10176,74 @@
               <a:buChar char="•"/>
             </a:pPr>
             <a:r>
-              <a:rPr lang="en-US" sz="2000" dirty="0">
+              <a:rPr lang="en-US" sz="1800" dirty="0">
                 <a:latin typeface="+mn-lt"/>
               </a:rPr>
               <a:t>In this example,  </a:t>
             </a:r>
             <a:r>
-              <a:rPr lang="en-US" sz="2000" b="1" dirty="0">
+              <a:rPr lang="en-US" sz="1800" b="1" dirty="0">
                 <a:latin typeface="Consolas" panose="020B0609020204030204" pitchFamily="49" charset="0"/>
               </a:rPr>
               <a:t>:base()</a:t>
             </a:r>
             <a:r>
-              <a:rPr lang="en-US" sz="2000" dirty="0">
+              <a:rPr lang="en-US" sz="1800" dirty="0">
                 <a:latin typeface="+mn-lt"/>
               </a:rPr>
               <a:t>  calls the inherited  </a:t>
             </a:r>
             <a:r>
-              <a:rPr lang="en-US" sz="2000" b="1" dirty="0">
+              <a:rPr lang="en-US" sz="1800" b="1" dirty="0">
                 <a:latin typeface="Consolas" panose="020B0609020204030204" pitchFamily="49" charset="0"/>
               </a:rPr>
               <a:t>Circle</a:t>
             </a:r>
             <a:r>
-              <a:rPr lang="en-US" sz="2000" dirty="0">
+              <a:rPr lang="en-US" sz="1800" dirty="0">
                 <a:latin typeface="+mn-lt"/>
               </a:rPr>
               <a:t>  constructor to initialize the inherited  </a:t>
             </a:r>
             <a:r>
-              <a:rPr lang="en-US" sz="2000" b="1" dirty="0">
+              <a:rPr lang="en-US" sz="1800" b="1" dirty="0">
                 <a:latin typeface="Consolas" panose="020B0609020204030204" pitchFamily="49" charset="0"/>
               </a:rPr>
               <a:t>$Radius</a:t>
             </a:r>
             <a:r>
-              <a:rPr lang="en-US" sz="2000" dirty="0">
+              <a:rPr lang="en-US" sz="1800" dirty="0">
                 <a:latin typeface="+mn-lt"/>
               </a:rPr>
               <a:t>  property. The subsequent block of code initializes  </a:t>
             </a:r>
             <a:r>
-              <a:rPr lang="en-US" sz="2000" b="1" dirty="0">
+              <a:rPr lang="en-US" sz="1800" b="1" dirty="0">
                 <a:latin typeface="Consolas" panose="020B0609020204030204" pitchFamily="49" charset="0"/>
               </a:rPr>
               <a:t>$Height</a:t>
             </a:r>
             <a:r>
-              <a:rPr lang="en-US" sz="2000" dirty="0">
+              <a:rPr lang="en-US" sz="1800" dirty="0">
                 <a:latin typeface="+mn-lt"/>
               </a:rPr>
               <a:t>.</a:t>
             </a:r>
           </a:p>
           <a:p>
-            <a:endParaRPr lang="en-US" sz="2000" dirty="0">
+            <a:endParaRPr lang="en-US" sz="1800" dirty="0">
               <a:latin typeface="+mn-lt"/>
             </a:endParaRPr>
           </a:p>
           <a:p>
             <a:r>
-              <a:rPr lang="en-US" sz="2000" b="1" dirty="0">
+              <a:rPr lang="en-US" sz="1800" b="1" dirty="0">
                 <a:latin typeface="Consolas" panose="020B0609020204030204" pitchFamily="49" charset="0"/>
               </a:rPr>
               <a:t>$cy=[Cylinder]::new(1.0,2.0)</a:t>
             </a:r>
             <a:r>
-              <a:rPr lang="en-US" sz="2000" dirty="0">
+              <a:rPr lang="en-US" sz="1800" dirty="0">
                 <a:latin typeface="+mn-lt"/>
               </a:rPr>
               <a:t> </a:t>
@@ -8053,13 +10251,13 @@
           </a:p>
           <a:p>
             <a:r>
-              <a:rPr lang="en-US" sz="2000" b="1" dirty="0">
+              <a:rPr lang="en-US" sz="1800" b="1" dirty="0">
                 <a:latin typeface="Consolas" panose="020B0609020204030204" pitchFamily="49" charset="0"/>
               </a:rPr>
               <a:t>$cy</a:t>
             </a:r>
             <a:r>
-              <a:rPr lang="en-US" sz="2000" dirty="0">
+              <a:rPr lang="en-US" sz="1800" dirty="0">
                 <a:latin typeface="+mn-lt"/>
               </a:rPr>
               <a:t> </a:t>
@@ -8078,7 +10276,7 @@
     </p:spTree>
     <p:extLst>
       <p:ext uri="{BB962C8B-B14F-4D97-AF65-F5344CB8AC3E}">
-        <p14:creationId xmlns:p14="http://schemas.microsoft.com/office/powerpoint/2010/main" val="1598400846"/>
+        <p14:creationId xmlns:p14="http://schemas.microsoft.com/office/powerpoint/2010/main" val="599134431"/>
       </p:ext>
     </p:extLst>
   </p:cSld>
@@ -8107,29 +10305,204 @@
       </p:grpSpPr>
       <p:sp>
         <p:nvSpPr>
-          <p:cNvPr id="2" name="Text Placeholder 1">
+          <p:cNvPr id="4" name="Text Placeholder 1">
             <a:extLst>
               <a:ext uri="{FF2B5EF4-FFF2-40B4-BE49-F238E27FC236}">
                 <a16:creationId xmlns:a16="http://schemas.microsoft.com/office/drawing/2014/main" id="{64492E64-A68B-8CA7-B3C6-044F7C8E76AB}"/>
               </a:ext>
             </a:extLst>
           </p:cNvPr>
-          <p:cNvSpPr>
-            <a:spLocks noGrp="1"/>
+          <p:cNvSpPr txBox="1">
+            <a:spLocks/>
           </p:cNvSpPr>
-          <p:nvPr>
-            <p:ph type="body" sz="quarter" idx="10"/>
-          </p:nvPr>
+          <p:nvPr/>
         </p:nvSpPr>
-        <p:spPr/>
+        <p:spPr>
+          <a:xfrm>
+            <a:off x="4217616" y="1116995"/>
+            <a:ext cx="3756761" cy="724247"/>
+          </a:xfrm>
+          <a:prstGeom prst="rect">
+            <a:avLst/>
+          </a:prstGeom>
+        </p:spPr>
         <p:txBody>
           <a:bodyPr>
-            <a:normAutofit fontScale="92500" lnSpcReduction="10000"/>
+            <a:normAutofit/>
           </a:bodyPr>
-          <a:lstStyle/>
-          <a:p>
-            <a:r>
-              <a:rPr lang="en-US" dirty="0"/>
+          <a:lstStyle>
+            <a:lvl1pPr marL="228600" indent="-228600" algn="l" defTabSz="914400" rtl="0" eaLnBrk="1" latinLnBrk="0" hangingPunct="1">
+              <a:lnSpc>
+                <a:spcPct val="90000"/>
+              </a:lnSpc>
+              <a:spcBef>
+                <a:spcPts val="1000"/>
+              </a:spcBef>
+              <a:buFont typeface="Arial" panose="020B0604020202020204" pitchFamily="34" charset="0"/>
+              <a:buChar char="•"/>
+              <a:defRPr sz="2800" kern="1200">
+                <a:solidFill>
+                  <a:schemeClr val="tx1"/>
+                </a:solidFill>
+                <a:latin typeface="+mn-lt"/>
+                <a:ea typeface="+mn-ea"/>
+                <a:cs typeface="+mn-cs"/>
+              </a:defRPr>
+            </a:lvl1pPr>
+            <a:lvl2pPr marL="685800" indent="-228600" algn="l" defTabSz="914400" rtl="0" eaLnBrk="1" latinLnBrk="0" hangingPunct="1">
+              <a:lnSpc>
+                <a:spcPct val="90000"/>
+              </a:lnSpc>
+              <a:spcBef>
+                <a:spcPts val="500"/>
+              </a:spcBef>
+              <a:buFont typeface="Arial" panose="020B0604020202020204" pitchFamily="34" charset="0"/>
+              <a:buChar char="•"/>
+              <a:defRPr sz="2400" kern="1200">
+                <a:solidFill>
+                  <a:schemeClr val="tx1"/>
+                </a:solidFill>
+                <a:latin typeface="+mn-lt"/>
+                <a:ea typeface="+mn-ea"/>
+                <a:cs typeface="+mn-cs"/>
+              </a:defRPr>
+            </a:lvl2pPr>
+            <a:lvl3pPr marL="1143000" indent="-228600" algn="l" defTabSz="914400" rtl="0" eaLnBrk="1" latinLnBrk="0" hangingPunct="1">
+              <a:lnSpc>
+                <a:spcPct val="90000"/>
+              </a:lnSpc>
+              <a:spcBef>
+                <a:spcPts val="500"/>
+              </a:spcBef>
+              <a:buFont typeface="Arial" panose="020B0604020202020204" pitchFamily="34" charset="0"/>
+              <a:buChar char="•"/>
+              <a:defRPr sz="2000" kern="1200">
+                <a:solidFill>
+                  <a:schemeClr val="tx1"/>
+                </a:solidFill>
+                <a:latin typeface="+mn-lt"/>
+                <a:ea typeface="+mn-ea"/>
+                <a:cs typeface="+mn-cs"/>
+              </a:defRPr>
+            </a:lvl3pPr>
+            <a:lvl4pPr marL="1600200" indent="-228600" algn="l" defTabSz="914400" rtl="0" eaLnBrk="1" latinLnBrk="0" hangingPunct="1">
+              <a:lnSpc>
+                <a:spcPct val="90000"/>
+              </a:lnSpc>
+              <a:spcBef>
+                <a:spcPts val="500"/>
+              </a:spcBef>
+              <a:buFont typeface="Arial" panose="020B0604020202020204" pitchFamily="34" charset="0"/>
+              <a:buChar char="•"/>
+              <a:defRPr sz="1800" kern="1200">
+                <a:solidFill>
+                  <a:schemeClr val="tx1"/>
+                </a:solidFill>
+                <a:latin typeface="+mn-lt"/>
+                <a:ea typeface="+mn-ea"/>
+                <a:cs typeface="+mn-cs"/>
+              </a:defRPr>
+            </a:lvl4pPr>
+            <a:lvl5pPr marL="2057400" indent="-228600" algn="l" defTabSz="914400" rtl="0" eaLnBrk="1" latinLnBrk="0" hangingPunct="1">
+              <a:lnSpc>
+                <a:spcPct val="90000"/>
+              </a:lnSpc>
+              <a:spcBef>
+                <a:spcPts val="500"/>
+              </a:spcBef>
+              <a:buFont typeface="Arial" panose="020B0604020202020204" pitchFamily="34" charset="0"/>
+              <a:buChar char="•"/>
+              <a:defRPr sz="1800" kern="1200">
+                <a:solidFill>
+                  <a:schemeClr val="tx1"/>
+                </a:solidFill>
+                <a:latin typeface="+mn-lt"/>
+                <a:ea typeface="+mn-ea"/>
+                <a:cs typeface="+mn-cs"/>
+              </a:defRPr>
+            </a:lvl5pPr>
+            <a:lvl6pPr marL="2514600" indent="-228600" algn="l" defTabSz="914400" rtl="0" eaLnBrk="1" latinLnBrk="0" hangingPunct="1">
+              <a:lnSpc>
+                <a:spcPct val="90000"/>
+              </a:lnSpc>
+              <a:spcBef>
+                <a:spcPts val="500"/>
+              </a:spcBef>
+              <a:buFont typeface="Arial" panose="020B0604020202020204" pitchFamily="34" charset="0"/>
+              <a:buChar char="•"/>
+              <a:defRPr sz="1800" kern="1200">
+                <a:solidFill>
+                  <a:schemeClr val="tx1"/>
+                </a:solidFill>
+                <a:latin typeface="+mn-lt"/>
+                <a:ea typeface="+mn-ea"/>
+                <a:cs typeface="+mn-cs"/>
+              </a:defRPr>
+            </a:lvl6pPr>
+            <a:lvl7pPr marL="2971800" indent="-228600" algn="l" defTabSz="914400" rtl="0" eaLnBrk="1" latinLnBrk="0" hangingPunct="1">
+              <a:lnSpc>
+                <a:spcPct val="90000"/>
+              </a:lnSpc>
+              <a:spcBef>
+                <a:spcPts val="500"/>
+              </a:spcBef>
+              <a:buFont typeface="Arial" panose="020B0604020202020204" pitchFamily="34" charset="0"/>
+              <a:buChar char="•"/>
+              <a:defRPr sz="1800" kern="1200">
+                <a:solidFill>
+                  <a:schemeClr val="tx1"/>
+                </a:solidFill>
+                <a:latin typeface="+mn-lt"/>
+                <a:ea typeface="+mn-ea"/>
+                <a:cs typeface="+mn-cs"/>
+              </a:defRPr>
+            </a:lvl7pPr>
+            <a:lvl8pPr marL="3429000" indent="-228600" algn="l" defTabSz="914400" rtl="0" eaLnBrk="1" latinLnBrk="0" hangingPunct="1">
+              <a:lnSpc>
+                <a:spcPct val="90000"/>
+              </a:lnSpc>
+              <a:spcBef>
+                <a:spcPts val="500"/>
+              </a:spcBef>
+              <a:buFont typeface="Arial" panose="020B0604020202020204" pitchFamily="34" charset="0"/>
+              <a:buChar char="•"/>
+              <a:defRPr sz="1800" kern="1200">
+                <a:solidFill>
+                  <a:schemeClr val="tx1"/>
+                </a:solidFill>
+                <a:latin typeface="+mn-lt"/>
+                <a:ea typeface="+mn-ea"/>
+                <a:cs typeface="+mn-cs"/>
+              </a:defRPr>
+            </a:lvl8pPr>
+            <a:lvl9pPr marL="3886200" indent="-228600" algn="l" defTabSz="914400" rtl="0" eaLnBrk="1" latinLnBrk="0" hangingPunct="1">
+              <a:lnSpc>
+                <a:spcPct val="90000"/>
+              </a:lnSpc>
+              <a:spcBef>
+                <a:spcPts val="500"/>
+              </a:spcBef>
+              <a:buFont typeface="Arial" panose="020B0604020202020204" pitchFamily="34" charset="0"/>
+              <a:buChar char="•"/>
+              <a:defRPr sz="1800" kern="1200">
+                <a:solidFill>
+                  <a:schemeClr val="tx1"/>
+                </a:solidFill>
+                <a:latin typeface="+mn-lt"/>
+                <a:ea typeface="+mn-ea"/>
+                <a:cs typeface="+mn-cs"/>
+              </a:defRPr>
+            </a:lvl9pPr>
+          </a:lstStyle>
+          <a:p>
+            <a:pPr marL="0" indent="0" fontAlgn="auto">
+              <a:spcAft>
+                <a:spcPts val="0"/>
+              </a:spcAft>
+              <a:buNone/>
+            </a:pPr>
+            <a:r>
+              <a:rPr lang="en-US" sz="4400" dirty="0"/>
               <a:t>Polymorphism</a:t>
             </a:r>
           </a:p>
@@ -8137,7 +10510,7 @@
       </p:sp>
       <p:sp>
         <p:nvSpPr>
-          <p:cNvPr id="4" name="TextBox 3">
+          <p:cNvPr id="5" name="TextBox 4">
             <a:extLst>
               <a:ext uri="{FF2B5EF4-FFF2-40B4-BE49-F238E27FC236}">
                 <a16:creationId xmlns:a16="http://schemas.microsoft.com/office/drawing/2014/main" id="{B64A8207-997F-319E-7F6D-676D3ECA779B}"/>
@@ -8149,8 +10522,8 @@
         </p:nvSpPr>
         <p:spPr>
           <a:xfrm>
-            <a:off x="1268392" y="1045763"/>
-            <a:ext cx="9655207" cy="5016758"/>
+            <a:off x="1025897" y="1841242"/>
+            <a:ext cx="10140197" cy="4524315"/>
           </a:xfrm>
           <a:prstGeom prst="rect">
             <a:avLst/>
@@ -8164,19 +10537,19 @@
           <a:lstStyle/>
           <a:p>
             <a:r>
-              <a:rPr lang="en-US" sz="2000" b="1" dirty="0">
+              <a:rPr lang="en-US" sz="1800" b="1" dirty="0">
                 <a:latin typeface="Consolas" panose="020B0609020204030204" pitchFamily="49" charset="0"/>
               </a:rPr>
               <a:t>class </a:t>
             </a:r>
             <a:r>
-              <a:rPr lang="en-US" sz="2000" b="1" dirty="0" err="1">
+              <a:rPr lang="en-US" sz="1800" b="1" dirty="0" err="1">
                 <a:latin typeface="Consolas" panose="020B0609020204030204" pitchFamily="49" charset="0"/>
               </a:rPr>
               <a:t>Cylinder:Circle</a:t>
             </a:r>
             <a:r>
-              <a:rPr lang="en-US" sz="2000" b="1" dirty="0">
+              <a:rPr lang="en-US" sz="1800" b="1" dirty="0">
                 <a:latin typeface="Consolas" panose="020B0609020204030204" pitchFamily="49" charset="0"/>
               </a:rPr>
               <a:t> {</a:t>
@@ -8184,7 +10557,7 @@
           </a:p>
           <a:p>
             <a:r>
-              <a:rPr lang="en-US" sz="2000" b="1" dirty="0">
+              <a:rPr lang="en-US" sz="1800" b="1" dirty="0">
                 <a:latin typeface="Consolas" panose="020B0609020204030204" pitchFamily="49" charset="0"/>
               </a:rPr>
               <a:t>    . . .</a:t>
@@ -8192,7 +10565,7 @@
           </a:p>
           <a:p>
             <a:r>
-              <a:rPr lang="en-US" sz="2000" b="1" dirty="0">
+              <a:rPr lang="en-US" sz="1800" b="1" dirty="0">
                 <a:latin typeface="Consolas" panose="020B0609020204030204" pitchFamily="49" charset="0"/>
               </a:rPr>
               <a:t>    static [double] Area([double]$r, [double]$h) {</a:t>
@@ -8200,30 +10573,30 @@
           </a:p>
           <a:p>
             <a:r>
-              <a:rPr lang="en-US" sz="2000" b="1" dirty="0">
+              <a:rPr lang="en-US" sz="1800" b="1" dirty="0">
                 <a:latin typeface="Consolas" panose="020B0609020204030204" pitchFamily="49" charset="0"/>
               </a:rPr>
               <a:t>        return [Math]::Pi * 2.0 * $r * ($r + $h)</a:t>
             </a:r>
             <a:r>
-              <a:rPr lang="en-US" sz="2000" dirty="0">
+              <a:rPr lang="en-US" sz="1800" dirty="0">
                 <a:latin typeface="+mn-lt"/>
               </a:rPr>
               <a:t>    </a:t>
             </a:r>
             <a:r>
-              <a:rPr lang="en-US" sz="2000" i="1" dirty="0">
+              <a:rPr lang="en-US" sz="1800" i="1" dirty="0">
                 <a:latin typeface="+mn-lt"/>
               </a:rPr>
               <a:t># total surface area</a:t>
             </a:r>
-            <a:endParaRPr lang="en-US" sz="2000" b="1" i="1" dirty="0">
+            <a:endParaRPr lang="en-US" sz="1800" b="1" i="1" dirty="0">
               <a:latin typeface="Consolas" panose="020B0609020204030204" pitchFamily="49" charset="0"/>
             </a:endParaRPr>
           </a:p>
           <a:p>
             <a:r>
-              <a:rPr lang="en-US" sz="2000" b="1" dirty="0">
+              <a:rPr lang="en-US" sz="1800" b="1" dirty="0">
                 <a:latin typeface="Consolas" panose="020B0609020204030204" pitchFamily="49" charset="0"/>
               </a:rPr>
               <a:t>    }</a:t>
@@ -8231,7 +10604,7 @@
           </a:p>
           <a:p>
             <a:r>
-              <a:rPr lang="en-US" sz="2000" b="1" dirty="0">
+              <a:rPr lang="en-US" sz="1800" b="1" dirty="0">
                 <a:latin typeface="Consolas" panose="020B0609020204030204" pitchFamily="49" charset="0"/>
               </a:rPr>
               <a:t>    [double] Area() {</a:t>
@@ -8239,31 +10612,31 @@
           </a:p>
           <a:p>
             <a:r>
-              <a:rPr lang="en-US" sz="2000" b="1" dirty="0">
+              <a:rPr lang="en-US" sz="1800" b="1" dirty="0">
                 <a:latin typeface="Consolas" panose="020B0609020204030204" pitchFamily="49" charset="0"/>
               </a:rPr>
               <a:t>        return [Cylinder]::Area($</a:t>
             </a:r>
             <a:r>
-              <a:rPr lang="en-US" sz="2000" b="1" dirty="0" err="1">
+              <a:rPr lang="en-US" sz="1800" b="1" dirty="0" err="1">
                 <a:latin typeface="Consolas" panose="020B0609020204030204" pitchFamily="49" charset="0"/>
               </a:rPr>
               <a:t>this.Radius</a:t>
             </a:r>
             <a:r>
-              <a:rPr lang="en-US" sz="2000" b="1" dirty="0">
+              <a:rPr lang="en-US" sz="1800" b="1" dirty="0">
                 <a:latin typeface="Consolas" panose="020B0609020204030204" pitchFamily="49" charset="0"/>
               </a:rPr>
               <a:t>, $</a:t>
             </a:r>
             <a:r>
-              <a:rPr lang="en-US" sz="2000" b="1" dirty="0" err="1">
+              <a:rPr lang="en-US" sz="1800" b="1" dirty="0" err="1">
                 <a:latin typeface="Consolas" panose="020B0609020204030204" pitchFamily="49" charset="0"/>
               </a:rPr>
               <a:t>this.Height</a:t>
             </a:r>
             <a:r>
-              <a:rPr lang="en-US" sz="2000" b="1" dirty="0">
+              <a:rPr lang="en-US" sz="1800" b="1" dirty="0">
                 <a:latin typeface="Consolas" panose="020B0609020204030204" pitchFamily="49" charset="0"/>
               </a:rPr>
               <a:t>)</a:t>
@@ -8271,7 +10644,7 @@
           </a:p>
           <a:p>
             <a:r>
-              <a:rPr lang="en-US" sz="2000" b="1" dirty="0">
+              <a:rPr lang="en-US" sz="1800" b="1" dirty="0">
                 <a:latin typeface="Consolas" panose="020B0609020204030204" pitchFamily="49" charset="0"/>
               </a:rPr>
               <a:t>    }</a:t>
@@ -8279,13 +10652,13 @@
           </a:p>
           <a:p>
             <a:r>
-              <a:rPr lang="en-US" sz="2000" b="1" dirty="0">
+              <a:rPr lang="en-US" sz="1800" b="1" dirty="0">
                 <a:latin typeface="Consolas" panose="020B0609020204030204" pitchFamily="49" charset="0"/>
               </a:rPr>
               <a:t>    . . .</a:t>
             </a:r>
             <a:r>
-              <a:rPr lang="en-US" sz="2000" dirty="0">
+              <a:rPr lang="en-US" sz="1800" dirty="0">
                 <a:latin typeface="+mn-lt"/>
               </a:rPr>
               <a:t> </a:t>
@@ -8293,7 +10666,7 @@
           </a:p>
           <a:p>
             <a:r>
-              <a:rPr lang="en-US" sz="2000" dirty="0">
+              <a:rPr lang="en-US" sz="1800" dirty="0">
                 <a:latin typeface="+mn-lt"/>
               </a:rPr>
               <a:t> </a:t>
@@ -8305,70 +10678,70 @@
               <a:buChar char="•"/>
             </a:pPr>
             <a:r>
-              <a:rPr lang="en-US" sz="2000" dirty="0">
+              <a:rPr lang="en-US" sz="1800" dirty="0">
                 <a:latin typeface="+mn-lt"/>
               </a:rPr>
               <a:t>In this example, the Area instance method of the derived class </a:t>
             </a:r>
             <a:r>
-              <a:rPr lang="en-US" sz="2000" i="1" dirty="0">
+              <a:rPr lang="en-US" sz="1800" i="1" dirty="0">
                 <a:latin typeface="+mn-lt"/>
               </a:rPr>
               <a:t>overrides</a:t>
             </a:r>
             <a:r>
-              <a:rPr lang="en-US" sz="2000" dirty="0">
+              <a:rPr lang="en-US" sz="1800" dirty="0">
                 <a:latin typeface="+mn-lt"/>
               </a:rPr>
               <a:t> (replaces) the Area instance method of the base class. Now  </a:t>
             </a:r>
             <a:r>
-              <a:rPr lang="en-US" sz="2000" b="1" dirty="0">
+              <a:rPr lang="en-US" sz="1800" b="1" dirty="0">
                 <a:latin typeface="Consolas" panose="020B0609020204030204" pitchFamily="49" charset="0"/>
               </a:rPr>
               <a:t>Area()</a:t>
             </a:r>
             <a:r>
-              <a:rPr lang="en-US" sz="2000" dirty="0">
+              <a:rPr lang="en-US" sz="1800" dirty="0">
                 <a:latin typeface="+mn-lt"/>
               </a:rPr>
               <a:t>  is </a:t>
             </a:r>
             <a:r>
-              <a:rPr lang="en-US" sz="2000" i="1" dirty="0">
+              <a:rPr lang="en-US" sz="1800" i="1" dirty="0">
                 <a:latin typeface="+mn-lt"/>
               </a:rPr>
               <a:t>polymorphic</a:t>
             </a:r>
             <a:r>
-              <a:rPr lang="en-US" sz="2000" dirty="0">
+              <a:rPr lang="en-US" sz="1800" dirty="0">
                 <a:latin typeface="+mn-lt"/>
               </a:rPr>
               <a:t>: it behaves differently depending on an object’s specialized type:</a:t>
             </a:r>
             <a:br>
-              <a:rPr lang="en-US" sz="2000" dirty="0">
+              <a:rPr lang="en-US" sz="1800" dirty="0">
                 <a:latin typeface="+mn-lt"/>
               </a:rPr>
             </a:br>
-            <a:endParaRPr lang="en-US" sz="2000" dirty="0">
+            <a:endParaRPr lang="en-US" sz="1800" dirty="0">
               <a:latin typeface="+mn-lt"/>
             </a:endParaRPr>
           </a:p>
           <a:p>
             <a:r>
-              <a:rPr lang="en-US" sz="2000" b="1" dirty="0">
+              <a:rPr lang="en-US" sz="1800" b="1" dirty="0">
                 <a:latin typeface="Consolas" panose="020B0609020204030204" pitchFamily="49" charset="0"/>
               </a:rPr>
               <a:t>$c2=[Circle]::new(1); $c3=[Cylinder]::new(1,2)</a:t>
             </a:r>
             <a:br>
-              <a:rPr lang="en-US" sz="2000" b="1" dirty="0">
+              <a:rPr lang="en-US" sz="1800" b="1" dirty="0">
                 <a:latin typeface="Consolas" panose="020B0609020204030204" pitchFamily="49" charset="0"/>
               </a:rPr>
             </a:br>
             <a:r>
-              <a:rPr lang="en-US" sz="2000" b="1" dirty="0">
+              <a:rPr lang="en-US" sz="1800" b="1" dirty="0">
                 <a:latin typeface="Consolas" panose="020B0609020204030204" pitchFamily="49" charset="0"/>
               </a:rPr>
               <a:t>$c2.Area(), $c3.Area()</a:t>
@@ -8379,7 +10752,7 @@
     </p:spTree>
     <p:extLst>
       <p:ext uri="{BB962C8B-B14F-4D97-AF65-F5344CB8AC3E}">
-        <p14:creationId xmlns:p14="http://schemas.microsoft.com/office/powerpoint/2010/main" val="2432840855"/>
+        <p14:creationId xmlns:p14="http://schemas.microsoft.com/office/powerpoint/2010/main" val="3107017740"/>
       </p:ext>
     </p:extLst>
   </p:cSld>
@@ -8408,29 +10781,204 @@
       </p:grpSpPr>
       <p:sp>
         <p:nvSpPr>
-          <p:cNvPr id="2" name="Text Placeholder 1">
+          <p:cNvPr id="8" name="Text Placeholder 1">
             <a:extLst>
               <a:ext uri="{FF2B5EF4-FFF2-40B4-BE49-F238E27FC236}">
                 <a16:creationId xmlns:a16="http://schemas.microsoft.com/office/drawing/2014/main" id="{64492E64-A68B-8CA7-B3C6-044F7C8E76AB}"/>
               </a:ext>
             </a:extLst>
           </p:cNvPr>
-          <p:cNvSpPr>
-            <a:spLocks noGrp="1"/>
+          <p:cNvSpPr txBox="1">
+            <a:spLocks/>
           </p:cNvSpPr>
-          <p:nvPr>
-            <p:ph type="body" sz="quarter" idx="10"/>
-          </p:nvPr>
+          <p:nvPr/>
         </p:nvSpPr>
-        <p:spPr/>
+        <p:spPr>
+          <a:xfrm>
+            <a:off x="2052387" y="1313554"/>
+            <a:ext cx="8087226" cy="724247"/>
+          </a:xfrm>
+          <a:prstGeom prst="rect">
+            <a:avLst/>
+          </a:prstGeom>
+        </p:spPr>
         <p:txBody>
           <a:bodyPr>
-            <a:normAutofit fontScale="92500" lnSpcReduction="10000"/>
+            <a:normAutofit/>
           </a:bodyPr>
-          <a:lstStyle/>
-          <a:p>
-            <a:r>
-              <a:rPr lang="en-US" dirty="0"/>
+          <a:lstStyle>
+            <a:lvl1pPr marL="228600" indent="-228600" algn="l" defTabSz="914400" rtl="0" eaLnBrk="1" latinLnBrk="0" hangingPunct="1">
+              <a:lnSpc>
+                <a:spcPct val="90000"/>
+              </a:lnSpc>
+              <a:spcBef>
+                <a:spcPts val="1000"/>
+              </a:spcBef>
+              <a:buFont typeface="Arial" panose="020B0604020202020204" pitchFamily="34" charset="0"/>
+              <a:buChar char="•"/>
+              <a:defRPr sz="2800" kern="1200">
+                <a:solidFill>
+                  <a:schemeClr val="tx1"/>
+                </a:solidFill>
+                <a:latin typeface="+mn-lt"/>
+                <a:ea typeface="+mn-ea"/>
+                <a:cs typeface="+mn-cs"/>
+              </a:defRPr>
+            </a:lvl1pPr>
+            <a:lvl2pPr marL="685800" indent="-228600" algn="l" defTabSz="914400" rtl="0" eaLnBrk="1" latinLnBrk="0" hangingPunct="1">
+              <a:lnSpc>
+                <a:spcPct val="90000"/>
+              </a:lnSpc>
+              <a:spcBef>
+                <a:spcPts val="500"/>
+              </a:spcBef>
+              <a:buFont typeface="Arial" panose="020B0604020202020204" pitchFamily="34" charset="0"/>
+              <a:buChar char="•"/>
+              <a:defRPr sz="2400" kern="1200">
+                <a:solidFill>
+                  <a:schemeClr val="tx1"/>
+                </a:solidFill>
+                <a:latin typeface="+mn-lt"/>
+                <a:ea typeface="+mn-ea"/>
+                <a:cs typeface="+mn-cs"/>
+              </a:defRPr>
+            </a:lvl2pPr>
+            <a:lvl3pPr marL="1143000" indent="-228600" algn="l" defTabSz="914400" rtl="0" eaLnBrk="1" latinLnBrk="0" hangingPunct="1">
+              <a:lnSpc>
+                <a:spcPct val="90000"/>
+              </a:lnSpc>
+              <a:spcBef>
+                <a:spcPts val="500"/>
+              </a:spcBef>
+              <a:buFont typeface="Arial" panose="020B0604020202020204" pitchFamily="34" charset="0"/>
+              <a:buChar char="•"/>
+              <a:defRPr sz="2000" kern="1200">
+                <a:solidFill>
+                  <a:schemeClr val="tx1"/>
+                </a:solidFill>
+                <a:latin typeface="+mn-lt"/>
+                <a:ea typeface="+mn-ea"/>
+                <a:cs typeface="+mn-cs"/>
+              </a:defRPr>
+            </a:lvl3pPr>
+            <a:lvl4pPr marL="1600200" indent="-228600" algn="l" defTabSz="914400" rtl="0" eaLnBrk="1" latinLnBrk="0" hangingPunct="1">
+              <a:lnSpc>
+                <a:spcPct val="90000"/>
+              </a:lnSpc>
+              <a:spcBef>
+                <a:spcPts val="500"/>
+              </a:spcBef>
+              <a:buFont typeface="Arial" panose="020B0604020202020204" pitchFamily="34" charset="0"/>
+              <a:buChar char="•"/>
+              <a:defRPr sz="1800" kern="1200">
+                <a:solidFill>
+                  <a:schemeClr val="tx1"/>
+                </a:solidFill>
+                <a:latin typeface="+mn-lt"/>
+                <a:ea typeface="+mn-ea"/>
+                <a:cs typeface="+mn-cs"/>
+              </a:defRPr>
+            </a:lvl4pPr>
+            <a:lvl5pPr marL="2057400" indent="-228600" algn="l" defTabSz="914400" rtl="0" eaLnBrk="1" latinLnBrk="0" hangingPunct="1">
+              <a:lnSpc>
+                <a:spcPct val="90000"/>
+              </a:lnSpc>
+              <a:spcBef>
+                <a:spcPts val="500"/>
+              </a:spcBef>
+              <a:buFont typeface="Arial" panose="020B0604020202020204" pitchFamily="34" charset="0"/>
+              <a:buChar char="•"/>
+              <a:defRPr sz="1800" kern="1200">
+                <a:solidFill>
+                  <a:schemeClr val="tx1"/>
+                </a:solidFill>
+                <a:latin typeface="+mn-lt"/>
+                <a:ea typeface="+mn-ea"/>
+                <a:cs typeface="+mn-cs"/>
+              </a:defRPr>
+            </a:lvl5pPr>
+            <a:lvl6pPr marL="2514600" indent="-228600" algn="l" defTabSz="914400" rtl="0" eaLnBrk="1" latinLnBrk="0" hangingPunct="1">
+              <a:lnSpc>
+                <a:spcPct val="90000"/>
+              </a:lnSpc>
+              <a:spcBef>
+                <a:spcPts val="500"/>
+              </a:spcBef>
+              <a:buFont typeface="Arial" panose="020B0604020202020204" pitchFamily="34" charset="0"/>
+              <a:buChar char="•"/>
+              <a:defRPr sz="1800" kern="1200">
+                <a:solidFill>
+                  <a:schemeClr val="tx1"/>
+                </a:solidFill>
+                <a:latin typeface="+mn-lt"/>
+                <a:ea typeface="+mn-ea"/>
+                <a:cs typeface="+mn-cs"/>
+              </a:defRPr>
+            </a:lvl6pPr>
+            <a:lvl7pPr marL="2971800" indent="-228600" algn="l" defTabSz="914400" rtl="0" eaLnBrk="1" latinLnBrk="0" hangingPunct="1">
+              <a:lnSpc>
+                <a:spcPct val="90000"/>
+              </a:lnSpc>
+              <a:spcBef>
+                <a:spcPts val="500"/>
+              </a:spcBef>
+              <a:buFont typeface="Arial" panose="020B0604020202020204" pitchFamily="34" charset="0"/>
+              <a:buChar char="•"/>
+              <a:defRPr sz="1800" kern="1200">
+                <a:solidFill>
+                  <a:schemeClr val="tx1"/>
+                </a:solidFill>
+                <a:latin typeface="+mn-lt"/>
+                <a:ea typeface="+mn-ea"/>
+                <a:cs typeface="+mn-cs"/>
+              </a:defRPr>
+            </a:lvl7pPr>
+            <a:lvl8pPr marL="3429000" indent="-228600" algn="l" defTabSz="914400" rtl="0" eaLnBrk="1" latinLnBrk="0" hangingPunct="1">
+              <a:lnSpc>
+                <a:spcPct val="90000"/>
+              </a:lnSpc>
+              <a:spcBef>
+                <a:spcPts val="500"/>
+              </a:spcBef>
+              <a:buFont typeface="Arial" panose="020B0604020202020204" pitchFamily="34" charset="0"/>
+              <a:buChar char="•"/>
+              <a:defRPr sz="1800" kern="1200">
+                <a:solidFill>
+                  <a:schemeClr val="tx1"/>
+                </a:solidFill>
+                <a:latin typeface="+mn-lt"/>
+                <a:ea typeface="+mn-ea"/>
+                <a:cs typeface="+mn-cs"/>
+              </a:defRPr>
+            </a:lvl8pPr>
+            <a:lvl9pPr marL="3886200" indent="-228600" algn="l" defTabSz="914400" rtl="0" eaLnBrk="1" latinLnBrk="0" hangingPunct="1">
+              <a:lnSpc>
+                <a:spcPct val="90000"/>
+              </a:lnSpc>
+              <a:spcBef>
+                <a:spcPts val="500"/>
+              </a:spcBef>
+              <a:buFont typeface="Arial" panose="020B0604020202020204" pitchFamily="34" charset="0"/>
+              <a:buChar char="•"/>
+              <a:defRPr sz="1800" kern="1200">
+                <a:solidFill>
+                  <a:schemeClr val="tx1"/>
+                </a:solidFill>
+                <a:latin typeface="+mn-lt"/>
+                <a:ea typeface="+mn-ea"/>
+                <a:cs typeface="+mn-cs"/>
+              </a:defRPr>
+            </a:lvl9pPr>
+          </a:lstStyle>
+          <a:p>
+            <a:pPr marL="0" indent="0" fontAlgn="auto">
+              <a:spcAft>
+                <a:spcPts val="0"/>
+              </a:spcAft>
+              <a:buNone/>
+            </a:pPr>
+            <a:r>
+              <a:rPr lang="en-US" sz="4400" dirty="0"/>
               <a:t>Accessing an overridden method</a:t>
             </a:r>
           </a:p>
@@ -8438,7 +10986,7 @@
       </p:sp>
       <p:sp>
         <p:nvSpPr>
-          <p:cNvPr id="4" name="TextBox 3">
+          <p:cNvPr id="9" name="TextBox 8">
             <a:extLst>
               <a:ext uri="{FF2B5EF4-FFF2-40B4-BE49-F238E27FC236}">
                 <a16:creationId xmlns:a16="http://schemas.microsoft.com/office/drawing/2014/main" id="{B64A8207-997F-319E-7F6D-676D3ECA779B}"/>
@@ -8450,8 +10998,8 @@
         </p:nvSpPr>
         <p:spPr>
           <a:xfrm>
-            <a:off x="1268392" y="1045763"/>
-            <a:ext cx="9655207" cy="1015663"/>
+            <a:off x="1268396" y="2105561"/>
+            <a:ext cx="9655207" cy="1323439"/>
           </a:xfrm>
           <a:prstGeom prst="rect">
             <a:avLst/>
@@ -8499,7 +11047,7 @@
     </p:spTree>
     <p:extLst>
       <p:ext uri="{BB962C8B-B14F-4D97-AF65-F5344CB8AC3E}">
-        <p14:creationId xmlns:p14="http://schemas.microsoft.com/office/powerpoint/2010/main" val="2169521787"/>
+        <p14:creationId xmlns:p14="http://schemas.microsoft.com/office/powerpoint/2010/main" val="3168421699"/>
       </p:ext>
     </p:extLst>
   </p:cSld>
@@ -8528,35 +11076,210 @@
       </p:grpSpPr>
       <p:sp>
         <p:nvSpPr>
-          <p:cNvPr id="2" name="Text Placeholder 1">
+          <p:cNvPr id="4" name="Text Placeholder 1">
             <a:extLst>
               <a:ext uri="{FF2B5EF4-FFF2-40B4-BE49-F238E27FC236}">
                 <a16:creationId xmlns:a16="http://schemas.microsoft.com/office/drawing/2014/main" id="{64492E64-A68B-8CA7-B3C6-044F7C8E76AB}"/>
               </a:ext>
             </a:extLst>
           </p:cNvPr>
-          <p:cNvSpPr>
-            <a:spLocks noGrp="1"/>
+          <p:cNvSpPr txBox="1">
+            <a:spLocks/>
           </p:cNvSpPr>
-          <p:nvPr>
-            <p:ph type="body" sz="quarter" idx="10"/>
-          </p:nvPr>
+          <p:nvPr/>
         </p:nvSpPr>
-        <p:spPr/>
+        <p:spPr>
+          <a:xfrm>
+            <a:off x="1884173" y="1262535"/>
+            <a:ext cx="8423654" cy="724247"/>
+          </a:xfrm>
+          <a:prstGeom prst="rect">
+            <a:avLst/>
+          </a:prstGeom>
+        </p:spPr>
         <p:txBody>
           <a:bodyPr>
-            <a:normAutofit fontScale="92500" lnSpcReduction="10000"/>
+            <a:normAutofit/>
           </a:bodyPr>
-          <a:lstStyle/>
-          <a:p>
-            <a:r>
-              <a:rPr lang="en-US" b="1" dirty="0">
+          <a:lstStyle>
+            <a:lvl1pPr marL="228600" indent="-228600" algn="l" defTabSz="914400" rtl="0" eaLnBrk="1" latinLnBrk="0" hangingPunct="1">
+              <a:lnSpc>
+                <a:spcPct val="90000"/>
+              </a:lnSpc>
+              <a:spcBef>
+                <a:spcPts val="1000"/>
+              </a:spcBef>
+              <a:buFont typeface="Arial" panose="020B0604020202020204" pitchFamily="34" charset="0"/>
+              <a:buChar char="•"/>
+              <a:defRPr sz="2800" kern="1200">
+                <a:solidFill>
+                  <a:schemeClr val="tx1"/>
+                </a:solidFill>
+                <a:latin typeface="+mn-lt"/>
+                <a:ea typeface="+mn-ea"/>
+                <a:cs typeface="+mn-cs"/>
+              </a:defRPr>
+            </a:lvl1pPr>
+            <a:lvl2pPr marL="685800" indent="-228600" algn="l" defTabSz="914400" rtl="0" eaLnBrk="1" latinLnBrk="0" hangingPunct="1">
+              <a:lnSpc>
+                <a:spcPct val="90000"/>
+              </a:lnSpc>
+              <a:spcBef>
+                <a:spcPts val="500"/>
+              </a:spcBef>
+              <a:buFont typeface="Arial" panose="020B0604020202020204" pitchFamily="34" charset="0"/>
+              <a:buChar char="•"/>
+              <a:defRPr sz="2400" kern="1200">
+                <a:solidFill>
+                  <a:schemeClr val="tx1"/>
+                </a:solidFill>
+                <a:latin typeface="+mn-lt"/>
+                <a:ea typeface="+mn-ea"/>
+                <a:cs typeface="+mn-cs"/>
+              </a:defRPr>
+            </a:lvl2pPr>
+            <a:lvl3pPr marL="1143000" indent="-228600" algn="l" defTabSz="914400" rtl="0" eaLnBrk="1" latinLnBrk="0" hangingPunct="1">
+              <a:lnSpc>
+                <a:spcPct val="90000"/>
+              </a:lnSpc>
+              <a:spcBef>
+                <a:spcPts val="500"/>
+              </a:spcBef>
+              <a:buFont typeface="Arial" panose="020B0604020202020204" pitchFamily="34" charset="0"/>
+              <a:buChar char="•"/>
+              <a:defRPr sz="2000" kern="1200">
+                <a:solidFill>
+                  <a:schemeClr val="tx1"/>
+                </a:solidFill>
+                <a:latin typeface="+mn-lt"/>
+                <a:ea typeface="+mn-ea"/>
+                <a:cs typeface="+mn-cs"/>
+              </a:defRPr>
+            </a:lvl3pPr>
+            <a:lvl4pPr marL="1600200" indent="-228600" algn="l" defTabSz="914400" rtl="0" eaLnBrk="1" latinLnBrk="0" hangingPunct="1">
+              <a:lnSpc>
+                <a:spcPct val="90000"/>
+              </a:lnSpc>
+              <a:spcBef>
+                <a:spcPts val="500"/>
+              </a:spcBef>
+              <a:buFont typeface="Arial" panose="020B0604020202020204" pitchFamily="34" charset="0"/>
+              <a:buChar char="•"/>
+              <a:defRPr sz="1800" kern="1200">
+                <a:solidFill>
+                  <a:schemeClr val="tx1"/>
+                </a:solidFill>
+                <a:latin typeface="+mn-lt"/>
+                <a:ea typeface="+mn-ea"/>
+                <a:cs typeface="+mn-cs"/>
+              </a:defRPr>
+            </a:lvl4pPr>
+            <a:lvl5pPr marL="2057400" indent="-228600" algn="l" defTabSz="914400" rtl="0" eaLnBrk="1" latinLnBrk="0" hangingPunct="1">
+              <a:lnSpc>
+                <a:spcPct val="90000"/>
+              </a:lnSpc>
+              <a:spcBef>
+                <a:spcPts val="500"/>
+              </a:spcBef>
+              <a:buFont typeface="Arial" panose="020B0604020202020204" pitchFamily="34" charset="0"/>
+              <a:buChar char="•"/>
+              <a:defRPr sz="1800" kern="1200">
+                <a:solidFill>
+                  <a:schemeClr val="tx1"/>
+                </a:solidFill>
+                <a:latin typeface="+mn-lt"/>
+                <a:ea typeface="+mn-ea"/>
+                <a:cs typeface="+mn-cs"/>
+              </a:defRPr>
+            </a:lvl5pPr>
+            <a:lvl6pPr marL="2514600" indent="-228600" algn="l" defTabSz="914400" rtl="0" eaLnBrk="1" latinLnBrk="0" hangingPunct="1">
+              <a:lnSpc>
+                <a:spcPct val="90000"/>
+              </a:lnSpc>
+              <a:spcBef>
+                <a:spcPts val="500"/>
+              </a:spcBef>
+              <a:buFont typeface="Arial" panose="020B0604020202020204" pitchFamily="34" charset="0"/>
+              <a:buChar char="•"/>
+              <a:defRPr sz="1800" kern="1200">
+                <a:solidFill>
+                  <a:schemeClr val="tx1"/>
+                </a:solidFill>
+                <a:latin typeface="+mn-lt"/>
+                <a:ea typeface="+mn-ea"/>
+                <a:cs typeface="+mn-cs"/>
+              </a:defRPr>
+            </a:lvl6pPr>
+            <a:lvl7pPr marL="2971800" indent="-228600" algn="l" defTabSz="914400" rtl="0" eaLnBrk="1" latinLnBrk="0" hangingPunct="1">
+              <a:lnSpc>
+                <a:spcPct val="90000"/>
+              </a:lnSpc>
+              <a:spcBef>
+                <a:spcPts val="500"/>
+              </a:spcBef>
+              <a:buFont typeface="Arial" panose="020B0604020202020204" pitchFamily="34" charset="0"/>
+              <a:buChar char="•"/>
+              <a:defRPr sz="1800" kern="1200">
+                <a:solidFill>
+                  <a:schemeClr val="tx1"/>
+                </a:solidFill>
+                <a:latin typeface="+mn-lt"/>
+                <a:ea typeface="+mn-ea"/>
+                <a:cs typeface="+mn-cs"/>
+              </a:defRPr>
+            </a:lvl7pPr>
+            <a:lvl8pPr marL="3429000" indent="-228600" algn="l" defTabSz="914400" rtl="0" eaLnBrk="1" latinLnBrk="0" hangingPunct="1">
+              <a:lnSpc>
+                <a:spcPct val="90000"/>
+              </a:lnSpc>
+              <a:spcBef>
+                <a:spcPts val="500"/>
+              </a:spcBef>
+              <a:buFont typeface="Arial" panose="020B0604020202020204" pitchFamily="34" charset="0"/>
+              <a:buChar char="•"/>
+              <a:defRPr sz="1800" kern="1200">
+                <a:solidFill>
+                  <a:schemeClr val="tx1"/>
+                </a:solidFill>
+                <a:latin typeface="+mn-lt"/>
+                <a:ea typeface="+mn-ea"/>
+                <a:cs typeface="+mn-cs"/>
+              </a:defRPr>
+            </a:lvl8pPr>
+            <a:lvl9pPr marL="3886200" indent="-228600" algn="l" defTabSz="914400" rtl="0" eaLnBrk="1" latinLnBrk="0" hangingPunct="1">
+              <a:lnSpc>
+                <a:spcPct val="90000"/>
+              </a:lnSpc>
+              <a:spcBef>
+                <a:spcPts val="500"/>
+              </a:spcBef>
+              <a:buFont typeface="Arial" panose="020B0604020202020204" pitchFamily="34" charset="0"/>
+              <a:buChar char="•"/>
+              <a:defRPr sz="1800" kern="1200">
+                <a:solidFill>
+                  <a:schemeClr val="tx1"/>
+                </a:solidFill>
+                <a:latin typeface="+mn-lt"/>
+                <a:ea typeface="+mn-ea"/>
+                <a:cs typeface="+mn-cs"/>
+              </a:defRPr>
+            </a:lvl9pPr>
+          </a:lstStyle>
+          <a:p>
+            <a:pPr marL="0" indent="0" fontAlgn="auto">
+              <a:spcAft>
+                <a:spcPts val="0"/>
+              </a:spcAft>
+              <a:buNone/>
+            </a:pPr>
+            <a:r>
+              <a:rPr lang="en-US" sz="4400" b="1" dirty="0">
                 <a:latin typeface="Consolas" panose="020B0609020204030204" pitchFamily="49" charset="0"/>
               </a:rPr>
               <a:t>using</a:t>
             </a:r>
             <a:r>
-              <a:rPr lang="en-US" dirty="0"/>
+              <a:rPr lang="en-US" sz="4400" dirty="0"/>
               <a:t> statement (PowerShell v5+)</a:t>
             </a:r>
           </a:p>
@@ -8564,7 +11287,7 @@
       </p:sp>
       <p:sp>
         <p:nvSpPr>
-          <p:cNvPr id="4" name="TextBox 3">
+          <p:cNvPr id="5" name="TextBox 4">
             <a:extLst>
               <a:ext uri="{FF2B5EF4-FFF2-40B4-BE49-F238E27FC236}">
                 <a16:creationId xmlns:a16="http://schemas.microsoft.com/office/drawing/2014/main" id="{B64A8207-997F-319E-7F6D-676D3ECA779B}"/>
@@ -8576,8 +11299,8 @@
         </p:nvSpPr>
         <p:spPr>
           <a:xfrm>
-            <a:off x="1268392" y="1045763"/>
-            <a:ext cx="9655207" cy="3785652"/>
+            <a:off x="1166004" y="2141318"/>
+            <a:ext cx="9859991" cy="3447098"/>
           </a:xfrm>
           <a:prstGeom prst="rect">
             <a:avLst/>
@@ -8595,19 +11318,19 @@
               <a:buChar char="•"/>
             </a:pPr>
             <a:r>
-              <a:rPr lang="en-US" sz="2000" dirty="0">
+              <a:rPr lang="en-US" sz="1800" dirty="0">
                 <a:latin typeface="+mn-lt"/>
               </a:rPr>
               <a:t>The  </a:t>
             </a:r>
             <a:r>
-              <a:rPr lang="en-US" sz="2000" b="1" dirty="0">
+              <a:rPr lang="en-US" sz="1800" b="1" dirty="0">
                 <a:latin typeface="Consolas" panose="020B0609020204030204" pitchFamily="49" charset="0"/>
               </a:rPr>
               <a:t>using</a:t>
             </a:r>
             <a:r>
-              <a:rPr lang="en-US" sz="2000" dirty="0">
+              <a:rPr lang="en-US" sz="1800" dirty="0">
                 <a:latin typeface="+mn-lt"/>
               </a:rPr>
               <a:t>  keyword is used to import classes, modules, or .NET assemblies into a PowerShell script.</a:t>
@@ -8619,19 +11342,19 @@
               <a:buChar char="•"/>
             </a:pPr>
             <a:r>
-              <a:rPr lang="en-US" sz="2000" dirty="0">
+              <a:rPr lang="en-US" sz="1800" dirty="0">
                 <a:latin typeface="+mn-lt"/>
               </a:rPr>
               <a:t>A  </a:t>
             </a:r>
             <a:r>
-              <a:rPr lang="en-US" sz="2000" b="1" dirty="0">
+              <a:rPr lang="en-US" sz="1800" b="1" dirty="0">
                 <a:latin typeface="Consolas" panose="020B0609020204030204" pitchFamily="49" charset="0"/>
               </a:rPr>
               <a:t>using</a:t>
             </a:r>
             <a:r>
-              <a:rPr lang="en-US" sz="2000" dirty="0">
+              <a:rPr lang="en-US" sz="1800" dirty="0">
                 <a:latin typeface="+mn-lt"/>
               </a:rPr>
               <a:t>  statement must appear at the top of a script.</a:t>
@@ -8643,94 +11366,94 @@
               <a:buChar char="•"/>
             </a:pPr>
             <a:r>
-              <a:rPr lang="en-US" sz="2000" dirty="0">
+              <a:rPr lang="en-US" sz="1800" dirty="0">
                 <a:latin typeface="+mn-lt"/>
               </a:rPr>
               <a:t>Examples:</a:t>
             </a:r>
           </a:p>
           <a:p>
-            <a:endParaRPr lang="en-US" sz="2000" dirty="0">
+            <a:endParaRPr lang="en-US" sz="1800" dirty="0">
               <a:latin typeface="+mn-lt"/>
             </a:endParaRPr>
           </a:p>
           <a:p>
             <a:r>
-              <a:rPr lang="en-US" sz="2000" b="1" dirty="0">
+              <a:rPr lang="en-US" sz="1800" b="1" dirty="0">
                 <a:latin typeface="Consolas" panose="020B0609020204030204" pitchFamily="49" charset="0"/>
               </a:rPr>
               <a:t>using namespace </a:t>
             </a:r>
             <a:r>
-              <a:rPr lang="en-US" sz="2000" b="1" dirty="0" err="1">
+              <a:rPr lang="en-US" sz="1800" b="1" dirty="0" err="1">
                 <a:latin typeface="Consolas" panose="020B0609020204030204" pitchFamily="49" charset="0"/>
               </a:rPr>
               <a:t>System.Data.Odbc</a:t>
             </a:r>
             <a:r>
-              <a:rPr lang="en-US" sz="2000" dirty="0">
+              <a:rPr lang="en-US" sz="1800" dirty="0">
                 <a:latin typeface="+mn-lt"/>
               </a:rPr>
               <a:t> </a:t>
             </a:r>
-            <a:endParaRPr lang="en-US" sz="2000" b="1" dirty="0">
+            <a:endParaRPr lang="en-US" sz="1800" b="1" dirty="0">
               <a:latin typeface="Consolas" panose="020B0609020204030204" pitchFamily="49" charset="0"/>
             </a:endParaRPr>
           </a:p>
           <a:p>
-            <a:endParaRPr lang="en-US" sz="2000" b="1" dirty="0">
+            <a:endParaRPr lang="en-US" sz="1800" b="1" dirty="0">
               <a:latin typeface="Consolas" panose="020B0609020204030204" pitchFamily="49" charset="0"/>
             </a:endParaRPr>
           </a:p>
           <a:p>
             <a:r>
-              <a:rPr lang="en-US" sz="2000" b="1" dirty="0">
+              <a:rPr lang="en-US" sz="1800" b="1" dirty="0">
                 <a:latin typeface="Consolas" panose="020B0609020204030204" pitchFamily="49" charset="0"/>
               </a:rPr>
               <a:t>using assembly 'C:\Program Files\</a:t>
             </a:r>
             <a:r>
-              <a:rPr lang="en-US" sz="2000" b="1" dirty="0" err="1">
+              <a:rPr lang="en-US" sz="1800" b="1" dirty="0" err="1">
                 <a:latin typeface="Consolas" panose="020B0609020204030204" pitchFamily="49" charset="0"/>
               </a:rPr>
               <a:t>MyApp</a:t>
             </a:r>
             <a:r>
-              <a:rPr lang="en-US" sz="2000" b="1" dirty="0">
+              <a:rPr lang="en-US" sz="1800" b="1" dirty="0">
                 <a:latin typeface="Consolas" panose="020B0609020204030204" pitchFamily="49" charset="0"/>
               </a:rPr>
               <a:t>\myapp.dll'</a:t>
             </a:r>
             <a:r>
-              <a:rPr lang="en-US" sz="2000" dirty="0">
+              <a:rPr lang="en-US" sz="1800" dirty="0">
                 <a:latin typeface="+mn-lt"/>
               </a:rPr>
               <a:t> </a:t>
             </a:r>
-            <a:endParaRPr lang="en-US" sz="2000" b="1" dirty="0">
+            <a:endParaRPr lang="en-US" sz="1800" b="1" dirty="0">
               <a:latin typeface="Consolas" panose="020B0609020204030204" pitchFamily="49" charset="0"/>
             </a:endParaRPr>
           </a:p>
           <a:p>
-            <a:endParaRPr lang="en-US" sz="2000" b="1" dirty="0">
+            <a:endParaRPr lang="en-US" sz="1800" b="1" dirty="0">
               <a:latin typeface="Consolas" panose="020B0609020204030204" pitchFamily="49" charset="0"/>
             </a:endParaRPr>
           </a:p>
           <a:p>
             <a:r>
-              <a:rPr lang="en-US" sz="2000" b="1" dirty="0">
+              <a:rPr lang="en-US" sz="1800" b="1" dirty="0">
                 <a:latin typeface="Consolas" panose="020B0609020204030204" pitchFamily="49" charset="0"/>
               </a:rPr>
               <a:t>using module </a:t>
             </a:r>
             <a:r>
-              <a:rPr lang="en-US" sz="2000" b="1" dirty="0" err="1">
+              <a:rPr lang="en-US" sz="1800" b="1" dirty="0" err="1">
                 <a:latin typeface="Consolas" panose="020B0609020204030204" pitchFamily="49" charset="0"/>
               </a:rPr>
               <a:t>ModuleWithNewTypes</a:t>
             </a:r>
             <a:r>
-              <a:rPr lang="en-US" sz="2000" dirty="0">
+              <a:rPr lang="en-US" sz="1800" dirty="0">
                 <a:latin typeface="+mn-lt"/>
               </a:rPr>
               <a:t> </a:t>
@@ -8738,37 +11461,37 @@
           </a:p>
           <a:p>
             <a:r>
-              <a:rPr lang="en-US" sz="2000" dirty="0">
+              <a:rPr lang="en-US" sz="1800" dirty="0">
                 <a:latin typeface="+mn-lt"/>
               </a:rPr>
               <a:t>             </a:t>
             </a:r>
             <a:r>
-              <a:rPr lang="en-US" sz="2000" i="1" dirty="0">
+              <a:rPr lang="en-US" sz="1800" i="1" dirty="0">
                 <a:latin typeface="+mn-lt"/>
               </a:rPr>
               <a:t># Always use  </a:t>
             </a:r>
             <a:r>
-              <a:rPr lang="en-US" sz="2000" b="1" dirty="0">
+              <a:rPr lang="en-US" sz="1800" b="1" dirty="0">
                 <a:latin typeface="Consolas" panose="020B0609020204030204" pitchFamily="49" charset="0"/>
               </a:rPr>
               <a:t>using</a:t>
             </a:r>
             <a:r>
-              <a:rPr lang="en-US" sz="2000" i="1" dirty="0">
+              <a:rPr lang="en-US" sz="1800" i="1" dirty="0">
                 <a:latin typeface="+mn-lt"/>
               </a:rPr>
               <a:t>  instead of  </a:t>
             </a:r>
             <a:r>
-              <a:rPr lang="en-US" sz="2000" b="1" dirty="0">
+              <a:rPr lang="en-US" sz="1800" b="1" dirty="0">
                 <a:latin typeface="Consolas" panose="020B0609020204030204" pitchFamily="49" charset="0"/>
               </a:rPr>
               <a:t>Import-Module</a:t>
             </a:r>
             <a:r>
-              <a:rPr lang="en-US" sz="2000" i="1" dirty="0">
+              <a:rPr lang="en-US" sz="1800" i="1" dirty="0">
                 <a:latin typeface="+mn-lt"/>
               </a:rPr>
               <a:t>  if your module contains classes! </a:t>
@@ -8787,7 +11510,7 @@
     </p:spTree>
     <p:extLst>
       <p:ext uri="{BB962C8B-B14F-4D97-AF65-F5344CB8AC3E}">
-        <p14:creationId xmlns:p14="http://schemas.microsoft.com/office/powerpoint/2010/main" val="1187668382"/>
+        <p14:creationId xmlns:p14="http://schemas.microsoft.com/office/powerpoint/2010/main" val="3538122604"/>
       </p:ext>
     </p:extLst>
   </p:cSld>
@@ -8816,29 +11539,204 @@
       </p:grpSpPr>
       <p:sp>
         <p:nvSpPr>
-          <p:cNvPr id="2" name="Text Placeholder 1">
+          <p:cNvPr id="4" name="Text Placeholder 1">
             <a:extLst>
               <a:ext uri="{FF2B5EF4-FFF2-40B4-BE49-F238E27FC236}">
                 <a16:creationId xmlns:a16="http://schemas.microsoft.com/office/drawing/2014/main" id="{64492E64-A68B-8CA7-B3C6-044F7C8E76AB}"/>
               </a:ext>
             </a:extLst>
           </p:cNvPr>
-          <p:cNvSpPr>
-            <a:spLocks noGrp="1"/>
+          <p:cNvSpPr txBox="1">
+            <a:spLocks/>
           </p:cNvSpPr>
-          <p:nvPr>
-            <p:ph type="body" sz="quarter" idx="10"/>
-          </p:nvPr>
+          <p:nvPr/>
         </p:nvSpPr>
-        <p:spPr/>
+        <p:spPr>
+          <a:xfrm>
+            <a:off x="3208327" y="1236656"/>
+            <a:ext cx="5775346" cy="724247"/>
+          </a:xfrm>
+          <a:prstGeom prst="rect">
+            <a:avLst/>
+          </a:prstGeom>
+        </p:spPr>
         <p:txBody>
           <a:bodyPr>
-            <a:normAutofit fontScale="92500" lnSpcReduction="10000"/>
+            <a:normAutofit/>
           </a:bodyPr>
-          <a:lstStyle/>
-          <a:p>
-            <a:r>
-              <a:rPr lang="en-US" dirty="0"/>
+          <a:lstStyle>
+            <a:lvl1pPr marL="228600" indent="-228600" algn="l" defTabSz="914400" rtl="0" eaLnBrk="1" latinLnBrk="0" hangingPunct="1">
+              <a:lnSpc>
+                <a:spcPct val="90000"/>
+              </a:lnSpc>
+              <a:spcBef>
+                <a:spcPts val="1000"/>
+              </a:spcBef>
+              <a:buFont typeface="Arial" panose="020B0604020202020204" pitchFamily="34" charset="0"/>
+              <a:buChar char="•"/>
+              <a:defRPr sz="2800" kern="1200">
+                <a:solidFill>
+                  <a:schemeClr val="tx1"/>
+                </a:solidFill>
+                <a:latin typeface="+mn-lt"/>
+                <a:ea typeface="+mn-ea"/>
+                <a:cs typeface="+mn-cs"/>
+              </a:defRPr>
+            </a:lvl1pPr>
+            <a:lvl2pPr marL="685800" indent="-228600" algn="l" defTabSz="914400" rtl="0" eaLnBrk="1" latinLnBrk="0" hangingPunct="1">
+              <a:lnSpc>
+                <a:spcPct val="90000"/>
+              </a:lnSpc>
+              <a:spcBef>
+                <a:spcPts val="500"/>
+              </a:spcBef>
+              <a:buFont typeface="Arial" panose="020B0604020202020204" pitchFamily="34" charset="0"/>
+              <a:buChar char="•"/>
+              <a:defRPr sz="2400" kern="1200">
+                <a:solidFill>
+                  <a:schemeClr val="tx1"/>
+                </a:solidFill>
+                <a:latin typeface="+mn-lt"/>
+                <a:ea typeface="+mn-ea"/>
+                <a:cs typeface="+mn-cs"/>
+              </a:defRPr>
+            </a:lvl2pPr>
+            <a:lvl3pPr marL="1143000" indent="-228600" algn="l" defTabSz="914400" rtl="0" eaLnBrk="1" latinLnBrk="0" hangingPunct="1">
+              <a:lnSpc>
+                <a:spcPct val="90000"/>
+              </a:lnSpc>
+              <a:spcBef>
+                <a:spcPts val="500"/>
+              </a:spcBef>
+              <a:buFont typeface="Arial" panose="020B0604020202020204" pitchFamily="34" charset="0"/>
+              <a:buChar char="•"/>
+              <a:defRPr sz="2000" kern="1200">
+                <a:solidFill>
+                  <a:schemeClr val="tx1"/>
+                </a:solidFill>
+                <a:latin typeface="+mn-lt"/>
+                <a:ea typeface="+mn-ea"/>
+                <a:cs typeface="+mn-cs"/>
+              </a:defRPr>
+            </a:lvl3pPr>
+            <a:lvl4pPr marL="1600200" indent="-228600" algn="l" defTabSz="914400" rtl="0" eaLnBrk="1" latinLnBrk="0" hangingPunct="1">
+              <a:lnSpc>
+                <a:spcPct val="90000"/>
+              </a:lnSpc>
+              <a:spcBef>
+                <a:spcPts val="500"/>
+              </a:spcBef>
+              <a:buFont typeface="Arial" panose="020B0604020202020204" pitchFamily="34" charset="0"/>
+              <a:buChar char="•"/>
+              <a:defRPr sz="1800" kern="1200">
+                <a:solidFill>
+                  <a:schemeClr val="tx1"/>
+                </a:solidFill>
+                <a:latin typeface="+mn-lt"/>
+                <a:ea typeface="+mn-ea"/>
+                <a:cs typeface="+mn-cs"/>
+              </a:defRPr>
+            </a:lvl4pPr>
+            <a:lvl5pPr marL="2057400" indent="-228600" algn="l" defTabSz="914400" rtl="0" eaLnBrk="1" latinLnBrk="0" hangingPunct="1">
+              <a:lnSpc>
+                <a:spcPct val="90000"/>
+              </a:lnSpc>
+              <a:spcBef>
+                <a:spcPts val="500"/>
+              </a:spcBef>
+              <a:buFont typeface="Arial" panose="020B0604020202020204" pitchFamily="34" charset="0"/>
+              <a:buChar char="•"/>
+              <a:defRPr sz="1800" kern="1200">
+                <a:solidFill>
+                  <a:schemeClr val="tx1"/>
+                </a:solidFill>
+                <a:latin typeface="+mn-lt"/>
+                <a:ea typeface="+mn-ea"/>
+                <a:cs typeface="+mn-cs"/>
+              </a:defRPr>
+            </a:lvl5pPr>
+            <a:lvl6pPr marL="2514600" indent="-228600" algn="l" defTabSz="914400" rtl="0" eaLnBrk="1" latinLnBrk="0" hangingPunct="1">
+              <a:lnSpc>
+                <a:spcPct val="90000"/>
+              </a:lnSpc>
+              <a:spcBef>
+                <a:spcPts val="500"/>
+              </a:spcBef>
+              <a:buFont typeface="Arial" panose="020B0604020202020204" pitchFamily="34" charset="0"/>
+              <a:buChar char="•"/>
+              <a:defRPr sz="1800" kern="1200">
+                <a:solidFill>
+                  <a:schemeClr val="tx1"/>
+                </a:solidFill>
+                <a:latin typeface="+mn-lt"/>
+                <a:ea typeface="+mn-ea"/>
+                <a:cs typeface="+mn-cs"/>
+              </a:defRPr>
+            </a:lvl6pPr>
+            <a:lvl7pPr marL="2971800" indent="-228600" algn="l" defTabSz="914400" rtl="0" eaLnBrk="1" latinLnBrk="0" hangingPunct="1">
+              <a:lnSpc>
+                <a:spcPct val="90000"/>
+              </a:lnSpc>
+              <a:spcBef>
+                <a:spcPts val="500"/>
+              </a:spcBef>
+              <a:buFont typeface="Arial" panose="020B0604020202020204" pitchFamily="34" charset="0"/>
+              <a:buChar char="•"/>
+              <a:defRPr sz="1800" kern="1200">
+                <a:solidFill>
+                  <a:schemeClr val="tx1"/>
+                </a:solidFill>
+                <a:latin typeface="+mn-lt"/>
+                <a:ea typeface="+mn-ea"/>
+                <a:cs typeface="+mn-cs"/>
+              </a:defRPr>
+            </a:lvl7pPr>
+            <a:lvl8pPr marL="3429000" indent="-228600" algn="l" defTabSz="914400" rtl="0" eaLnBrk="1" latinLnBrk="0" hangingPunct="1">
+              <a:lnSpc>
+                <a:spcPct val="90000"/>
+              </a:lnSpc>
+              <a:spcBef>
+                <a:spcPts val="500"/>
+              </a:spcBef>
+              <a:buFont typeface="Arial" panose="020B0604020202020204" pitchFamily="34" charset="0"/>
+              <a:buChar char="•"/>
+              <a:defRPr sz="1800" kern="1200">
+                <a:solidFill>
+                  <a:schemeClr val="tx1"/>
+                </a:solidFill>
+                <a:latin typeface="+mn-lt"/>
+                <a:ea typeface="+mn-ea"/>
+                <a:cs typeface="+mn-cs"/>
+              </a:defRPr>
+            </a:lvl8pPr>
+            <a:lvl9pPr marL="3886200" indent="-228600" algn="l" defTabSz="914400" rtl="0" eaLnBrk="1" latinLnBrk="0" hangingPunct="1">
+              <a:lnSpc>
+                <a:spcPct val="90000"/>
+              </a:lnSpc>
+              <a:spcBef>
+                <a:spcPts val="500"/>
+              </a:spcBef>
+              <a:buFont typeface="Arial" panose="020B0604020202020204" pitchFamily="34" charset="0"/>
+              <a:buChar char="•"/>
+              <a:defRPr sz="1800" kern="1200">
+                <a:solidFill>
+                  <a:schemeClr val="tx1"/>
+                </a:solidFill>
+                <a:latin typeface="+mn-lt"/>
+                <a:ea typeface="+mn-ea"/>
+                <a:cs typeface="+mn-cs"/>
+              </a:defRPr>
+            </a:lvl9pPr>
+          </a:lstStyle>
+          <a:p>
+            <a:pPr marL="0" indent="0" fontAlgn="auto">
+              <a:spcAft>
+                <a:spcPts val="0"/>
+              </a:spcAft>
+              <a:buNone/>
+            </a:pPr>
+            <a:r>
+              <a:rPr lang="en-US" sz="4400" dirty="0"/>
               <a:t>Enumerated data types</a:t>
             </a:r>
           </a:p>
@@ -8846,7 +11744,7 @@
       </p:sp>
       <p:sp>
         <p:nvSpPr>
-          <p:cNvPr id="4" name="TextBox 3">
+          <p:cNvPr id="5" name="TextBox 4">
             <a:extLst>
               <a:ext uri="{FF2B5EF4-FFF2-40B4-BE49-F238E27FC236}">
                 <a16:creationId xmlns:a16="http://schemas.microsoft.com/office/drawing/2014/main" id="{B64A8207-997F-319E-7F6D-676D3ECA779B}"/>
@@ -8858,8 +11756,8 @@
         </p:nvSpPr>
         <p:spPr>
           <a:xfrm>
-            <a:off x="1268392" y="1045763"/>
-            <a:ext cx="9655207" cy="5016758"/>
+            <a:off x="724620" y="1960903"/>
+            <a:ext cx="10406014" cy="4555093"/>
           </a:xfrm>
           <a:prstGeom prst="rect">
             <a:avLst/>
@@ -8877,7 +11775,7 @@
               <a:buChar char="•"/>
             </a:pPr>
             <a:r>
-              <a:rPr lang="en-US" sz="2000" dirty="0">
+              <a:rPr lang="en-US" sz="1800" dirty="0">
                 <a:latin typeface="+mn-lt"/>
               </a:rPr>
               <a:t>What if a data value is merely a choice taken from a finite set of options?</a:t>
@@ -8885,7 +11783,7 @@
           </a:p>
           <a:p>
             <a:r>
-              <a:rPr lang="en-US" sz="2000" dirty="0">
+              <a:rPr lang="en-US" sz="1800" dirty="0">
                 <a:latin typeface="+mn-lt"/>
               </a:rPr>
               <a:t> </a:t>
@@ -8897,7 +11795,7 @@
               <a:buChar char="•"/>
             </a:pPr>
             <a:r>
-              <a:rPr lang="en-US" sz="2000" dirty="0">
+              <a:rPr lang="en-US" sz="1800" dirty="0">
                 <a:latin typeface="+mn-lt"/>
               </a:rPr>
               <a:t>Examples:</a:t>
@@ -8909,7 +11807,7 @@
               <a:buChar char="•"/>
             </a:pPr>
             <a:r>
-              <a:rPr lang="en-US" sz="2000" dirty="0">
+              <a:rPr lang="en-US" sz="1800" dirty="0">
                 <a:latin typeface="+mn-lt"/>
               </a:rPr>
               <a:t>Common, semi-precious, or precious</a:t>
@@ -8921,7 +11819,7 @@
               <a:buChar char="•"/>
             </a:pPr>
             <a:r>
-              <a:rPr lang="en-US" sz="2000" dirty="0">
+              <a:rPr lang="en-US" sz="1800" dirty="0">
                 <a:latin typeface="+mn-lt"/>
               </a:rPr>
               <a:t>Small, medium, large, or extra-large</a:t>
@@ -8933,7 +11831,7 @@
               <a:buChar char="•"/>
             </a:pPr>
             <a:r>
-              <a:rPr lang="en-US" sz="2000" dirty="0">
+              <a:rPr lang="en-US" sz="1800" dirty="0">
                 <a:latin typeface="+mn-lt"/>
               </a:rPr>
               <a:t>Beef, chicken, pork, fish, or vegetarian</a:t>
@@ -8941,7 +11839,7 @@
           </a:p>
           <a:p>
             <a:r>
-              <a:rPr lang="en-US" sz="2000" dirty="0">
+              <a:rPr lang="en-US" sz="1800" dirty="0">
                 <a:latin typeface="+mn-lt"/>
               </a:rPr>
               <a:t> </a:t>
@@ -8953,7 +11851,7 @@
               <a:buChar char="•"/>
             </a:pPr>
             <a:r>
-              <a:rPr lang="en-US" sz="2000" dirty="0">
+              <a:rPr lang="en-US" sz="1800" dirty="0">
                 <a:latin typeface="+mn-lt"/>
               </a:rPr>
               <a:t>A finite set of integers is an efficient way for a computer to represent such selections, but humans prefer meaningful words.</a:t>
@@ -8961,7 +11859,7 @@
           </a:p>
           <a:p>
             <a:r>
-              <a:rPr lang="en-US" sz="2000" dirty="0">
+              <a:rPr lang="en-US" sz="1800" dirty="0">
                 <a:latin typeface="+mn-lt"/>
               </a:rPr>
               <a:t> </a:t>
@@ -8973,69 +11871,69 @@
               <a:buChar char="•"/>
             </a:pPr>
             <a:r>
-              <a:rPr lang="en-US" sz="2000" dirty="0">
+              <a:rPr lang="en-US" sz="1800" dirty="0">
                 <a:latin typeface="+mn-lt"/>
               </a:rPr>
               <a:t>In PowerShell, you can use an </a:t>
             </a:r>
             <a:r>
-              <a:rPr lang="en-US" sz="2000" i="1" dirty="0">
+              <a:rPr lang="en-US" sz="1800" i="1" dirty="0">
                 <a:latin typeface="+mn-lt"/>
               </a:rPr>
               <a:t>enumeration</a:t>
             </a:r>
             <a:r>
-              <a:rPr lang="en-US" sz="2000" dirty="0">
+              <a:rPr lang="en-US" sz="1800" dirty="0">
                 <a:latin typeface="+mn-lt"/>
               </a:rPr>
               <a:t> to map human-friendly strings to integers.</a:t>
             </a:r>
             <a:br>
-              <a:rPr lang="en-US" sz="2000" dirty="0">
+              <a:rPr lang="en-US" sz="1800" dirty="0">
                 <a:latin typeface="+mn-lt"/>
               </a:rPr>
             </a:br>
             <a:br>
-              <a:rPr lang="en-US" sz="2000" dirty="0">
+              <a:rPr lang="en-US" sz="1800" dirty="0">
                 <a:latin typeface="+mn-lt"/>
               </a:rPr>
             </a:br>
             <a:r>
-              <a:rPr lang="en-US" sz="2000" dirty="0">
+              <a:rPr lang="en-US" sz="1800" dirty="0">
                 <a:latin typeface="+mn-lt"/>
               </a:rPr>
               <a:t>Example: </a:t>
             </a:r>
             <a:br>
-              <a:rPr lang="en-US" sz="2000" dirty="0">
+              <a:rPr lang="en-US" sz="1800" dirty="0">
                 <a:latin typeface="+mn-lt"/>
               </a:rPr>
             </a:br>
             <a:br>
-              <a:rPr lang="en-US" sz="2000" dirty="0">
+              <a:rPr lang="en-US" sz="1800" dirty="0">
                 <a:latin typeface="+mn-lt"/>
               </a:rPr>
             </a:br>
             <a:r>
-              <a:rPr lang="en-US" sz="2000" dirty="0">
+              <a:rPr lang="en-US" sz="1800" dirty="0">
                 <a:latin typeface="+mn-lt"/>
               </a:rPr>
               <a:t>     </a:t>
             </a:r>
             <a:r>
-              <a:rPr lang="en-US" sz="2000" b="1" dirty="0" err="1">
+              <a:rPr lang="en-US" sz="1800" b="1" dirty="0" err="1">
                 <a:latin typeface="Consolas" panose="020B0609020204030204" pitchFamily="49" charset="0"/>
               </a:rPr>
               <a:t>enum</a:t>
             </a:r>
             <a:r>
-              <a:rPr lang="en-US" sz="2000" b="1" dirty="0">
+              <a:rPr lang="en-US" sz="1800" b="1" dirty="0">
                 <a:latin typeface="Consolas" panose="020B0609020204030204" pitchFamily="49" charset="0"/>
               </a:rPr>
               <a:t> rarity { common = 0; semiprecious = 1; precious = 2 }</a:t>
             </a:r>
             <a:r>
-              <a:rPr lang="en-US" sz="2000" i="1" dirty="0">
+              <a:rPr lang="en-US" sz="1800" i="1" dirty="0">
                 <a:latin typeface="+mn-lt"/>
               </a:rPr>
               <a:t> </a:t>
@@ -9051,7 +11949,7 @@
     </p:spTree>
     <p:extLst>
       <p:ext uri="{BB962C8B-B14F-4D97-AF65-F5344CB8AC3E}">
-        <p14:creationId xmlns:p14="http://schemas.microsoft.com/office/powerpoint/2010/main" val="1294143228"/>
+        <p14:creationId xmlns:p14="http://schemas.microsoft.com/office/powerpoint/2010/main" val="1958926911"/>
       </p:ext>
     </p:extLst>
   </p:cSld>
@@ -9910,7 +12808,7 @@
 </file>
 
 <file path=ppt/theme/theme2.xml><?xml version="1.0" encoding="utf-8"?>
-<a:theme xmlns:a="http://schemas.openxmlformats.org/drawingml/2006/main" name="Office Theme">
+<a:theme xmlns:a="http://schemas.openxmlformats.org/drawingml/2006/main" name="1_Office Theme">
   <a:themeElements>
     <a:clrScheme name="Office">
       <a:dk1>
@@ -9920,39 +12818,39 @@
         <a:sysClr val="window" lastClr="FFFFFF"/>
       </a:lt1>
       <a:dk2>
-        <a:srgbClr val="44546A"/>
+        <a:srgbClr val="0E2841"/>
       </a:dk2>
       <a:lt2>
-        <a:srgbClr val="E7E6E6"/>
+        <a:srgbClr val="E8E8E8"/>
       </a:lt2>
       <a:accent1>
-        <a:srgbClr val="4472C4"/>
+        <a:srgbClr val="156082"/>
       </a:accent1>
       <a:accent2>
-        <a:srgbClr val="ED7D31"/>
+        <a:srgbClr val="E97132"/>
       </a:accent2>
       <a:accent3>
-        <a:srgbClr val="A5A5A5"/>
+        <a:srgbClr val="196B24"/>
       </a:accent3>
       <a:accent4>
-        <a:srgbClr val="FFC000"/>
+        <a:srgbClr val="0F9ED5"/>
       </a:accent4>
       <a:accent5>
-        <a:srgbClr val="5B9BD5"/>
+        <a:srgbClr val="A02B93"/>
       </a:accent5>
       <a:accent6>
-        <a:srgbClr val="70AD47"/>
+        <a:srgbClr val="4EA72E"/>
       </a:accent6>
       <a:hlink>
-        <a:srgbClr val="0563C1"/>
+        <a:srgbClr val="467886"/>
       </a:hlink>
       <a:folHlink>
-        <a:srgbClr val="954F72"/>
+        <a:srgbClr val="96607D"/>
       </a:folHlink>
     </a:clrScheme>
     <a:fontScheme name="Office">
       <a:majorFont>
-        <a:latin typeface="Calibri Light" panose="020F0302020204030204"/>
+        <a:latin typeface="Aptos Display" panose="02110004020202020204"/>
         <a:ea typeface=""/>
         <a:cs typeface=""/>
         <a:font script="Jpan" typeface="游ゴシック Light"/>
@@ -10004,7 +12902,7 @@
         <a:font script="Tfng" typeface="Ebrima"/>
       </a:majorFont>
       <a:minorFont>
-        <a:latin typeface="Calibri" panose="020F0502020204030204"/>
+        <a:latin typeface="Aptos" panose="02110004020202020204"/>
         <a:ea typeface=""/>
         <a:cs typeface=""/>
         <a:font script="Jpan" typeface="游ゴシック"/>
@@ -10115,13 +13013,6 @@
         </a:gradFill>
       </a:fillStyleLst>
       <a:lnStyleLst>
-        <a:ln w="6350" cap="flat" cmpd="sng" algn="ctr">
-          <a:solidFill>
-            <a:schemeClr val="phClr"/>
-          </a:solidFill>
-          <a:prstDash val="solid"/>
-          <a:miter lim="800000"/>
-        </a:ln>
         <a:ln w="12700" cap="flat" cmpd="sng" algn="ctr">
           <a:solidFill>
             <a:schemeClr val="phClr"/>
@@ -10130,6 +13021,13 @@
           <a:miter lim="800000"/>
         </a:ln>
         <a:ln w="19050" cap="flat" cmpd="sng" algn="ctr">
+          <a:solidFill>
+            <a:schemeClr val="phClr"/>
+          </a:solidFill>
+          <a:prstDash val="solid"/>
+          <a:miter lim="800000"/>
+        </a:ln>
+        <a:ln w="25400" cap="flat" cmpd="sng" algn="ctr">
           <a:solidFill>
             <a:schemeClr val="phClr"/>
           </a:solidFill>
@@ -10194,11 +13092,31 @@
       </a:bgFillStyleLst>
     </a:fmtScheme>
   </a:themeElements>
-  <a:objectDefaults/>
+  <a:objectDefaults>
+    <a:lnDef>
+      <a:spPr/>
+      <a:bodyPr/>
+      <a:lstStyle/>
+      <a:style>
+        <a:lnRef idx="2">
+          <a:schemeClr val="accent1"/>
+        </a:lnRef>
+        <a:fillRef idx="0">
+          <a:schemeClr val="accent1"/>
+        </a:fillRef>
+        <a:effectRef idx="1">
+          <a:schemeClr val="accent1"/>
+        </a:effectRef>
+        <a:fontRef idx="minor">
+          <a:schemeClr val="tx1"/>
+        </a:fontRef>
+      </a:style>
+    </a:lnDef>
+  </a:objectDefaults>
   <a:extraClrSchemeLst/>
   <a:extLst>
     <a:ext uri="{05A4C25C-085E-4340-85A3-A5531E510DB2}">
-      <thm15:themeFamily xmlns:thm15="http://schemas.microsoft.com/office/thememl/2012/main" name="Office Theme" id="{62F939B6-93AF-4DB8-9C6B-D6C7DFDC589F}" vid="{4A3C46E8-61CC-4603-A589-7422A47A8E4A}"/>
+      <thm15:themeFamily xmlns:thm15="http://schemas.microsoft.com/office/thememl/2012/main" name="Presentation1" id="{DAD0D162-FE0C-45E1-B287-70A400F0FB2D}" vid="{0F85589E-3A92-4CE5-8C4F-6CD4A008415E}"/>
     </a:ext>
   </a:extLst>
 </a:theme>

--- a/CYBER360-8.3-Inheritance.pptx
+++ b/CYBER360-8.3-Inheritance.pptx
@@ -458,65 +458,20 @@
     </pc:docChg>
   </pc:docChgLst>
   <pc:docChgLst>
-    <pc:chgData name="Gibbons, Carl" userId="d2b037bc-8fb4-4222-845c-61440543a456" providerId="ADAL" clId="{513A426B-8C0C-4739-8154-95FA52836484}"/>
-    <pc:docChg chg="custSel modSld">
-      <pc:chgData name="Gibbons, Carl" userId="d2b037bc-8fb4-4222-845c-61440543a456" providerId="ADAL" clId="{513A426B-8C0C-4739-8154-95FA52836484}" dt="2024-06-13T20:40:03.415" v="917" actId="20577"/>
+    <pc:chgData name="Gibbons, Carl" userId="d2b037bc-8fb4-4222-845c-61440543a456" providerId="ADAL" clId="{50BDE464-6684-48FF-AD2A-493B60EFD46B}"/>
+    <pc:docChg chg="modSld">
+      <pc:chgData name="Gibbons, Carl" userId="d2b037bc-8fb4-4222-845c-61440543a456" providerId="ADAL" clId="{50BDE464-6684-48FF-AD2A-493B60EFD46B}" dt="2023-12-21T18:37:59.974" v="91" actId="20577"/>
       <pc:docMkLst>
         <pc:docMk/>
       </pc:docMkLst>
       <pc:sldChg chg="modSp mod">
-        <pc:chgData name="Gibbons, Carl" userId="d2b037bc-8fb4-4222-845c-61440543a456" providerId="ADAL" clId="{513A426B-8C0C-4739-8154-95FA52836484}" dt="2024-06-13T19:43:29.739" v="23" actId="20577"/>
-        <pc:sldMkLst>
-          <pc:docMk/>
-          <pc:sldMk cId="2611413137" sldId="266"/>
-        </pc:sldMkLst>
-        <pc:spChg chg="mod">
-          <ac:chgData name="Gibbons, Carl" userId="d2b037bc-8fb4-4222-845c-61440543a456" providerId="ADAL" clId="{513A426B-8C0C-4739-8154-95FA52836484}" dt="2024-06-13T19:43:29.739" v="23" actId="20577"/>
-          <ac:spMkLst>
-            <pc:docMk/>
-            <pc:sldMk cId="2611413137" sldId="266"/>
-            <ac:spMk id="2" creationId="{64492E64-A68B-8CA7-B3C6-044F7C8E76AB}"/>
-          </ac:spMkLst>
-        </pc:spChg>
-      </pc:sldChg>
-      <pc:sldChg chg="modSp mod">
-        <pc:chgData name="Gibbons, Carl" userId="d2b037bc-8fb4-4222-845c-61440543a456" providerId="ADAL" clId="{513A426B-8C0C-4739-8154-95FA52836484}" dt="2024-06-13T19:56:07.263" v="304" actId="20577"/>
-        <pc:sldMkLst>
-          <pc:docMk/>
-          <pc:sldMk cId="2022267737" sldId="268"/>
-        </pc:sldMkLst>
-        <pc:spChg chg="mod">
-          <ac:chgData name="Gibbons, Carl" userId="d2b037bc-8fb4-4222-845c-61440543a456" providerId="ADAL" clId="{513A426B-8C0C-4739-8154-95FA52836484}" dt="2024-06-13T19:56:07.263" v="304" actId="20577"/>
-          <ac:spMkLst>
-            <pc:docMk/>
-            <pc:sldMk cId="2022267737" sldId="268"/>
-            <ac:spMk id="4" creationId="{B64A8207-997F-319E-7F6D-676D3ECA779B}"/>
-          </ac:spMkLst>
-        </pc:spChg>
-      </pc:sldChg>
-      <pc:sldChg chg="modSp mod">
-        <pc:chgData name="Gibbons, Carl" userId="d2b037bc-8fb4-4222-845c-61440543a456" providerId="ADAL" clId="{513A426B-8C0C-4739-8154-95FA52836484}" dt="2024-06-13T19:59:09.439" v="305" actId="20577"/>
-        <pc:sldMkLst>
-          <pc:docMk/>
-          <pc:sldMk cId="1457658100" sldId="271"/>
-        </pc:sldMkLst>
-        <pc:spChg chg="mod">
-          <ac:chgData name="Gibbons, Carl" userId="d2b037bc-8fb4-4222-845c-61440543a456" providerId="ADAL" clId="{513A426B-8C0C-4739-8154-95FA52836484}" dt="2024-06-13T19:59:09.439" v="305" actId="20577"/>
-          <ac:spMkLst>
-            <pc:docMk/>
-            <pc:sldMk cId="1457658100" sldId="271"/>
-            <ac:spMk id="4" creationId="{B64A8207-997F-319E-7F6D-676D3ECA779B}"/>
-          </ac:spMkLst>
-        </pc:spChg>
-      </pc:sldChg>
-      <pc:sldChg chg="modSp mod">
-        <pc:chgData name="Gibbons, Carl" userId="d2b037bc-8fb4-4222-845c-61440543a456" providerId="ADAL" clId="{513A426B-8C0C-4739-8154-95FA52836484}" dt="2024-06-13T20:20:51.743" v="313" actId="20577"/>
+        <pc:chgData name="Gibbons, Carl" userId="d2b037bc-8fb4-4222-845c-61440543a456" providerId="ADAL" clId="{50BDE464-6684-48FF-AD2A-493B60EFD46B}" dt="2023-12-21T14:42:44.298" v="42" actId="20577"/>
         <pc:sldMkLst>
           <pc:docMk/>
           <pc:sldMk cId="1865769485" sldId="273"/>
         </pc:sldMkLst>
         <pc:spChg chg="mod">
-          <ac:chgData name="Gibbons, Carl" userId="d2b037bc-8fb4-4222-845c-61440543a456" providerId="ADAL" clId="{513A426B-8C0C-4739-8154-95FA52836484}" dt="2024-06-13T20:20:51.743" v="313" actId="20577"/>
+          <ac:chgData name="Gibbons, Carl" userId="d2b037bc-8fb4-4222-845c-61440543a456" providerId="ADAL" clId="{50BDE464-6684-48FF-AD2A-493B60EFD46B}" dt="2023-12-21T14:42:44.298" v="42" actId="20577"/>
           <ac:spMkLst>
             <pc:docMk/>
             <pc:sldMk cId="1865769485" sldId="273"/>
@@ -525,13 +480,13 @@
         </pc:spChg>
       </pc:sldChg>
       <pc:sldChg chg="modSp mod">
-        <pc:chgData name="Gibbons, Carl" userId="d2b037bc-8fb4-4222-845c-61440543a456" providerId="ADAL" clId="{513A426B-8C0C-4739-8154-95FA52836484}" dt="2024-06-13T20:28:48.315" v="352" actId="20577"/>
+        <pc:chgData name="Gibbons, Carl" userId="d2b037bc-8fb4-4222-845c-61440543a456" providerId="ADAL" clId="{50BDE464-6684-48FF-AD2A-493B60EFD46B}" dt="2023-12-21T18:37:32.044" v="82" actId="20577"/>
         <pc:sldMkLst>
           <pc:docMk/>
           <pc:sldMk cId="3809967197" sldId="275"/>
         </pc:sldMkLst>
         <pc:spChg chg="mod">
-          <ac:chgData name="Gibbons, Carl" userId="d2b037bc-8fb4-4222-845c-61440543a456" providerId="ADAL" clId="{513A426B-8C0C-4739-8154-95FA52836484}" dt="2024-06-13T20:28:48.315" v="352" actId="20577"/>
+          <ac:chgData name="Gibbons, Carl" userId="d2b037bc-8fb4-4222-845c-61440543a456" providerId="ADAL" clId="{50BDE464-6684-48FF-AD2A-493B60EFD46B}" dt="2023-12-21T18:37:32.044" v="82" actId="20577"/>
           <ac:spMkLst>
             <pc:docMk/>
             <pc:sldMk cId="3809967197" sldId="275"/>
@@ -540,13 +495,13 @@
         </pc:spChg>
       </pc:sldChg>
       <pc:sldChg chg="modSp mod">
-        <pc:chgData name="Gibbons, Carl" userId="d2b037bc-8fb4-4222-845c-61440543a456" providerId="ADAL" clId="{513A426B-8C0C-4739-8154-95FA52836484}" dt="2024-06-13T20:40:03.415" v="917" actId="20577"/>
+        <pc:chgData name="Gibbons, Carl" userId="d2b037bc-8fb4-4222-845c-61440543a456" providerId="ADAL" clId="{50BDE464-6684-48FF-AD2A-493B60EFD46B}" dt="2023-12-21T18:37:59.974" v="91" actId="20577"/>
         <pc:sldMkLst>
           <pc:docMk/>
           <pc:sldMk cId="1742169507" sldId="276"/>
         </pc:sldMkLst>
         <pc:spChg chg="mod">
-          <ac:chgData name="Gibbons, Carl" userId="d2b037bc-8fb4-4222-845c-61440543a456" providerId="ADAL" clId="{513A426B-8C0C-4739-8154-95FA52836484}" dt="2024-06-13T20:40:03.415" v="917" actId="20577"/>
+          <ac:chgData name="Gibbons, Carl" userId="d2b037bc-8fb4-4222-845c-61440543a456" providerId="ADAL" clId="{50BDE464-6684-48FF-AD2A-493B60EFD46B}" dt="2023-12-21T18:37:59.974" v="91" actId="20577"/>
           <ac:spMkLst>
             <pc:docMk/>
             <pc:sldMk cId="1742169507" sldId="276"/>
@@ -650,218 +605,6 @@
     </pc:docChg>
   </pc:docChgLst>
   <pc:docChgLst>
-    <pc:chgData name="Gibbons, Carl" userId="d2b037bc-8fb4-4222-845c-61440543a456" providerId="ADAL" clId="{26C7F00A-80DD-401B-832B-E7EF202E28C2}"/>
-    <pc:docChg chg="undo custSel addSld delSld modSld">
-      <pc:chgData name="Gibbons, Carl" userId="d2b037bc-8fb4-4222-845c-61440543a456" providerId="ADAL" clId="{26C7F00A-80DD-401B-832B-E7EF202E28C2}" dt="2024-06-14T04:25:56.561" v="6285" actId="20577"/>
-      <pc:docMkLst>
-        <pc:docMk/>
-      </pc:docMkLst>
-      <pc:sldChg chg="modSp mod">
-        <pc:chgData name="Gibbons, Carl" userId="d2b037bc-8fb4-4222-845c-61440543a456" providerId="ADAL" clId="{26C7F00A-80DD-401B-832B-E7EF202E28C2}" dt="2024-06-14T03:01:29.413" v="72" actId="20577"/>
-        <pc:sldMkLst>
-          <pc:docMk/>
-          <pc:sldMk cId="3644072983" sldId="256"/>
-        </pc:sldMkLst>
-        <pc:spChg chg="mod">
-          <ac:chgData name="Gibbons, Carl" userId="d2b037bc-8fb4-4222-845c-61440543a456" providerId="ADAL" clId="{26C7F00A-80DD-401B-832B-E7EF202E28C2}" dt="2024-06-14T03:01:29.413" v="72" actId="20577"/>
-          <ac:spMkLst>
-            <pc:docMk/>
-            <pc:sldMk cId="3644072983" sldId="256"/>
-            <ac:spMk id="3" creationId="{8586CD17-5B17-5D66-987C-05DC748B3FF9}"/>
-          </ac:spMkLst>
-        </pc:spChg>
-      </pc:sldChg>
-      <pc:sldChg chg="addSp modSp mod">
-        <pc:chgData name="Gibbons, Carl" userId="d2b037bc-8fb4-4222-845c-61440543a456" providerId="ADAL" clId="{26C7F00A-80DD-401B-832B-E7EF202E28C2}" dt="2024-06-14T04:16:37.203" v="6124" actId="20577"/>
-        <pc:sldMkLst>
-          <pc:docMk/>
-          <pc:sldMk cId="2611413137" sldId="266"/>
-        </pc:sldMkLst>
-        <pc:spChg chg="mod">
-          <ac:chgData name="Gibbons, Carl" userId="d2b037bc-8fb4-4222-845c-61440543a456" providerId="ADAL" clId="{26C7F00A-80DD-401B-832B-E7EF202E28C2}" dt="2024-06-14T03:02:13.298" v="116" actId="20577"/>
-          <ac:spMkLst>
-            <pc:docMk/>
-            <pc:sldMk cId="2611413137" sldId="266"/>
-            <ac:spMk id="2" creationId="{64492E64-A68B-8CA7-B3C6-044F7C8E76AB}"/>
-          </ac:spMkLst>
-        </pc:spChg>
-        <pc:spChg chg="add mod">
-          <ac:chgData name="Gibbons, Carl" userId="d2b037bc-8fb4-4222-845c-61440543a456" providerId="ADAL" clId="{26C7F00A-80DD-401B-832B-E7EF202E28C2}" dt="2024-06-14T04:16:06.804" v="6121" actId="20577"/>
-          <ac:spMkLst>
-            <pc:docMk/>
-            <pc:sldMk cId="2611413137" sldId="266"/>
-            <ac:spMk id="3" creationId="{20E8B8C0-A2A5-7B62-1B40-D3BF6CA80A5C}"/>
-          </ac:spMkLst>
-        </pc:spChg>
-        <pc:spChg chg="mod">
-          <ac:chgData name="Gibbons, Carl" userId="d2b037bc-8fb4-4222-845c-61440543a456" providerId="ADAL" clId="{26C7F00A-80DD-401B-832B-E7EF202E28C2}" dt="2024-06-14T04:13:37.754" v="6102" actId="20577"/>
-          <ac:spMkLst>
-            <pc:docMk/>
-            <pc:sldMk cId="2611413137" sldId="266"/>
-            <ac:spMk id="4" creationId="{B64A8207-997F-319E-7F6D-676D3ECA779B}"/>
-          </ac:spMkLst>
-        </pc:spChg>
-        <pc:spChg chg="add mod">
-          <ac:chgData name="Gibbons, Carl" userId="d2b037bc-8fb4-4222-845c-61440543a456" providerId="ADAL" clId="{26C7F00A-80DD-401B-832B-E7EF202E28C2}" dt="2024-06-14T04:16:37.203" v="6124" actId="20577"/>
-          <ac:spMkLst>
-            <pc:docMk/>
-            <pc:sldMk cId="2611413137" sldId="266"/>
-            <ac:spMk id="5" creationId="{EDDCCECA-E971-2EC4-FEF0-DCF50F49CE6A}"/>
-          </ac:spMkLst>
-        </pc:spChg>
-        <pc:spChg chg="add mod">
-          <ac:chgData name="Gibbons, Carl" userId="d2b037bc-8fb4-4222-845c-61440543a456" providerId="ADAL" clId="{26C7F00A-80DD-401B-832B-E7EF202E28C2}" dt="2024-06-14T04:12:29.809" v="6069" actId="1076"/>
-          <ac:spMkLst>
-            <pc:docMk/>
-            <pc:sldMk cId="2611413137" sldId="266"/>
-            <ac:spMk id="6" creationId="{BAACEC6C-4A35-E101-5EBD-12F9722B023B}"/>
-          </ac:spMkLst>
-        </pc:spChg>
-      </pc:sldChg>
-      <pc:sldChg chg="modSp mod">
-        <pc:chgData name="Gibbons, Carl" userId="d2b037bc-8fb4-4222-845c-61440543a456" providerId="ADAL" clId="{26C7F00A-80DD-401B-832B-E7EF202E28C2}" dt="2024-06-14T03:45:35.713" v="3519" actId="20577"/>
-        <pc:sldMkLst>
-          <pc:docMk/>
-          <pc:sldMk cId="4188996306" sldId="267"/>
-        </pc:sldMkLst>
-        <pc:spChg chg="mod">
-          <ac:chgData name="Gibbons, Carl" userId="d2b037bc-8fb4-4222-845c-61440543a456" providerId="ADAL" clId="{26C7F00A-80DD-401B-832B-E7EF202E28C2}" dt="2024-06-14T03:32:32.285" v="2957" actId="20577"/>
-          <ac:spMkLst>
-            <pc:docMk/>
-            <pc:sldMk cId="4188996306" sldId="267"/>
-            <ac:spMk id="2" creationId="{64492E64-A68B-8CA7-B3C6-044F7C8E76AB}"/>
-          </ac:spMkLst>
-        </pc:spChg>
-        <pc:spChg chg="mod">
-          <ac:chgData name="Gibbons, Carl" userId="d2b037bc-8fb4-4222-845c-61440543a456" providerId="ADAL" clId="{26C7F00A-80DD-401B-832B-E7EF202E28C2}" dt="2024-06-14T03:45:35.713" v="3519" actId="20577"/>
-          <ac:spMkLst>
-            <pc:docMk/>
-            <pc:sldMk cId="4188996306" sldId="267"/>
-            <ac:spMk id="4" creationId="{B64A8207-997F-319E-7F6D-676D3ECA779B}"/>
-          </ac:spMkLst>
-        </pc:spChg>
-      </pc:sldChg>
-      <pc:sldChg chg="del">
-        <pc:chgData name="Gibbons, Carl" userId="d2b037bc-8fb4-4222-845c-61440543a456" providerId="ADAL" clId="{26C7F00A-80DD-401B-832B-E7EF202E28C2}" dt="2024-06-14T03:32:17.349" v="2943" actId="47"/>
-        <pc:sldMkLst>
-          <pc:docMk/>
-          <pc:sldMk cId="2948456625" sldId="277"/>
-        </pc:sldMkLst>
-      </pc:sldChg>
-      <pc:sldChg chg="del">
-        <pc:chgData name="Gibbons, Carl" userId="d2b037bc-8fb4-4222-845c-61440543a456" providerId="ADAL" clId="{26C7F00A-80DD-401B-832B-E7EF202E28C2}" dt="2024-06-14T03:02:04.454" v="73" actId="47"/>
-        <pc:sldMkLst>
-          <pc:docMk/>
-          <pc:sldMk cId="102374663" sldId="278"/>
-        </pc:sldMkLst>
-      </pc:sldChg>
-      <pc:sldChg chg="del">
-        <pc:chgData name="Gibbons, Carl" userId="d2b037bc-8fb4-4222-845c-61440543a456" providerId="ADAL" clId="{26C7F00A-80DD-401B-832B-E7EF202E28C2}" dt="2024-06-14T03:53:53.417" v="4260" actId="47"/>
-        <pc:sldMkLst>
-          <pc:docMk/>
-          <pc:sldMk cId="1709941748" sldId="279"/>
-        </pc:sldMkLst>
-      </pc:sldChg>
-      <pc:sldChg chg="del">
-        <pc:chgData name="Gibbons, Carl" userId="d2b037bc-8fb4-4222-845c-61440543a456" providerId="ADAL" clId="{26C7F00A-80DD-401B-832B-E7EF202E28C2}" dt="2024-06-14T03:53:50.044" v="4259" actId="47"/>
-        <pc:sldMkLst>
-          <pc:docMk/>
-          <pc:sldMk cId="4176796158" sldId="280"/>
-        </pc:sldMkLst>
-      </pc:sldChg>
-      <pc:sldChg chg="del">
-        <pc:chgData name="Gibbons, Carl" userId="d2b037bc-8fb4-4222-845c-61440543a456" providerId="ADAL" clId="{26C7F00A-80DD-401B-832B-E7EF202E28C2}" dt="2024-06-14T03:53:48.385" v="4257" actId="47"/>
-        <pc:sldMkLst>
-          <pc:docMk/>
-          <pc:sldMk cId="3311622519" sldId="281"/>
-        </pc:sldMkLst>
-      </pc:sldChg>
-      <pc:sldChg chg="del">
-        <pc:chgData name="Gibbons, Carl" userId="d2b037bc-8fb4-4222-845c-61440543a456" providerId="ADAL" clId="{26C7F00A-80DD-401B-832B-E7EF202E28C2}" dt="2024-06-14T03:53:49.242" v="4258" actId="47"/>
-        <pc:sldMkLst>
-          <pc:docMk/>
-          <pc:sldMk cId="4163349812" sldId="282"/>
-        </pc:sldMkLst>
-      </pc:sldChg>
-      <pc:sldChg chg="del">
-        <pc:chgData name="Gibbons, Carl" userId="d2b037bc-8fb4-4222-845c-61440543a456" providerId="ADAL" clId="{26C7F00A-80DD-401B-832B-E7EF202E28C2}" dt="2024-06-14T03:53:47.016" v="4256" actId="47"/>
-        <pc:sldMkLst>
-          <pc:docMk/>
-          <pc:sldMk cId="2755793427" sldId="283"/>
-        </pc:sldMkLst>
-      </pc:sldChg>
-      <pc:sldChg chg="modSp mod">
-        <pc:chgData name="Gibbons, Carl" userId="d2b037bc-8fb4-4222-845c-61440543a456" providerId="ADAL" clId="{26C7F00A-80DD-401B-832B-E7EF202E28C2}" dt="2024-06-14T04:20:29.253" v="6160" actId="20577"/>
-        <pc:sldMkLst>
-          <pc:docMk/>
-          <pc:sldMk cId="322366662" sldId="284"/>
-        </pc:sldMkLst>
-        <pc:spChg chg="mod">
-          <ac:chgData name="Gibbons, Carl" userId="d2b037bc-8fb4-4222-845c-61440543a456" providerId="ADAL" clId="{26C7F00A-80DD-401B-832B-E7EF202E28C2}" dt="2024-06-14T04:10:42.746" v="6042" actId="20577"/>
-          <ac:spMkLst>
-            <pc:docMk/>
-            <pc:sldMk cId="322366662" sldId="284"/>
-            <ac:spMk id="2" creationId="{64492E64-A68B-8CA7-B3C6-044F7C8E76AB}"/>
-          </ac:spMkLst>
-        </pc:spChg>
-        <pc:spChg chg="mod">
-          <ac:chgData name="Gibbons, Carl" userId="d2b037bc-8fb4-4222-845c-61440543a456" providerId="ADAL" clId="{26C7F00A-80DD-401B-832B-E7EF202E28C2}" dt="2024-06-14T04:20:29.253" v="6160" actId="20577"/>
-          <ac:spMkLst>
-            <pc:docMk/>
-            <pc:sldMk cId="322366662" sldId="284"/>
-            <ac:spMk id="4" creationId="{B64A8207-997F-319E-7F6D-676D3ECA779B}"/>
-          </ac:spMkLst>
-        </pc:spChg>
-      </pc:sldChg>
-      <pc:sldChg chg="modSp add mod">
-        <pc:chgData name="Gibbons, Carl" userId="d2b037bc-8fb4-4222-845c-61440543a456" providerId="ADAL" clId="{26C7F00A-80DD-401B-832B-E7EF202E28C2}" dt="2024-06-14T04:25:56.561" v="6285" actId="20577"/>
-        <pc:sldMkLst>
-          <pc:docMk/>
-          <pc:sldMk cId="2432840855" sldId="285"/>
-        </pc:sldMkLst>
-        <pc:spChg chg="mod">
-          <ac:chgData name="Gibbons, Carl" userId="d2b037bc-8fb4-4222-845c-61440543a456" providerId="ADAL" clId="{26C7F00A-80DD-401B-832B-E7EF202E28C2}" dt="2024-06-14T03:44:30.748" v="3459" actId="20577"/>
-          <ac:spMkLst>
-            <pc:docMk/>
-            <pc:sldMk cId="2432840855" sldId="285"/>
-            <ac:spMk id="2" creationId="{64492E64-A68B-8CA7-B3C6-044F7C8E76AB}"/>
-          </ac:spMkLst>
-        </pc:spChg>
-        <pc:spChg chg="mod">
-          <ac:chgData name="Gibbons, Carl" userId="d2b037bc-8fb4-4222-845c-61440543a456" providerId="ADAL" clId="{26C7F00A-80DD-401B-832B-E7EF202E28C2}" dt="2024-06-14T04:25:56.561" v="6285" actId="20577"/>
-          <ac:spMkLst>
-            <pc:docMk/>
-            <pc:sldMk cId="2432840855" sldId="285"/>
-            <ac:spMk id="4" creationId="{B64A8207-997F-319E-7F6D-676D3ECA779B}"/>
-          </ac:spMkLst>
-        </pc:spChg>
-      </pc:sldChg>
-      <pc:sldChg chg="modSp add mod">
-        <pc:chgData name="Gibbons, Carl" userId="d2b037bc-8fb4-4222-845c-61440543a456" providerId="ADAL" clId="{26C7F00A-80DD-401B-832B-E7EF202E28C2}" dt="2024-06-14T04:24:44.734" v="6236" actId="20577"/>
-        <pc:sldMkLst>
-          <pc:docMk/>
-          <pc:sldMk cId="2169521787" sldId="286"/>
-        </pc:sldMkLst>
-        <pc:spChg chg="mod">
-          <ac:chgData name="Gibbons, Carl" userId="d2b037bc-8fb4-4222-845c-61440543a456" providerId="ADAL" clId="{26C7F00A-80DD-401B-832B-E7EF202E28C2}" dt="2024-06-14T03:53:36.567" v="4255" actId="20577"/>
-          <ac:spMkLst>
-            <pc:docMk/>
-            <pc:sldMk cId="2169521787" sldId="286"/>
-            <ac:spMk id="2" creationId="{64492E64-A68B-8CA7-B3C6-044F7C8E76AB}"/>
-          </ac:spMkLst>
-        </pc:spChg>
-        <pc:spChg chg="mod">
-          <ac:chgData name="Gibbons, Carl" userId="d2b037bc-8fb4-4222-845c-61440543a456" providerId="ADAL" clId="{26C7F00A-80DD-401B-832B-E7EF202E28C2}" dt="2024-06-14T04:24:44.734" v="6236" actId="20577"/>
-          <ac:spMkLst>
-            <pc:docMk/>
-            <pc:sldMk cId="2169521787" sldId="286"/>
-            <ac:spMk id="4" creationId="{B64A8207-997F-319E-7F6D-676D3ECA779B}"/>
-          </ac:spMkLst>
-        </pc:spChg>
-      </pc:sldChg>
-    </pc:docChg>
-  </pc:docChgLst>
-  <pc:docChgLst>
     <pc:chgData name="Willis, Orion" userId="e283381d-8284-4d3f-ab32-7d71b1e99e1a" providerId="ADAL" clId="{E09803C7-E6F1-4593-BE2C-5C662A407D48}"/>
     <pc:docChg chg="undo custSel addSld delSld modSld delMainMaster">
       <pc:chgData name="Willis, Orion" userId="e283381d-8284-4d3f-ab32-7d71b1e99e1a" providerId="ADAL" clId="{E09803C7-E6F1-4593-BE2C-5C662A407D48}" dt="2024-12-17T16:07:41.140" v="397" actId="1076"/>
@@ -1855,20 +1598,65 @@
     </pc:docChg>
   </pc:docChgLst>
   <pc:docChgLst>
-    <pc:chgData name="Gibbons, Carl" userId="d2b037bc-8fb4-4222-845c-61440543a456" providerId="ADAL" clId="{50BDE464-6684-48FF-AD2A-493B60EFD46B}"/>
-    <pc:docChg chg="modSld">
-      <pc:chgData name="Gibbons, Carl" userId="d2b037bc-8fb4-4222-845c-61440543a456" providerId="ADAL" clId="{50BDE464-6684-48FF-AD2A-493B60EFD46B}" dt="2023-12-21T18:37:59.974" v="91" actId="20577"/>
+    <pc:chgData name="Gibbons, Carl" userId="d2b037bc-8fb4-4222-845c-61440543a456" providerId="ADAL" clId="{513A426B-8C0C-4739-8154-95FA52836484}"/>
+    <pc:docChg chg="custSel modSld">
+      <pc:chgData name="Gibbons, Carl" userId="d2b037bc-8fb4-4222-845c-61440543a456" providerId="ADAL" clId="{513A426B-8C0C-4739-8154-95FA52836484}" dt="2024-06-13T20:40:03.415" v="917" actId="20577"/>
       <pc:docMkLst>
         <pc:docMk/>
       </pc:docMkLst>
       <pc:sldChg chg="modSp mod">
-        <pc:chgData name="Gibbons, Carl" userId="d2b037bc-8fb4-4222-845c-61440543a456" providerId="ADAL" clId="{50BDE464-6684-48FF-AD2A-493B60EFD46B}" dt="2023-12-21T14:42:44.298" v="42" actId="20577"/>
+        <pc:chgData name="Gibbons, Carl" userId="d2b037bc-8fb4-4222-845c-61440543a456" providerId="ADAL" clId="{513A426B-8C0C-4739-8154-95FA52836484}" dt="2024-06-13T19:43:29.739" v="23" actId="20577"/>
+        <pc:sldMkLst>
+          <pc:docMk/>
+          <pc:sldMk cId="2611413137" sldId="266"/>
+        </pc:sldMkLst>
+        <pc:spChg chg="mod">
+          <ac:chgData name="Gibbons, Carl" userId="d2b037bc-8fb4-4222-845c-61440543a456" providerId="ADAL" clId="{513A426B-8C0C-4739-8154-95FA52836484}" dt="2024-06-13T19:43:29.739" v="23" actId="20577"/>
+          <ac:spMkLst>
+            <pc:docMk/>
+            <pc:sldMk cId="2611413137" sldId="266"/>
+            <ac:spMk id="2" creationId="{64492E64-A68B-8CA7-B3C6-044F7C8E76AB}"/>
+          </ac:spMkLst>
+        </pc:spChg>
+      </pc:sldChg>
+      <pc:sldChg chg="modSp mod">
+        <pc:chgData name="Gibbons, Carl" userId="d2b037bc-8fb4-4222-845c-61440543a456" providerId="ADAL" clId="{513A426B-8C0C-4739-8154-95FA52836484}" dt="2024-06-13T19:56:07.263" v="304" actId="20577"/>
+        <pc:sldMkLst>
+          <pc:docMk/>
+          <pc:sldMk cId="2022267737" sldId="268"/>
+        </pc:sldMkLst>
+        <pc:spChg chg="mod">
+          <ac:chgData name="Gibbons, Carl" userId="d2b037bc-8fb4-4222-845c-61440543a456" providerId="ADAL" clId="{513A426B-8C0C-4739-8154-95FA52836484}" dt="2024-06-13T19:56:07.263" v="304" actId="20577"/>
+          <ac:spMkLst>
+            <pc:docMk/>
+            <pc:sldMk cId="2022267737" sldId="268"/>
+            <ac:spMk id="4" creationId="{B64A8207-997F-319E-7F6D-676D3ECA779B}"/>
+          </ac:spMkLst>
+        </pc:spChg>
+      </pc:sldChg>
+      <pc:sldChg chg="modSp mod">
+        <pc:chgData name="Gibbons, Carl" userId="d2b037bc-8fb4-4222-845c-61440543a456" providerId="ADAL" clId="{513A426B-8C0C-4739-8154-95FA52836484}" dt="2024-06-13T19:59:09.439" v="305" actId="20577"/>
+        <pc:sldMkLst>
+          <pc:docMk/>
+          <pc:sldMk cId="1457658100" sldId="271"/>
+        </pc:sldMkLst>
+        <pc:spChg chg="mod">
+          <ac:chgData name="Gibbons, Carl" userId="d2b037bc-8fb4-4222-845c-61440543a456" providerId="ADAL" clId="{513A426B-8C0C-4739-8154-95FA52836484}" dt="2024-06-13T19:59:09.439" v="305" actId="20577"/>
+          <ac:spMkLst>
+            <pc:docMk/>
+            <pc:sldMk cId="1457658100" sldId="271"/>
+            <ac:spMk id="4" creationId="{B64A8207-997F-319E-7F6D-676D3ECA779B}"/>
+          </ac:spMkLst>
+        </pc:spChg>
+      </pc:sldChg>
+      <pc:sldChg chg="modSp mod">
+        <pc:chgData name="Gibbons, Carl" userId="d2b037bc-8fb4-4222-845c-61440543a456" providerId="ADAL" clId="{513A426B-8C0C-4739-8154-95FA52836484}" dt="2024-06-13T20:20:51.743" v="313" actId="20577"/>
         <pc:sldMkLst>
           <pc:docMk/>
           <pc:sldMk cId="1865769485" sldId="273"/>
         </pc:sldMkLst>
         <pc:spChg chg="mod">
-          <ac:chgData name="Gibbons, Carl" userId="d2b037bc-8fb4-4222-845c-61440543a456" providerId="ADAL" clId="{50BDE464-6684-48FF-AD2A-493B60EFD46B}" dt="2023-12-21T14:42:44.298" v="42" actId="20577"/>
+          <ac:chgData name="Gibbons, Carl" userId="d2b037bc-8fb4-4222-845c-61440543a456" providerId="ADAL" clId="{513A426B-8C0C-4739-8154-95FA52836484}" dt="2024-06-13T20:20:51.743" v="313" actId="20577"/>
           <ac:spMkLst>
             <pc:docMk/>
             <pc:sldMk cId="1865769485" sldId="273"/>
@@ -1877,13 +1665,13 @@
         </pc:spChg>
       </pc:sldChg>
       <pc:sldChg chg="modSp mod">
-        <pc:chgData name="Gibbons, Carl" userId="d2b037bc-8fb4-4222-845c-61440543a456" providerId="ADAL" clId="{50BDE464-6684-48FF-AD2A-493B60EFD46B}" dt="2023-12-21T18:37:32.044" v="82" actId="20577"/>
+        <pc:chgData name="Gibbons, Carl" userId="d2b037bc-8fb4-4222-845c-61440543a456" providerId="ADAL" clId="{513A426B-8C0C-4739-8154-95FA52836484}" dt="2024-06-13T20:28:48.315" v="352" actId="20577"/>
         <pc:sldMkLst>
           <pc:docMk/>
           <pc:sldMk cId="3809967197" sldId="275"/>
         </pc:sldMkLst>
         <pc:spChg chg="mod">
-          <ac:chgData name="Gibbons, Carl" userId="d2b037bc-8fb4-4222-845c-61440543a456" providerId="ADAL" clId="{50BDE464-6684-48FF-AD2A-493B60EFD46B}" dt="2023-12-21T18:37:32.044" v="82" actId="20577"/>
+          <ac:chgData name="Gibbons, Carl" userId="d2b037bc-8fb4-4222-845c-61440543a456" providerId="ADAL" clId="{513A426B-8C0C-4739-8154-95FA52836484}" dt="2024-06-13T20:28:48.315" v="352" actId="20577"/>
           <ac:spMkLst>
             <pc:docMk/>
             <pc:sldMk cId="3809967197" sldId="275"/>
@@ -1892,13 +1680,13 @@
         </pc:spChg>
       </pc:sldChg>
       <pc:sldChg chg="modSp mod">
-        <pc:chgData name="Gibbons, Carl" userId="d2b037bc-8fb4-4222-845c-61440543a456" providerId="ADAL" clId="{50BDE464-6684-48FF-AD2A-493B60EFD46B}" dt="2023-12-21T18:37:59.974" v="91" actId="20577"/>
+        <pc:chgData name="Gibbons, Carl" userId="d2b037bc-8fb4-4222-845c-61440543a456" providerId="ADAL" clId="{513A426B-8C0C-4739-8154-95FA52836484}" dt="2024-06-13T20:40:03.415" v="917" actId="20577"/>
         <pc:sldMkLst>
           <pc:docMk/>
           <pc:sldMk cId="1742169507" sldId="276"/>
         </pc:sldMkLst>
         <pc:spChg chg="mod">
-          <ac:chgData name="Gibbons, Carl" userId="d2b037bc-8fb4-4222-845c-61440543a456" providerId="ADAL" clId="{50BDE464-6684-48FF-AD2A-493B60EFD46B}" dt="2023-12-21T18:37:59.974" v="91" actId="20577"/>
+          <ac:chgData name="Gibbons, Carl" userId="d2b037bc-8fb4-4222-845c-61440543a456" providerId="ADAL" clId="{513A426B-8C0C-4739-8154-95FA52836484}" dt="2024-06-13T20:40:03.415" v="917" actId="20577"/>
           <ac:spMkLst>
             <pc:docMk/>
             <pc:sldMk cId="1742169507" sldId="276"/>
@@ -2244,6 +2032,218 @@
           <ac:spMkLst>
             <pc:docMk/>
             <pc:sldMk cId="322366662" sldId="284"/>
+            <ac:spMk id="4" creationId="{B64A8207-997F-319E-7F6D-676D3ECA779B}"/>
+          </ac:spMkLst>
+        </pc:spChg>
+      </pc:sldChg>
+    </pc:docChg>
+  </pc:docChgLst>
+  <pc:docChgLst>
+    <pc:chgData name="Gibbons, Carl" userId="d2b037bc-8fb4-4222-845c-61440543a456" providerId="ADAL" clId="{26C7F00A-80DD-401B-832B-E7EF202E28C2}"/>
+    <pc:docChg chg="undo custSel addSld delSld modSld">
+      <pc:chgData name="Gibbons, Carl" userId="d2b037bc-8fb4-4222-845c-61440543a456" providerId="ADAL" clId="{26C7F00A-80DD-401B-832B-E7EF202E28C2}" dt="2024-06-14T04:25:56.561" v="6285" actId="20577"/>
+      <pc:docMkLst>
+        <pc:docMk/>
+      </pc:docMkLst>
+      <pc:sldChg chg="modSp mod">
+        <pc:chgData name="Gibbons, Carl" userId="d2b037bc-8fb4-4222-845c-61440543a456" providerId="ADAL" clId="{26C7F00A-80DD-401B-832B-E7EF202E28C2}" dt="2024-06-14T03:01:29.413" v="72" actId="20577"/>
+        <pc:sldMkLst>
+          <pc:docMk/>
+          <pc:sldMk cId="3644072983" sldId="256"/>
+        </pc:sldMkLst>
+        <pc:spChg chg="mod">
+          <ac:chgData name="Gibbons, Carl" userId="d2b037bc-8fb4-4222-845c-61440543a456" providerId="ADAL" clId="{26C7F00A-80DD-401B-832B-E7EF202E28C2}" dt="2024-06-14T03:01:29.413" v="72" actId="20577"/>
+          <ac:spMkLst>
+            <pc:docMk/>
+            <pc:sldMk cId="3644072983" sldId="256"/>
+            <ac:spMk id="3" creationId="{8586CD17-5B17-5D66-987C-05DC748B3FF9}"/>
+          </ac:spMkLst>
+        </pc:spChg>
+      </pc:sldChg>
+      <pc:sldChg chg="addSp modSp mod">
+        <pc:chgData name="Gibbons, Carl" userId="d2b037bc-8fb4-4222-845c-61440543a456" providerId="ADAL" clId="{26C7F00A-80DD-401B-832B-E7EF202E28C2}" dt="2024-06-14T04:16:37.203" v="6124" actId="20577"/>
+        <pc:sldMkLst>
+          <pc:docMk/>
+          <pc:sldMk cId="2611413137" sldId="266"/>
+        </pc:sldMkLst>
+        <pc:spChg chg="mod">
+          <ac:chgData name="Gibbons, Carl" userId="d2b037bc-8fb4-4222-845c-61440543a456" providerId="ADAL" clId="{26C7F00A-80DD-401B-832B-E7EF202E28C2}" dt="2024-06-14T03:02:13.298" v="116" actId="20577"/>
+          <ac:spMkLst>
+            <pc:docMk/>
+            <pc:sldMk cId="2611413137" sldId="266"/>
+            <ac:spMk id="2" creationId="{64492E64-A68B-8CA7-B3C6-044F7C8E76AB}"/>
+          </ac:spMkLst>
+        </pc:spChg>
+        <pc:spChg chg="add mod">
+          <ac:chgData name="Gibbons, Carl" userId="d2b037bc-8fb4-4222-845c-61440543a456" providerId="ADAL" clId="{26C7F00A-80DD-401B-832B-E7EF202E28C2}" dt="2024-06-14T04:16:06.804" v="6121" actId="20577"/>
+          <ac:spMkLst>
+            <pc:docMk/>
+            <pc:sldMk cId="2611413137" sldId="266"/>
+            <ac:spMk id="3" creationId="{20E8B8C0-A2A5-7B62-1B40-D3BF6CA80A5C}"/>
+          </ac:spMkLst>
+        </pc:spChg>
+        <pc:spChg chg="mod">
+          <ac:chgData name="Gibbons, Carl" userId="d2b037bc-8fb4-4222-845c-61440543a456" providerId="ADAL" clId="{26C7F00A-80DD-401B-832B-E7EF202E28C2}" dt="2024-06-14T04:13:37.754" v="6102" actId="20577"/>
+          <ac:spMkLst>
+            <pc:docMk/>
+            <pc:sldMk cId="2611413137" sldId="266"/>
+            <ac:spMk id="4" creationId="{B64A8207-997F-319E-7F6D-676D3ECA779B}"/>
+          </ac:spMkLst>
+        </pc:spChg>
+        <pc:spChg chg="add mod">
+          <ac:chgData name="Gibbons, Carl" userId="d2b037bc-8fb4-4222-845c-61440543a456" providerId="ADAL" clId="{26C7F00A-80DD-401B-832B-E7EF202E28C2}" dt="2024-06-14T04:16:37.203" v="6124" actId="20577"/>
+          <ac:spMkLst>
+            <pc:docMk/>
+            <pc:sldMk cId="2611413137" sldId="266"/>
+            <ac:spMk id="5" creationId="{EDDCCECA-E971-2EC4-FEF0-DCF50F49CE6A}"/>
+          </ac:spMkLst>
+        </pc:spChg>
+        <pc:spChg chg="add mod">
+          <ac:chgData name="Gibbons, Carl" userId="d2b037bc-8fb4-4222-845c-61440543a456" providerId="ADAL" clId="{26C7F00A-80DD-401B-832B-E7EF202E28C2}" dt="2024-06-14T04:12:29.809" v="6069" actId="1076"/>
+          <ac:spMkLst>
+            <pc:docMk/>
+            <pc:sldMk cId="2611413137" sldId="266"/>
+            <ac:spMk id="6" creationId="{BAACEC6C-4A35-E101-5EBD-12F9722B023B}"/>
+          </ac:spMkLst>
+        </pc:spChg>
+      </pc:sldChg>
+      <pc:sldChg chg="modSp mod">
+        <pc:chgData name="Gibbons, Carl" userId="d2b037bc-8fb4-4222-845c-61440543a456" providerId="ADAL" clId="{26C7F00A-80DD-401B-832B-E7EF202E28C2}" dt="2024-06-14T03:45:35.713" v="3519" actId="20577"/>
+        <pc:sldMkLst>
+          <pc:docMk/>
+          <pc:sldMk cId="4188996306" sldId="267"/>
+        </pc:sldMkLst>
+        <pc:spChg chg="mod">
+          <ac:chgData name="Gibbons, Carl" userId="d2b037bc-8fb4-4222-845c-61440543a456" providerId="ADAL" clId="{26C7F00A-80DD-401B-832B-E7EF202E28C2}" dt="2024-06-14T03:32:32.285" v="2957" actId="20577"/>
+          <ac:spMkLst>
+            <pc:docMk/>
+            <pc:sldMk cId="4188996306" sldId="267"/>
+            <ac:spMk id="2" creationId="{64492E64-A68B-8CA7-B3C6-044F7C8E76AB}"/>
+          </ac:spMkLst>
+        </pc:spChg>
+        <pc:spChg chg="mod">
+          <ac:chgData name="Gibbons, Carl" userId="d2b037bc-8fb4-4222-845c-61440543a456" providerId="ADAL" clId="{26C7F00A-80DD-401B-832B-E7EF202E28C2}" dt="2024-06-14T03:45:35.713" v="3519" actId="20577"/>
+          <ac:spMkLst>
+            <pc:docMk/>
+            <pc:sldMk cId="4188996306" sldId="267"/>
+            <ac:spMk id="4" creationId="{B64A8207-997F-319E-7F6D-676D3ECA779B}"/>
+          </ac:spMkLst>
+        </pc:spChg>
+      </pc:sldChg>
+      <pc:sldChg chg="del">
+        <pc:chgData name="Gibbons, Carl" userId="d2b037bc-8fb4-4222-845c-61440543a456" providerId="ADAL" clId="{26C7F00A-80DD-401B-832B-E7EF202E28C2}" dt="2024-06-14T03:32:17.349" v="2943" actId="47"/>
+        <pc:sldMkLst>
+          <pc:docMk/>
+          <pc:sldMk cId="2948456625" sldId="277"/>
+        </pc:sldMkLst>
+      </pc:sldChg>
+      <pc:sldChg chg="del">
+        <pc:chgData name="Gibbons, Carl" userId="d2b037bc-8fb4-4222-845c-61440543a456" providerId="ADAL" clId="{26C7F00A-80DD-401B-832B-E7EF202E28C2}" dt="2024-06-14T03:02:04.454" v="73" actId="47"/>
+        <pc:sldMkLst>
+          <pc:docMk/>
+          <pc:sldMk cId="102374663" sldId="278"/>
+        </pc:sldMkLst>
+      </pc:sldChg>
+      <pc:sldChg chg="del">
+        <pc:chgData name="Gibbons, Carl" userId="d2b037bc-8fb4-4222-845c-61440543a456" providerId="ADAL" clId="{26C7F00A-80DD-401B-832B-E7EF202E28C2}" dt="2024-06-14T03:53:53.417" v="4260" actId="47"/>
+        <pc:sldMkLst>
+          <pc:docMk/>
+          <pc:sldMk cId="1709941748" sldId="279"/>
+        </pc:sldMkLst>
+      </pc:sldChg>
+      <pc:sldChg chg="del">
+        <pc:chgData name="Gibbons, Carl" userId="d2b037bc-8fb4-4222-845c-61440543a456" providerId="ADAL" clId="{26C7F00A-80DD-401B-832B-E7EF202E28C2}" dt="2024-06-14T03:53:50.044" v="4259" actId="47"/>
+        <pc:sldMkLst>
+          <pc:docMk/>
+          <pc:sldMk cId="4176796158" sldId="280"/>
+        </pc:sldMkLst>
+      </pc:sldChg>
+      <pc:sldChg chg="del">
+        <pc:chgData name="Gibbons, Carl" userId="d2b037bc-8fb4-4222-845c-61440543a456" providerId="ADAL" clId="{26C7F00A-80DD-401B-832B-E7EF202E28C2}" dt="2024-06-14T03:53:48.385" v="4257" actId="47"/>
+        <pc:sldMkLst>
+          <pc:docMk/>
+          <pc:sldMk cId="3311622519" sldId="281"/>
+        </pc:sldMkLst>
+      </pc:sldChg>
+      <pc:sldChg chg="del">
+        <pc:chgData name="Gibbons, Carl" userId="d2b037bc-8fb4-4222-845c-61440543a456" providerId="ADAL" clId="{26C7F00A-80DD-401B-832B-E7EF202E28C2}" dt="2024-06-14T03:53:49.242" v="4258" actId="47"/>
+        <pc:sldMkLst>
+          <pc:docMk/>
+          <pc:sldMk cId="4163349812" sldId="282"/>
+        </pc:sldMkLst>
+      </pc:sldChg>
+      <pc:sldChg chg="del">
+        <pc:chgData name="Gibbons, Carl" userId="d2b037bc-8fb4-4222-845c-61440543a456" providerId="ADAL" clId="{26C7F00A-80DD-401B-832B-E7EF202E28C2}" dt="2024-06-14T03:53:47.016" v="4256" actId="47"/>
+        <pc:sldMkLst>
+          <pc:docMk/>
+          <pc:sldMk cId="2755793427" sldId="283"/>
+        </pc:sldMkLst>
+      </pc:sldChg>
+      <pc:sldChg chg="modSp mod">
+        <pc:chgData name="Gibbons, Carl" userId="d2b037bc-8fb4-4222-845c-61440543a456" providerId="ADAL" clId="{26C7F00A-80DD-401B-832B-E7EF202E28C2}" dt="2024-06-14T04:20:29.253" v="6160" actId="20577"/>
+        <pc:sldMkLst>
+          <pc:docMk/>
+          <pc:sldMk cId="322366662" sldId="284"/>
+        </pc:sldMkLst>
+        <pc:spChg chg="mod">
+          <ac:chgData name="Gibbons, Carl" userId="d2b037bc-8fb4-4222-845c-61440543a456" providerId="ADAL" clId="{26C7F00A-80DD-401B-832B-E7EF202E28C2}" dt="2024-06-14T04:10:42.746" v="6042" actId="20577"/>
+          <ac:spMkLst>
+            <pc:docMk/>
+            <pc:sldMk cId="322366662" sldId="284"/>
+            <ac:spMk id="2" creationId="{64492E64-A68B-8CA7-B3C6-044F7C8E76AB}"/>
+          </ac:spMkLst>
+        </pc:spChg>
+        <pc:spChg chg="mod">
+          <ac:chgData name="Gibbons, Carl" userId="d2b037bc-8fb4-4222-845c-61440543a456" providerId="ADAL" clId="{26C7F00A-80DD-401B-832B-E7EF202E28C2}" dt="2024-06-14T04:20:29.253" v="6160" actId="20577"/>
+          <ac:spMkLst>
+            <pc:docMk/>
+            <pc:sldMk cId="322366662" sldId="284"/>
+            <ac:spMk id="4" creationId="{B64A8207-997F-319E-7F6D-676D3ECA779B}"/>
+          </ac:spMkLst>
+        </pc:spChg>
+      </pc:sldChg>
+      <pc:sldChg chg="modSp add mod">
+        <pc:chgData name="Gibbons, Carl" userId="d2b037bc-8fb4-4222-845c-61440543a456" providerId="ADAL" clId="{26C7F00A-80DD-401B-832B-E7EF202E28C2}" dt="2024-06-14T04:25:56.561" v="6285" actId="20577"/>
+        <pc:sldMkLst>
+          <pc:docMk/>
+          <pc:sldMk cId="2432840855" sldId="285"/>
+        </pc:sldMkLst>
+        <pc:spChg chg="mod">
+          <ac:chgData name="Gibbons, Carl" userId="d2b037bc-8fb4-4222-845c-61440543a456" providerId="ADAL" clId="{26C7F00A-80DD-401B-832B-E7EF202E28C2}" dt="2024-06-14T03:44:30.748" v="3459" actId="20577"/>
+          <ac:spMkLst>
+            <pc:docMk/>
+            <pc:sldMk cId="2432840855" sldId="285"/>
+            <ac:spMk id="2" creationId="{64492E64-A68B-8CA7-B3C6-044F7C8E76AB}"/>
+          </ac:spMkLst>
+        </pc:spChg>
+        <pc:spChg chg="mod">
+          <ac:chgData name="Gibbons, Carl" userId="d2b037bc-8fb4-4222-845c-61440543a456" providerId="ADAL" clId="{26C7F00A-80DD-401B-832B-E7EF202E28C2}" dt="2024-06-14T04:25:56.561" v="6285" actId="20577"/>
+          <ac:spMkLst>
+            <pc:docMk/>
+            <pc:sldMk cId="2432840855" sldId="285"/>
+            <ac:spMk id="4" creationId="{B64A8207-997F-319E-7F6D-676D3ECA779B}"/>
+          </ac:spMkLst>
+        </pc:spChg>
+      </pc:sldChg>
+      <pc:sldChg chg="modSp add mod">
+        <pc:chgData name="Gibbons, Carl" userId="d2b037bc-8fb4-4222-845c-61440543a456" providerId="ADAL" clId="{26C7F00A-80DD-401B-832B-E7EF202E28C2}" dt="2024-06-14T04:24:44.734" v="6236" actId="20577"/>
+        <pc:sldMkLst>
+          <pc:docMk/>
+          <pc:sldMk cId="2169521787" sldId="286"/>
+        </pc:sldMkLst>
+        <pc:spChg chg="mod">
+          <ac:chgData name="Gibbons, Carl" userId="d2b037bc-8fb4-4222-845c-61440543a456" providerId="ADAL" clId="{26C7F00A-80DD-401B-832B-E7EF202E28C2}" dt="2024-06-14T03:53:36.567" v="4255" actId="20577"/>
+          <ac:spMkLst>
+            <pc:docMk/>
+            <pc:sldMk cId="2169521787" sldId="286"/>
+            <ac:spMk id="2" creationId="{64492E64-A68B-8CA7-B3C6-044F7C8E76AB}"/>
+          </ac:spMkLst>
+        </pc:spChg>
+        <pc:spChg chg="mod">
+          <ac:chgData name="Gibbons, Carl" userId="d2b037bc-8fb4-4222-845c-61440543a456" providerId="ADAL" clId="{26C7F00A-80DD-401B-832B-E7EF202E28C2}" dt="2024-06-14T04:24:44.734" v="6236" actId="20577"/>
+          <ac:spMkLst>
+            <pc:docMk/>
+            <pc:sldMk cId="2169521787" sldId="286"/>
             <ac:spMk id="4" creationId="{B64A8207-997F-319E-7F6D-676D3ECA779B}"/>
           </ac:spMkLst>
         </pc:spChg>
@@ -2500,7 +2500,7 @@
           <a:p>
             <a:fld id="{71087A05-F855-4434-8DDE-39A8542098A6}" type="datetimeFigureOut">
               <a:rPr lang="en-US" smtClean="0"/>
-              <a:t>12/17/2024</a:t>
+              <a:t>2/11/2025</a:t>
             </a:fld>
             <a:endParaRPr lang="en-US"/>
           </a:p>
@@ -2951,7 +2951,7 @@
           <a:p>
             <a:fld id="{71087A05-F855-4434-8DDE-39A8542098A6}" type="datetimeFigureOut">
               <a:rPr lang="en-US" smtClean="0"/>
-              <a:t>12/17/2024</a:t>
+              <a:t>2/11/2025</a:t>
             </a:fld>
             <a:endParaRPr lang="en-US"/>
           </a:p>
@@ -3124,7 +3124,7 @@
           <a:p>
             <a:fld id="{71087A05-F855-4434-8DDE-39A8542098A6}" type="datetimeFigureOut">
               <a:rPr lang="en-US" smtClean="0"/>
-              <a:t>12/17/2024</a:t>
+              <a:t>2/11/2025</a:t>
             </a:fld>
             <a:endParaRPr lang="en-US"/>
           </a:p>
@@ -3261,7 +3261,7 @@
           <a:p>
             <a:fld id="{71087A05-F855-4434-8DDE-39A8542098A6}" type="datetimeFigureOut">
               <a:rPr lang="en-US" smtClean="0"/>
-              <a:t>12/17/2024</a:t>
+              <a:t>2/11/2025</a:t>
             </a:fld>
             <a:endParaRPr lang="en-US"/>
           </a:p>
@@ -3605,7 +3605,7 @@
           <a:p>
             <a:fld id="{71087A05-F855-4434-8DDE-39A8542098A6}" type="datetimeFigureOut">
               <a:rPr lang="en-US" smtClean="0"/>
-              <a:t>12/17/2024</a:t>
+              <a:t>2/11/2025</a:t>
             </a:fld>
             <a:endParaRPr lang="en-US"/>
           </a:p>
@@ -3929,7 +3929,7 @@
           <a:p>
             <a:fld id="{71087A05-F855-4434-8DDE-39A8542098A6}" type="datetimeFigureOut">
               <a:rPr lang="en-US" smtClean="0"/>
-              <a:t>12/17/2024</a:t>
+              <a:t>2/11/2025</a:t>
             </a:fld>
             <a:endParaRPr lang="en-US"/>
           </a:p>
@@ -4167,7 +4167,7 @@
           <a:p>
             <a:fld id="{71087A05-F855-4434-8DDE-39A8542098A6}" type="datetimeFigureOut">
               <a:rPr lang="en-US" smtClean="0"/>
-              <a:t>12/17/2024</a:t>
+              <a:t>2/11/2025</a:t>
             </a:fld>
             <a:endParaRPr lang="en-US"/>
           </a:p>
@@ -4405,7 +4405,7 @@
           <a:p>
             <a:fld id="{71087A05-F855-4434-8DDE-39A8542098A6}" type="datetimeFigureOut">
               <a:rPr lang="en-US" smtClean="0"/>
-              <a:t>12/17/2024</a:t>
+              <a:t>2/11/2025</a:t>
             </a:fld>
             <a:endParaRPr lang="en-US"/>
           </a:p>
@@ -4839,7 +4839,7 @@
           <a:p>
             <a:fld id="{0BE24BAF-58C0-4D38-ABA0-4170CC92DC13}" type="datetimeFigureOut">
               <a:rPr lang="en-US" smtClean="0"/>
-              <a:t>12/17/2024</a:t>
+              <a:t>2/11/2025</a:t>
             </a:fld>
             <a:endParaRPr lang="en-US"/>
           </a:p>
@@ -5172,7 +5172,7 @@
           <a:p>
             <a:fld id="{71087A05-F855-4434-8DDE-39A8542098A6}" type="datetimeFigureOut">
               <a:rPr lang="en-US" smtClean="0"/>
-              <a:t>12/17/2024</a:t>
+              <a:t>2/11/2025</a:t>
             </a:fld>
             <a:endParaRPr lang="en-US"/>
           </a:p>
@@ -5477,7 +5477,7 @@
           <a:p>
             <a:fld id="{71087A05-F855-4434-8DDE-39A8542098A6}" type="datetimeFigureOut">
               <a:rPr lang="en-US" smtClean="0"/>
-              <a:t>12/17/2024</a:t>
+              <a:t>2/11/2025</a:t>
             </a:fld>
             <a:endParaRPr lang="en-US"/>
           </a:p>
@@ -5625,14 +5625,14 @@
           </a:ln>
           <a:extLst>
             <a:ext uri="{909E8E84-426E-40dd-AFC4-6F175D3DCCD1}">
-              <a14:hiddenFill xmlns:a14="http://schemas.microsoft.com/office/drawing/2010/main" xmlns="">
+              <a14:hiddenFill xmlns="" xmlns:a14="http://schemas.microsoft.com/office/drawing/2010/main">
                 <a:solidFill>
                   <a:srgbClr val="FFFFFF"/>
                 </a:solidFill>
               </a14:hiddenFill>
             </a:ext>
             <a:ext uri="{91240B29-F687-4f45-9708-019B960494DF}">
-              <a14:hiddenLine xmlns:a14="http://schemas.microsoft.com/office/drawing/2010/main" xmlns="" w="9525">
+              <a14:hiddenLine xmlns="" xmlns:a14="http://schemas.microsoft.com/office/drawing/2010/main" w="9525">
                 <a:solidFill>
                   <a:srgbClr val="000000"/>
                 </a:solidFill>
@@ -6804,7 +6804,7 @@
             </a:pPr>
             <a:r>
               <a:rPr lang="en-US" dirty="0"/>
-              <a:t>CIT 361/CYBER 360: Advanced Scripting</a:t>
+              <a:t>CYBER 360: Advanced Scripting</a:t>
             </a:r>
           </a:p>
         </p:txBody>
